--- a/Presentation.pptx
+++ b/Presentation.pptx
@@ -7,19 +7,20 @@
   <p:sldIdLst>
     <p:sldId id="256" r:id="rId2"/>
     <p:sldId id="257" r:id="rId3"/>
-    <p:sldId id="258" r:id="rId4"/>
-    <p:sldId id="259" r:id="rId5"/>
-    <p:sldId id="260" r:id="rId6"/>
-    <p:sldId id="261" r:id="rId7"/>
-    <p:sldId id="270" r:id="rId8"/>
-    <p:sldId id="269" r:id="rId9"/>
-    <p:sldId id="262" r:id="rId10"/>
-    <p:sldId id="268" r:id="rId11"/>
+    <p:sldId id="259" r:id="rId4"/>
+    <p:sldId id="260" r:id="rId5"/>
+    <p:sldId id="269" r:id="rId6"/>
+    <p:sldId id="268" r:id="rId7"/>
+    <p:sldId id="271" r:id="rId8"/>
+    <p:sldId id="273" r:id="rId9"/>
+    <p:sldId id="274" r:id="rId10"/>
+    <p:sldId id="275" r:id="rId11"/>
     <p:sldId id="263" r:id="rId12"/>
     <p:sldId id="264" r:id="rId13"/>
-    <p:sldId id="265" r:id="rId14"/>
-    <p:sldId id="267" r:id="rId15"/>
-    <p:sldId id="266" r:id="rId16"/>
+    <p:sldId id="276" r:id="rId14"/>
+    <p:sldId id="265" r:id="rId15"/>
+    <p:sldId id="267" r:id="rId16"/>
+    <p:sldId id="272" r:id="rId17"/>
   </p:sldIdLst>
   <p:sldSz cx="12192000" cy="6858000"/>
   <p:notesSz cx="6858000" cy="9144000"/>
@@ -118,3451 +119,12 @@
       </a:defRPr>
     </a:lvl9pPr>
   </p:defaultTextStyle>
+  <p:extLst>
+    <p:ext uri="{EFAFB233-063F-42B5-8137-9DF3F51BA10A}">
+      <p15:sldGuideLst xmlns:p15="http://schemas.microsoft.com/office/powerpoint/2012/main"/>
+    </p:ext>
+  </p:extLst>
 </p:presentation>
-</file>
-
-<file path=ppt/diagrams/colors1.xml><?xml version="1.0" encoding="utf-8"?>
-<dgm:colorsDef xmlns:dgm="http://schemas.openxmlformats.org/drawingml/2006/diagram" xmlns:a="http://schemas.openxmlformats.org/drawingml/2006/main" uniqueId="urn:microsoft.com/office/officeart/2005/8/colors/accent1_2">
-  <dgm:title val=""/>
-  <dgm:desc val=""/>
-  <dgm:catLst>
-    <dgm:cat type="accent1" pri="11200"/>
-  </dgm:catLst>
-  <dgm:styleLbl name="node0">
-    <dgm:fillClrLst meth="repeat">
-      <a:schemeClr val="accent1"/>
-    </dgm:fillClrLst>
-    <dgm:linClrLst meth="repeat">
-      <a:schemeClr val="lt1"/>
-    </dgm:linClrLst>
-    <dgm:effectClrLst/>
-    <dgm:txLinClrLst/>
-    <dgm:txFillClrLst/>
-    <dgm:txEffectClrLst/>
-  </dgm:styleLbl>
-  <dgm:styleLbl name="alignNode1">
-    <dgm:fillClrLst meth="repeat">
-      <a:schemeClr val="accent1"/>
-    </dgm:fillClrLst>
-    <dgm:linClrLst meth="repeat">
-      <a:schemeClr val="accent1"/>
-    </dgm:linClrLst>
-    <dgm:effectClrLst/>
-    <dgm:txLinClrLst/>
-    <dgm:txFillClrLst/>
-    <dgm:txEffectClrLst/>
-  </dgm:styleLbl>
-  <dgm:styleLbl name="node1">
-    <dgm:fillClrLst meth="repeat">
-      <a:schemeClr val="accent1"/>
-    </dgm:fillClrLst>
-    <dgm:linClrLst meth="repeat">
-      <a:schemeClr val="lt1"/>
-    </dgm:linClrLst>
-    <dgm:effectClrLst/>
-    <dgm:txLinClrLst/>
-    <dgm:txFillClrLst/>
-    <dgm:txEffectClrLst/>
-  </dgm:styleLbl>
-  <dgm:styleLbl name="lnNode1">
-    <dgm:fillClrLst meth="repeat">
-      <a:schemeClr val="accent1"/>
-    </dgm:fillClrLst>
-    <dgm:linClrLst meth="repeat">
-      <a:schemeClr val="lt1"/>
-    </dgm:linClrLst>
-    <dgm:effectClrLst/>
-    <dgm:txLinClrLst/>
-    <dgm:txFillClrLst/>
-    <dgm:txEffectClrLst/>
-  </dgm:styleLbl>
-  <dgm:styleLbl name="vennNode1">
-    <dgm:fillClrLst meth="repeat">
-      <a:schemeClr val="accent1">
-        <a:alpha val="50000"/>
-      </a:schemeClr>
-    </dgm:fillClrLst>
-    <dgm:linClrLst meth="repeat">
-      <a:schemeClr val="lt1"/>
-    </dgm:linClrLst>
-    <dgm:effectClrLst/>
-    <dgm:txLinClrLst/>
-    <dgm:txFillClrLst/>
-    <dgm:txEffectClrLst/>
-  </dgm:styleLbl>
-  <dgm:styleLbl name="node2">
-    <dgm:fillClrLst meth="repeat">
-      <a:schemeClr val="accent1"/>
-    </dgm:fillClrLst>
-    <dgm:linClrLst meth="repeat">
-      <a:schemeClr val="lt1"/>
-    </dgm:linClrLst>
-    <dgm:effectClrLst/>
-    <dgm:txLinClrLst/>
-    <dgm:txFillClrLst/>
-    <dgm:txEffectClrLst/>
-  </dgm:styleLbl>
-  <dgm:styleLbl name="node3">
-    <dgm:fillClrLst meth="repeat">
-      <a:schemeClr val="accent1"/>
-    </dgm:fillClrLst>
-    <dgm:linClrLst meth="repeat">
-      <a:schemeClr val="lt1"/>
-    </dgm:linClrLst>
-    <dgm:effectClrLst/>
-    <dgm:txLinClrLst/>
-    <dgm:txFillClrLst/>
-    <dgm:txEffectClrLst/>
-  </dgm:styleLbl>
-  <dgm:styleLbl name="node4">
-    <dgm:fillClrLst meth="repeat">
-      <a:schemeClr val="accent1"/>
-    </dgm:fillClrLst>
-    <dgm:linClrLst meth="repeat">
-      <a:schemeClr val="lt1"/>
-    </dgm:linClrLst>
-    <dgm:effectClrLst/>
-    <dgm:txLinClrLst/>
-    <dgm:txFillClrLst/>
-    <dgm:txEffectClrLst/>
-  </dgm:styleLbl>
-  <dgm:styleLbl name="fgImgPlace1">
-    <dgm:fillClrLst meth="repeat">
-      <a:schemeClr val="accent1">
-        <a:tint val="50000"/>
-      </a:schemeClr>
-    </dgm:fillClrLst>
-    <dgm:linClrLst meth="repeat">
-      <a:schemeClr val="lt1"/>
-    </dgm:linClrLst>
-    <dgm:effectClrLst/>
-    <dgm:txLinClrLst/>
-    <dgm:txFillClrLst meth="repeat">
-      <a:schemeClr val="lt1"/>
-    </dgm:txFillClrLst>
-    <dgm:txEffectClrLst/>
-  </dgm:styleLbl>
-  <dgm:styleLbl name="alignImgPlace1">
-    <dgm:fillClrLst meth="repeat">
-      <a:schemeClr val="accent1">
-        <a:tint val="50000"/>
-      </a:schemeClr>
-    </dgm:fillClrLst>
-    <dgm:linClrLst meth="repeat">
-      <a:schemeClr val="lt1"/>
-    </dgm:linClrLst>
-    <dgm:effectClrLst/>
-    <dgm:txLinClrLst/>
-    <dgm:txFillClrLst meth="repeat">
-      <a:schemeClr val="lt1"/>
-    </dgm:txFillClrLst>
-    <dgm:txEffectClrLst/>
-  </dgm:styleLbl>
-  <dgm:styleLbl name="bgImgPlace1">
-    <dgm:fillClrLst meth="repeat">
-      <a:schemeClr val="accent1">
-        <a:tint val="50000"/>
-      </a:schemeClr>
-    </dgm:fillClrLst>
-    <dgm:linClrLst meth="repeat">
-      <a:schemeClr val="lt1"/>
-    </dgm:linClrLst>
-    <dgm:effectClrLst/>
-    <dgm:txLinClrLst/>
-    <dgm:txFillClrLst meth="repeat">
-      <a:schemeClr val="lt1"/>
-    </dgm:txFillClrLst>
-    <dgm:txEffectClrLst/>
-  </dgm:styleLbl>
-  <dgm:styleLbl name="sibTrans2D1">
-    <dgm:fillClrLst meth="repeat">
-      <a:schemeClr val="accent1">
-        <a:tint val="60000"/>
-      </a:schemeClr>
-    </dgm:fillClrLst>
-    <dgm:linClrLst meth="repeat">
-      <a:schemeClr val="accent1">
-        <a:tint val="60000"/>
-      </a:schemeClr>
-    </dgm:linClrLst>
-    <dgm:effectClrLst/>
-    <dgm:txLinClrLst/>
-    <dgm:txFillClrLst/>
-    <dgm:txEffectClrLst/>
-  </dgm:styleLbl>
-  <dgm:styleLbl name="fgSibTrans2D1">
-    <dgm:fillClrLst meth="repeat">
-      <a:schemeClr val="accent1">
-        <a:tint val="60000"/>
-      </a:schemeClr>
-    </dgm:fillClrLst>
-    <dgm:linClrLst meth="repeat">
-      <a:schemeClr val="accent1">
-        <a:tint val="60000"/>
-      </a:schemeClr>
-    </dgm:linClrLst>
-    <dgm:effectClrLst/>
-    <dgm:txLinClrLst/>
-    <dgm:txFillClrLst/>
-    <dgm:txEffectClrLst/>
-  </dgm:styleLbl>
-  <dgm:styleLbl name="bgSibTrans2D1">
-    <dgm:fillClrLst meth="repeat">
-      <a:schemeClr val="accent1">
-        <a:tint val="60000"/>
-      </a:schemeClr>
-    </dgm:fillClrLst>
-    <dgm:linClrLst meth="repeat">
-      <a:schemeClr val="accent1">
-        <a:tint val="60000"/>
-      </a:schemeClr>
-    </dgm:linClrLst>
-    <dgm:effectClrLst/>
-    <dgm:txLinClrLst/>
-    <dgm:txFillClrLst/>
-    <dgm:txEffectClrLst/>
-  </dgm:styleLbl>
-  <dgm:styleLbl name="sibTrans1D1">
-    <dgm:fillClrLst meth="repeat">
-      <a:schemeClr val="accent1"/>
-    </dgm:fillClrLst>
-    <dgm:linClrLst meth="repeat">
-      <a:schemeClr val="accent1"/>
-    </dgm:linClrLst>
-    <dgm:effectClrLst/>
-    <dgm:txLinClrLst/>
-    <dgm:txFillClrLst meth="repeat">
-      <a:schemeClr val="tx1"/>
-    </dgm:txFillClrLst>
-    <dgm:txEffectClrLst/>
-  </dgm:styleLbl>
-  <dgm:styleLbl name="callout">
-    <dgm:fillClrLst meth="repeat">
-      <a:schemeClr val="accent1"/>
-    </dgm:fillClrLst>
-    <dgm:linClrLst meth="repeat">
-      <a:schemeClr val="accent1">
-        <a:tint val="50000"/>
-      </a:schemeClr>
-    </dgm:linClrLst>
-    <dgm:effectClrLst/>
-    <dgm:txLinClrLst/>
-    <dgm:txFillClrLst meth="repeat">
-      <a:schemeClr val="tx1"/>
-    </dgm:txFillClrLst>
-    <dgm:txEffectClrLst/>
-  </dgm:styleLbl>
-  <dgm:styleLbl name="asst0">
-    <dgm:fillClrLst meth="repeat">
-      <a:schemeClr val="accent1"/>
-    </dgm:fillClrLst>
-    <dgm:linClrLst meth="repeat">
-      <a:schemeClr val="lt1"/>
-    </dgm:linClrLst>
-    <dgm:effectClrLst/>
-    <dgm:txLinClrLst/>
-    <dgm:txFillClrLst/>
-    <dgm:txEffectClrLst/>
-  </dgm:styleLbl>
-  <dgm:styleLbl name="asst1">
-    <dgm:fillClrLst meth="repeat">
-      <a:schemeClr val="accent1"/>
-    </dgm:fillClrLst>
-    <dgm:linClrLst meth="repeat">
-      <a:schemeClr val="lt1"/>
-    </dgm:linClrLst>
-    <dgm:effectClrLst/>
-    <dgm:txLinClrLst/>
-    <dgm:txFillClrLst/>
-    <dgm:txEffectClrLst/>
-  </dgm:styleLbl>
-  <dgm:styleLbl name="asst2">
-    <dgm:fillClrLst meth="repeat">
-      <a:schemeClr val="accent1"/>
-    </dgm:fillClrLst>
-    <dgm:linClrLst meth="repeat">
-      <a:schemeClr val="lt1"/>
-    </dgm:linClrLst>
-    <dgm:effectClrLst/>
-    <dgm:txLinClrLst/>
-    <dgm:txFillClrLst/>
-    <dgm:txEffectClrLst/>
-  </dgm:styleLbl>
-  <dgm:styleLbl name="asst3">
-    <dgm:fillClrLst meth="repeat">
-      <a:schemeClr val="accent1"/>
-    </dgm:fillClrLst>
-    <dgm:linClrLst meth="repeat">
-      <a:schemeClr val="lt1"/>
-    </dgm:linClrLst>
-    <dgm:effectClrLst/>
-    <dgm:txLinClrLst/>
-    <dgm:txFillClrLst/>
-    <dgm:txEffectClrLst/>
-  </dgm:styleLbl>
-  <dgm:styleLbl name="asst4">
-    <dgm:fillClrLst meth="repeat">
-      <a:schemeClr val="accent1"/>
-    </dgm:fillClrLst>
-    <dgm:linClrLst meth="repeat">
-      <a:schemeClr val="lt1"/>
-    </dgm:linClrLst>
-    <dgm:effectClrLst/>
-    <dgm:txLinClrLst/>
-    <dgm:txFillClrLst/>
-    <dgm:txEffectClrLst/>
-  </dgm:styleLbl>
-  <dgm:styleLbl name="parChTrans2D1">
-    <dgm:fillClrLst meth="repeat">
-      <a:schemeClr val="accent1">
-        <a:tint val="60000"/>
-      </a:schemeClr>
-    </dgm:fillClrLst>
-    <dgm:linClrLst meth="repeat">
-      <a:schemeClr val="accent1">
-        <a:tint val="60000"/>
-      </a:schemeClr>
-    </dgm:linClrLst>
-    <dgm:effectClrLst/>
-    <dgm:txLinClrLst/>
-    <dgm:txFillClrLst meth="repeat">
-      <a:schemeClr val="lt1"/>
-    </dgm:txFillClrLst>
-    <dgm:txEffectClrLst/>
-  </dgm:styleLbl>
-  <dgm:styleLbl name="parChTrans2D2">
-    <dgm:fillClrLst meth="repeat">
-      <a:schemeClr val="accent1"/>
-    </dgm:fillClrLst>
-    <dgm:linClrLst meth="repeat">
-      <a:schemeClr val="accent1"/>
-    </dgm:linClrLst>
-    <dgm:effectClrLst/>
-    <dgm:txLinClrLst/>
-    <dgm:txFillClrLst meth="repeat">
-      <a:schemeClr val="lt1"/>
-    </dgm:txFillClrLst>
-    <dgm:txEffectClrLst/>
-  </dgm:styleLbl>
-  <dgm:styleLbl name="parChTrans2D3">
-    <dgm:fillClrLst meth="repeat">
-      <a:schemeClr val="accent1"/>
-    </dgm:fillClrLst>
-    <dgm:linClrLst meth="repeat">
-      <a:schemeClr val="accent1"/>
-    </dgm:linClrLst>
-    <dgm:effectClrLst/>
-    <dgm:txLinClrLst/>
-    <dgm:txFillClrLst meth="repeat">
-      <a:schemeClr val="lt1"/>
-    </dgm:txFillClrLst>
-    <dgm:txEffectClrLst/>
-  </dgm:styleLbl>
-  <dgm:styleLbl name="parChTrans2D4">
-    <dgm:fillClrLst meth="repeat">
-      <a:schemeClr val="accent1"/>
-    </dgm:fillClrLst>
-    <dgm:linClrLst meth="repeat">
-      <a:schemeClr val="accent1"/>
-    </dgm:linClrLst>
-    <dgm:effectClrLst/>
-    <dgm:txLinClrLst/>
-    <dgm:txFillClrLst meth="repeat">
-      <a:schemeClr val="lt1"/>
-    </dgm:txFillClrLst>
-    <dgm:txEffectClrLst/>
-  </dgm:styleLbl>
-  <dgm:styleLbl name="parChTrans1D1">
-    <dgm:fillClrLst meth="repeat">
-      <a:schemeClr val="accent1"/>
-    </dgm:fillClrLst>
-    <dgm:linClrLst meth="repeat">
-      <a:schemeClr val="accent1">
-        <a:shade val="60000"/>
-      </a:schemeClr>
-    </dgm:linClrLst>
-    <dgm:effectClrLst/>
-    <dgm:txLinClrLst/>
-    <dgm:txFillClrLst meth="repeat">
-      <a:schemeClr val="tx1"/>
-    </dgm:txFillClrLst>
-    <dgm:txEffectClrLst/>
-  </dgm:styleLbl>
-  <dgm:styleLbl name="parChTrans1D2">
-    <dgm:fillClrLst meth="repeat">
-      <a:schemeClr val="accent1"/>
-    </dgm:fillClrLst>
-    <dgm:linClrLst meth="repeat">
-      <a:schemeClr val="accent1">
-        <a:shade val="60000"/>
-      </a:schemeClr>
-    </dgm:linClrLst>
-    <dgm:effectClrLst/>
-    <dgm:txLinClrLst/>
-    <dgm:txFillClrLst meth="repeat">
-      <a:schemeClr val="tx1"/>
-    </dgm:txFillClrLst>
-    <dgm:txEffectClrLst/>
-  </dgm:styleLbl>
-  <dgm:styleLbl name="parChTrans1D3">
-    <dgm:fillClrLst meth="repeat">
-      <a:schemeClr val="accent1"/>
-    </dgm:fillClrLst>
-    <dgm:linClrLst meth="repeat">
-      <a:schemeClr val="accent1">
-        <a:shade val="80000"/>
-      </a:schemeClr>
-    </dgm:linClrLst>
-    <dgm:effectClrLst/>
-    <dgm:txLinClrLst/>
-    <dgm:txFillClrLst meth="repeat">
-      <a:schemeClr val="tx1"/>
-    </dgm:txFillClrLst>
-    <dgm:txEffectClrLst/>
-  </dgm:styleLbl>
-  <dgm:styleLbl name="parChTrans1D4">
-    <dgm:fillClrLst meth="repeat">
-      <a:schemeClr val="accent1"/>
-    </dgm:fillClrLst>
-    <dgm:linClrLst meth="repeat">
-      <a:schemeClr val="accent1">
-        <a:shade val="80000"/>
-      </a:schemeClr>
-    </dgm:linClrLst>
-    <dgm:effectClrLst/>
-    <dgm:txLinClrLst/>
-    <dgm:txFillClrLst meth="repeat">
-      <a:schemeClr val="tx1"/>
-    </dgm:txFillClrLst>
-    <dgm:txEffectClrLst/>
-  </dgm:styleLbl>
-  <dgm:styleLbl name="fgAcc1">
-    <dgm:fillClrLst meth="repeat">
-      <a:schemeClr val="lt1">
-        <a:alpha val="90000"/>
-      </a:schemeClr>
-    </dgm:fillClrLst>
-    <dgm:linClrLst meth="repeat">
-      <a:schemeClr val="accent1"/>
-    </dgm:linClrLst>
-    <dgm:effectClrLst/>
-    <dgm:txLinClrLst/>
-    <dgm:txFillClrLst meth="repeat">
-      <a:schemeClr val="dk1"/>
-    </dgm:txFillClrLst>
-    <dgm:txEffectClrLst/>
-  </dgm:styleLbl>
-  <dgm:styleLbl name="conFgAcc1">
-    <dgm:fillClrLst meth="repeat">
-      <a:schemeClr val="lt1">
-        <a:alpha val="90000"/>
-      </a:schemeClr>
-    </dgm:fillClrLst>
-    <dgm:linClrLst meth="repeat">
-      <a:schemeClr val="accent1"/>
-    </dgm:linClrLst>
-    <dgm:effectClrLst/>
-    <dgm:txLinClrLst/>
-    <dgm:txFillClrLst meth="repeat">
-      <a:schemeClr val="dk1"/>
-    </dgm:txFillClrLst>
-    <dgm:txEffectClrLst/>
-  </dgm:styleLbl>
-  <dgm:styleLbl name="alignAcc1">
-    <dgm:fillClrLst meth="repeat">
-      <a:schemeClr val="lt1">
-        <a:alpha val="90000"/>
-      </a:schemeClr>
-    </dgm:fillClrLst>
-    <dgm:linClrLst meth="repeat">
-      <a:schemeClr val="accent1"/>
-    </dgm:linClrLst>
-    <dgm:effectClrLst/>
-    <dgm:txLinClrLst/>
-    <dgm:txFillClrLst meth="repeat">
-      <a:schemeClr val="dk1"/>
-    </dgm:txFillClrLst>
-    <dgm:txEffectClrLst/>
-  </dgm:styleLbl>
-  <dgm:styleLbl name="trAlignAcc1">
-    <dgm:fillClrLst meth="repeat">
-      <a:schemeClr val="lt1">
-        <a:alpha val="40000"/>
-      </a:schemeClr>
-    </dgm:fillClrLst>
-    <dgm:linClrLst meth="repeat">
-      <a:schemeClr val="accent1"/>
-    </dgm:linClrLst>
-    <dgm:effectClrLst/>
-    <dgm:txLinClrLst/>
-    <dgm:txFillClrLst meth="repeat">
-      <a:schemeClr val="dk1"/>
-    </dgm:txFillClrLst>
-    <dgm:txEffectClrLst/>
-  </dgm:styleLbl>
-  <dgm:styleLbl name="bgAcc1">
-    <dgm:fillClrLst meth="repeat">
-      <a:schemeClr val="lt1">
-        <a:alpha val="90000"/>
-      </a:schemeClr>
-    </dgm:fillClrLst>
-    <dgm:linClrLst meth="repeat">
-      <a:schemeClr val="accent1"/>
-    </dgm:linClrLst>
-    <dgm:effectClrLst/>
-    <dgm:txLinClrLst/>
-    <dgm:txFillClrLst meth="repeat">
-      <a:schemeClr val="dk1"/>
-    </dgm:txFillClrLst>
-    <dgm:txEffectClrLst/>
-  </dgm:styleLbl>
-  <dgm:styleLbl name="solidFgAcc1">
-    <dgm:fillClrLst meth="repeat">
-      <a:schemeClr val="lt1"/>
-    </dgm:fillClrLst>
-    <dgm:linClrLst meth="repeat">
-      <a:schemeClr val="accent1"/>
-    </dgm:linClrLst>
-    <dgm:effectClrLst/>
-    <dgm:txLinClrLst/>
-    <dgm:txFillClrLst meth="repeat">
-      <a:schemeClr val="dk1"/>
-    </dgm:txFillClrLst>
-    <dgm:txEffectClrLst/>
-  </dgm:styleLbl>
-  <dgm:styleLbl name="solidAlignAcc1">
-    <dgm:fillClrLst meth="repeat">
-      <a:schemeClr val="lt1"/>
-    </dgm:fillClrLst>
-    <dgm:linClrLst meth="repeat">
-      <a:schemeClr val="accent1"/>
-    </dgm:linClrLst>
-    <dgm:effectClrLst/>
-    <dgm:txLinClrLst/>
-    <dgm:txFillClrLst meth="repeat">
-      <a:schemeClr val="dk1"/>
-    </dgm:txFillClrLst>
-    <dgm:txEffectClrLst/>
-  </dgm:styleLbl>
-  <dgm:styleLbl name="solidBgAcc1">
-    <dgm:fillClrLst meth="repeat">
-      <a:schemeClr val="lt1"/>
-    </dgm:fillClrLst>
-    <dgm:linClrLst meth="repeat">
-      <a:schemeClr val="accent1"/>
-    </dgm:linClrLst>
-    <dgm:effectClrLst/>
-    <dgm:txLinClrLst/>
-    <dgm:txFillClrLst meth="repeat">
-      <a:schemeClr val="dk1"/>
-    </dgm:txFillClrLst>
-    <dgm:txEffectClrLst/>
-  </dgm:styleLbl>
-  <dgm:styleLbl name="fgAccFollowNode1">
-    <dgm:fillClrLst meth="repeat">
-      <a:schemeClr val="accent1">
-        <a:alpha val="90000"/>
-        <a:tint val="40000"/>
-      </a:schemeClr>
-    </dgm:fillClrLst>
-    <dgm:linClrLst meth="repeat">
-      <a:schemeClr val="accent1">
-        <a:alpha val="90000"/>
-        <a:tint val="40000"/>
-      </a:schemeClr>
-    </dgm:linClrLst>
-    <dgm:effectClrLst/>
-    <dgm:txLinClrLst/>
-    <dgm:txFillClrLst meth="repeat">
-      <a:schemeClr val="dk1"/>
-    </dgm:txFillClrLst>
-    <dgm:txEffectClrLst/>
-  </dgm:styleLbl>
-  <dgm:styleLbl name="alignAccFollowNode1">
-    <dgm:fillClrLst meth="repeat">
-      <a:schemeClr val="accent1">
-        <a:alpha val="90000"/>
-        <a:tint val="40000"/>
-      </a:schemeClr>
-    </dgm:fillClrLst>
-    <dgm:linClrLst meth="repeat">
-      <a:schemeClr val="accent1">
-        <a:alpha val="90000"/>
-        <a:tint val="40000"/>
-      </a:schemeClr>
-    </dgm:linClrLst>
-    <dgm:effectClrLst/>
-    <dgm:txLinClrLst/>
-    <dgm:txFillClrLst meth="repeat">
-      <a:schemeClr val="dk1"/>
-    </dgm:txFillClrLst>
-    <dgm:txEffectClrLst/>
-  </dgm:styleLbl>
-  <dgm:styleLbl name="bgAccFollowNode1">
-    <dgm:fillClrLst meth="repeat">
-      <a:schemeClr val="accent1">
-        <a:alpha val="90000"/>
-        <a:tint val="40000"/>
-      </a:schemeClr>
-    </dgm:fillClrLst>
-    <dgm:linClrLst meth="repeat">
-      <a:schemeClr val="accent1">
-        <a:alpha val="90000"/>
-        <a:tint val="40000"/>
-      </a:schemeClr>
-    </dgm:linClrLst>
-    <dgm:effectClrLst/>
-    <dgm:txLinClrLst/>
-    <dgm:txFillClrLst meth="repeat">
-      <a:schemeClr val="dk1"/>
-    </dgm:txFillClrLst>
-    <dgm:txEffectClrLst/>
-  </dgm:styleLbl>
-  <dgm:styleLbl name="fgAcc0">
-    <dgm:fillClrLst meth="repeat">
-      <a:schemeClr val="lt1">
-        <a:alpha val="90000"/>
-      </a:schemeClr>
-    </dgm:fillClrLst>
-    <dgm:linClrLst meth="repeat">
-      <a:schemeClr val="accent1"/>
-    </dgm:linClrLst>
-    <dgm:effectClrLst/>
-    <dgm:txLinClrLst/>
-    <dgm:txFillClrLst meth="repeat">
-      <a:schemeClr val="dk1"/>
-    </dgm:txFillClrLst>
-    <dgm:txEffectClrLst/>
-  </dgm:styleLbl>
-  <dgm:styleLbl name="fgAcc2">
-    <dgm:fillClrLst meth="repeat">
-      <a:schemeClr val="lt1">
-        <a:alpha val="90000"/>
-      </a:schemeClr>
-    </dgm:fillClrLst>
-    <dgm:linClrLst meth="repeat">
-      <a:schemeClr val="accent1"/>
-    </dgm:linClrLst>
-    <dgm:effectClrLst/>
-    <dgm:txLinClrLst/>
-    <dgm:txFillClrLst meth="repeat">
-      <a:schemeClr val="dk1"/>
-    </dgm:txFillClrLst>
-    <dgm:txEffectClrLst/>
-  </dgm:styleLbl>
-  <dgm:styleLbl name="fgAcc3">
-    <dgm:fillClrLst meth="repeat">
-      <a:schemeClr val="lt1">
-        <a:alpha val="90000"/>
-      </a:schemeClr>
-    </dgm:fillClrLst>
-    <dgm:linClrLst meth="repeat">
-      <a:schemeClr val="accent1"/>
-    </dgm:linClrLst>
-    <dgm:effectClrLst/>
-    <dgm:txLinClrLst/>
-    <dgm:txFillClrLst meth="repeat">
-      <a:schemeClr val="dk1"/>
-    </dgm:txFillClrLst>
-    <dgm:txEffectClrLst/>
-  </dgm:styleLbl>
-  <dgm:styleLbl name="fgAcc4">
-    <dgm:fillClrLst meth="repeat">
-      <a:schemeClr val="lt1">
-        <a:alpha val="90000"/>
-      </a:schemeClr>
-    </dgm:fillClrLst>
-    <dgm:linClrLst meth="repeat">
-      <a:schemeClr val="accent1"/>
-    </dgm:linClrLst>
-    <dgm:effectClrLst/>
-    <dgm:txLinClrLst/>
-    <dgm:txFillClrLst meth="repeat">
-      <a:schemeClr val="dk1"/>
-    </dgm:txFillClrLst>
-    <dgm:txEffectClrLst/>
-  </dgm:styleLbl>
-  <dgm:styleLbl name="bgShp">
-    <dgm:fillClrLst meth="repeat">
-      <a:schemeClr val="accent1">
-        <a:tint val="40000"/>
-      </a:schemeClr>
-    </dgm:fillClrLst>
-    <dgm:linClrLst meth="repeat">
-      <a:schemeClr val="accent1"/>
-    </dgm:linClrLst>
-    <dgm:effectClrLst/>
-    <dgm:txLinClrLst/>
-    <dgm:txFillClrLst meth="repeat">
-      <a:schemeClr val="dk1"/>
-    </dgm:txFillClrLst>
-    <dgm:txEffectClrLst/>
-  </dgm:styleLbl>
-  <dgm:styleLbl name="dkBgShp">
-    <dgm:fillClrLst meth="repeat">
-      <a:schemeClr val="accent1">
-        <a:shade val="80000"/>
-      </a:schemeClr>
-    </dgm:fillClrLst>
-    <dgm:linClrLst meth="repeat">
-      <a:schemeClr val="accent1"/>
-    </dgm:linClrLst>
-    <dgm:effectClrLst/>
-    <dgm:txLinClrLst/>
-    <dgm:txFillClrLst meth="repeat">
-      <a:schemeClr val="lt1"/>
-    </dgm:txFillClrLst>
-    <dgm:txEffectClrLst/>
-  </dgm:styleLbl>
-  <dgm:styleLbl name="trBgShp">
-    <dgm:fillClrLst meth="repeat">
-      <a:schemeClr val="accent1">
-        <a:tint val="50000"/>
-        <a:alpha val="40000"/>
-      </a:schemeClr>
-    </dgm:fillClrLst>
-    <dgm:linClrLst meth="repeat">
-      <a:schemeClr val="accent1"/>
-    </dgm:linClrLst>
-    <dgm:effectClrLst/>
-    <dgm:txLinClrLst/>
-    <dgm:txFillClrLst meth="repeat">
-      <a:schemeClr val="lt1"/>
-    </dgm:txFillClrLst>
-    <dgm:txEffectClrLst/>
-  </dgm:styleLbl>
-  <dgm:styleLbl name="fgShp">
-    <dgm:fillClrLst meth="repeat">
-      <a:schemeClr val="accent1">
-        <a:tint val="60000"/>
-      </a:schemeClr>
-    </dgm:fillClrLst>
-    <dgm:linClrLst meth="repeat">
-      <a:schemeClr val="lt1"/>
-    </dgm:linClrLst>
-    <dgm:effectClrLst/>
-    <dgm:txLinClrLst/>
-    <dgm:txFillClrLst meth="repeat">
-      <a:schemeClr val="dk1"/>
-    </dgm:txFillClrLst>
-    <dgm:txEffectClrLst/>
-  </dgm:styleLbl>
-  <dgm:styleLbl name="revTx">
-    <dgm:fillClrLst meth="repeat">
-      <a:schemeClr val="lt1">
-        <a:alpha val="0"/>
-      </a:schemeClr>
-    </dgm:fillClrLst>
-    <dgm:linClrLst meth="repeat">
-      <a:schemeClr val="dk1">
-        <a:alpha val="0"/>
-      </a:schemeClr>
-    </dgm:linClrLst>
-    <dgm:effectClrLst/>
-    <dgm:txLinClrLst/>
-    <dgm:txFillClrLst meth="repeat">
-      <a:schemeClr val="tx1"/>
-    </dgm:txFillClrLst>
-    <dgm:txEffectClrLst/>
-  </dgm:styleLbl>
-</dgm:colorsDef>
-</file>
-
-<file path=ppt/diagrams/data1.xml><?xml version="1.0" encoding="utf-8"?>
-<dgm:dataModel xmlns:dgm="http://schemas.openxmlformats.org/drawingml/2006/diagram" xmlns:a="http://schemas.openxmlformats.org/drawingml/2006/main">
-  <dgm:ptLst>
-    <dgm:pt modelId="{99C64E5C-3DE7-3149-8AFB-CB83C3349FD0}" type="doc">
-      <dgm:prSet loTypeId="urn:microsoft.com/office/officeart/2005/8/layout/lProcess3" loCatId="" qsTypeId="urn:microsoft.com/office/officeart/2005/8/quickstyle/simple1" qsCatId="simple" csTypeId="urn:microsoft.com/office/officeart/2005/8/colors/accent1_2" csCatId="accent1" phldr="1"/>
-      <dgm:spPr/>
-      <dgm:t>
-        <a:bodyPr/>
-        <a:lstStyle/>
-        <a:p>
-          <a:endParaRPr lang="en-GB"/>
-        </a:p>
-      </dgm:t>
-    </dgm:pt>
-    <dgm:pt modelId="{E5B27265-4D28-E244-8B67-4330B65847CC}">
-      <dgm:prSet custT="1"/>
-      <dgm:spPr/>
-      <dgm:t>
-        <a:bodyPr/>
-        <a:lstStyle/>
-        <a:p>
-          <a:r>
-            <a:rPr lang="en-GB" sz="4000" dirty="0"/>
-            <a:t>Type</a:t>
-          </a:r>
-        </a:p>
-      </dgm:t>
-    </dgm:pt>
-    <dgm:pt modelId="{EAA7EA18-0663-5441-983B-B1CFF0877928}" type="parTrans" cxnId="{1CA67F91-53DB-AB42-A815-A29D34709853}">
-      <dgm:prSet/>
-      <dgm:spPr/>
-      <dgm:t>
-        <a:bodyPr/>
-        <a:lstStyle/>
-        <a:p>
-          <a:endParaRPr lang="en-GB"/>
-        </a:p>
-      </dgm:t>
-    </dgm:pt>
-    <dgm:pt modelId="{B3592AE0-4613-C84F-BCE9-320C1FECFAC3}" type="sibTrans" cxnId="{1CA67F91-53DB-AB42-A815-A29D34709853}">
-      <dgm:prSet/>
-      <dgm:spPr/>
-      <dgm:t>
-        <a:bodyPr/>
-        <a:lstStyle/>
-        <a:p>
-          <a:endParaRPr lang="en-GB"/>
-        </a:p>
-      </dgm:t>
-    </dgm:pt>
-    <dgm:pt modelId="{5D9A5581-7E45-E04D-A2DB-E669542E8E3E}">
-      <dgm:prSet phldrT="[Text]" custT="1"/>
-      <dgm:spPr/>
-      <dgm:t>
-        <a:bodyPr/>
-        <a:lstStyle/>
-        <a:p>
-          <a:r>
-            <a:rPr lang="en-GB" sz="4000" b="1" dirty="0"/>
-            <a:t>Architecture</a:t>
-          </a:r>
-          <a:endParaRPr lang="en-GB" sz="4900" dirty="0"/>
-        </a:p>
-      </dgm:t>
-    </dgm:pt>
-    <dgm:pt modelId="{B228CD02-48DD-8E48-B3F8-C86F2C7A675A}" type="parTrans" cxnId="{EAF0DE24-367F-9145-A45E-A1112757C4EE}">
-      <dgm:prSet/>
-      <dgm:spPr/>
-      <dgm:t>
-        <a:bodyPr/>
-        <a:lstStyle/>
-        <a:p>
-          <a:endParaRPr lang="en-GB"/>
-        </a:p>
-      </dgm:t>
-    </dgm:pt>
-    <dgm:pt modelId="{CF0BE89D-C861-4E49-8EB7-51C637E2EA03}" type="sibTrans" cxnId="{EAF0DE24-367F-9145-A45E-A1112757C4EE}">
-      <dgm:prSet/>
-      <dgm:spPr/>
-      <dgm:t>
-        <a:bodyPr/>
-        <a:lstStyle/>
-        <a:p>
-          <a:endParaRPr lang="en-GB"/>
-        </a:p>
-      </dgm:t>
-    </dgm:pt>
-    <dgm:pt modelId="{23E4C466-D084-7845-83FC-FD60B6916A87}">
-      <dgm:prSet phldrT="[Text]"/>
-      <dgm:spPr/>
-      <dgm:t>
-        <a:bodyPr/>
-        <a:lstStyle/>
-        <a:p>
-          <a:pPr algn="l"/>
-          <a:r>
-            <a:rPr lang="en-GB" dirty="0"/>
-            <a:t>Multi-tenant</a:t>
-          </a:r>
-        </a:p>
-      </dgm:t>
-    </dgm:pt>
-    <dgm:pt modelId="{B1FBF75B-7DDE-5548-8CB4-A6596F10ACF3}" type="parTrans" cxnId="{E208F349-54C8-264E-BD87-4E36AA1AA18F}">
-      <dgm:prSet/>
-      <dgm:spPr/>
-      <dgm:t>
-        <a:bodyPr/>
-        <a:lstStyle/>
-        <a:p>
-          <a:endParaRPr lang="en-GB"/>
-        </a:p>
-      </dgm:t>
-    </dgm:pt>
-    <dgm:pt modelId="{F7BA51AB-BE58-D744-A9D7-E6F9CD02DF63}" type="sibTrans" cxnId="{E208F349-54C8-264E-BD87-4E36AA1AA18F}">
-      <dgm:prSet/>
-      <dgm:spPr/>
-      <dgm:t>
-        <a:bodyPr/>
-        <a:lstStyle/>
-        <a:p>
-          <a:endParaRPr lang="en-GB"/>
-        </a:p>
-      </dgm:t>
-    </dgm:pt>
-    <dgm:pt modelId="{FA934A60-4845-DE45-8F8F-7BD9C91091FE}">
-      <dgm:prSet/>
-      <dgm:spPr/>
-      <dgm:t>
-        <a:bodyPr/>
-        <a:lstStyle/>
-        <a:p>
-          <a:pPr algn="l"/>
-          <a:r>
-            <a:rPr lang="en-GB" dirty="0"/>
-            <a:t>Cloud-hosted (SaaS)</a:t>
-          </a:r>
-        </a:p>
-      </dgm:t>
-    </dgm:pt>
-    <dgm:pt modelId="{42163FC0-049D-2C4F-B0B3-3F22A50F28BB}" type="parTrans" cxnId="{33943D32-27EE-5D42-A5F9-9AC60F6B9547}">
-      <dgm:prSet/>
-      <dgm:spPr/>
-      <dgm:t>
-        <a:bodyPr/>
-        <a:lstStyle/>
-        <a:p>
-          <a:endParaRPr lang="en-GB"/>
-        </a:p>
-      </dgm:t>
-    </dgm:pt>
-    <dgm:pt modelId="{5125BAA5-A1EE-B946-9C75-71B42BA5B749}" type="sibTrans" cxnId="{33943D32-27EE-5D42-A5F9-9AC60F6B9547}">
-      <dgm:prSet/>
-      <dgm:spPr/>
-      <dgm:t>
-        <a:bodyPr/>
-        <a:lstStyle/>
-        <a:p>
-          <a:endParaRPr lang="en-GB"/>
-        </a:p>
-      </dgm:t>
-    </dgm:pt>
-    <dgm:pt modelId="{1764D7C2-5A4F-BB4C-B3BD-94C8EFB75C9B}">
-      <dgm:prSet custT="1"/>
-      <dgm:spPr/>
-      <dgm:t>
-        <a:bodyPr/>
-        <a:lstStyle/>
-        <a:p>
-          <a:r>
-            <a:rPr lang="en-GB" sz="4000" b="1" dirty="0"/>
-            <a:t>Interface</a:t>
-          </a:r>
-          <a:endParaRPr lang="en-GB" sz="4000" dirty="0"/>
-        </a:p>
-      </dgm:t>
-    </dgm:pt>
-    <dgm:pt modelId="{6FCD6E87-8A04-234F-BFAE-2C30C7CD1F2D}" type="parTrans" cxnId="{FD43CEF0-0267-9E41-9E7D-C5D8D64C9F4A}">
-      <dgm:prSet/>
-      <dgm:spPr/>
-      <dgm:t>
-        <a:bodyPr/>
-        <a:lstStyle/>
-        <a:p>
-          <a:endParaRPr lang="en-GB"/>
-        </a:p>
-      </dgm:t>
-    </dgm:pt>
-    <dgm:pt modelId="{C47379AC-DF5D-5E4A-BA65-9EDACD782E32}" type="sibTrans" cxnId="{FD43CEF0-0267-9E41-9E7D-C5D8D64C9F4A}">
-      <dgm:prSet/>
-      <dgm:spPr/>
-      <dgm:t>
-        <a:bodyPr/>
-        <a:lstStyle/>
-        <a:p>
-          <a:endParaRPr lang="en-GB"/>
-        </a:p>
-      </dgm:t>
-    </dgm:pt>
-    <dgm:pt modelId="{D25D0943-3F76-7744-867C-9F8EA3F5E0D2}">
-      <dgm:prSet/>
-      <dgm:spPr/>
-      <dgm:t>
-        <a:bodyPr/>
-        <a:lstStyle/>
-        <a:p>
-          <a:pPr algn="l"/>
-          <a:r>
-            <a:rPr lang="en-GB" dirty="0"/>
-            <a:t>Responsive Design</a:t>
-          </a:r>
-          <a:endParaRPr lang="en-US" dirty="0"/>
-        </a:p>
-      </dgm:t>
-    </dgm:pt>
-    <dgm:pt modelId="{09B7AA15-1F2D-734E-B6E9-DE59DB5B26C2}" type="parTrans" cxnId="{EECA5BC8-CCAF-4C42-B91C-589430D308F4}">
-      <dgm:prSet/>
-      <dgm:spPr/>
-      <dgm:t>
-        <a:bodyPr/>
-        <a:lstStyle/>
-        <a:p>
-          <a:endParaRPr lang="en-GB"/>
-        </a:p>
-      </dgm:t>
-    </dgm:pt>
-    <dgm:pt modelId="{8EA36AE6-843C-9446-A623-39CF94D3817C}" type="sibTrans" cxnId="{EECA5BC8-CCAF-4C42-B91C-589430D308F4}">
-      <dgm:prSet/>
-      <dgm:spPr/>
-      <dgm:t>
-        <a:bodyPr/>
-        <a:lstStyle/>
-        <a:p>
-          <a:endParaRPr lang="en-GB"/>
-        </a:p>
-      </dgm:t>
-    </dgm:pt>
-    <dgm:pt modelId="{01A6B636-6B38-8141-90B6-324A652658B2}">
-      <dgm:prSet custT="1"/>
-      <dgm:spPr/>
-      <dgm:t>
-        <a:bodyPr/>
-        <a:lstStyle/>
-        <a:p>
-          <a:r>
-            <a:rPr lang="en-GB" sz="4000" b="1" dirty="0"/>
-            <a:t>Integration</a:t>
-          </a:r>
-          <a:endParaRPr lang="en-GB" sz="4000" dirty="0"/>
-        </a:p>
-      </dgm:t>
-    </dgm:pt>
-    <dgm:pt modelId="{ED646DA2-308F-524F-A388-9BED8F41B188}" type="parTrans" cxnId="{C167D03C-67B0-3D42-AD3D-2072FFDF7D41}">
-      <dgm:prSet/>
-      <dgm:spPr/>
-      <dgm:t>
-        <a:bodyPr/>
-        <a:lstStyle/>
-        <a:p>
-          <a:endParaRPr lang="en-GB"/>
-        </a:p>
-      </dgm:t>
-    </dgm:pt>
-    <dgm:pt modelId="{214465E4-1F28-FA4E-B683-534222313EC6}" type="sibTrans" cxnId="{C167D03C-67B0-3D42-AD3D-2072FFDF7D41}">
-      <dgm:prSet/>
-      <dgm:spPr/>
-      <dgm:t>
-        <a:bodyPr/>
-        <a:lstStyle/>
-        <a:p>
-          <a:endParaRPr lang="en-GB"/>
-        </a:p>
-      </dgm:t>
-    </dgm:pt>
-    <dgm:pt modelId="{E3BA3189-982E-FD48-A4B6-FB40A59ECD68}">
-      <dgm:prSet/>
-      <dgm:spPr/>
-      <dgm:t>
-        <a:bodyPr/>
-        <a:lstStyle/>
-        <a:p>
-          <a:pPr algn="l"/>
-          <a:r>
-            <a:rPr lang="en-GB" dirty="0"/>
-            <a:t>API-first Approach</a:t>
-          </a:r>
-        </a:p>
-      </dgm:t>
-    </dgm:pt>
-    <dgm:pt modelId="{F5E53B79-CEF3-6C47-8397-DF575AB336A5}" type="parTrans" cxnId="{2203D45A-9A10-0348-86A0-29B5244EF789}">
-      <dgm:prSet/>
-      <dgm:spPr/>
-      <dgm:t>
-        <a:bodyPr/>
-        <a:lstStyle/>
-        <a:p>
-          <a:endParaRPr lang="en-GB"/>
-        </a:p>
-      </dgm:t>
-    </dgm:pt>
-    <dgm:pt modelId="{4E236AFF-0387-834E-A36C-A279EA49E370}" type="sibTrans" cxnId="{2203D45A-9A10-0348-86A0-29B5244EF789}">
-      <dgm:prSet/>
-      <dgm:spPr/>
-      <dgm:t>
-        <a:bodyPr/>
-        <a:lstStyle/>
-        <a:p>
-          <a:endParaRPr lang="en-GB"/>
-        </a:p>
-      </dgm:t>
-    </dgm:pt>
-    <dgm:pt modelId="{C5D3F0E5-5383-7741-8B06-5A9CEEBD814F}">
-      <dgm:prSet/>
-      <dgm:spPr/>
-      <dgm:t>
-        <a:bodyPr/>
-        <a:lstStyle/>
-        <a:p>
-          <a:r>
-            <a:rPr lang="en-GB" b="1" dirty="0"/>
-            <a:t>Security:</a:t>
-          </a:r>
-          <a:endParaRPr lang="en-GB" dirty="0"/>
-        </a:p>
-      </dgm:t>
-    </dgm:pt>
-    <dgm:pt modelId="{50C0F420-F098-104A-8E5E-FE9A0BAB8300}" type="parTrans" cxnId="{74A50730-DF5D-3542-9C17-3A518DA9951C}">
-      <dgm:prSet/>
-      <dgm:spPr/>
-      <dgm:t>
-        <a:bodyPr/>
-        <a:lstStyle/>
-        <a:p>
-          <a:endParaRPr lang="en-GB"/>
-        </a:p>
-      </dgm:t>
-    </dgm:pt>
-    <dgm:pt modelId="{2798D836-D6B1-AA49-A5E6-7D60F84A92E3}" type="sibTrans" cxnId="{74A50730-DF5D-3542-9C17-3A518DA9951C}">
-      <dgm:prSet/>
-      <dgm:spPr/>
-      <dgm:t>
-        <a:bodyPr/>
-        <a:lstStyle/>
-        <a:p>
-          <a:endParaRPr lang="en-GB"/>
-        </a:p>
-      </dgm:t>
-    </dgm:pt>
-    <dgm:pt modelId="{5DE24405-1073-E740-B2B0-1451A48C05EA}">
-      <dgm:prSet/>
-      <dgm:spPr/>
-      <dgm:t>
-        <a:bodyPr/>
-        <a:lstStyle/>
-        <a:p>
-          <a:pPr algn="l"/>
-          <a:r>
-            <a:rPr lang="en-GB" dirty="0"/>
-            <a:t>GDPR-compliant</a:t>
-          </a:r>
-          <a:r>
-            <a:rPr lang="en-GB"/>
-            <a:t>, Secure </a:t>
-          </a:r>
-          <a:r>
-            <a:rPr lang="en-GB" dirty="0"/>
-            <a:t>data isolation</a:t>
-          </a:r>
-        </a:p>
-      </dgm:t>
-    </dgm:pt>
-    <dgm:pt modelId="{AB6F5D0A-8B2F-7A4F-9744-D56C5662B557}" type="parTrans" cxnId="{05BEB6CE-D919-5047-BC37-2F248A4AF4B4}">
-      <dgm:prSet/>
-      <dgm:spPr/>
-      <dgm:t>
-        <a:bodyPr/>
-        <a:lstStyle/>
-        <a:p>
-          <a:endParaRPr lang="en-GB"/>
-        </a:p>
-      </dgm:t>
-    </dgm:pt>
-    <dgm:pt modelId="{1C1C7DAA-A09D-5645-8AD3-F2D9A081208E}" type="sibTrans" cxnId="{05BEB6CE-D919-5047-BC37-2F248A4AF4B4}">
-      <dgm:prSet/>
-      <dgm:spPr/>
-      <dgm:t>
-        <a:bodyPr/>
-        <a:lstStyle/>
-        <a:p>
-          <a:endParaRPr lang="en-GB"/>
-        </a:p>
-      </dgm:t>
-    </dgm:pt>
-    <dgm:pt modelId="{66315900-0184-D347-A17D-9EB334E85554}" type="pres">
-      <dgm:prSet presAssocID="{99C64E5C-3DE7-3149-8AFB-CB83C3349FD0}" presName="Name0" presStyleCnt="0">
-        <dgm:presLayoutVars>
-          <dgm:chPref val="3"/>
-          <dgm:dir/>
-          <dgm:animLvl val="lvl"/>
-          <dgm:resizeHandles/>
-        </dgm:presLayoutVars>
-      </dgm:prSet>
-      <dgm:spPr/>
-    </dgm:pt>
-    <dgm:pt modelId="{E0F6BD08-889A-BC4B-B13F-AB62A7D93A5B}" type="pres">
-      <dgm:prSet presAssocID="{E5B27265-4D28-E244-8B67-4330B65847CC}" presName="horFlow" presStyleCnt="0"/>
-      <dgm:spPr/>
-    </dgm:pt>
-    <dgm:pt modelId="{18E252EB-7D01-4E49-A291-6698C5F75E0A}" type="pres">
-      <dgm:prSet presAssocID="{E5B27265-4D28-E244-8B67-4330B65847CC}" presName="bigChev" presStyleLbl="node1" presStyleIdx="0" presStyleCnt="5" custScaleX="223879"/>
-      <dgm:spPr/>
-    </dgm:pt>
-    <dgm:pt modelId="{8E1A0D87-006B-7846-B3D4-0AE18EBD652A}" type="pres">
-      <dgm:prSet presAssocID="{42163FC0-049D-2C4F-B0B3-3F22A50F28BB}" presName="parTrans" presStyleCnt="0"/>
-      <dgm:spPr/>
-    </dgm:pt>
-    <dgm:pt modelId="{A3681182-3467-CE40-A43A-B7852999A480}" type="pres">
-      <dgm:prSet presAssocID="{FA934A60-4845-DE45-8F8F-7BD9C91091FE}" presName="node" presStyleLbl="alignAccFollowNode1" presStyleIdx="0" presStyleCnt="5" custScaleX="350653">
-        <dgm:presLayoutVars>
-          <dgm:bulletEnabled val="1"/>
-        </dgm:presLayoutVars>
-      </dgm:prSet>
-      <dgm:spPr/>
-    </dgm:pt>
-    <dgm:pt modelId="{87834D8B-EAE3-9641-B9C8-4D988DFBA4CC}" type="pres">
-      <dgm:prSet presAssocID="{E5B27265-4D28-E244-8B67-4330B65847CC}" presName="vSp" presStyleCnt="0"/>
-      <dgm:spPr/>
-    </dgm:pt>
-    <dgm:pt modelId="{C94E334F-70D5-B24F-8238-1174AD892726}" type="pres">
-      <dgm:prSet presAssocID="{5D9A5581-7E45-E04D-A2DB-E669542E8E3E}" presName="horFlow" presStyleCnt="0"/>
-      <dgm:spPr/>
-    </dgm:pt>
-    <dgm:pt modelId="{A553595F-83A5-C745-922A-DB337B81FBBC}" type="pres">
-      <dgm:prSet presAssocID="{5D9A5581-7E45-E04D-A2DB-E669542E8E3E}" presName="bigChev" presStyleLbl="node1" presStyleIdx="1" presStyleCnt="5" custScaleX="223879" custLinFactNeighborX="-2793" custLinFactNeighborY="5856"/>
-      <dgm:spPr/>
-    </dgm:pt>
-    <dgm:pt modelId="{359DA694-4210-4A46-9137-AA8655CD5642}" type="pres">
-      <dgm:prSet presAssocID="{B1FBF75B-7DDE-5548-8CB4-A6596F10ACF3}" presName="parTrans" presStyleCnt="0"/>
-      <dgm:spPr/>
-    </dgm:pt>
-    <dgm:pt modelId="{732775B5-D3BE-4C49-97EA-371DED1747DB}" type="pres">
-      <dgm:prSet presAssocID="{23E4C466-D084-7845-83FC-FD60B6916A87}" presName="node" presStyleLbl="alignAccFollowNode1" presStyleIdx="1" presStyleCnt="5" custScaleX="350653" custLinFactNeighborX="70400" custLinFactNeighborY="1838">
-        <dgm:presLayoutVars>
-          <dgm:bulletEnabled val="1"/>
-        </dgm:presLayoutVars>
-      </dgm:prSet>
-      <dgm:spPr/>
-    </dgm:pt>
-    <dgm:pt modelId="{EAB3AECC-E4C7-BE4C-889E-83CBBEC85177}" type="pres">
-      <dgm:prSet presAssocID="{5D9A5581-7E45-E04D-A2DB-E669542E8E3E}" presName="vSp" presStyleCnt="0"/>
-      <dgm:spPr/>
-    </dgm:pt>
-    <dgm:pt modelId="{DD240734-D816-E942-8A58-268BE6918225}" type="pres">
-      <dgm:prSet presAssocID="{1764D7C2-5A4F-BB4C-B3BD-94C8EFB75C9B}" presName="horFlow" presStyleCnt="0"/>
-      <dgm:spPr/>
-    </dgm:pt>
-    <dgm:pt modelId="{31193907-8B64-2145-A336-142F0435E82B}" type="pres">
-      <dgm:prSet presAssocID="{1764D7C2-5A4F-BB4C-B3BD-94C8EFB75C9B}" presName="bigChev" presStyleLbl="node1" presStyleIdx="2" presStyleCnt="5" custScaleX="223879"/>
-      <dgm:spPr/>
-    </dgm:pt>
-    <dgm:pt modelId="{2B5C595F-C22C-AE4D-8FB0-9A483A476CAD}" type="pres">
-      <dgm:prSet presAssocID="{09B7AA15-1F2D-734E-B6E9-DE59DB5B26C2}" presName="parTrans" presStyleCnt="0"/>
-      <dgm:spPr/>
-    </dgm:pt>
-    <dgm:pt modelId="{B0748007-1A30-C143-9207-573D9F1CAA83}" type="pres">
-      <dgm:prSet presAssocID="{D25D0943-3F76-7744-867C-9F8EA3F5E0D2}" presName="node" presStyleLbl="alignAccFollowNode1" presStyleIdx="2" presStyleCnt="5" custScaleX="350653">
-        <dgm:presLayoutVars>
-          <dgm:bulletEnabled val="1"/>
-        </dgm:presLayoutVars>
-      </dgm:prSet>
-      <dgm:spPr/>
-    </dgm:pt>
-    <dgm:pt modelId="{1AABA470-E9F7-A547-904C-D59168E71133}" type="pres">
-      <dgm:prSet presAssocID="{1764D7C2-5A4F-BB4C-B3BD-94C8EFB75C9B}" presName="vSp" presStyleCnt="0"/>
-      <dgm:spPr/>
-    </dgm:pt>
-    <dgm:pt modelId="{D1B0849F-F950-C445-81E3-F6B31936063B}" type="pres">
-      <dgm:prSet presAssocID="{01A6B636-6B38-8141-90B6-324A652658B2}" presName="horFlow" presStyleCnt="0"/>
-      <dgm:spPr/>
-    </dgm:pt>
-    <dgm:pt modelId="{240D4898-F020-F543-B70B-C214CD94D9DA}" type="pres">
-      <dgm:prSet presAssocID="{01A6B636-6B38-8141-90B6-324A652658B2}" presName="bigChev" presStyleLbl="node1" presStyleIdx="3" presStyleCnt="5" custScaleX="223879"/>
-      <dgm:spPr/>
-    </dgm:pt>
-    <dgm:pt modelId="{C106AE12-EE67-9340-A6CA-89E213B7919E}" type="pres">
-      <dgm:prSet presAssocID="{F5E53B79-CEF3-6C47-8397-DF575AB336A5}" presName="parTrans" presStyleCnt="0"/>
-      <dgm:spPr/>
-    </dgm:pt>
-    <dgm:pt modelId="{82880D61-0A1A-7942-AE24-FADFBEAA13BB}" type="pres">
-      <dgm:prSet presAssocID="{E3BA3189-982E-FD48-A4B6-FB40A59ECD68}" presName="node" presStyleLbl="alignAccFollowNode1" presStyleIdx="3" presStyleCnt="5" custScaleX="350653">
-        <dgm:presLayoutVars>
-          <dgm:bulletEnabled val="1"/>
-        </dgm:presLayoutVars>
-      </dgm:prSet>
-      <dgm:spPr/>
-    </dgm:pt>
-    <dgm:pt modelId="{BC36D068-8F95-874A-BB80-34D4BEA4CB9F}" type="pres">
-      <dgm:prSet presAssocID="{01A6B636-6B38-8141-90B6-324A652658B2}" presName="vSp" presStyleCnt="0"/>
-      <dgm:spPr/>
-    </dgm:pt>
-    <dgm:pt modelId="{15561F1A-6E6F-1A45-820A-56A52506F9E1}" type="pres">
-      <dgm:prSet presAssocID="{C5D3F0E5-5383-7741-8B06-5A9CEEBD814F}" presName="horFlow" presStyleCnt="0"/>
-      <dgm:spPr/>
-    </dgm:pt>
-    <dgm:pt modelId="{A1AED985-9F51-494A-8076-2386C0692FCD}" type="pres">
-      <dgm:prSet presAssocID="{C5D3F0E5-5383-7741-8B06-5A9CEEBD814F}" presName="bigChev" presStyleLbl="node1" presStyleIdx="4" presStyleCnt="5" custScaleX="223879"/>
-      <dgm:spPr/>
-    </dgm:pt>
-    <dgm:pt modelId="{399BF33D-5F40-E847-ADDE-B1125F4081E0}" type="pres">
-      <dgm:prSet presAssocID="{AB6F5D0A-8B2F-7A4F-9744-D56C5662B557}" presName="parTrans" presStyleCnt="0"/>
-      <dgm:spPr/>
-    </dgm:pt>
-    <dgm:pt modelId="{3244A34C-9BD6-3349-81F7-6D9BC7A627C7}" type="pres">
-      <dgm:prSet presAssocID="{5DE24405-1073-E740-B2B0-1451A48C05EA}" presName="node" presStyleLbl="alignAccFollowNode1" presStyleIdx="4" presStyleCnt="5" custScaleX="350653">
-        <dgm:presLayoutVars>
-          <dgm:bulletEnabled val="1"/>
-        </dgm:presLayoutVars>
-      </dgm:prSet>
-      <dgm:spPr/>
-    </dgm:pt>
-  </dgm:ptLst>
-  <dgm:cxnLst>
-    <dgm:cxn modelId="{9C0A1106-D283-604F-BAA2-42E1F4951CFF}" type="presOf" srcId="{C5D3F0E5-5383-7741-8B06-5A9CEEBD814F}" destId="{A1AED985-9F51-494A-8076-2386C0692FCD}" srcOrd="0" destOrd="0" presId="urn:microsoft.com/office/officeart/2005/8/layout/lProcess3"/>
-    <dgm:cxn modelId="{596F310C-5004-1A48-8C07-23CC8862C4F3}" type="presOf" srcId="{23E4C466-D084-7845-83FC-FD60B6916A87}" destId="{732775B5-D3BE-4C49-97EA-371DED1747DB}" srcOrd="0" destOrd="0" presId="urn:microsoft.com/office/officeart/2005/8/layout/lProcess3"/>
-    <dgm:cxn modelId="{92B01D14-692F-1D40-BAF2-C1DF5A6ABD89}" type="presOf" srcId="{99C64E5C-3DE7-3149-8AFB-CB83C3349FD0}" destId="{66315900-0184-D347-A17D-9EB334E85554}" srcOrd="0" destOrd="0" presId="urn:microsoft.com/office/officeart/2005/8/layout/lProcess3"/>
-    <dgm:cxn modelId="{5B217A1E-A491-0D4E-8F27-DEE7B22D3ED8}" type="presOf" srcId="{5D9A5581-7E45-E04D-A2DB-E669542E8E3E}" destId="{A553595F-83A5-C745-922A-DB337B81FBBC}" srcOrd="0" destOrd="0" presId="urn:microsoft.com/office/officeart/2005/8/layout/lProcess3"/>
-    <dgm:cxn modelId="{EAF0DE24-367F-9145-A45E-A1112757C4EE}" srcId="{99C64E5C-3DE7-3149-8AFB-CB83C3349FD0}" destId="{5D9A5581-7E45-E04D-A2DB-E669542E8E3E}" srcOrd="1" destOrd="0" parTransId="{B228CD02-48DD-8E48-B3F8-C86F2C7A675A}" sibTransId="{CF0BE89D-C861-4E49-8EB7-51C637E2EA03}"/>
-    <dgm:cxn modelId="{74A50730-DF5D-3542-9C17-3A518DA9951C}" srcId="{99C64E5C-3DE7-3149-8AFB-CB83C3349FD0}" destId="{C5D3F0E5-5383-7741-8B06-5A9CEEBD814F}" srcOrd="4" destOrd="0" parTransId="{50C0F420-F098-104A-8E5E-FE9A0BAB8300}" sibTransId="{2798D836-D6B1-AA49-A5E6-7D60F84A92E3}"/>
-    <dgm:cxn modelId="{33943D32-27EE-5D42-A5F9-9AC60F6B9547}" srcId="{E5B27265-4D28-E244-8B67-4330B65847CC}" destId="{FA934A60-4845-DE45-8F8F-7BD9C91091FE}" srcOrd="0" destOrd="0" parTransId="{42163FC0-049D-2C4F-B0B3-3F22A50F28BB}" sibTransId="{5125BAA5-A1EE-B946-9C75-71B42BA5B749}"/>
-    <dgm:cxn modelId="{C167D03C-67B0-3D42-AD3D-2072FFDF7D41}" srcId="{99C64E5C-3DE7-3149-8AFB-CB83C3349FD0}" destId="{01A6B636-6B38-8141-90B6-324A652658B2}" srcOrd="3" destOrd="0" parTransId="{ED646DA2-308F-524F-A388-9BED8F41B188}" sibTransId="{214465E4-1F28-FA4E-B683-534222313EC6}"/>
-    <dgm:cxn modelId="{E208F349-54C8-264E-BD87-4E36AA1AA18F}" srcId="{5D9A5581-7E45-E04D-A2DB-E669542E8E3E}" destId="{23E4C466-D084-7845-83FC-FD60B6916A87}" srcOrd="0" destOrd="0" parTransId="{B1FBF75B-7DDE-5548-8CB4-A6596F10ACF3}" sibTransId="{F7BA51AB-BE58-D744-A9D7-E6F9CD02DF63}"/>
-    <dgm:cxn modelId="{2203D45A-9A10-0348-86A0-29B5244EF789}" srcId="{01A6B636-6B38-8141-90B6-324A652658B2}" destId="{E3BA3189-982E-FD48-A4B6-FB40A59ECD68}" srcOrd="0" destOrd="0" parTransId="{F5E53B79-CEF3-6C47-8397-DF575AB336A5}" sibTransId="{4E236AFF-0387-834E-A36C-A279EA49E370}"/>
-    <dgm:cxn modelId="{EE443560-B71D-F244-82EB-1767D0DEF28D}" type="presOf" srcId="{1764D7C2-5A4F-BB4C-B3BD-94C8EFB75C9B}" destId="{31193907-8B64-2145-A336-142F0435E82B}" srcOrd="0" destOrd="0" presId="urn:microsoft.com/office/officeart/2005/8/layout/lProcess3"/>
-    <dgm:cxn modelId="{69DDB46F-82AA-0D4B-9A2B-AD428F1CEF8A}" type="presOf" srcId="{FA934A60-4845-DE45-8F8F-7BD9C91091FE}" destId="{A3681182-3467-CE40-A43A-B7852999A480}" srcOrd="0" destOrd="0" presId="urn:microsoft.com/office/officeart/2005/8/layout/lProcess3"/>
-    <dgm:cxn modelId="{7E77F28B-E6FF-3643-A5ED-712907C472F6}" type="presOf" srcId="{5DE24405-1073-E740-B2B0-1451A48C05EA}" destId="{3244A34C-9BD6-3349-81F7-6D9BC7A627C7}" srcOrd="0" destOrd="0" presId="urn:microsoft.com/office/officeart/2005/8/layout/lProcess3"/>
-    <dgm:cxn modelId="{1CA67F91-53DB-AB42-A815-A29D34709853}" srcId="{99C64E5C-3DE7-3149-8AFB-CB83C3349FD0}" destId="{E5B27265-4D28-E244-8B67-4330B65847CC}" srcOrd="0" destOrd="0" parTransId="{EAA7EA18-0663-5441-983B-B1CFF0877928}" sibTransId="{B3592AE0-4613-C84F-BCE9-320C1FECFAC3}"/>
-    <dgm:cxn modelId="{0C42889B-5A99-AD44-B77F-85BB97E525C0}" type="presOf" srcId="{D25D0943-3F76-7744-867C-9F8EA3F5E0D2}" destId="{B0748007-1A30-C143-9207-573D9F1CAA83}" srcOrd="0" destOrd="0" presId="urn:microsoft.com/office/officeart/2005/8/layout/lProcess3"/>
-    <dgm:cxn modelId="{A74171AA-3313-484C-B612-4EB003759F26}" type="presOf" srcId="{01A6B636-6B38-8141-90B6-324A652658B2}" destId="{240D4898-F020-F543-B70B-C214CD94D9DA}" srcOrd="0" destOrd="0" presId="urn:microsoft.com/office/officeart/2005/8/layout/lProcess3"/>
-    <dgm:cxn modelId="{51B26FBF-9789-6D47-B32B-179498DC3E91}" type="presOf" srcId="{E5B27265-4D28-E244-8B67-4330B65847CC}" destId="{18E252EB-7D01-4E49-A291-6698C5F75E0A}" srcOrd="0" destOrd="0" presId="urn:microsoft.com/office/officeart/2005/8/layout/lProcess3"/>
-    <dgm:cxn modelId="{EECA5BC8-CCAF-4C42-B91C-589430D308F4}" srcId="{1764D7C2-5A4F-BB4C-B3BD-94C8EFB75C9B}" destId="{D25D0943-3F76-7744-867C-9F8EA3F5E0D2}" srcOrd="0" destOrd="0" parTransId="{09B7AA15-1F2D-734E-B6E9-DE59DB5B26C2}" sibTransId="{8EA36AE6-843C-9446-A623-39CF94D3817C}"/>
-    <dgm:cxn modelId="{05BEB6CE-D919-5047-BC37-2F248A4AF4B4}" srcId="{C5D3F0E5-5383-7741-8B06-5A9CEEBD814F}" destId="{5DE24405-1073-E740-B2B0-1451A48C05EA}" srcOrd="0" destOrd="0" parTransId="{AB6F5D0A-8B2F-7A4F-9744-D56C5662B557}" sibTransId="{1C1C7DAA-A09D-5645-8AD3-F2D9A081208E}"/>
-    <dgm:cxn modelId="{2F7D18EF-FAB3-0E48-8E0C-D25218185071}" type="presOf" srcId="{E3BA3189-982E-FD48-A4B6-FB40A59ECD68}" destId="{82880D61-0A1A-7942-AE24-FADFBEAA13BB}" srcOrd="0" destOrd="0" presId="urn:microsoft.com/office/officeart/2005/8/layout/lProcess3"/>
-    <dgm:cxn modelId="{FD43CEF0-0267-9E41-9E7D-C5D8D64C9F4A}" srcId="{99C64E5C-3DE7-3149-8AFB-CB83C3349FD0}" destId="{1764D7C2-5A4F-BB4C-B3BD-94C8EFB75C9B}" srcOrd="2" destOrd="0" parTransId="{6FCD6E87-8A04-234F-BFAE-2C30C7CD1F2D}" sibTransId="{C47379AC-DF5D-5E4A-BA65-9EDACD782E32}"/>
-    <dgm:cxn modelId="{B8D390A1-0554-FB40-AD62-23A218FB186E}" type="presParOf" srcId="{66315900-0184-D347-A17D-9EB334E85554}" destId="{E0F6BD08-889A-BC4B-B13F-AB62A7D93A5B}" srcOrd="0" destOrd="0" presId="urn:microsoft.com/office/officeart/2005/8/layout/lProcess3"/>
-    <dgm:cxn modelId="{89E72069-8158-634C-A145-FE1076EED554}" type="presParOf" srcId="{E0F6BD08-889A-BC4B-B13F-AB62A7D93A5B}" destId="{18E252EB-7D01-4E49-A291-6698C5F75E0A}" srcOrd="0" destOrd="0" presId="urn:microsoft.com/office/officeart/2005/8/layout/lProcess3"/>
-    <dgm:cxn modelId="{C2BC997C-4645-6041-A124-17920335AA3C}" type="presParOf" srcId="{E0F6BD08-889A-BC4B-B13F-AB62A7D93A5B}" destId="{8E1A0D87-006B-7846-B3D4-0AE18EBD652A}" srcOrd="1" destOrd="0" presId="urn:microsoft.com/office/officeart/2005/8/layout/lProcess3"/>
-    <dgm:cxn modelId="{415F9100-7459-4743-9B42-24DBE4C79CBB}" type="presParOf" srcId="{E0F6BD08-889A-BC4B-B13F-AB62A7D93A5B}" destId="{A3681182-3467-CE40-A43A-B7852999A480}" srcOrd="2" destOrd="0" presId="urn:microsoft.com/office/officeart/2005/8/layout/lProcess3"/>
-    <dgm:cxn modelId="{DDAB3657-C85F-5046-B3BC-4868F37DE7CF}" type="presParOf" srcId="{66315900-0184-D347-A17D-9EB334E85554}" destId="{87834D8B-EAE3-9641-B9C8-4D988DFBA4CC}" srcOrd="1" destOrd="0" presId="urn:microsoft.com/office/officeart/2005/8/layout/lProcess3"/>
-    <dgm:cxn modelId="{B859CDEB-5D61-1641-BB8D-216C173E57C4}" type="presParOf" srcId="{66315900-0184-D347-A17D-9EB334E85554}" destId="{C94E334F-70D5-B24F-8238-1174AD892726}" srcOrd="2" destOrd="0" presId="urn:microsoft.com/office/officeart/2005/8/layout/lProcess3"/>
-    <dgm:cxn modelId="{0CA5A1ED-7FCA-2D45-A517-B948D6047A57}" type="presParOf" srcId="{C94E334F-70D5-B24F-8238-1174AD892726}" destId="{A553595F-83A5-C745-922A-DB337B81FBBC}" srcOrd="0" destOrd="0" presId="urn:microsoft.com/office/officeart/2005/8/layout/lProcess3"/>
-    <dgm:cxn modelId="{9512CA04-D9C6-C641-9A75-593A4F0BEC73}" type="presParOf" srcId="{C94E334F-70D5-B24F-8238-1174AD892726}" destId="{359DA694-4210-4A46-9137-AA8655CD5642}" srcOrd="1" destOrd="0" presId="urn:microsoft.com/office/officeart/2005/8/layout/lProcess3"/>
-    <dgm:cxn modelId="{BEE967D7-1FF9-6F40-952F-386647F3D016}" type="presParOf" srcId="{C94E334F-70D5-B24F-8238-1174AD892726}" destId="{732775B5-D3BE-4C49-97EA-371DED1747DB}" srcOrd="2" destOrd="0" presId="urn:microsoft.com/office/officeart/2005/8/layout/lProcess3"/>
-    <dgm:cxn modelId="{2CC541F6-3718-E345-A57E-B99E219EC086}" type="presParOf" srcId="{66315900-0184-D347-A17D-9EB334E85554}" destId="{EAB3AECC-E4C7-BE4C-889E-83CBBEC85177}" srcOrd="3" destOrd="0" presId="urn:microsoft.com/office/officeart/2005/8/layout/lProcess3"/>
-    <dgm:cxn modelId="{299109F6-14C9-2F4F-9629-53465F5BD9A5}" type="presParOf" srcId="{66315900-0184-D347-A17D-9EB334E85554}" destId="{DD240734-D816-E942-8A58-268BE6918225}" srcOrd="4" destOrd="0" presId="urn:microsoft.com/office/officeart/2005/8/layout/lProcess3"/>
-    <dgm:cxn modelId="{35D9F05F-FAAA-1E49-99F8-765A7FB4A561}" type="presParOf" srcId="{DD240734-D816-E942-8A58-268BE6918225}" destId="{31193907-8B64-2145-A336-142F0435E82B}" srcOrd="0" destOrd="0" presId="urn:microsoft.com/office/officeart/2005/8/layout/lProcess3"/>
-    <dgm:cxn modelId="{43855923-D644-E240-AD55-B1D52B7625F0}" type="presParOf" srcId="{DD240734-D816-E942-8A58-268BE6918225}" destId="{2B5C595F-C22C-AE4D-8FB0-9A483A476CAD}" srcOrd="1" destOrd="0" presId="urn:microsoft.com/office/officeart/2005/8/layout/lProcess3"/>
-    <dgm:cxn modelId="{589E10A1-328B-D64E-9BB6-88AE0EA82227}" type="presParOf" srcId="{DD240734-D816-E942-8A58-268BE6918225}" destId="{B0748007-1A30-C143-9207-573D9F1CAA83}" srcOrd="2" destOrd="0" presId="urn:microsoft.com/office/officeart/2005/8/layout/lProcess3"/>
-    <dgm:cxn modelId="{095CD1D7-248C-0E42-90F7-67797558ED50}" type="presParOf" srcId="{66315900-0184-D347-A17D-9EB334E85554}" destId="{1AABA470-E9F7-A547-904C-D59168E71133}" srcOrd="5" destOrd="0" presId="urn:microsoft.com/office/officeart/2005/8/layout/lProcess3"/>
-    <dgm:cxn modelId="{E576FBFC-B6EA-A547-8394-3A983927D93C}" type="presParOf" srcId="{66315900-0184-D347-A17D-9EB334E85554}" destId="{D1B0849F-F950-C445-81E3-F6B31936063B}" srcOrd="6" destOrd="0" presId="urn:microsoft.com/office/officeart/2005/8/layout/lProcess3"/>
-    <dgm:cxn modelId="{C77CE6C8-59A8-A84F-9A37-9AB9E68B6D08}" type="presParOf" srcId="{D1B0849F-F950-C445-81E3-F6B31936063B}" destId="{240D4898-F020-F543-B70B-C214CD94D9DA}" srcOrd="0" destOrd="0" presId="urn:microsoft.com/office/officeart/2005/8/layout/lProcess3"/>
-    <dgm:cxn modelId="{6FA71106-0365-6F40-BB3F-8A2FE48C1E8B}" type="presParOf" srcId="{D1B0849F-F950-C445-81E3-F6B31936063B}" destId="{C106AE12-EE67-9340-A6CA-89E213B7919E}" srcOrd="1" destOrd="0" presId="urn:microsoft.com/office/officeart/2005/8/layout/lProcess3"/>
-    <dgm:cxn modelId="{E1E18C2D-0E26-7B43-A6B4-F6741A0E1D94}" type="presParOf" srcId="{D1B0849F-F950-C445-81E3-F6B31936063B}" destId="{82880D61-0A1A-7942-AE24-FADFBEAA13BB}" srcOrd="2" destOrd="0" presId="urn:microsoft.com/office/officeart/2005/8/layout/lProcess3"/>
-    <dgm:cxn modelId="{363BCC48-5808-9544-A464-23434F3FB798}" type="presParOf" srcId="{66315900-0184-D347-A17D-9EB334E85554}" destId="{BC36D068-8F95-874A-BB80-34D4BEA4CB9F}" srcOrd="7" destOrd="0" presId="urn:microsoft.com/office/officeart/2005/8/layout/lProcess3"/>
-    <dgm:cxn modelId="{BE2E005C-C751-184D-A7BE-1CC7E20AA928}" type="presParOf" srcId="{66315900-0184-D347-A17D-9EB334E85554}" destId="{15561F1A-6E6F-1A45-820A-56A52506F9E1}" srcOrd="8" destOrd="0" presId="urn:microsoft.com/office/officeart/2005/8/layout/lProcess3"/>
-    <dgm:cxn modelId="{D116DBE5-D6C1-114B-B102-F73A345C096F}" type="presParOf" srcId="{15561F1A-6E6F-1A45-820A-56A52506F9E1}" destId="{A1AED985-9F51-494A-8076-2386C0692FCD}" srcOrd="0" destOrd="0" presId="urn:microsoft.com/office/officeart/2005/8/layout/lProcess3"/>
-    <dgm:cxn modelId="{3021551B-E8A5-7445-BF58-157750C925D1}" type="presParOf" srcId="{15561F1A-6E6F-1A45-820A-56A52506F9E1}" destId="{399BF33D-5F40-E847-ADDE-B1125F4081E0}" srcOrd="1" destOrd="0" presId="urn:microsoft.com/office/officeart/2005/8/layout/lProcess3"/>
-    <dgm:cxn modelId="{6758BBAE-4584-0C45-86C2-345455333FD4}" type="presParOf" srcId="{15561F1A-6E6F-1A45-820A-56A52506F9E1}" destId="{3244A34C-9BD6-3349-81F7-6D9BC7A627C7}" srcOrd="2" destOrd="0" presId="urn:microsoft.com/office/officeart/2005/8/layout/lProcess3"/>
-  </dgm:cxnLst>
-  <dgm:bg/>
-  <dgm:whole/>
-  <dgm:extLst>
-    <a:ext uri="http://schemas.microsoft.com/office/drawing/2008/diagram">
-      <dsp:dataModelExt xmlns:dsp="http://schemas.microsoft.com/office/drawing/2008/diagram" relId="rId6" minVer="http://schemas.openxmlformats.org/drawingml/2006/diagram"/>
-    </a:ext>
-  </dgm:extLst>
-</dgm:dataModel>
-</file>
-
-<file path=ppt/diagrams/drawing1.xml><?xml version="1.0" encoding="utf-8"?>
-<dsp:drawing xmlns:dgm="http://schemas.openxmlformats.org/drawingml/2006/diagram" xmlns:dsp="http://schemas.microsoft.com/office/drawing/2008/diagram" xmlns:a="http://schemas.openxmlformats.org/drawingml/2006/main">
-  <dsp:spTree>
-    <dsp:nvGrpSpPr>
-      <dsp:cNvPr id="0" name=""/>
-      <dsp:cNvGrpSpPr/>
-    </dsp:nvGrpSpPr>
-    <dsp:grpSpPr/>
-    <dsp:sp modelId="{18E252EB-7D01-4E49-A291-6698C5F75E0A}">
-      <dsp:nvSpPr>
-        <dsp:cNvPr id="0" name=""/>
-        <dsp:cNvSpPr/>
-      </dsp:nvSpPr>
-      <dsp:spPr>
-        <a:xfrm>
-          <a:off x="12145" y="5"/>
-          <a:ext cx="4271725" cy="763220"/>
-        </a:xfrm>
-        <a:prstGeom prst="chevron">
-          <a:avLst/>
-        </a:prstGeom>
-        <a:solidFill>
-          <a:schemeClr val="accent1">
-            <a:hueOff val="0"/>
-            <a:satOff val="0"/>
-            <a:lumOff val="0"/>
-            <a:alphaOff val="0"/>
-          </a:schemeClr>
-        </a:solidFill>
-        <a:ln w="34925" cap="flat" cmpd="sng" algn="in">
-          <a:solidFill>
-            <a:schemeClr val="lt1">
-              <a:hueOff val="0"/>
-              <a:satOff val="0"/>
-              <a:lumOff val="0"/>
-              <a:alphaOff val="0"/>
-            </a:schemeClr>
-          </a:solidFill>
-          <a:prstDash val="solid"/>
-        </a:ln>
-        <a:effectLst/>
-      </dsp:spPr>
-      <dsp:style>
-        <a:lnRef idx="2">
-          <a:scrgbClr r="0" g="0" b="0"/>
-        </a:lnRef>
-        <a:fillRef idx="1">
-          <a:scrgbClr r="0" g="0" b="0"/>
-        </a:fillRef>
-        <a:effectRef idx="0">
-          <a:scrgbClr r="0" g="0" b="0"/>
-        </a:effectRef>
-        <a:fontRef idx="minor">
-          <a:schemeClr val="lt1"/>
-        </a:fontRef>
-      </dsp:style>
-      <dsp:txBody>
-        <a:bodyPr spcFirstLastPara="0" vert="horz" wrap="square" lIns="50800" tIns="25400" rIns="0" bIns="25400" numCol="1" spcCol="1270" anchor="ctr" anchorCtr="0">
-          <a:noAutofit/>
-        </a:bodyPr>
-        <a:lstStyle/>
-        <a:p>
-          <a:pPr marL="0" lvl="0" indent="0" algn="ctr" defTabSz="1778000">
-            <a:lnSpc>
-              <a:spcPct val="90000"/>
-            </a:lnSpc>
-            <a:spcBef>
-              <a:spcPct val="0"/>
-            </a:spcBef>
-            <a:spcAft>
-              <a:spcPct val="35000"/>
-            </a:spcAft>
-            <a:buNone/>
-          </a:pPr>
-          <a:r>
-            <a:rPr lang="en-GB" sz="4000" kern="1200" dirty="0"/>
-            <a:t>Type</a:t>
-          </a:r>
-        </a:p>
-      </dsp:txBody>
-      <dsp:txXfrm>
-        <a:off x="393755" y="5"/>
-        <a:ext cx="3508505" cy="763220"/>
-      </dsp:txXfrm>
-    </dsp:sp>
-    <dsp:sp modelId="{A3681182-3467-CE40-A43A-B7852999A480}">
-      <dsp:nvSpPr>
-        <dsp:cNvPr id="0" name=""/>
-        <dsp:cNvSpPr/>
-      </dsp:nvSpPr>
-      <dsp:spPr>
-        <a:xfrm>
-          <a:off x="4035824" y="64879"/>
-          <a:ext cx="5553229" cy="633472"/>
-        </a:xfrm>
-        <a:prstGeom prst="chevron">
-          <a:avLst/>
-        </a:prstGeom>
-        <a:solidFill>
-          <a:schemeClr val="accent1">
-            <a:alpha val="90000"/>
-            <a:tint val="40000"/>
-            <a:hueOff val="0"/>
-            <a:satOff val="0"/>
-            <a:lumOff val="0"/>
-            <a:alphaOff val="0"/>
-          </a:schemeClr>
-        </a:solidFill>
-        <a:ln w="34925" cap="flat" cmpd="sng" algn="in">
-          <a:solidFill>
-            <a:schemeClr val="accent1">
-              <a:alpha val="90000"/>
-              <a:tint val="40000"/>
-              <a:hueOff val="0"/>
-              <a:satOff val="0"/>
-              <a:lumOff val="0"/>
-              <a:alphaOff val="0"/>
-            </a:schemeClr>
-          </a:solidFill>
-          <a:prstDash val="solid"/>
-        </a:ln>
-        <a:effectLst/>
-      </dsp:spPr>
-      <dsp:style>
-        <a:lnRef idx="2">
-          <a:scrgbClr r="0" g="0" b="0"/>
-        </a:lnRef>
-        <a:fillRef idx="1">
-          <a:scrgbClr r="0" g="0" b="0"/>
-        </a:fillRef>
-        <a:effectRef idx="0">
-          <a:scrgbClr r="0" g="0" b="0"/>
-        </a:effectRef>
-        <a:fontRef idx="minor"/>
-      </dsp:style>
-      <dsp:txBody>
-        <a:bodyPr spcFirstLastPara="0" vert="horz" wrap="square" lIns="29210" tIns="14605" rIns="0" bIns="14605" numCol="1" spcCol="1270" anchor="ctr" anchorCtr="0">
-          <a:noAutofit/>
-        </a:bodyPr>
-        <a:lstStyle/>
-        <a:p>
-          <a:pPr marL="0" lvl="0" indent="0" algn="l" defTabSz="1022350">
-            <a:lnSpc>
-              <a:spcPct val="90000"/>
-            </a:lnSpc>
-            <a:spcBef>
-              <a:spcPct val="0"/>
-            </a:spcBef>
-            <a:spcAft>
-              <a:spcPct val="35000"/>
-            </a:spcAft>
-            <a:buNone/>
-          </a:pPr>
-          <a:r>
-            <a:rPr lang="en-GB" sz="2300" kern="1200" dirty="0"/>
-            <a:t>Cloud-hosted (SaaS)</a:t>
-          </a:r>
-        </a:p>
-      </dsp:txBody>
-      <dsp:txXfrm>
-        <a:off x="4352560" y="64879"/>
-        <a:ext cx="4919757" cy="633472"/>
-      </dsp:txXfrm>
-    </dsp:sp>
-    <dsp:sp modelId="{A553595F-83A5-C745-922A-DB337B81FBBC}">
-      <dsp:nvSpPr>
-        <dsp:cNvPr id="0" name=""/>
-        <dsp:cNvSpPr/>
-      </dsp:nvSpPr>
-      <dsp:spPr>
-        <a:xfrm>
-          <a:off x="5217" y="914771"/>
-          <a:ext cx="4271725" cy="763220"/>
-        </a:xfrm>
-        <a:prstGeom prst="chevron">
-          <a:avLst/>
-        </a:prstGeom>
-        <a:solidFill>
-          <a:schemeClr val="accent1">
-            <a:hueOff val="0"/>
-            <a:satOff val="0"/>
-            <a:lumOff val="0"/>
-            <a:alphaOff val="0"/>
-          </a:schemeClr>
-        </a:solidFill>
-        <a:ln w="34925" cap="flat" cmpd="sng" algn="in">
-          <a:solidFill>
-            <a:schemeClr val="lt1">
-              <a:hueOff val="0"/>
-              <a:satOff val="0"/>
-              <a:lumOff val="0"/>
-              <a:alphaOff val="0"/>
-            </a:schemeClr>
-          </a:solidFill>
-          <a:prstDash val="solid"/>
-        </a:ln>
-        <a:effectLst/>
-      </dsp:spPr>
-      <dsp:style>
-        <a:lnRef idx="2">
-          <a:scrgbClr r="0" g="0" b="0"/>
-        </a:lnRef>
-        <a:fillRef idx="1">
-          <a:scrgbClr r="0" g="0" b="0"/>
-        </a:fillRef>
-        <a:effectRef idx="0">
-          <a:scrgbClr r="0" g="0" b="0"/>
-        </a:effectRef>
-        <a:fontRef idx="minor">
-          <a:schemeClr val="lt1"/>
-        </a:fontRef>
-      </dsp:style>
-      <dsp:txBody>
-        <a:bodyPr spcFirstLastPara="0" vert="horz" wrap="square" lIns="50800" tIns="25400" rIns="0" bIns="25400" numCol="1" spcCol="1270" anchor="ctr" anchorCtr="0">
-          <a:noAutofit/>
-        </a:bodyPr>
-        <a:lstStyle/>
-        <a:p>
-          <a:pPr marL="0" lvl="0" indent="0" algn="ctr" defTabSz="1778000">
-            <a:lnSpc>
-              <a:spcPct val="90000"/>
-            </a:lnSpc>
-            <a:spcBef>
-              <a:spcPct val="0"/>
-            </a:spcBef>
-            <a:spcAft>
-              <a:spcPct val="35000"/>
-            </a:spcAft>
-            <a:buNone/>
-          </a:pPr>
-          <a:r>
-            <a:rPr lang="en-GB" sz="4000" b="1" kern="1200" dirty="0"/>
-            <a:t>Architecture</a:t>
-          </a:r>
-          <a:endParaRPr lang="en-GB" sz="4900" kern="1200" dirty="0"/>
-        </a:p>
-      </dsp:txBody>
-      <dsp:txXfrm>
-        <a:off x="386827" y="914771"/>
-        <a:ext cx="3508505" cy="763220"/>
-      </dsp:txXfrm>
-    </dsp:sp>
-    <dsp:sp modelId="{732775B5-D3BE-4C49-97EA-371DED1747DB}">
-      <dsp:nvSpPr>
-        <dsp:cNvPr id="0" name=""/>
-        <dsp:cNvSpPr/>
-      </dsp:nvSpPr>
-      <dsp:spPr>
-        <a:xfrm>
-          <a:off x="4047970" y="946594"/>
-          <a:ext cx="5553229" cy="633472"/>
-        </a:xfrm>
-        <a:prstGeom prst="chevron">
-          <a:avLst/>
-        </a:prstGeom>
-        <a:solidFill>
-          <a:schemeClr val="accent1">
-            <a:alpha val="90000"/>
-            <a:tint val="40000"/>
-            <a:hueOff val="0"/>
-            <a:satOff val="0"/>
-            <a:lumOff val="0"/>
-            <a:alphaOff val="0"/>
-          </a:schemeClr>
-        </a:solidFill>
-        <a:ln w="34925" cap="flat" cmpd="sng" algn="in">
-          <a:solidFill>
-            <a:schemeClr val="accent1">
-              <a:alpha val="90000"/>
-              <a:tint val="40000"/>
-              <a:hueOff val="0"/>
-              <a:satOff val="0"/>
-              <a:lumOff val="0"/>
-              <a:alphaOff val="0"/>
-            </a:schemeClr>
-          </a:solidFill>
-          <a:prstDash val="solid"/>
-        </a:ln>
-        <a:effectLst/>
-      </dsp:spPr>
-      <dsp:style>
-        <a:lnRef idx="2">
-          <a:scrgbClr r="0" g="0" b="0"/>
-        </a:lnRef>
-        <a:fillRef idx="1">
-          <a:scrgbClr r="0" g="0" b="0"/>
-        </a:fillRef>
-        <a:effectRef idx="0">
-          <a:scrgbClr r="0" g="0" b="0"/>
-        </a:effectRef>
-        <a:fontRef idx="minor"/>
-      </dsp:style>
-      <dsp:txBody>
-        <a:bodyPr spcFirstLastPara="0" vert="horz" wrap="square" lIns="29210" tIns="14605" rIns="0" bIns="14605" numCol="1" spcCol="1270" anchor="ctr" anchorCtr="0">
-          <a:noAutofit/>
-        </a:bodyPr>
-        <a:lstStyle/>
-        <a:p>
-          <a:pPr marL="0" lvl="0" indent="0" algn="l" defTabSz="1022350">
-            <a:lnSpc>
-              <a:spcPct val="90000"/>
-            </a:lnSpc>
-            <a:spcBef>
-              <a:spcPct val="0"/>
-            </a:spcBef>
-            <a:spcAft>
-              <a:spcPct val="35000"/>
-            </a:spcAft>
-            <a:buNone/>
-          </a:pPr>
-          <a:r>
-            <a:rPr lang="en-GB" sz="2300" kern="1200" dirty="0"/>
-            <a:t>Multi-tenant</a:t>
-          </a:r>
-        </a:p>
-      </dsp:txBody>
-      <dsp:txXfrm>
-        <a:off x="4364706" y="946594"/>
-        <a:ext cx="4919757" cy="633472"/>
-      </dsp:txXfrm>
-    </dsp:sp>
-    <dsp:sp modelId="{31193907-8B64-2145-A336-142F0435E82B}">
-      <dsp:nvSpPr>
-        <dsp:cNvPr id="0" name=""/>
-        <dsp:cNvSpPr/>
-      </dsp:nvSpPr>
-      <dsp:spPr>
-        <a:xfrm>
-          <a:off x="12145" y="1740148"/>
-          <a:ext cx="4271725" cy="763220"/>
-        </a:xfrm>
-        <a:prstGeom prst="chevron">
-          <a:avLst/>
-        </a:prstGeom>
-        <a:solidFill>
-          <a:schemeClr val="accent1">
-            <a:hueOff val="0"/>
-            <a:satOff val="0"/>
-            <a:lumOff val="0"/>
-            <a:alphaOff val="0"/>
-          </a:schemeClr>
-        </a:solidFill>
-        <a:ln w="34925" cap="flat" cmpd="sng" algn="in">
-          <a:solidFill>
-            <a:schemeClr val="lt1">
-              <a:hueOff val="0"/>
-              <a:satOff val="0"/>
-              <a:lumOff val="0"/>
-              <a:alphaOff val="0"/>
-            </a:schemeClr>
-          </a:solidFill>
-          <a:prstDash val="solid"/>
-        </a:ln>
-        <a:effectLst/>
-      </dsp:spPr>
-      <dsp:style>
-        <a:lnRef idx="2">
-          <a:scrgbClr r="0" g="0" b="0"/>
-        </a:lnRef>
-        <a:fillRef idx="1">
-          <a:scrgbClr r="0" g="0" b="0"/>
-        </a:fillRef>
-        <a:effectRef idx="0">
-          <a:scrgbClr r="0" g="0" b="0"/>
-        </a:effectRef>
-        <a:fontRef idx="minor">
-          <a:schemeClr val="lt1"/>
-        </a:fontRef>
-      </dsp:style>
-      <dsp:txBody>
-        <a:bodyPr spcFirstLastPara="0" vert="horz" wrap="square" lIns="50800" tIns="25400" rIns="0" bIns="25400" numCol="1" spcCol="1270" anchor="ctr" anchorCtr="0">
-          <a:noAutofit/>
-        </a:bodyPr>
-        <a:lstStyle/>
-        <a:p>
-          <a:pPr marL="0" lvl="0" indent="0" algn="ctr" defTabSz="1778000">
-            <a:lnSpc>
-              <a:spcPct val="90000"/>
-            </a:lnSpc>
-            <a:spcBef>
-              <a:spcPct val="0"/>
-            </a:spcBef>
-            <a:spcAft>
-              <a:spcPct val="35000"/>
-            </a:spcAft>
-            <a:buNone/>
-          </a:pPr>
-          <a:r>
-            <a:rPr lang="en-GB" sz="4000" b="1" kern="1200" dirty="0"/>
-            <a:t>Interface</a:t>
-          </a:r>
-          <a:endParaRPr lang="en-GB" sz="4000" kern="1200" dirty="0"/>
-        </a:p>
-      </dsp:txBody>
-      <dsp:txXfrm>
-        <a:off x="393755" y="1740148"/>
-        <a:ext cx="3508505" cy="763220"/>
-      </dsp:txXfrm>
-    </dsp:sp>
-    <dsp:sp modelId="{B0748007-1A30-C143-9207-573D9F1CAA83}">
-      <dsp:nvSpPr>
-        <dsp:cNvPr id="0" name=""/>
-        <dsp:cNvSpPr/>
-      </dsp:nvSpPr>
-      <dsp:spPr>
-        <a:xfrm>
-          <a:off x="4035824" y="1805022"/>
-          <a:ext cx="5553229" cy="633472"/>
-        </a:xfrm>
-        <a:prstGeom prst="chevron">
-          <a:avLst/>
-        </a:prstGeom>
-        <a:solidFill>
-          <a:schemeClr val="accent1">
-            <a:alpha val="90000"/>
-            <a:tint val="40000"/>
-            <a:hueOff val="0"/>
-            <a:satOff val="0"/>
-            <a:lumOff val="0"/>
-            <a:alphaOff val="0"/>
-          </a:schemeClr>
-        </a:solidFill>
-        <a:ln w="34925" cap="flat" cmpd="sng" algn="in">
-          <a:solidFill>
-            <a:schemeClr val="accent1">
-              <a:alpha val="90000"/>
-              <a:tint val="40000"/>
-              <a:hueOff val="0"/>
-              <a:satOff val="0"/>
-              <a:lumOff val="0"/>
-              <a:alphaOff val="0"/>
-            </a:schemeClr>
-          </a:solidFill>
-          <a:prstDash val="solid"/>
-        </a:ln>
-        <a:effectLst/>
-      </dsp:spPr>
-      <dsp:style>
-        <a:lnRef idx="2">
-          <a:scrgbClr r="0" g="0" b="0"/>
-        </a:lnRef>
-        <a:fillRef idx="1">
-          <a:scrgbClr r="0" g="0" b="0"/>
-        </a:fillRef>
-        <a:effectRef idx="0">
-          <a:scrgbClr r="0" g="0" b="0"/>
-        </a:effectRef>
-        <a:fontRef idx="minor"/>
-      </dsp:style>
-      <dsp:txBody>
-        <a:bodyPr spcFirstLastPara="0" vert="horz" wrap="square" lIns="29210" tIns="14605" rIns="0" bIns="14605" numCol="1" spcCol="1270" anchor="ctr" anchorCtr="0">
-          <a:noAutofit/>
-        </a:bodyPr>
-        <a:lstStyle/>
-        <a:p>
-          <a:pPr marL="0" lvl="0" indent="0" algn="l" defTabSz="1022350">
-            <a:lnSpc>
-              <a:spcPct val="90000"/>
-            </a:lnSpc>
-            <a:spcBef>
-              <a:spcPct val="0"/>
-            </a:spcBef>
-            <a:spcAft>
-              <a:spcPct val="35000"/>
-            </a:spcAft>
-            <a:buNone/>
-          </a:pPr>
-          <a:r>
-            <a:rPr lang="en-GB" sz="2300" kern="1200" dirty="0"/>
-            <a:t>Responsive Design</a:t>
-          </a:r>
-          <a:endParaRPr lang="en-US" sz="2300" kern="1200" dirty="0"/>
-        </a:p>
-      </dsp:txBody>
-      <dsp:txXfrm>
-        <a:off x="4352560" y="1805022"/>
-        <a:ext cx="4919757" cy="633472"/>
-      </dsp:txXfrm>
-    </dsp:sp>
-    <dsp:sp modelId="{240D4898-F020-F543-B70B-C214CD94D9DA}">
-      <dsp:nvSpPr>
-        <dsp:cNvPr id="0" name=""/>
-        <dsp:cNvSpPr/>
-      </dsp:nvSpPr>
-      <dsp:spPr>
-        <a:xfrm>
-          <a:off x="12145" y="2610219"/>
-          <a:ext cx="4271725" cy="763220"/>
-        </a:xfrm>
-        <a:prstGeom prst="chevron">
-          <a:avLst/>
-        </a:prstGeom>
-        <a:solidFill>
-          <a:schemeClr val="accent1">
-            <a:hueOff val="0"/>
-            <a:satOff val="0"/>
-            <a:lumOff val="0"/>
-            <a:alphaOff val="0"/>
-          </a:schemeClr>
-        </a:solidFill>
-        <a:ln w="34925" cap="flat" cmpd="sng" algn="in">
-          <a:solidFill>
-            <a:schemeClr val="lt1">
-              <a:hueOff val="0"/>
-              <a:satOff val="0"/>
-              <a:lumOff val="0"/>
-              <a:alphaOff val="0"/>
-            </a:schemeClr>
-          </a:solidFill>
-          <a:prstDash val="solid"/>
-        </a:ln>
-        <a:effectLst/>
-      </dsp:spPr>
-      <dsp:style>
-        <a:lnRef idx="2">
-          <a:scrgbClr r="0" g="0" b="0"/>
-        </a:lnRef>
-        <a:fillRef idx="1">
-          <a:scrgbClr r="0" g="0" b="0"/>
-        </a:fillRef>
-        <a:effectRef idx="0">
-          <a:scrgbClr r="0" g="0" b="0"/>
-        </a:effectRef>
-        <a:fontRef idx="minor">
-          <a:schemeClr val="lt1"/>
-        </a:fontRef>
-      </dsp:style>
-      <dsp:txBody>
-        <a:bodyPr spcFirstLastPara="0" vert="horz" wrap="square" lIns="50800" tIns="25400" rIns="0" bIns="25400" numCol="1" spcCol="1270" anchor="ctr" anchorCtr="0">
-          <a:noAutofit/>
-        </a:bodyPr>
-        <a:lstStyle/>
-        <a:p>
-          <a:pPr marL="0" lvl="0" indent="0" algn="ctr" defTabSz="1778000">
-            <a:lnSpc>
-              <a:spcPct val="90000"/>
-            </a:lnSpc>
-            <a:spcBef>
-              <a:spcPct val="0"/>
-            </a:spcBef>
-            <a:spcAft>
-              <a:spcPct val="35000"/>
-            </a:spcAft>
-            <a:buNone/>
-          </a:pPr>
-          <a:r>
-            <a:rPr lang="en-GB" sz="4000" b="1" kern="1200" dirty="0"/>
-            <a:t>Integration</a:t>
-          </a:r>
-          <a:endParaRPr lang="en-GB" sz="4000" kern="1200" dirty="0"/>
-        </a:p>
-      </dsp:txBody>
-      <dsp:txXfrm>
-        <a:off x="393755" y="2610219"/>
-        <a:ext cx="3508505" cy="763220"/>
-      </dsp:txXfrm>
-    </dsp:sp>
-    <dsp:sp modelId="{82880D61-0A1A-7942-AE24-FADFBEAA13BB}">
-      <dsp:nvSpPr>
-        <dsp:cNvPr id="0" name=""/>
-        <dsp:cNvSpPr/>
-      </dsp:nvSpPr>
-      <dsp:spPr>
-        <a:xfrm>
-          <a:off x="4035824" y="2675093"/>
-          <a:ext cx="5553229" cy="633472"/>
-        </a:xfrm>
-        <a:prstGeom prst="chevron">
-          <a:avLst/>
-        </a:prstGeom>
-        <a:solidFill>
-          <a:schemeClr val="accent1">
-            <a:alpha val="90000"/>
-            <a:tint val="40000"/>
-            <a:hueOff val="0"/>
-            <a:satOff val="0"/>
-            <a:lumOff val="0"/>
-            <a:alphaOff val="0"/>
-          </a:schemeClr>
-        </a:solidFill>
-        <a:ln w="34925" cap="flat" cmpd="sng" algn="in">
-          <a:solidFill>
-            <a:schemeClr val="accent1">
-              <a:alpha val="90000"/>
-              <a:tint val="40000"/>
-              <a:hueOff val="0"/>
-              <a:satOff val="0"/>
-              <a:lumOff val="0"/>
-              <a:alphaOff val="0"/>
-            </a:schemeClr>
-          </a:solidFill>
-          <a:prstDash val="solid"/>
-        </a:ln>
-        <a:effectLst/>
-      </dsp:spPr>
-      <dsp:style>
-        <a:lnRef idx="2">
-          <a:scrgbClr r="0" g="0" b="0"/>
-        </a:lnRef>
-        <a:fillRef idx="1">
-          <a:scrgbClr r="0" g="0" b="0"/>
-        </a:fillRef>
-        <a:effectRef idx="0">
-          <a:scrgbClr r="0" g="0" b="0"/>
-        </a:effectRef>
-        <a:fontRef idx="minor"/>
-      </dsp:style>
-      <dsp:txBody>
-        <a:bodyPr spcFirstLastPara="0" vert="horz" wrap="square" lIns="29210" tIns="14605" rIns="0" bIns="14605" numCol="1" spcCol="1270" anchor="ctr" anchorCtr="0">
-          <a:noAutofit/>
-        </a:bodyPr>
-        <a:lstStyle/>
-        <a:p>
-          <a:pPr marL="0" lvl="0" indent="0" algn="l" defTabSz="1022350">
-            <a:lnSpc>
-              <a:spcPct val="90000"/>
-            </a:lnSpc>
-            <a:spcBef>
-              <a:spcPct val="0"/>
-            </a:spcBef>
-            <a:spcAft>
-              <a:spcPct val="35000"/>
-            </a:spcAft>
-            <a:buNone/>
-          </a:pPr>
-          <a:r>
-            <a:rPr lang="en-GB" sz="2300" kern="1200" dirty="0"/>
-            <a:t>API-first Approach</a:t>
-          </a:r>
-        </a:p>
-      </dsp:txBody>
-      <dsp:txXfrm>
-        <a:off x="4352560" y="2675093"/>
-        <a:ext cx="4919757" cy="633472"/>
-      </dsp:txXfrm>
-    </dsp:sp>
-    <dsp:sp modelId="{A1AED985-9F51-494A-8076-2386C0692FCD}">
-      <dsp:nvSpPr>
-        <dsp:cNvPr id="0" name=""/>
-        <dsp:cNvSpPr/>
-      </dsp:nvSpPr>
-      <dsp:spPr>
-        <a:xfrm>
-          <a:off x="12145" y="3480290"/>
-          <a:ext cx="4271725" cy="763220"/>
-        </a:xfrm>
-        <a:prstGeom prst="chevron">
-          <a:avLst/>
-        </a:prstGeom>
-        <a:solidFill>
-          <a:schemeClr val="accent1">
-            <a:hueOff val="0"/>
-            <a:satOff val="0"/>
-            <a:lumOff val="0"/>
-            <a:alphaOff val="0"/>
-          </a:schemeClr>
-        </a:solidFill>
-        <a:ln w="34925" cap="flat" cmpd="sng" algn="in">
-          <a:solidFill>
-            <a:schemeClr val="lt1">
-              <a:hueOff val="0"/>
-              <a:satOff val="0"/>
-              <a:lumOff val="0"/>
-              <a:alphaOff val="0"/>
-            </a:schemeClr>
-          </a:solidFill>
-          <a:prstDash val="solid"/>
-        </a:ln>
-        <a:effectLst/>
-      </dsp:spPr>
-      <dsp:style>
-        <a:lnRef idx="2">
-          <a:scrgbClr r="0" g="0" b="0"/>
-        </a:lnRef>
-        <a:fillRef idx="1">
-          <a:scrgbClr r="0" g="0" b="0"/>
-        </a:fillRef>
-        <a:effectRef idx="0">
-          <a:scrgbClr r="0" g="0" b="0"/>
-        </a:effectRef>
-        <a:fontRef idx="minor">
-          <a:schemeClr val="lt1"/>
-        </a:fontRef>
-      </dsp:style>
-      <dsp:txBody>
-        <a:bodyPr spcFirstLastPara="0" vert="horz" wrap="square" lIns="67310" tIns="33655" rIns="0" bIns="33655" numCol="1" spcCol="1270" anchor="ctr" anchorCtr="0">
-          <a:noAutofit/>
-        </a:bodyPr>
-        <a:lstStyle/>
-        <a:p>
-          <a:pPr marL="0" lvl="0" indent="0" algn="ctr" defTabSz="2355850">
-            <a:lnSpc>
-              <a:spcPct val="90000"/>
-            </a:lnSpc>
-            <a:spcBef>
-              <a:spcPct val="0"/>
-            </a:spcBef>
-            <a:spcAft>
-              <a:spcPct val="35000"/>
-            </a:spcAft>
-            <a:buNone/>
-          </a:pPr>
-          <a:r>
-            <a:rPr lang="en-GB" sz="5300" b="1" kern="1200" dirty="0"/>
-            <a:t>Security:</a:t>
-          </a:r>
-          <a:endParaRPr lang="en-GB" sz="5300" kern="1200" dirty="0"/>
-        </a:p>
-      </dsp:txBody>
-      <dsp:txXfrm>
-        <a:off x="393755" y="3480290"/>
-        <a:ext cx="3508505" cy="763220"/>
-      </dsp:txXfrm>
-    </dsp:sp>
-    <dsp:sp modelId="{3244A34C-9BD6-3349-81F7-6D9BC7A627C7}">
-      <dsp:nvSpPr>
-        <dsp:cNvPr id="0" name=""/>
-        <dsp:cNvSpPr/>
-      </dsp:nvSpPr>
-      <dsp:spPr>
-        <a:xfrm>
-          <a:off x="4035824" y="3545164"/>
-          <a:ext cx="5553229" cy="633472"/>
-        </a:xfrm>
-        <a:prstGeom prst="chevron">
-          <a:avLst/>
-        </a:prstGeom>
-        <a:solidFill>
-          <a:schemeClr val="accent1">
-            <a:alpha val="90000"/>
-            <a:tint val="40000"/>
-            <a:hueOff val="0"/>
-            <a:satOff val="0"/>
-            <a:lumOff val="0"/>
-            <a:alphaOff val="0"/>
-          </a:schemeClr>
-        </a:solidFill>
-        <a:ln w="34925" cap="flat" cmpd="sng" algn="in">
-          <a:solidFill>
-            <a:schemeClr val="accent1">
-              <a:alpha val="90000"/>
-              <a:tint val="40000"/>
-              <a:hueOff val="0"/>
-              <a:satOff val="0"/>
-              <a:lumOff val="0"/>
-              <a:alphaOff val="0"/>
-            </a:schemeClr>
-          </a:solidFill>
-          <a:prstDash val="solid"/>
-        </a:ln>
-        <a:effectLst/>
-      </dsp:spPr>
-      <dsp:style>
-        <a:lnRef idx="2">
-          <a:scrgbClr r="0" g="0" b="0"/>
-        </a:lnRef>
-        <a:fillRef idx="1">
-          <a:scrgbClr r="0" g="0" b="0"/>
-        </a:fillRef>
-        <a:effectRef idx="0">
-          <a:scrgbClr r="0" g="0" b="0"/>
-        </a:effectRef>
-        <a:fontRef idx="minor"/>
-      </dsp:style>
-      <dsp:txBody>
-        <a:bodyPr spcFirstLastPara="0" vert="horz" wrap="square" lIns="29210" tIns="14605" rIns="0" bIns="14605" numCol="1" spcCol="1270" anchor="ctr" anchorCtr="0">
-          <a:noAutofit/>
-        </a:bodyPr>
-        <a:lstStyle/>
-        <a:p>
-          <a:pPr marL="0" lvl="0" indent="0" algn="l" defTabSz="1022350">
-            <a:lnSpc>
-              <a:spcPct val="90000"/>
-            </a:lnSpc>
-            <a:spcBef>
-              <a:spcPct val="0"/>
-            </a:spcBef>
-            <a:spcAft>
-              <a:spcPct val="35000"/>
-            </a:spcAft>
-            <a:buNone/>
-          </a:pPr>
-          <a:r>
-            <a:rPr lang="en-GB" sz="2300" kern="1200" dirty="0"/>
-            <a:t>GDPR-compliant</a:t>
-          </a:r>
-          <a:r>
-            <a:rPr lang="en-GB" sz="2300" kern="1200"/>
-            <a:t>, Secure </a:t>
-          </a:r>
-          <a:r>
-            <a:rPr lang="en-GB" sz="2300" kern="1200" dirty="0"/>
-            <a:t>data isolation</a:t>
-          </a:r>
-        </a:p>
-      </dsp:txBody>
-      <dsp:txXfrm>
-        <a:off x="4352560" y="3545164"/>
-        <a:ext cx="4919757" cy="633472"/>
-      </dsp:txXfrm>
-    </dsp:sp>
-  </dsp:spTree>
-</dsp:drawing>
-</file>
-
-<file path=ppt/diagrams/layout1.xml><?xml version="1.0" encoding="utf-8"?>
-<dgm:layoutDef xmlns:dgm="http://schemas.openxmlformats.org/drawingml/2006/diagram" xmlns:a="http://schemas.openxmlformats.org/drawingml/2006/main" uniqueId="urn:microsoft.com/office/officeart/2005/8/layout/lProcess3">
-  <dgm:title val=""/>
-  <dgm:desc val=""/>
-  <dgm:catLst>
-    <dgm:cat type="process" pri="11000"/>
-    <dgm:cat type="convert" pri="12000"/>
-  </dgm:catLst>
-  <dgm:sampData>
-    <dgm:dataModel>
-      <dgm:ptLst>
-        <dgm:pt modelId="0" type="doc"/>
-        <dgm:pt modelId="1">
-          <dgm:prSet phldr="1"/>
-        </dgm:pt>
-        <dgm:pt modelId="11">
-          <dgm:prSet phldr="1"/>
-        </dgm:pt>
-        <dgm:pt modelId="12">
-          <dgm:prSet phldr="1"/>
-        </dgm:pt>
-        <dgm:pt modelId="2">
-          <dgm:prSet phldr="1"/>
-        </dgm:pt>
-        <dgm:pt modelId="21">
-          <dgm:prSet phldr="1"/>
-        </dgm:pt>
-        <dgm:pt modelId="22">
-          <dgm:prSet phldr="1"/>
-        </dgm:pt>
-        <dgm:pt modelId="3">
-          <dgm:prSet phldr="1"/>
-        </dgm:pt>
-        <dgm:pt modelId="31">
-          <dgm:prSet phldr="1"/>
-        </dgm:pt>
-        <dgm:pt modelId="32">
-          <dgm:prSet phldr="1"/>
-        </dgm:pt>
-      </dgm:ptLst>
-      <dgm:cxnLst>
-        <dgm:cxn modelId="4" srcId="0" destId="1" srcOrd="0" destOrd="0"/>
-        <dgm:cxn modelId="5" srcId="0" destId="2" srcOrd="1" destOrd="0"/>
-        <dgm:cxn modelId="6" srcId="0" destId="3" srcOrd="2" destOrd="0"/>
-        <dgm:cxn modelId="41" srcId="1" destId="11" srcOrd="0" destOrd="0"/>
-        <dgm:cxn modelId="42" srcId="1" destId="12" srcOrd="1" destOrd="0"/>
-        <dgm:cxn modelId="51" srcId="2" destId="21" srcOrd="0" destOrd="0"/>
-        <dgm:cxn modelId="52" srcId="2" destId="22" srcOrd="1" destOrd="0"/>
-        <dgm:cxn modelId="61" srcId="3" destId="31" srcOrd="0" destOrd="0"/>
-        <dgm:cxn modelId="62" srcId="3" destId="32" srcOrd="1" destOrd="0"/>
-      </dgm:cxnLst>
-      <dgm:bg/>
-      <dgm:whole/>
-    </dgm:dataModel>
-  </dgm:sampData>
-  <dgm:styleData>
-    <dgm:dataModel>
-      <dgm:ptLst>
-        <dgm:pt modelId="0" type="doc"/>
-        <dgm:pt modelId="1"/>
-        <dgm:pt modelId="2"/>
-      </dgm:ptLst>
-      <dgm:cxnLst>
-        <dgm:cxn modelId="4" srcId="0" destId="1" srcOrd="0" destOrd="0"/>
-        <dgm:cxn modelId="5" srcId="1" destId="2" srcOrd="0" destOrd="0"/>
-      </dgm:cxnLst>
-      <dgm:bg/>
-      <dgm:whole/>
-    </dgm:dataModel>
-  </dgm:styleData>
-  <dgm:clrData>
-    <dgm:dataModel>
-      <dgm:ptLst>
-        <dgm:pt modelId="0" type="doc"/>
-        <dgm:pt modelId="1"/>
-        <dgm:pt modelId="11"/>
-        <dgm:pt modelId="2"/>
-        <dgm:pt modelId="21"/>
-        <dgm:pt modelId="3"/>
-        <dgm:pt modelId="31"/>
-        <dgm:pt modelId="4"/>
-        <dgm:pt modelId="41"/>
-      </dgm:ptLst>
-      <dgm:cxnLst>
-        <dgm:cxn modelId="5" srcId="0" destId="1" srcOrd="0" destOrd="0"/>
-        <dgm:cxn modelId="6" srcId="0" destId="2" srcOrd="1" destOrd="0"/>
-        <dgm:cxn modelId="7" srcId="0" destId="3" srcOrd="2" destOrd="0"/>
-        <dgm:cxn modelId="8" srcId="0" destId="4" srcOrd="3" destOrd="0"/>
-        <dgm:cxn modelId="51" srcId="1" destId="11" srcOrd="0" destOrd="0"/>
-        <dgm:cxn modelId="61" srcId="2" destId="21" srcOrd="0" destOrd="0"/>
-        <dgm:cxn modelId="71" srcId="3" destId="31" srcOrd="0" destOrd="0"/>
-        <dgm:cxn modelId="81" srcId="4" destId="41" srcOrd="0" destOrd="0"/>
-      </dgm:cxnLst>
-      <dgm:bg/>
-      <dgm:whole/>
-    </dgm:dataModel>
-  </dgm:clrData>
-  <dgm:layoutNode name="Name0">
-    <dgm:varLst>
-      <dgm:chPref val="3"/>
-      <dgm:dir/>
-      <dgm:animLvl val="lvl"/>
-      <dgm:resizeHandles/>
-    </dgm:varLst>
-    <dgm:choose name="Name1">
-      <dgm:if name="Name2" func="var" arg="dir" op="equ" val="norm">
-        <dgm:alg type="lin">
-          <dgm:param type="linDir" val="fromT"/>
-          <dgm:param type="vertAlign" val="mid"/>
-          <dgm:param type="nodeHorzAlign" val="l"/>
-          <dgm:param type="nodeVertAlign" val="t"/>
-          <dgm:param type="fallback" val="2D"/>
-        </dgm:alg>
-      </dgm:if>
-      <dgm:else name="Name3">
-        <dgm:alg type="lin">
-          <dgm:param type="linDir" val="fromT"/>
-          <dgm:param type="vertAlign" val="mid"/>
-          <dgm:param type="nodeHorzAlign" val="r"/>
-          <dgm:param type="nodeVertAlign" val="t"/>
-          <dgm:param type="fallback" val="2D"/>
-        </dgm:alg>
-      </dgm:else>
-    </dgm:choose>
-    <dgm:shape xmlns:r="http://schemas.openxmlformats.org/officeDocument/2006/relationships" r:blip="">
-      <dgm:adjLst/>
-    </dgm:shape>
-    <dgm:presOf/>
-    <dgm:constrLst>
-      <dgm:constr type="w" for="des" forName="bigChev" refType="w"/>
-      <dgm:constr type="h" for="des" forName="bigChev" refType="w" refFor="des" refForName="bigChev" op="equ" fact="0.4"/>
-      <dgm:constr type="w" for="des" forName="node" refType="w" refFor="des" refForName="bigChev" fact="0.83"/>
-      <dgm:constr type="h" for="des" forName="node" refType="w" refFor="des" refForName="node" op="equ" fact="0.4"/>
-      <dgm:constr type="w" for="des" forName="parTrans" refType="w" refFor="des" refForName="bigChev" op="equ" fact="-0.13"/>
-      <dgm:constr type="w" for="des" forName="sibTrans" refType="w" refFor="des" refForName="node" op="equ" fact="-0.14"/>
-      <dgm:constr type="h" for="ch" forName="vSp" refType="h" refFor="des" refForName="bigChev" op="equ" fact="0.14"/>
-      <dgm:constr type="primFontSz" for="des" forName="node" op="equ"/>
-      <dgm:constr type="primFontSz" for="des" forName="bigChev" op="equ"/>
-    </dgm:constrLst>
-    <dgm:ruleLst/>
-    <dgm:forEach name="Name4" axis="ch" ptType="node">
-      <dgm:layoutNode name="horFlow">
-        <dgm:choose name="Name5">
-          <dgm:if name="Name6" func="var" arg="dir" op="equ" val="norm">
-            <dgm:alg type="lin">
-              <dgm:param type="linDir" val="fromL"/>
-              <dgm:param type="nodeHorzAlign" val="l"/>
-              <dgm:param type="nodeVertAlign" val="mid"/>
-              <dgm:param type="fallback" val="2D"/>
-            </dgm:alg>
-          </dgm:if>
-          <dgm:else name="Name7">
-            <dgm:alg type="lin">
-              <dgm:param type="linDir" val="fromR"/>
-              <dgm:param type="nodeHorzAlign" val="r"/>
-              <dgm:param type="nodeVertAlign" val="mid"/>
-              <dgm:param type="fallback" val="2D"/>
-            </dgm:alg>
-          </dgm:else>
-        </dgm:choose>
-        <dgm:shape xmlns:r="http://schemas.openxmlformats.org/officeDocument/2006/relationships" r:blip="">
-          <dgm:adjLst/>
-        </dgm:shape>
-        <dgm:presOf/>
-        <dgm:constrLst/>
-        <dgm:ruleLst/>
-        <dgm:layoutNode name="bigChev" styleLbl="node1">
-          <dgm:alg type="tx"/>
-          <dgm:choose name="Name8">
-            <dgm:if name="Name9" func="var" arg="dir" op="equ" val="norm">
-              <dgm:shape xmlns:r="http://schemas.openxmlformats.org/officeDocument/2006/relationships" type="chevron" r:blip="">
-                <dgm:adjLst/>
-              </dgm:shape>
-              <dgm:presOf axis="self"/>
-              <dgm:constrLst>
-                <dgm:constr type="primFontSz" val="65"/>
-                <dgm:constr type="rMarg"/>
-                <dgm:constr type="lMarg" refType="primFontSz" fact="0.1"/>
-                <dgm:constr type="tMarg" refType="primFontSz" fact="0.05"/>
-                <dgm:constr type="bMarg" refType="primFontSz" fact="0.05"/>
-              </dgm:constrLst>
-            </dgm:if>
-            <dgm:else name="Name10">
-              <dgm:shape xmlns:r="http://schemas.openxmlformats.org/officeDocument/2006/relationships" rot="180" type="chevron" r:blip="">
-                <dgm:adjLst/>
-              </dgm:shape>
-              <dgm:presOf axis="self"/>
-              <dgm:constrLst>
-                <dgm:constr type="primFontSz" val="65"/>
-                <dgm:constr type="lMarg"/>
-                <dgm:constr type="rMarg" refType="primFontSz" fact="0.1"/>
-                <dgm:constr type="tMarg" refType="primFontSz" fact="0.05"/>
-                <dgm:constr type="bMarg" refType="primFontSz" fact="0.05"/>
-              </dgm:constrLst>
-            </dgm:else>
-          </dgm:choose>
-          <dgm:ruleLst>
-            <dgm:rule type="primFontSz" val="5" fact="NaN" max="NaN"/>
-          </dgm:ruleLst>
-        </dgm:layoutNode>
-        <dgm:forEach name="parTransForEach" axis="ch" ptType="parTrans" cnt="1">
-          <dgm:layoutNode name="parTrans">
-            <dgm:alg type="sp"/>
-            <dgm:shape xmlns:r="http://schemas.openxmlformats.org/officeDocument/2006/relationships" r:blip="">
-              <dgm:adjLst/>
-            </dgm:shape>
-            <dgm:presOf/>
-            <dgm:constrLst/>
-            <dgm:ruleLst/>
-          </dgm:layoutNode>
-        </dgm:forEach>
-        <dgm:forEach name="Name11" axis="ch" ptType="node">
-          <dgm:layoutNode name="node" styleLbl="alignAccFollowNode1">
-            <dgm:varLst>
-              <dgm:bulletEnabled val="1"/>
-            </dgm:varLst>
-            <dgm:alg type="tx"/>
-            <dgm:choose name="Name12">
-              <dgm:if name="Name13" func="var" arg="dir" op="equ" val="norm">
-                <dgm:shape xmlns:r="http://schemas.openxmlformats.org/officeDocument/2006/relationships" type="chevron" r:blip="">
-                  <dgm:adjLst/>
-                </dgm:shape>
-                <dgm:presOf axis="desOrSelf" ptType="node"/>
-                <dgm:constrLst>
-                  <dgm:constr type="primFontSz" val="65"/>
-                  <dgm:constr type="rMarg"/>
-                  <dgm:constr type="lMarg" refType="primFontSz" fact="0.1"/>
-                  <dgm:constr type="tMarg" refType="primFontSz" fact="0.05"/>
-                  <dgm:constr type="bMarg" refType="primFontSz" fact="0.05"/>
-                </dgm:constrLst>
-              </dgm:if>
-              <dgm:else name="Name14">
-                <dgm:shape xmlns:r="http://schemas.openxmlformats.org/officeDocument/2006/relationships" rot="180" type="chevron" r:blip="">
-                  <dgm:adjLst/>
-                </dgm:shape>
-                <dgm:presOf axis="desOrSelf" ptType="node"/>
-                <dgm:constrLst>
-                  <dgm:constr type="primFontSz" val="65"/>
-                  <dgm:constr type="lMarg"/>
-                  <dgm:constr type="rMarg" refType="primFontSz" fact="0.1"/>
-                  <dgm:constr type="tMarg" refType="primFontSz" fact="0.05"/>
-                  <dgm:constr type="bMarg" refType="primFontSz" fact="0.05"/>
-                </dgm:constrLst>
-              </dgm:else>
-            </dgm:choose>
-            <dgm:ruleLst>
-              <dgm:rule type="primFontSz" val="5" fact="NaN" max="NaN"/>
-            </dgm:ruleLst>
-          </dgm:layoutNode>
-          <dgm:forEach name="sibTransForEach" axis="followSib" ptType="sibTrans" cnt="1">
-            <dgm:layoutNode name="sibTrans">
-              <dgm:alg type="sp"/>
-              <dgm:shape xmlns:r="http://schemas.openxmlformats.org/officeDocument/2006/relationships" r:blip="">
-                <dgm:adjLst/>
-              </dgm:shape>
-              <dgm:presOf/>
-              <dgm:constrLst/>
-              <dgm:ruleLst/>
-            </dgm:layoutNode>
-          </dgm:forEach>
-        </dgm:forEach>
-      </dgm:layoutNode>
-      <dgm:choose name="Name15">
-        <dgm:if name="Name16" axis="self" ptType="node" func="revPos" op="gte" val="2">
-          <dgm:layoutNode name="vSp">
-            <dgm:alg type="sp"/>
-            <dgm:shape xmlns:r="http://schemas.openxmlformats.org/officeDocument/2006/relationships" r:blip="">
-              <dgm:adjLst/>
-            </dgm:shape>
-            <dgm:presOf/>
-            <dgm:constrLst/>
-            <dgm:ruleLst/>
-          </dgm:layoutNode>
-        </dgm:if>
-        <dgm:else name="Name17"/>
-      </dgm:choose>
-    </dgm:forEach>
-  </dgm:layoutNode>
-</dgm:layoutDef>
-</file>
-
-<file path=ppt/diagrams/quickStyle1.xml><?xml version="1.0" encoding="utf-8"?>
-<dgm:styleDef xmlns:dgm="http://schemas.openxmlformats.org/drawingml/2006/diagram" xmlns:a="http://schemas.openxmlformats.org/drawingml/2006/main" uniqueId="urn:microsoft.com/office/officeart/2005/8/quickstyle/simple1">
-  <dgm:title val=""/>
-  <dgm:desc val=""/>
-  <dgm:catLst>
-    <dgm:cat type="simple" pri="10100"/>
-  </dgm:catLst>
-  <dgm:scene3d>
-    <a:camera prst="orthographicFront"/>
-    <a:lightRig rig="threePt" dir="t"/>
-  </dgm:scene3d>
-  <dgm:styleLbl name="node0">
-    <dgm:scene3d>
-      <a:camera prst="orthographicFront"/>
-      <a:lightRig rig="threePt" dir="t"/>
-    </dgm:scene3d>
-    <dgm:sp3d/>
-    <dgm:txPr/>
-    <dgm:style>
-      <a:lnRef idx="2">
-        <a:scrgbClr r="0" g="0" b="0"/>
-      </a:lnRef>
-      <a:fillRef idx="1">
-        <a:scrgbClr r="0" g="0" b="0"/>
-      </a:fillRef>
-      <a:effectRef idx="0">
-        <a:scrgbClr r="0" g="0" b="0"/>
-      </a:effectRef>
-      <a:fontRef idx="minor">
-        <a:schemeClr val="lt1"/>
-      </a:fontRef>
-    </dgm:style>
-  </dgm:styleLbl>
-  <dgm:styleLbl name="lnNode1">
-    <dgm:scene3d>
-      <a:camera prst="orthographicFront"/>
-      <a:lightRig rig="threePt" dir="t"/>
-    </dgm:scene3d>
-    <dgm:sp3d/>
-    <dgm:txPr/>
-    <dgm:style>
-      <a:lnRef idx="2">
-        <a:scrgbClr r="0" g="0" b="0"/>
-      </a:lnRef>
-      <a:fillRef idx="1">
-        <a:scrgbClr r="0" g="0" b="0"/>
-      </a:fillRef>
-      <a:effectRef idx="0">
-        <a:scrgbClr r="0" g="0" b="0"/>
-      </a:effectRef>
-      <a:fontRef idx="minor">
-        <a:schemeClr val="lt1"/>
-      </a:fontRef>
-    </dgm:style>
-  </dgm:styleLbl>
-  <dgm:styleLbl name="vennNode1">
-    <dgm:scene3d>
-      <a:camera prst="orthographicFront"/>
-      <a:lightRig rig="threePt" dir="t"/>
-    </dgm:scene3d>
-    <dgm:sp3d/>
-    <dgm:txPr/>
-    <dgm:style>
-      <a:lnRef idx="2">
-        <a:scrgbClr r="0" g="0" b="0"/>
-      </a:lnRef>
-      <a:fillRef idx="1">
-        <a:scrgbClr r="0" g="0" b="0"/>
-      </a:fillRef>
-      <a:effectRef idx="0">
-        <a:scrgbClr r="0" g="0" b="0"/>
-      </a:effectRef>
-      <a:fontRef idx="minor">
-        <a:schemeClr val="tx1"/>
-      </a:fontRef>
-    </dgm:style>
-  </dgm:styleLbl>
-  <dgm:styleLbl name="alignNode1">
-    <dgm:scene3d>
-      <a:camera prst="orthographicFront"/>
-      <a:lightRig rig="threePt" dir="t"/>
-    </dgm:scene3d>
-    <dgm:sp3d/>
-    <dgm:txPr/>
-    <dgm:style>
-      <a:lnRef idx="2">
-        <a:scrgbClr r="0" g="0" b="0"/>
-      </a:lnRef>
-      <a:fillRef idx="1">
-        <a:scrgbClr r="0" g="0" b="0"/>
-      </a:fillRef>
-      <a:effectRef idx="0">
-        <a:scrgbClr r="0" g="0" b="0"/>
-      </a:effectRef>
-      <a:fontRef idx="minor">
-        <a:schemeClr val="lt1"/>
-      </a:fontRef>
-    </dgm:style>
-  </dgm:styleLbl>
-  <dgm:styleLbl name="node1">
-    <dgm:scene3d>
-      <a:camera prst="orthographicFront"/>
-      <a:lightRig rig="threePt" dir="t"/>
-    </dgm:scene3d>
-    <dgm:sp3d/>
-    <dgm:txPr/>
-    <dgm:style>
-      <a:lnRef idx="2">
-        <a:scrgbClr r="0" g="0" b="0"/>
-      </a:lnRef>
-      <a:fillRef idx="1">
-        <a:scrgbClr r="0" g="0" b="0"/>
-      </a:fillRef>
-      <a:effectRef idx="0">
-        <a:scrgbClr r="0" g="0" b="0"/>
-      </a:effectRef>
-      <a:fontRef idx="minor">
-        <a:schemeClr val="lt1"/>
-      </a:fontRef>
-    </dgm:style>
-  </dgm:styleLbl>
-  <dgm:styleLbl name="node2">
-    <dgm:scene3d>
-      <a:camera prst="orthographicFront"/>
-      <a:lightRig rig="threePt" dir="t"/>
-    </dgm:scene3d>
-    <dgm:sp3d/>
-    <dgm:txPr/>
-    <dgm:style>
-      <a:lnRef idx="2">
-        <a:scrgbClr r="0" g="0" b="0"/>
-      </a:lnRef>
-      <a:fillRef idx="1">
-        <a:scrgbClr r="0" g="0" b="0"/>
-      </a:fillRef>
-      <a:effectRef idx="0">
-        <a:scrgbClr r="0" g="0" b="0"/>
-      </a:effectRef>
-      <a:fontRef idx="minor">
-        <a:schemeClr val="lt1"/>
-      </a:fontRef>
-    </dgm:style>
-  </dgm:styleLbl>
-  <dgm:styleLbl name="node3">
-    <dgm:scene3d>
-      <a:camera prst="orthographicFront"/>
-      <a:lightRig rig="threePt" dir="t"/>
-    </dgm:scene3d>
-    <dgm:sp3d/>
-    <dgm:txPr/>
-    <dgm:style>
-      <a:lnRef idx="2">
-        <a:scrgbClr r="0" g="0" b="0"/>
-      </a:lnRef>
-      <a:fillRef idx="1">
-        <a:scrgbClr r="0" g="0" b="0"/>
-      </a:fillRef>
-      <a:effectRef idx="0">
-        <a:scrgbClr r="0" g="0" b="0"/>
-      </a:effectRef>
-      <a:fontRef idx="minor">
-        <a:schemeClr val="lt1"/>
-      </a:fontRef>
-    </dgm:style>
-  </dgm:styleLbl>
-  <dgm:styleLbl name="node4">
-    <dgm:scene3d>
-      <a:camera prst="orthographicFront"/>
-      <a:lightRig rig="threePt" dir="t"/>
-    </dgm:scene3d>
-    <dgm:sp3d/>
-    <dgm:txPr/>
-    <dgm:style>
-      <a:lnRef idx="2">
-        <a:scrgbClr r="0" g="0" b="0"/>
-      </a:lnRef>
-      <a:fillRef idx="1">
-        <a:scrgbClr r="0" g="0" b="0"/>
-      </a:fillRef>
-      <a:effectRef idx="0">
-        <a:scrgbClr r="0" g="0" b="0"/>
-      </a:effectRef>
-      <a:fontRef idx="minor">
-        <a:schemeClr val="lt1"/>
-      </a:fontRef>
-    </dgm:style>
-  </dgm:styleLbl>
-  <dgm:styleLbl name="fgImgPlace1">
-    <dgm:scene3d>
-      <a:camera prst="orthographicFront"/>
-      <a:lightRig rig="threePt" dir="t"/>
-    </dgm:scene3d>
-    <dgm:sp3d/>
-    <dgm:txPr/>
-    <dgm:style>
-      <a:lnRef idx="2">
-        <a:scrgbClr r="0" g="0" b="0"/>
-      </a:lnRef>
-      <a:fillRef idx="1">
-        <a:scrgbClr r="0" g="0" b="0"/>
-      </a:fillRef>
-      <a:effectRef idx="0">
-        <a:scrgbClr r="0" g="0" b="0"/>
-      </a:effectRef>
-      <a:fontRef idx="minor"/>
-    </dgm:style>
-  </dgm:styleLbl>
-  <dgm:styleLbl name="alignImgPlace1">
-    <dgm:scene3d>
-      <a:camera prst="orthographicFront"/>
-      <a:lightRig rig="threePt" dir="t"/>
-    </dgm:scene3d>
-    <dgm:sp3d/>
-    <dgm:txPr/>
-    <dgm:style>
-      <a:lnRef idx="2">
-        <a:scrgbClr r="0" g="0" b="0"/>
-      </a:lnRef>
-      <a:fillRef idx="1">
-        <a:scrgbClr r="0" g="0" b="0"/>
-      </a:fillRef>
-      <a:effectRef idx="0">
-        <a:scrgbClr r="0" g="0" b="0"/>
-      </a:effectRef>
-      <a:fontRef idx="minor"/>
-    </dgm:style>
-  </dgm:styleLbl>
-  <dgm:styleLbl name="bgImgPlace1">
-    <dgm:scene3d>
-      <a:camera prst="orthographicFront"/>
-      <a:lightRig rig="threePt" dir="t"/>
-    </dgm:scene3d>
-    <dgm:sp3d/>
-    <dgm:txPr/>
-    <dgm:style>
-      <a:lnRef idx="2">
-        <a:scrgbClr r="0" g="0" b="0"/>
-      </a:lnRef>
-      <a:fillRef idx="1">
-        <a:scrgbClr r="0" g="0" b="0"/>
-      </a:fillRef>
-      <a:effectRef idx="0">
-        <a:scrgbClr r="0" g="0" b="0"/>
-      </a:effectRef>
-      <a:fontRef idx="minor"/>
-    </dgm:style>
-  </dgm:styleLbl>
-  <dgm:styleLbl name="sibTrans2D1">
-    <dgm:scene3d>
-      <a:camera prst="orthographicFront"/>
-      <a:lightRig rig="threePt" dir="t"/>
-    </dgm:scene3d>
-    <dgm:sp3d/>
-    <dgm:txPr/>
-    <dgm:style>
-      <a:lnRef idx="0">
-        <a:scrgbClr r="0" g="0" b="0"/>
-      </a:lnRef>
-      <a:fillRef idx="1">
-        <a:scrgbClr r="0" g="0" b="0"/>
-      </a:fillRef>
-      <a:effectRef idx="0">
-        <a:scrgbClr r="0" g="0" b="0"/>
-      </a:effectRef>
-      <a:fontRef idx="minor">
-        <a:schemeClr val="lt1"/>
-      </a:fontRef>
-    </dgm:style>
-  </dgm:styleLbl>
-  <dgm:styleLbl name="fgSibTrans2D1">
-    <dgm:scene3d>
-      <a:camera prst="orthographicFront"/>
-      <a:lightRig rig="threePt" dir="t"/>
-    </dgm:scene3d>
-    <dgm:sp3d/>
-    <dgm:txPr/>
-    <dgm:style>
-      <a:lnRef idx="0">
-        <a:scrgbClr r="0" g="0" b="0"/>
-      </a:lnRef>
-      <a:fillRef idx="1">
-        <a:scrgbClr r="0" g="0" b="0"/>
-      </a:fillRef>
-      <a:effectRef idx="0">
-        <a:scrgbClr r="0" g="0" b="0"/>
-      </a:effectRef>
-      <a:fontRef idx="minor">
-        <a:schemeClr val="lt1"/>
-      </a:fontRef>
-    </dgm:style>
-  </dgm:styleLbl>
-  <dgm:styleLbl name="bgSibTrans2D1">
-    <dgm:scene3d>
-      <a:camera prst="orthographicFront"/>
-      <a:lightRig rig="threePt" dir="t"/>
-    </dgm:scene3d>
-    <dgm:sp3d/>
-    <dgm:txPr/>
-    <dgm:style>
-      <a:lnRef idx="0">
-        <a:scrgbClr r="0" g="0" b="0"/>
-      </a:lnRef>
-      <a:fillRef idx="1">
-        <a:scrgbClr r="0" g="0" b="0"/>
-      </a:fillRef>
-      <a:effectRef idx="0">
-        <a:scrgbClr r="0" g="0" b="0"/>
-      </a:effectRef>
-      <a:fontRef idx="minor">
-        <a:schemeClr val="lt1"/>
-      </a:fontRef>
-    </dgm:style>
-  </dgm:styleLbl>
-  <dgm:styleLbl name="sibTrans1D1">
-    <dgm:scene3d>
-      <a:camera prst="orthographicFront"/>
-      <a:lightRig rig="threePt" dir="t"/>
-    </dgm:scene3d>
-    <dgm:sp3d/>
-    <dgm:txPr/>
-    <dgm:style>
-      <a:lnRef idx="1">
-        <a:scrgbClr r="0" g="0" b="0"/>
-      </a:lnRef>
-      <a:fillRef idx="0">
-        <a:scrgbClr r="0" g="0" b="0"/>
-      </a:fillRef>
-      <a:effectRef idx="0">
-        <a:scrgbClr r="0" g="0" b="0"/>
-      </a:effectRef>
-      <a:fontRef idx="minor"/>
-    </dgm:style>
-  </dgm:styleLbl>
-  <dgm:styleLbl name="callout">
-    <dgm:scene3d>
-      <a:camera prst="orthographicFront"/>
-      <a:lightRig rig="threePt" dir="t"/>
-    </dgm:scene3d>
-    <dgm:sp3d/>
-    <dgm:txPr/>
-    <dgm:style>
-      <a:lnRef idx="2">
-        <a:scrgbClr r="0" g="0" b="0"/>
-      </a:lnRef>
-      <a:fillRef idx="1">
-        <a:scrgbClr r="0" g="0" b="0"/>
-      </a:fillRef>
-      <a:effectRef idx="0">
-        <a:scrgbClr r="0" g="0" b="0"/>
-      </a:effectRef>
-      <a:fontRef idx="minor"/>
-    </dgm:style>
-  </dgm:styleLbl>
-  <dgm:styleLbl name="asst0">
-    <dgm:scene3d>
-      <a:camera prst="orthographicFront"/>
-      <a:lightRig rig="threePt" dir="t"/>
-    </dgm:scene3d>
-    <dgm:sp3d/>
-    <dgm:txPr/>
-    <dgm:style>
-      <a:lnRef idx="2">
-        <a:scrgbClr r="0" g="0" b="0"/>
-      </a:lnRef>
-      <a:fillRef idx="1">
-        <a:scrgbClr r="0" g="0" b="0"/>
-      </a:fillRef>
-      <a:effectRef idx="0">
-        <a:scrgbClr r="0" g="0" b="0"/>
-      </a:effectRef>
-      <a:fontRef idx="minor">
-        <a:schemeClr val="lt1"/>
-      </a:fontRef>
-    </dgm:style>
-  </dgm:styleLbl>
-  <dgm:styleLbl name="asst1">
-    <dgm:scene3d>
-      <a:camera prst="orthographicFront"/>
-      <a:lightRig rig="threePt" dir="t"/>
-    </dgm:scene3d>
-    <dgm:sp3d/>
-    <dgm:txPr/>
-    <dgm:style>
-      <a:lnRef idx="2">
-        <a:scrgbClr r="0" g="0" b="0"/>
-      </a:lnRef>
-      <a:fillRef idx="1">
-        <a:scrgbClr r="0" g="0" b="0"/>
-      </a:fillRef>
-      <a:effectRef idx="0">
-        <a:scrgbClr r="0" g="0" b="0"/>
-      </a:effectRef>
-      <a:fontRef idx="minor">
-        <a:schemeClr val="lt1"/>
-      </a:fontRef>
-    </dgm:style>
-  </dgm:styleLbl>
-  <dgm:styleLbl name="asst2">
-    <dgm:scene3d>
-      <a:camera prst="orthographicFront"/>
-      <a:lightRig rig="threePt" dir="t"/>
-    </dgm:scene3d>
-    <dgm:sp3d/>
-    <dgm:txPr/>
-    <dgm:style>
-      <a:lnRef idx="2">
-        <a:scrgbClr r="0" g="0" b="0"/>
-      </a:lnRef>
-      <a:fillRef idx="1">
-        <a:scrgbClr r="0" g="0" b="0"/>
-      </a:fillRef>
-      <a:effectRef idx="0">
-        <a:scrgbClr r="0" g="0" b="0"/>
-      </a:effectRef>
-      <a:fontRef idx="minor">
-        <a:schemeClr val="lt1"/>
-      </a:fontRef>
-    </dgm:style>
-  </dgm:styleLbl>
-  <dgm:styleLbl name="asst3">
-    <dgm:scene3d>
-      <a:camera prst="orthographicFront"/>
-      <a:lightRig rig="threePt" dir="t"/>
-    </dgm:scene3d>
-    <dgm:sp3d/>
-    <dgm:txPr/>
-    <dgm:style>
-      <a:lnRef idx="2">
-        <a:scrgbClr r="0" g="0" b="0"/>
-      </a:lnRef>
-      <a:fillRef idx="1">
-        <a:scrgbClr r="0" g="0" b="0"/>
-      </a:fillRef>
-      <a:effectRef idx="0">
-        <a:scrgbClr r="0" g="0" b="0"/>
-      </a:effectRef>
-      <a:fontRef idx="minor">
-        <a:schemeClr val="lt1"/>
-      </a:fontRef>
-    </dgm:style>
-  </dgm:styleLbl>
-  <dgm:styleLbl name="asst4">
-    <dgm:scene3d>
-      <a:camera prst="orthographicFront"/>
-      <a:lightRig rig="threePt" dir="t"/>
-    </dgm:scene3d>
-    <dgm:sp3d/>
-    <dgm:txPr/>
-    <dgm:style>
-      <a:lnRef idx="2">
-        <a:scrgbClr r="0" g="0" b="0"/>
-      </a:lnRef>
-      <a:fillRef idx="1">
-        <a:scrgbClr r="0" g="0" b="0"/>
-      </a:fillRef>
-      <a:effectRef idx="0">
-        <a:scrgbClr r="0" g="0" b="0"/>
-      </a:effectRef>
-      <a:fontRef idx="minor">
-        <a:schemeClr val="lt1"/>
-      </a:fontRef>
-    </dgm:style>
-  </dgm:styleLbl>
-  <dgm:styleLbl name="parChTrans2D1">
-    <dgm:scene3d>
-      <a:camera prst="orthographicFront"/>
-      <a:lightRig rig="threePt" dir="t"/>
-    </dgm:scene3d>
-    <dgm:sp3d/>
-    <dgm:txPr/>
-    <dgm:style>
-      <a:lnRef idx="2">
-        <a:scrgbClr r="0" g="0" b="0"/>
-      </a:lnRef>
-      <a:fillRef idx="1">
-        <a:scrgbClr r="0" g="0" b="0"/>
-      </a:fillRef>
-      <a:effectRef idx="0">
-        <a:scrgbClr r="0" g="0" b="0"/>
-      </a:effectRef>
-      <a:fontRef idx="minor">
-        <a:schemeClr val="lt1"/>
-      </a:fontRef>
-    </dgm:style>
-  </dgm:styleLbl>
-  <dgm:styleLbl name="parChTrans2D2">
-    <dgm:scene3d>
-      <a:camera prst="orthographicFront"/>
-      <a:lightRig rig="threePt" dir="t"/>
-    </dgm:scene3d>
-    <dgm:sp3d/>
-    <dgm:txPr/>
-    <dgm:style>
-      <a:lnRef idx="2">
-        <a:scrgbClr r="0" g="0" b="0"/>
-      </a:lnRef>
-      <a:fillRef idx="1">
-        <a:scrgbClr r="0" g="0" b="0"/>
-      </a:fillRef>
-      <a:effectRef idx="0">
-        <a:scrgbClr r="0" g="0" b="0"/>
-      </a:effectRef>
-      <a:fontRef idx="minor">
-        <a:schemeClr val="lt1"/>
-      </a:fontRef>
-    </dgm:style>
-  </dgm:styleLbl>
-  <dgm:styleLbl name="parChTrans2D3">
-    <dgm:scene3d>
-      <a:camera prst="orthographicFront"/>
-      <a:lightRig rig="threePt" dir="t"/>
-    </dgm:scene3d>
-    <dgm:sp3d/>
-    <dgm:txPr/>
-    <dgm:style>
-      <a:lnRef idx="2">
-        <a:scrgbClr r="0" g="0" b="0"/>
-      </a:lnRef>
-      <a:fillRef idx="1">
-        <a:scrgbClr r="0" g="0" b="0"/>
-      </a:fillRef>
-      <a:effectRef idx="0">
-        <a:scrgbClr r="0" g="0" b="0"/>
-      </a:effectRef>
-      <a:fontRef idx="minor">
-        <a:schemeClr val="lt1"/>
-      </a:fontRef>
-    </dgm:style>
-  </dgm:styleLbl>
-  <dgm:styleLbl name="parChTrans2D4">
-    <dgm:scene3d>
-      <a:camera prst="orthographicFront"/>
-      <a:lightRig rig="threePt" dir="t"/>
-    </dgm:scene3d>
-    <dgm:sp3d/>
-    <dgm:txPr/>
-    <dgm:style>
-      <a:lnRef idx="2">
-        <a:scrgbClr r="0" g="0" b="0"/>
-      </a:lnRef>
-      <a:fillRef idx="1">
-        <a:scrgbClr r="0" g="0" b="0"/>
-      </a:fillRef>
-      <a:effectRef idx="0">
-        <a:scrgbClr r="0" g="0" b="0"/>
-      </a:effectRef>
-      <a:fontRef idx="minor">
-        <a:schemeClr val="lt1"/>
-      </a:fontRef>
-    </dgm:style>
-  </dgm:styleLbl>
-  <dgm:styleLbl name="parChTrans1D1">
-    <dgm:scene3d>
-      <a:camera prst="orthographicFront"/>
-      <a:lightRig rig="threePt" dir="t"/>
-    </dgm:scene3d>
-    <dgm:sp3d/>
-    <dgm:txPr/>
-    <dgm:style>
-      <a:lnRef idx="2">
-        <a:scrgbClr r="0" g="0" b="0"/>
-      </a:lnRef>
-      <a:fillRef idx="0">
-        <a:scrgbClr r="0" g="0" b="0"/>
-      </a:fillRef>
-      <a:effectRef idx="0">
-        <a:scrgbClr r="0" g="0" b="0"/>
-      </a:effectRef>
-      <a:fontRef idx="minor"/>
-    </dgm:style>
-  </dgm:styleLbl>
-  <dgm:styleLbl name="parChTrans1D2">
-    <dgm:scene3d>
-      <a:camera prst="orthographicFront"/>
-      <a:lightRig rig="threePt" dir="t"/>
-    </dgm:scene3d>
-    <dgm:sp3d/>
-    <dgm:txPr/>
-    <dgm:style>
-      <a:lnRef idx="2">
-        <a:scrgbClr r="0" g="0" b="0"/>
-      </a:lnRef>
-      <a:fillRef idx="0">
-        <a:scrgbClr r="0" g="0" b="0"/>
-      </a:fillRef>
-      <a:effectRef idx="0">
-        <a:scrgbClr r="0" g="0" b="0"/>
-      </a:effectRef>
-      <a:fontRef idx="minor"/>
-    </dgm:style>
-  </dgm:styleLbl>
-  <dgm:styleLbl name="parChTrans1D3">
-    <dgm:scene3d>
-      <a:camera prst="orthographicFront"/>
-      <a:lightRig rig="threePt" dir="t"/>
-    </dgm:scene3d>
-    <dgm:sp3d/>
-    <dgm:txPr/>
-    <dgm:style>
-      <a:lnRef idx="2">
-        <a:scrgbClr r="0" g="0" b="0"/>
-      </a:lnRef>
-      <a:fillRef idx="0">
-        <a:scrgbClr r="0" g="0" b="0"/>
-      </a:fillRef>
-      <a:effectRef idx="0">
-        <a:scrgbClr r="0" g="0" b="0"/>
-      </a:effectRef>
-      <a:fontRef idx="minor"/>
-    </dgm:style>
-  </dgm:styleLbl>
-  <dgm:styleLbl name="parChTrans1D4">
-    <dgm:scene3d>
-      <a:camera prst="orthographicFront"/>
-      <a:lightRig rig="threePt" dir="t"/>
-    </dgm:scene3d>
-    <dgm:sp3d/>
-    <dgm:txPr/>
-    <dgm:style>
-      <a:lnRef idx="2">
-        <a:scrgbClr r="0" g="0" b="0"/>
-      </a:lnRef>
-      <a:fillRef idx="0">
-        <a:scrgbClr r="0" g="0" b="0"/>
-      </a:fillRef>
-      <a:effectRef idx="0">
-        <a:scrgbClr r="0" g="0" b="0"/>
-      </a:effectRef>
-      <a:fontRef idx="minor"/>
-    </dgm:style>
-  </dgm:styleLbl>
-  <dgm:styleLbl name="fgAcc1">
-    <dgm:scene3d>
-      <a:camera prst="orthographicFront"/>
-      <a:lightRig rig="threePt" dir="t"/>
-    </dgm:scene3d>
-    <dgm:sp3d/>
-    <dgm:txPr/>
-    <dgm:style>
-      <a:lnRef idx="2">
-        <a:scrgbClr r="0" g="0" b="0"/>
-      </a:lnRef>
-      <a:fillRef idx="1">
-        <a:scrgbClr r="0" g="0" b="0"/>
-      </a:fillRef>
-      <a:effectRef idx="0">
-        <a:scrgbClr r="0" g="0" b="0"/>
-      </a:effectRef>
-      <a:fontRef idx="minor"/>
-    </dgm:style>
-  </dgm:styleLbl>
-  <dgm:styleLbl name="conFgAcc1">
-    <dgm:scene3d>
-      <a:camera prst="orthographicFront"/>
-      <a:lightRig rig="threePt" dir="t"/>
-    </dgm:scene3d>
-    <dgm:sp3d/>
-    <dgm:txPr/>
-    <dgm:style>
-      <a:lnRef idx="2">
-        <a:scrgbClr r="0" g="0" b="0"/>
-      </a:lnRef>
-      <a:fillRef idx="1">
-        <a:scrgbClr r="0" g="0" b="0"/>
-      </a:fillRef>
-      <a:effectRef idx="0">
-        <a:scrgbClr r="0" g="0" b="0"/>
-      </a:effectRef>
-      <a:fontRef idx="minor"/>
-    </dgm:style>
-  </dgm:styleLbl>
-  <dgm:styleLbl name="alignAcc1">
-    <dgm:scene3d>
-      <a:camera prst="orthographicFront"/>
-      <a:lightRig rig="threePt" dir="t"/>
-    </dgm:scene3d>
-    <dgm:sp3d/>
-    <dgm:txPr/>
-    <dgm:style>
-      <a:lnRef idx="2">
-        <a:scrgbClr r="0" g="0" b="0"/>
-      </a:lnRef>
-      <a:fillRef idx="1">
-        <a:scrgbClr r="0" g="0" b="0"/>
-      </a:fillRef>
-      <a:effectRef idx="0">
-        <a:scrgbClr r="0" g="0" b="0"/>
-      </a:effectRef>
-      <a:fontRef idx="minor"/>
-    </dgm:style>
-  </dgm:styleLbl>
-  <dgm:styleLbl name="trAlignAcc1">
-    <dgm:scene3d>
-      <a:camera prst="orthographicFront"/>
-      <a:lightRig rig="threePt" dir="t"/>
-    </dgm:scene3d>
-    <dgm:sp3d/>
-    <dgm:txPr/>
-    <dgm:style>
-      <a:lnRef idx="1">
-        <a:scrgbClr r="0" g="0" b="0"/>
-      </a:lnRef>
-      <a:fillRef idx="1">
-        <a:scrgbClr r="0" g="0" b="0"/>
-      </a:fillRef>
-      <a:effectRef idx="0">
-        <a:scrgbClr r="0" g="0" b="0"/>
-      </a:effectRef>
-      <a:fontRef idx="minor"/>
-    </dgm:style>
-  </dgm:styleLbl>
-  <dgm:styleLbl name="bgAcc1">
-    <dgm:scene3d>
-      <a:camera prst="orthographicFront"/>
-      <a:lightRig rig="threePt" dir="t"/>
-    </dgm:scene3d>
-    <dgm:sp3d/>
-    <dgm:txPr/>
-    <dgm:style>
-      <a:lnRef idx="2">
-        <a:scrgbClr r="0" g="0" b="0"/>
-      </a:lnRef>
-      <a:fillRef idx="1">
-        <a:scrgbClr r="0" g="0" b="0"/>
-      </a:fillRef>
-      <a:effectRef idx="0">
-        <a:scrgbClr r="0" g="0" b="0"/>
-      </a:effectRef>
-      <a:fontRef idx="minor"/>
-    </dgm:style>
-  </dgm:styleLbl>
-  <dgm:styleLbl name="solidFgAcc1">
-    <dgm:scene3d>
-      <a:camera prst="orthographicFront"/>
-      <a:lightRig rig="threePt" dir="t"/>
-    </dgm:scene3d>
-    <dgm:sp3d/>
-    <dgm:txPr/>
-    <dgm:style>
-      <a:lnRef idx="2">
-        <a:scrgbClr r="0" g="0" b="0"/>
-      </a:lnRef>
-      <a:fillRef idx="1">
-        <a:scrgbClr r="0" g="0" b="0"/>
-      </a:fillRef>
-      <a:effectRef idx="0">
-        <a:scrgbClr r="0" g="0" b="0"/>
-      </a:effectRef>
-      <a:fontRef idx="minor"/>
-    </dgm:style>
-  </dgm:styleLbl>
-  <dgm:styleLbl name="solidAlignAcc1">
-    <dgm:scene3d>
-      <a:camera prst="orthographicFront"/>
-      <a:lightRig rig="threePt" dir="t"/>
-    </dgm:scene3d>
-    <dgm:sp3d/>
-    <dgm:txPr/>
-    <dgm:style>
-      <a:lnRef idx="2">
-        <a:scrgbClr r="0" g="0" b="0"/>
-      </a:lnRef>
-      <a:fillRef idx="1">
-        <a:scrgbClr r="0" g="0" b="0"/>
-      </a:fillRef>
-      <a:effectRef idx="0">
-        <a:scrgbClr r="0" g="0" b="0"/>
-      </a:effectRef>
-      <a:fontRef idx="minor"/>
-    </dgm:style>
-  </dgm:styleLbl>
-  <dgm:styleLbl name="solidBgAcc1">
-    <dgm:scene3d>
-      <a:camera prst="orthographicFront"/>
-      <a:lightRig rig="threePt" dir="t"/>
-    </dgm:scene3d>
-    <dgm:sp3d/>
-    <dgm:txPr/>
-    <dgm:style>
-      <a:lnRef idx="2">
-        <a:scrgbClr r="0" g="0" b="0"/>
-      </a:lnRef>
-      <a:fillRef idx="1">
-        <a:scrgbClr r="0" g="0" b="0"/>
-      </a:fillRef>
-      <a:effectRef idx="0">
-        <a:scrgbClr r="0" g="0" b="0"/>
-      </a:effectRef>
-      <a:fontRef idx="minor"/>
-    </dgm:style>
-  </dgm:styleLbl>
-  <dgm:styleLbl name="fgAccFollowNode1">
-    <dgm:scene3d>
-      <a:camera prst="orthographicFront"/>
-      <a:lightRig rig="threePt" dir="t"/>
-    </dgm:scene3d>
-    <dgm:sp3d/>
-    <dgm:txPr/>
-    <dgm:style>
-      <a:lnRef idx="2">
-        <a:scrgbClr r="0" g="0" b="0"/>
-      </a:lnRef>
-      <a:fillRef idx="1">
-        <a:scrgbClr r="0" g="0" b="0"/>
-      </a:fillRef>
-      <a:effectRef idx="0">
-        <a:scrgbClr r="0" g="0" b="0"/>
-      </a:effectRef>
-      <a:fontRef idx="minor"/>
-    </dgm:style>
-  </dgm:styleLbl>
-  <dgm:styleLbl name="alignAccFollowNode1">
-    <dgm:scene3d>
-      <a:camera prst="orthographicFront"/>
-      <a:lightRig rig="threePt" dir="t"/>
-    </dgm:scene3d>
-    <dgm:sp3d/>
-    <dgm:txPr/>
-    <dgm:style>
-      <a:lnRef idx="2">
-        <a:scrgbClr r="0" g="0" b="0"/>
-      </a:lnRef>
-      <a:fillRef idx="1">
-        <a:scrgbClr r="0" g="0" b="0"/>
-      </a:fillRef>
-      <a:effectRef idx="0">
-        <a:scrgbClr r="0" g="0" b="0"/>
-      </a:effectRef>
-      <a:fontRef idx="minor"/>
-    </dgm:style>
-  </dgm:styleLbl>
-  <dgm:styleLbl name="bgAccFollowNode1">
-    <dgm:scene3d>
-      <a:camera prst="orthographicFront"/>
-      <a:lightRig rig="threePt" dir="t"/>
-    </dgm:scene3d>
-    <dgm:sp3d/>
-    <dgm:txPr/>
-    <dgm:style>
-      <a:lnRef idx="2">
-        <a:scrgbClr r="0" g="0" b="0"/>
-      </a:lnRef>
-      <a:fillRef idx="1">
-        <a:scrgbClr r="0" g="0" b="0"/>
-      </a:fillRef>
-      <a:effectRef idx="0">
-        <a:scrgbClr r="0" g="0" b="0"/>
-      </a:effectRef>
-      <a:fontRef idx="minor"/>
-    </dgm:style>
-  </dgm:styleLbl>
-  <dgm:styleLbl name="fgAcc0">
-    <dgm:scene3d>
-      <a:camera prst="orthographicFront"/>
-      <a:lightRig rig="threePt" dir="t"/>
-    </dgm:scene3d>
-    <dgm:sp3d/>
-    <dgm:txPr/>
-    <dgm:style>
-      <a:lnRef idx="2">
-        <a:scrgbClr r="0" g="0" b="0"/>
-      </a:lnRef>
-      <a:fillRef idx="1">
-        <a:scrgbClr r="0" g="0" b="0"/>
-      </a:fillRef>
-      <a:effectRef idx="0">
-        <a:scrgbClr r="0" g="0" b="0"/>
-      </a:effectRef>
-      <a:fontRef idx="minor"/>
-    </dgm:style>
-  </dgm:styleLbl>
-  <dgm:styleLbl name="fgAcc2">
-    <dgm:scene3d>
-      <a:camera prst="orthographicFront"/>
-      <a:lightRig rig="threePt" dir="t"/>
-    </dgm:scene3d>
-    <dgm:sp3d/>
-    <dgm:txPr/>
-    <dgm:style>
-      <a:lnRef idx="2">
-        <a:scrgbClr r="0" g="0" b="0"/>
-      </a:lnRef>
-      <a:fillRef idx="1">
-        <a:scrgbClr r="0" g="0" b="0"/>
-      </a:fillRef>
-      <a:effectRef idx="0">
-        <a:scrgbClr r="0" g="0" b="0"/>
-      </a:effectRef>
-      <a:fontRef idx="minor"/>
-    </dgm:style>
-  </dgm:styleLbl>
-  <dgm:styleLbl name="fgAcc3">
-    <dgm:scene3d>
-      <a:camera prst="orthographicFront"/>
-      <a:lightRig rig="threePt" dir="t"/>
-    </dgm:scene3d>
-    <dgm:sp3d/>
-    <dgm:txPr/>
-    <dgm:style>
-      <a:lnRef idx="2">
-        <a:scrgbClr r="0" g="0" b="0"/>
-      </a:lnRef>
-      <a:fillRef idx="1">
-        <a:scrgbClr r="0" g="0" b="0"/>
-      </a:fillRef>
-      <a:effectRef idx="0">
-        <a:scrgbClr r="0" g="0" b="0"/>
-      </a:effectRef>
-      <a:fontRef idx="minor"/>
-    </dgm:style>
-  </dgm:styleLbl>
-  <dgm:styleLbl name="fgAcc4">
-    <dgm:scene3d>
-      <a:camera prst="orthographicFront"/>
-      <a:lightRig rig="threePt" dir="t"/>
-    </dgm:scene3d>
-    <dgm:sp3d/>
-    <dgm:txPr/>
-    <dgm:style>
-      <a:lnRef idx="2">
-        <a:scrgbClr r="0" g="0" b="0"/>
-      </a:lnRef>
-      <a:fillRef idx="1">
-        <a:scrgbClr r="0" g="0" b="0"/>
-      </a:fillRef>
-      <a:effectRef idx="0">
-        <a:scrgbClr r="0" g="0" b="0"/>
-      </a:effectRef>
-      <a:fontRef idx="minor"/>
-    </dgm:style>
-  </dgm:styleLbl>
-  <dgm:styleLbl name="bgShp">
-    <dgm:scene3d>
-      <a:camera prst="orthographicFront"/>
-      <a:lightRig rig="threePt" dir="t"/>
-    </dgm:scene3d>
-    <dgm:sp3d/>
-    <dgm:txPr/>
-    <dgm:style>
-      <a:lnRef idx="0">
-        <a:scrgbClr r="0" g="0" b="0"/>
-      </a:lnRef>
-      <a:fillRef idx="1">
-        <a:scrgbClr r="0" g="0" b="0"/>
-      </a:fillRef>
-      <a:effectRef idx="0">
-        <a:scrgbClr r="0" g="0" b="0"/>
-      </a:effectRef>
-      <a:fontRef idx="minor"/>
-    </dgm:style>
-  </dgm:styleLbl>
-  <dgm:styleLbl name="dkBgShp">
-    <dgm:scene3d>
-      <a:camera prst="orthographicFront"/>
-      <a:lightRig rig="threePt" dir="t"/>
-    </dgm:scene3d>
-    <dgm:sp3d/>
-    <dgm:txPr/>
-    <dgm:style>
-      <a:lnRef idx="0">
-        <a:scrgbClr r="0" g="0" b="0"/>
-      </a:lnRef>
-      <a:fillRef idx="1">
-        <a:scrgbClr r="0" g="0" b="0"/>
-      </a:fillRef>
-      <a:effectRef idx="0">
-        <a:scrgbClr r="0" g="0" b="0"/>
-      </a:effectRef>
-      <a:fontRef idx="minor"/>
-    </dgm:style>
-  </dgm:styleLbl>
-  <dgm:styleLbl name="trBgShp">
-    <dgm:scene3d>
-      <a:camera prst="orthographicFront"/>
-      <a:lightRig rig="threePt" dir="t"/>
-    </dgm:scene3d>
-    <dgm:sp3d/>
-    <dgm:txPr/>
-    <dgm:style>
-      <a:lnRef idx="0">
-        <a:scrgbClr r="0" g="0" b="0"/>
-      </a:lnRef>
-      <a:fillRef idx="1">
-        <a:scrgbClr r="0" g="0" b="0"/>
-      </a:fillRef>
-      <a:effectRef idx="0">
-        <a:scrgbClr r="0" g="0" b="0"/>
-      </a:effectRef>
-      <a:fontRef idx="minor"/>
-    </dgm:style>
-  </dgm:styleLbl>
-  <dgm:styleLbl name="fgShp">
-    <dgm:scene3d>
-      <a:camera prst="orthographicFront"/>
-      <a:lightRig rig="threePt" dir="t"/>
-    </dgm:scene3d>
-    <dgm:sp3d/>
-    <dgm:txPr/>
-    <dgm:style>
-      <a:lnRef idx="2">
-        <a:scrgbClr r="0" g="0" b="0"/>
-      </a:lnRef>
-      <a:fillRef idx="1">
-        <a:scrgbClr r="0" g="0" b="0"/>
-      </a:fillRef>
-      <a:effectRef idx="0">
-        <a:scrgbClr r="0" g="0" b="0"/>
-      </a:effectRef>
-      <a:fontRef idx="minor"/>
-    </dgm:style>
-  </dgm:styleLbl>
-  <dgm:styleLbl name="revTx">
-    <dgm:scene3d>
-      <a:camera prst="orthographicFront"/>
-      <a:lightRig rig="threePt" dir="t"/>
-    </dgm:scene3d>
-    <dgm:sp3d/>
-    <dgm:txPr/>
-    <dgm:style>
-      <a:lnRef idx="0">
-        <a:scrgbClr r="0" g="0" b="0"/>
-      </a:lnRef>
-      <a:fillRef idx="0">
-        <a:scrgbClr r="0" g="0" b="0"/>
-      </a:fillRef>
-      <a:effectRef idx="0">
-        <a:scrgbClr r="0" g="0" b="0"/>
-      </a:effectRef>
-      <a:fontRef idx="minor"/>
-    </dgm:style>
-  </dgm:styleLbl>
-</dgm:styleDef>
 </file>
 
 <file path=ppt/slideLayouts/slideLayout1.xml><?xml version="1.0" encoding="utf-8"?>
@@ -3735,7 +297,7 @@
             <a:fld id="{87DE6118-2437-4B30-8E3C-4D2BE6020583}" type="datetimeFigureOut">
               <a:rPr lang="en-US" dirty="0"/>
               <a:pPr/>
-              <a:t>7/11/25</a:t>
+              <a:t>7/21/25</a:t>
             </a:fld>
             <a:endParaRPr lang="en-US" dirty="0"/>
           </a:p>
@@ -4061,7 +623,7 @@
           <a:p>
             <a:fld id="{87DE6118-2437-4B30-8E3C-4D2BE6020583}" type="datetimeFigureOut">
               <a:rPr lang="en-US" dirty="0"/>
-              <a:t>7/11/25</a:t>
+              <a:t>7/21/25</a:t>
             </a:fld>
             <a:endParaRPr lang="en-US" dirty="0"/>
           </a:p>
@@ -4236,7 +798,7 @@
           <a:p>
             <a:fld id="{87DE6118-2437-4B30-8E3C-4D2BE6020583}" type="datetimeFigureOut">
               <a:rPr lang="en-US" dirty="0"/>
-              <a:t>7/11/25</a:t>
+              <a:t>7/21/25</a:t>
             </a:fld>
             <a:endParaRPr lang="en-US" dirty="0"/>
           </a:p>
@@ -4401,7 +963,7 @@
           <a:p>
             <a:fld id="{87DE6118-2437-4B30-8E3C-4D2BE6020583}" type="datetimeFigureOut">
               <a:rPr lang="en-US" dirty="0"/>
-              <a:t>7/11/25</a:t>
+              <a:t>7/21/25</a:t>
             </a:fld>
             <a:endParaRPr lang="en-US" dirty="0"/>
           </a:p>
@@ -4674,7 +1236,7 @@
             <a:fld id="{87DE6118-2437-4B30-8E3C-4D2BE6020583}" type="datetimeFigureOut">
               <a:rPr lang="en-US" dirty="0"/>
               <a:pPr/>
-              <a:t>7/11/25</a:t>
+              <a:t>7/21/25</a:t>
             </a:fld>
             <a:endParaRPr lang="en-US" dirty="0"/>
           </a:p>
@@ -5064,7 +1626,7 @@
           <a:p>
             <a:fld id="{87DE6118-2437-4B30-8E3C-4D2BE6020583}" type="datetimeFigureOut">
               <a:rPr lang="en-US" dirty="0"/>
-              <a:t>7/11/25</a:t>
+              <a:t>7/21/25</a:t>
             </a:fld>
             <a:endParaRPr lang="en-US" dirty="0"/>
           </a:p>
@@ -5536,7 +2098,7 @@
           <a:p>
             <a:fld id="{87DE6118-2437-4B30-8E3C-4D2BE6020583}" type="datetimeFigureOut">
               <a:rPr lang="en-US" dirty="0"/>
-              <a:t>7/11/25</a:t>
+              <a:t>7/21/25</a:t>
             </a:fld>
             <a:endParaRPr lang="en-US" dirty="0"/>
           </a:p>
@@ -5649,7 +2211,7 @@
           <a:p>
             <a:fld id="{87DE6118-2437-4B30-8E3C-4D2BE6020583}" type="datetimeFigureOut">
               <a:rPr lang="en-US" dirty="0"/>
-              <a:t>7/11/25</a:t>
+              <a:t>7/21/25</a:t>
             </a:fld>
             <a:endParaRPr lang="en-US" dirty="0"/>
           </a:p>
@@ -5739,7 +2301,7 @@
           <a:p>
             <a:fld id="{87DE6118-2437-4B30-8E3C-4D2BE6020583}" type="datetimeFigureOut">
               <a:rPr lang="en-US" dirty="0"/>
-              <a:t>7/11/25</a:t>
+              <a:t>7/21/25</a:t>
             </a:fld>
             <a:endParaRPr lang="en-US" dirty="0"/>
           </a:p>
@@ -6081,7 +2643,7 @@
             <a:fld id="{87DE6118-2437-4B30-8E3C-4D2BE6020583}" type="datetimeFigureOut">
               <a:rPr lang="en-US" dirty="0"/>
               <a:pPr/>
-              <a:t>7/11/25</a:t>
+              <a:t>7/21/25</a:t>
             </a:fld>
             <a:endParaRPr lang="en-US" dirty="0"/>
           </a:p>
@@ -6466,7 +3028,7 @@
             <a:fld id="{87DE6118-2437-4B30-8E3C-4D2BE6020583}" type="datetimeFigureOut">
               <a:rPr lang="en-US" dirty="0"/>
               <a:pPr/>
-              <a:t>7/11/25</a:t>
+              <a:t>7/21/25</a:t>
             </a:fld>
             <a:endParaRPr lang="en-US" dirty="0"/>
           </a:p>
@@ -6741,7 +3303,7 @@
             <a:fld id="{87DE6118-2437-4B30-8E3C-4D2BE6020583}" type="datetimeFigureOut">
               <a:rPr lang="en-US" dirty="0"/>
               <a:pPr/>
-              <a:t>7/11/25</a:t>
+              <a:t>7/21/25</a:t>
             </a:fld>
             <a:endParaRPr lang="en-US" dirty="0"/>
           </a:p>
@@ -7340,7 +3902,7 @@
           <p:cNvPr id="2" name="Title 1">
             <a:extLst>
               <a:ext uri="{FF2B5EF4-FFF2-40B4-BE49-F238E27FC236}">
-                <a16:creationId xmlns:a16="http://schemas.microsoft.com/office/drawing/2014/main" id="{6E0C1CCE-2F11-1D54-D4E4-6865EFAC1B26}"/>
+                <a16:creationId xmlns:a16="http://schemas.microsoft.com/office/drawing/2014/main" id="{1113C17D-66F6-878A-C305-F147993AE1E5}"/>
               </a:ext>
             </a:extLst>
           </p:cNvPr>
@@ -7353,147 +3915,73 @@
         </p:nvSpPr>
         <p:spPr>
           <a:xfrm>
-            <a:off x="1371600" y="685800"/>
-            <a:ext cx="9601200" cy="997085"/>
+            <a:off x="1371601" y="671209"/>
+            <a:ext cx="3615926" cy="1256445"/>
           </a:xfrm>
         </p:spPr>
         <p:txBody>
           <a:bodyPr>
-            <a:normAutofit/>
+            <a:normAutofit fontScale="90000"/>
           </a:bodyPr>
           <a:lstStyle/>
           <a:p>
             <a:r>
               <a:rPr lang="en-GB" dirty="0"/>
-              <a:t>Development Model (</a:t>
-            </a:r>
-            <a:r>
-              <a:rPr lang="en-GB" sz="2700" dirty="0"/>
-              <a:t>Hybrid Agile–Waterfall Model)</a:t>
-            </a:r>
-            <a:endParaRPr lang="en-US" sz="2700" dirty="0"/>
-          </a:p>
-        </p:txBody>
-      </p:sp>
-      <p:sp>
-        <p:nvSpPr>
-          <p:cNvPr id="3" name="Content Placeholder 2">
+              <a:t>Figma Designs </a:t>
+            </a:r>
+            <a:br>
+              <a:rPr lang="en-GB" dirty="0"/>
+            </a:br>
+            <a:r>
+              <a:rPr lang="en-GB" dirty="0"/>
+              <a:t>(</a:t>
+            </a:r>
+            <a:r>
+              <a:rPr lang="en-GB" sz="3600" dirty="0"/>
+              <a:t>Mobile Devices</a:t>
+            </a:r>
+            <a:r>
+              <a:rPr lang="en-GB" dirty="0"/>
+              <a:t>)</a:t>
+            </a:r>
+            <a:endParaRPr lang="en-US" dirty="0"/>
+          </a:p>
+        </p:txBody>
+      </p:sp>
+      <p:pic>
+        <p:nvPicPr>
+          <p:cNvPr id="10" name="Picture 9">
             <a:extLst>
               <a:ext uri="{FF2B5EF4-FFF2-40B4-BE49-F238E27FC236}">
-                <a16:creationId xmlns:a16="http://schemas.microsoft.com/office/drawing/2014/main" id="{24AC823E-DAFD-6585-4E1F-56AE333A56FA}"/>
+                <a16:creationId xmlns:a16="http://schemas.microsoft.com/office/drawing/2014/main" id="{B788254D-4DA7-9D5D-CE01-072F96D58835}"/>
               </a:ext>
             </a:extLst>
           </p:cNvPr>
-          <p:cNvSpPr>
-            <a:spLocks noGrp="1"/>
-          </p:cNvSpPr>
-          <p:nvPr>
-            <p:ph idx="1"/>
-          </p:nvPr>
-        </p:nvSpPr>
+          <p:cNvPicPr>
+            <a:picLocks noChangeAspect="1"/>
+          </p:cNvPicPr>
+          <p:nvPr/>
+        </p:nvPicPr>
+        <p:blipFill>
+          <a:blip r:embed="rId2"/>
+          <a:stretch>
+            <a:fillRect/>
+          </a:stretch>
+        </p:blipFill>
         <p:spPr>
           <a:xfrm>
-            <a:off x="1371600" y="1819071"/>
-            <a:ext cx="9601200" cy="4834648"/>
+            <a:off x="4987527" y="292513"/>
+            <a:ext cx="4089431" cy="5993132"/>
           </a:xfrm>
+          <a:prstGeom prst="rect">
+            <a:avLst/>
+          </a:prstGeom>
         </p:spPr>
-        <p:txBody>
-          <a:bodyPr>
-            <a:normAutofit/>
-          </a:bodyPr>
-          <a:lstStyle/>
-          <a:p>
-            <a:pPr>
-              <a:lnSpc>
-                <a:spcPct val="100000"/>
-              </a:lnSpc>
-            </a:pPr>
-            <a:r>
-              <a:rPr lang="en-GB" b="1" dirty="0"/>
-              <a:t>Requirements Gathering (Waterfall)</a:t>
-            </a:r>
-            <a:br>
-              <a:rPr lang="en-GB" dirty="0"/>
-            </a:br>
-            <a:r>
-              <a:rPr lang="en-GB" dirty="0"/>
-              <a:t>– Defined scope and business needs</a:t>
-            </a:r>
-          </a:p>
-          <a:p>
-            <a:r>
-              <a:rPr lang="en-GB" b="1" dirty="0"/>
-              <a:t>System Design (Waterfall)</a:t>
-            </a:r>
-            <a:br>
-              <a:rPr lang="en-GB" dirty="0"/>
-            </a:br>
-            <a:r>
-              <a:rPr lang="en-GB" dirty="0"/>
-              <a:t>– Architecture, data models, UI mock-ups finalized</a:t>
-            </a:r>
-          </a:p>
-          <a:p>
-            <a:r>
-              <a:rPr lang="en-GB" b="1" dirty="0"/>
-              <a:t>Iterative Development (Agile)</a:t>
-            </a:r>
-            <a:br>
-              <a:rPr lang="en-GB" dirty="0"/>
-            </a:br>
-            <a:r>
-              <a:rPr lang="en-GB" dirty="0"/>
-              <a:t>– Feature development in small cycles with regular reviews</a:t>
-            </a:r>
-          </a:p>
-          <a:p>
-            <a:r>
-              <a:rPr lang="en-GB" b="1" dirty="0"/>
-              <a:t>Testing &amp; QA (Agile-Inspired)</a:t>
-            </a:r>
-            <a:br>
-              <a:rPr lang="en-GB" dirty="0"/>
-            </a:br>
-            <a:r>
-              <a:rPr lang="en-GB" dirty="0"/>
-              <a:t>– Continuous and structured testing</a:t>
-            </a:r>
-          </a:p>
-          <a:p>
-            <a:r>
-              <a:rPr lang="en-GB" b="1" dirty="0"/>
-              <a:t>Deployment (Waterfall)</a:t>
-            </a:r>
-            <a:br>
-              <a:rPr lang="en-GB" dirty="0"/>
-            </a:br>
-            <a:r>
-              <a:rPr lang="en-GB" dirty="0"/>
-              <a:t>– Final rollout based on structured release plan</a:t>
-            </a:r>
-          </a:p>
-          <a:p>
-            <a:r>
-              <a:rPr lang="en-GB" b="1" dirty="0"/>
-              <a:t>Maintenance Planning (Agile-Ready)</a:t>
-            </a:r>
-            <a:br>
-              <a:rPr lang="en-GB" dirty="0"/>
-            </a:br>
-            <a:r>
-              <a:rPr lang="en-GB" dirty="0"/>
-              <a:t>– Flexible foundation for future iterations</a:t>
-            </a:r>
-          </a:p>
-          <a:p>
-            <a:endParaRPr lang="en-US" dirty="0"/>
-          </a:p>
-        </p:txBody>
-      </p:sp>
+      </p:pic>
     </p:spTree>
     <p:extLst>
       <p:ext uri="{BB962C8B-B14F-4D97-AF65-F5344CB8AC3E}">
-        <p14:creationId xmlns:p14="http://schemas.microsoft.com/office/powerpoint/2010/main" val="641289365"/>
+        <p14:creationId xmlns:p14="http://schemas.microsoft.com/office/powerpoint/2010/main" val="2196690034"/>
       </p:ext>
     </p:extLst>
   </p:cSld>
@@ -7943,7 +4431,7 @@
             <p:ph idx="1"/>
             <p:extLst>
               <p:ext uri="{D42A27DB-BD31-4B8C-83A1-F6EECF244321}">
-                <p14:modId xmlns:p14="http://schemas.microsoft.com/office/powerpoint/2010/main" val="3223440158"/>
+                <p14:modId xmlns:p14="http://schemas.microsoft.com/office/powerpoint/2010/main" val="2646647638"/>
               </p:ext>
             </p:extLst>
           </p:nvPr>
@@ -8140,7 +4628,7 @@
                       </a:pPr>
                       <a:r>
                         <a:rPr lang="en-GB" dirty="0"/>
-                        <a:t>Design &amp; Development</a:t>
+                        <a:t>Design</a:t>
                       </a:r>
                     </a:p>
                   </a:txBody>
@@ -8164,7 +4652,7 @@
                       </a:pPr>
                       <a:r>
                         <a:rPr lang="en-GB" dirty="0"/>
-                        <a:t>50%</a:t>
+                        <a:t>15%</a:t>
                       </a:r>
                     </a:p>
                   </a:txBody>
@@ -8219,7 +4707,7 @@
                       </a:pPr>
                       <a:r>
                         <a:rPr lang="en-GB" dirty="0"/>
-                        <a:t>Testing &amp; QA</a:t>
+                        <a:t>Development&amp; Testing</a:t>
                       </a:r>
                     </a:p>
                   </a:txBody>
@@ -8243,7 +4731,7 @@
                       </a:pPr>
                       <a:r>
                         <a:rPr lang="en-GB" dirty="0"/>
-                        <a:t>20%</a:t>
+                        <a:t>50%</a:t>
                       </a:r>
                     </a:p>
                   </a:txBody>
@@ -8322,7 +4810,7 @@
                       </a:pPr>
                       <a:r>
                         <a:rPr lang="en-GB" dirty="0"/>
-                        <a:t>15%</a:t>
+                        <a:t>20%</a:t>
                       </a:r>
                     </a:p>
                   </a:txBody>
@@ -8397,7 +4885,7 @@
           <p:cNvPr id="2" name="Title 1">
             <a:extLst>
               <a:ext uri="{FF2B5EF4-FFF2-40B4-BE49-F238E27FC236}">
-                <a16:creationId xmlns:a16="http://schemas.microsoft.com/office/drawing/2014/main" id="{2B18E6AD-B77D-D40E-6879-4BAEBCAAAC4C}"/>
+                <a16:creationId xmlns:a16="http://schemas.microsoft.com/office/drawing/2014/main" id="{B7619D37-CDF2-0683-5B57-50166F429F04}"/>
               </a:ext>
             </a:extLst>
           </p:cNvPr>
@@ -8408,14 +4896,19 @@
             <p:ph type="title"/>
           </p:nvPr>
         </p:nvSpPr>
-        <p:spPr/>
+        <p:spPr>
+          <a:xfrm>
+            <a:off x="1371600" y="895864"/>
+            <a:ext cx="9601200" cy="967902"/>
+          </a:xfrm>
+        </p:spPr>
         <p:txBody>
           <a:bodyPr/>
           <a:lstStyle/>
           <a:p>
             <a:r>
               <a:rPr lang="en-GB" dirty="0"/>
-              <a:t>Future Work</a:t>
+              <a:t>System Demo</a:t>
             </a:r>
             <a:endParaRPr lang="en-US" dirty="0"/>
           </a:p>
@@ -8423,10 +4916,10 @@
       </p:sp>
       <p:sp>
         <p:nvSpPr>
-          <p:cNvPr id="3" name="Content Placeholder 2">
+          <p:cNvPr id="5" name="Content Placeholder 4">
             <a:extLst>
               <a:ext uri="{FF2B5EF4-FFF2-40B4-BE49-F238E27FC236}">
-                <a16:creationId xmlns:a16="http://schemas.microsoft.com/office/drawing/2014/main" id="{5CB94C4D-088B-7CC7-8B2E-73DCE5096619}"/>
+                <a16:creationId xmlns:a16="http://schemas.microsoft.com/office/drawing/2014/main" id="{90D43E63-39D0-9358-6CB0-5F7EB3E8AE32}"/>
               </a:ext>
             </a:extLst>
           </p:cNvPr>
@@ -8437,60 +4930,19 @@
             <p:ph idx="1"/>
           </p:nvPr>
         </p:nvSpPr>
-        <p:spPr>
-          <a:xfrm>
-            <a:off x="1371600" y="1638300"/>
-            <a:ext cx="9601200" cy="3206074"/>
-          </a:xfrm>
-        </p:spPr>
+        <p:spPr/>
         <p:txBody>
           <a:bodyPr/>
           <a:lstStyle/>
           <a:p>
-            <a:r>
-              <a:rPr lang="en-GB" dirty="0"/>
-              <a:t>Advanced Reporting &amp; Analytics</a:t>
-            </a:r>
-          </a:p>
-          <a:p>
-            <a:r>
-              <a:rPr lang="en-GB" dirty="0"/>
-              <a:t>Third-Party Integrations (Slack, Teams, GitHub)</a:t>
-            </a:r>
-          </a:p>
-          <a:p>
-            <a:r>
-              <a:rPr lang="en-GB" dirty="0"/>
-              <a:t>Document Management</a:t>
-            </a:r>
-          </a:p>
-          <a:p>
-            <a:r>
-              <a:rPr lang="en-GB" dirty="0"/>
-              <a:t>Custom Workflows</a:t>
-            </a:r>
-          </a:p>
-          <a:p>
-            <a:r>
-              <a:rPr lang="en-GB" dirty="0"/>
-              <a:t>Role-Based Access Control (RBAC)</a:t>
-            </a:r>
-          </a:p>
-          <a:p>
-            <a:r>
-              <a:rPr lang="en-GB" dirty="0"/>
-              <a:t>Mobile App for iOS and Android</a:t>
-            </a:r>
-          </a:p>
-          <a:p>
-            <a:endParaRPr lang="en-US" dirty="0"/>
+            <a:endParaRPr lang="en-US"/>
           </a:p>
         </p:txBody>
       </p:sp>
     </p:spTree>
     <p:extLst>
       <p:ext uri="{BB962C8B-B14F-4D97-AF65-F5344CB8AC3E}">
-        <p14:creationId xmlns:p14="http://schemas.microsoft.com/office/powerpoint/2010/main" val="894759520"/>
+        <p14:creationId xmlns:p14="http://schemas.microsoft.com/office/powerpoint/2010/main" val="4283185781"/>
       </p:ext>
     </p:extLst>
   </p:cSld>
@@ -8522,7 +4974,7 @@
           <p:cNvPr id="2" name="Title 1">
             <a:extLst>
               <a:ext uri="{FF2B5EF4-FFF2-40B4-BE49-F238E27FC236}">
-                <a16:creationId xmlns:a16="http://schemas.microsoft.com/office/drawing/2014/main" id="{BC61B4A5-164F-8645-3034-FC26DA5B3402}"/>
+                <a16:creationId xmlns:a16="http://schemas.microsoft.com/office/drawing/2014/main" id="{2B18E6AD-B77D-D40E-6879-4BAEBCAAAC4C}"/>
               </a:ext>
             </a:extLst>
           </p:cNvPr>
@@ -8539,9 +4991,10 @@
           <a:lstStyle/>
           <a:p>
             <a:r>
-              <a:rPr lang="en-US" dirty="0"/>
-              <a:t>References</a:t>
-            </a:r>
+              <a:rPr lang="en-GB" dirty="0"/>
+              <a:t>Future Work</a:t>
+            </a:r>
+            <a:endParaRPr lang="en-US" dirty="0"/>
           </a:p>
         </p:txBody>
       </p:sp>
@@ -8550,7 +5003,7 @@
           <p:cNvPr id="3" name="Content Placeholder 2">
             <a:extLst>
               <a:ext uri="{FF2B5EF4-FFF2-40B4-BE49-F238E27FC236}">
-                <a16:creationId xmlns:a16="http://schemas.microsoft.com/office/drawing/2014/main" id="{9EBE5E7B-2DB0-16BE-A82D-54C7F23CA3D0}"/>
+                <a16:creationId xmlns:a16="http://schemas.microsoft.com/office/drawing/2014/main" id="{5CB94C4D-088B-7CC7-8B2E-73DCE5096619}"/>
               </a:ext>
             </a:extLst>
           </p:cNvPr>
@@ -8561,23 +5014,50 @@
             <p:ph idx="1"/>
           </p:nvPr>
         </p:nvSpPr>
-        <p:spPr/>
+        <p:spPr>
+          <a:xfrm>
+            <a:off x="1371600" y="1638300"/>
+            <a:ext cx="9601200" cy="3206074"/>
+          </a:xfrm>
+        </p:spPr>
         <p:txBody>
           <a:bodyPr/>
           <a:lstStyle/>
           <a:p>
             <a:r>
-              <a:rPr lang="en-US" dirty="0" err="1"/>
-              <a:t>Nextjs</a:t>
-            </a:r>
-            <a:endParaRPr lang="en-US" dirty="0"/>
-          </a:p>
-          <a:p>
-            <a:r>
-              <a:rPr lang="en-US" dirty="0" err="1"/>
-              <a:t>Reactjs</a:t>
-            </a:r>
-            <a:endParaRPr lang="en-US" dirty="0"/>
+              <a:rPr lang="en-GB" dirty="0"/>
+              <a:t>Advanced Reporting &amp; Analytics</a:t>
+            </a:r>
+          </a:p>
+          <a:p>
+            <a:r>
+              <a:rPr lang="en-GB" dirty="0"/>
+              <a:t>Third-Party Integrations(Stripe Payment )</a:t>
+            </a:r>
+          </a:p>
+          <a:p>
+            <a:r>
+              <a:rPr lang="en-GB" dirty="0"/>
+              <a:t>Document Management </a:t>
+            </a:r>
+          </a:p>
+          <a:p>
+            <a:r>
+              <a:rPr lang="en-GB" dirty="0"/>
+              <a:t>Custom Workflows</a:t>
+            </a:r>
+          </a:p>
+          <a:p>
+            <a:r>
+              <a:rPr lang="en-GB" dirty="0"/>
+              <a:t>Role-Based Access Control (RBAC) - (Clerk – Authentication)</a:t>
+            </a:r>
+          </a:p>
+          <a:p>
+            <a:r>
+              <a:rPr lang="en-GB" dirty="0"/>
+              <a:t>Mobile App for iOS and Android</a:t>
+            </a:r>
           </a:p>
           <a:p>
             <a:endParaRPr lang="en-US" dirty="0"/>
@@ -8587,7 +5067,7 @@
     </p:spTree>
     <p:extLst>
       <p:ext uri="{BB962C8B-B14F-4D97-AF65-F5344CB8AC3E}">
-        <p14:creationId xmlns:p14="http://schemas.microsoft.com/office/powerpoint/2010/main" val="92383171"/>
+        <p14:creationId xmlns:p14="http://schemas.microsoft.com/office/powerpoint/2010/main" val="894759520"/>
       </p:ext>
     </p:extLst>
   </p:cSld>
@@ -8619,7 +5099,7 @@
           <p:cNvPr id="2" name="Title 1">
             <a:extLst>
               <a:ext uri="{FF2B5EF4-FFF2-40B4-BE49-F238E27FC236}">
-                <a16:creationId xmlns:a16="http://schemas.microsoft.com/office/drawing/2014/main" id="{96859DB8-168F-E99D-B861-0EBB418CDDC9}"/>
+                <a16:creationId xmlns:a16="http://schemas.microsoft.com/office/drawing/2014/main" id="{BC61B4A5-164F-8645-3034-FC26DA5B3402}"/>
               </a:ext>
             </a:extLst>
           </p:cNvPr>
@@ -8630,15 +5110,21 @@
             <p:ph type="title"/>
           </p:nvPr>
         </p:nvSpPr>
-        <p:spPr/>
-        <p:txBody>
-          <a:bodyPr/>
+        <p:spPr>
+          <a:xfrm>
+            <a:off x="1371600" y="685800"/>
+            <a:ext cx="7414054" cy="611659"/>
+          </a:xfrm>
+        </p:spPr>
+        <p:txBody>
+          <a:bodyPr>
+            <a:normAutofit/>
+          </a:bodyPr>
           <a:lstStyle/>
           <a:p>
-            <a:pPr algn="ctr"/>
-            <a:r>
-              <a:rPr lang="en-US" dirty="0"/>
-              <a:t>Questions ?</a:t>
+            <a:r>
+              <a:rPr lang="en-US" sz="3200" b="1" dirty="0"/>
+              <a:t>References</a:t>
             </a:r>
           </a:p>
         </p:txBody>
@@ -8648,7 +5134,7 @@
           <p:cNvPr id="3" name="Content Placeholder 2">
             <a:extLst>
               <a:ext uri="{FF2B5EF4-FFF2-40B4-BE49-F238E27FC236}">
-                <a16:creationId xmlns:a16="http://schemas.microsoft.com/office/drawing/2014/main" id="{CC0A6FCF-9FA6-0BCC-8544-041EC187B045}"/>
+                <a16:creationId xmlns:a16="http://schemas.microsoft.com/office/drawing/2014/main" id="{9EBE5E7B-2DB0-16BE-A82D-54C7F23CA3D0}"/>
               </a:ext>
             </a:extLst>
           </p:cNvPr>
@@ -8659,19 +5145,1204 @@
             <p:ph idx="1"/>
           </p:nvPr>
         </p:nvSpPr>
-        <p:spPr/>
-        <p:txBody>
-          <a:bodyPr/>
+        <p:spPr>
+          <a:xfrm>
+            <a:off x="1940011" y="1428750"/>
+            <a:ext cx="7982465" cy="4490136"/>
+          </a:xfrm>
+        </p:spPr>
+        <p:txBody>
+          <a:bodyPr>
+            <a:normAutofit fontScale="62500" lnSpcReduction="20000"/>
+          </a:bodyPr>
           <a:lstStyle/>
           <a:p>
-            <a:endParaRPr lang="en-US"/>
+            <a:pPr marL="342900" lvl="0" indent="-342900">
+              <a:lnSpc>
+                <a:spcPct val="115000"/>
+              </a:lnSpc>
+              <a:spcAft>
+                <a:spcPts val="1000"/>
+              </a:spcAft>
+              <a:buFont typeface="+mj-lt"/>
+              <a:buAutoNum type="arabicPeriod"/>
+            </a:pPr>
+            <a:r>
+              <a:rPr lang="en-GB" sz="1800" b="1" dirty="0" err="1">
+                <a:effectLst/>
+                <a:latin typeface="Times New Roman" panose="02020603050405020304" pitchFamily="18" charset="0"/>
+                <a:ea typeface="Times New Roman" panose="02020603050405020304" pitchFamily="18" charset="0"/>
+                <a:cs typeface="Microsoft Himalaya" pitchFamily="2" charset="0"/>
+              </a:rPr>
+              <a:t>Next.js</a:t>
+            </a:r>
+            <a:r>
+              <a:rPr lang="en-GB" sz="1800" b="1" dirty="0">
+                <a:effectLst/>
+                <a:latin typeface="Times New Roman" panose="02020603050405020304" pitchFamily="18" charset="0"/>
+                <a:ea typeface="Times New Roman" panose="02020603050405020304" pitchFamily="18" charset="0"/>
+                <a:cs typeface="Microsoft Himalaya" pitchFamily="2" charset="0"/>
+              </a:rPr>
+              <a:t> 15+</a:t>
+            </a:r>
+            <a:endParaRPr lang="en-GB" sz="1800" dirty="0">
+              <a:effectLst/>
+              <a:latin typeface="Calibri" panose="020F0502020204030204" pitchFamily="34" charset="0"/>
+              <a:ea typeface="Calibri" panose="020F0502020204030204" pitchFamily="34" charset="0"/>
+              <a:cs typeface="Microsoft Himalaya" pitchFamily="2" charset="0"/>
+            </a:endParaRPr>
+          </a:p>
+          <a:p>
+            <a:pPr lvl="1">
+              <a:lnSpc>
+                <a:spcPct val="100000"/>
+              </a:lnSpc>
+              <a:spcBef>
+                <a:spcPts val="0"/>
+              </a:spcBef>
+              <a:spcAft>
+                <a:spcPts val="0"/>
+              </a:spcAft>
+              <a:buSzPts val="1000"/>
+              <a:tabLst>
+                <a:tab pos="457200" algn="l"/>
+              </a:tabLst>
+            </a:pPr>
+            <a:r>
+              <a:rPr lang="en-GB" sz="1800" dirty="0">
+                <a:effectLst/>
+                <a:latin typeface="Times New Roman" panose="02020603050405020304" pitchFamily="18" charset="0"/>
+                <a:ea typeface="Times New Roman" panose="02020603050405020304" pitchFamily="18" charset="0"/>
+                <a:cs typeface="Microsoft Himalaya" pitchFamily="2" charset="0"/>
+              </a:rPr>
+              <a:t>Official Docs: https://</a:t>
+            </a:r>
+            <a:r>
+              <a:rPr lang="en-GB" sz="1800" dirty="0" err="1">
+                <a:effectLst/>
+                <a:latin typeface="Times New Roman" panose="02020603050405020304" pitchFamily="18" charset="0"/>
+                <a:ea typeface="Times New Roman" panose="02020603050405020304" pitchFamily="18" charset="0"/>
+                <a:cs typeface="Microsoft Himalaya" pitchFamily="2" charset="0"/>
+              </a:rPr>
+              <a:t>nextjs.org</a:t>
+            </a:r>
+            <a:r>
+              <a:rPr lang="en-GB" sz="1800" dirty="0">
+                <a:effectLst/>
+                <a:latin typeface="Times New Roman" panose="02020603050405020304" pitchFamily="18" charset="0"/>
+                <a:ea typeface="Times New Roman" panose="02020603050405020304" pitchFamily="18" charset="0"/>
+                <a:cs typeface="Microsoft Himalaya" pitchFamily="2" charset="0"/>
+              </a:rPr>
+              <a:t>/docs</a:t>
+            </a:r>
+            <a:endParaRPr lang="en-GB" sz="1800" dirty="0">
+              <a:effectLst/>
+              <a:latin typeface="Calibri" panose="020F0502020204030204" pitchFamily="34" charset="0"/>
+              <a:ea typeface="Calibri" panose="020F0502020204030204" pitchFamily="34" charset="0"/>
+              <a:cs typeface="Microsoft Himalaya" pitchFamily="2" charset="0"/>
+            </a:endParaRPr>
+          </a:p>
+          <a:p>
+            <a:pPr lvl="1">
+              <a:lnSpc>
+                <a:spcPct val="100000"/>
+              </a:lnSpc>
+              <a:spcBef>
+                <a:spcPts val="0"/>
+              </a:spcBef>
+              <a:spcAft>
+                <a:spcPts val="0"/>
+              </a:spcAft>
+              <a:buSzPts val="1000"/>
+              <a:tabLst>
+                <a:tab pos="457200" algn="l"/>
+              </a:tabLst>
+            </a:pPr>
+            <a:r>
+              <a:rPr lang="en-GB" sz="1800" dirty="0">
+                <a:effectLst/>
+                <a:latin typeface="Times New Roman" panose="02020603050405020304" pitchFamily="18" charset="0"/>
+                <a:ea typeface="Times New Roman" panose="02020603050405020304" pitchFamily="18" charset="0"/>
+                <a:cs typeface="Microsoft Himalaya" pitchFamily="2" charset="0"/>
+              </a:rPr>
+              <a:t>App Router Overview: </a:t>
+            </a:r>
+            <a:r>
+              <a:rPr lang="en-GB" sz="1800" dirty="0">
+                <a:effectLst/>
+                <a:latin typeface="Times New Roman" panose="02020603050405020304" pitchFamily="18" charset="0"/>
+                <a:ea typeface="Times New Roman" panose="02020603050405020304" pitchFamily="18" charset="0"/>
+                <a:cs typeface="Microsoft Himalaya" pitchFamily="2" charset="0"/>
+                <a:hlinkClick r:id="rId2"/>
+              </a:rPr>
+              <a:t>https://nextjs.org/docs/app/building-your-application/routing</a:t>
+            </a:r>
+            <a:endParaRPr lang="en-US" sz="1800" dirty="0">
+              <a:effectLst/>
+              <a:latin typeface="Times New Roman" panose="02020603050405020304" pitchFamily="18" charset="0"/>
+              <a:ea typeface="Times New Roman" panose="02020603050405020304" pitchFamily="18" charset="0"/>
+              <a:cs typeface="Microsoft Himalaya" pitchFamily="2" charset="0"/>
+            </a:endParaRPr>
+          </a:p>
+          <a:p>
+            <a:pPr marL="342900" lvl="0" indent="-342900">
+              <a:lnSpc>
+                <a:spcPct val="115000"/>
+              </a:lnSpc>
+              <a:spcAft>
+                <a:spcPts val="0"/>
+              </a:spcAft>
+              <a:buFont typeface="+mj-lt"/>
+              <a:buAutoNum type="arabicPeriod"/>
+            </a:pPr>
+            <a:r>
+              <a:rPr lang="en-GB" sz="1800" b="1" dirty="0">
+                <a:effectLst/>
+                <a:latin typeface="Times New Roman" panose="02020603050405020304" pitchFamily="18" charset="0"/>
+                <a:ea typeface="Times New Roman" panose="02020603050405020304" pitchFamily="18" charset="0"/>
+                <a:cs typeface="Microsoft Himalaya" pitchFamily="2" charset="0"/>
+              </a:rPr>
+              <a:t>Middleware in </a:t>
+            </a:r>
+            <a:r>
+              <a:rPr lang="en-GB" sz="1800" b="1" dirty="0" err="1">
+                <a:effectLst/>
+                <a:latin typeface="Times New Roman" panose="02020603050405020304" pitchFamily="18" charset="0"/>
+                <a:ea typeface="Times New Roman" panose="02020603050405020304" pitchFamily="18" charset="0"/>
+                <a:cs typeface="Microsoft Himalaya" pitchFamily="2" charset="0"/>
+              </a:rPr>
+              <a:t>Next.js</a:t>
+            </a:r>
+            <a:endParaRPr lang="en-GB" sz="1800" dirty="0">
+              <a:effectLst/>
+              <a:latin typeface="Calibri" panose="020F0502020204030204" pitchFamily="34" charset="0"/>
+              <a:ea typeface="Calibri" panose="020F0502020204030204" pitchFamily="34" charset="0"/>
+              <a:cs typeface="Microsoft Himalaya" pitchFamily="2" charset="0"/>
+            </a:endParaRPr>
+          </a:p>
+          <a:p>
+            <a:pPr marL="873252" lvl="1" indent="-342900">
+              <a:lnSpc>
+                <a:spcPct val="115000"/>
+              </a:lnSpc>
+              <a:spcAft>
+                <a:spcPts val="0"/>
+              </a:spcAft>
+              <a:buSzPts val="1000"/>
+              <a:buFont typeface="Symbol" pitchFamily="2" charset="2"/>
+              <a:buChar char=""/>
+              <a:tabLst>
+                <a:tab pos="457200" algn="l"/>
+              </a:tabLst>
+            </a:pPr>
+            <a:r>
+              <a:rPr lang="en-GB" sz="1800" dirty="0">
+                <a:effectLst/>
+                <a:latin typeface="Times New Roman" panose="02020603050405020304" pitchFamily="18" charset="0"/>
+                <a:ea typeface="Times New Roman" panose="02020603050405020304" pitchFamily="18" charset="0"/>
+                <a:cs typeface="Microsoft Himalaya" pitchFamily="2" charset="0"/>
+              </a:rPr>
+              <a:t>Middleware Guide: https://</a:t>
+            </a:r>
+            <a:r>
+              <a:rPr lang="en-GB" sz="1800" dirty="0" err="1">
+                <a:effectLst/>
+                <a:latin typeface="Times New Roman" panose="02020603050405020304" pitchFamily="18" charset="0"/>
+                <a:ea typeface="Times New Roman" panose="02020603050405020304" pitchFamily="18" charset="0"/>
+                <a:cs typeface="Microsoft Himalaya" pitchFamily="2" charset="0"/>
+              </a:rPr>
+              <a:t>nextjs.org</a:t>
+            </a:r>
+            <a:r>
+              <a:rPr lang="en-GB" sz="1800" dirty="0">
+                <a:effectLst/>
+                <a:latin typeface="Times New Roman" panose="02020603050405020304" pitchFamily="18" charset="0"/>
+                <a:ea typeface="Times New Roman" panose="02020603050405020304" pitchFamily="18" charset="0"/>
+                <a:cs typeface="Microsoft Himalaya" pitchFamily="2" charset="0"/>
+              </a:rPr>
+              <a:t>/docs/app/building-your-application/routing/middleware</a:t>
+            </a:r>
+            <a:endParaRPr lang="en-GB" sz="1800" dirty="0">
+              <a:effectLst/>
+              <a:latin typeface="Calibri" panose="020F0502020204030204" pitchFamily="34" charset="0"/>
+              <a:ea typeface="Calibri" panose="020F0502020204030204" pitchFamily="34" charset="0"/>
+              <a:cs typeface="Microsoft Himalaya" pitchFamily="2" charset="0"/>
+            </a:endParaRPr>
+          </a:p>
+          <a:p>
+            <a:pPr marL="342900" lvl="0" indent="-342900">
+              <a:lnSpc>
+                <a:spcPct val="115000"/>
+              </a:lnSpc>
+              <a:spcBef>
+                <a:spcPts val="0"/>
+              </a:spcBef>
+              <a:spcAft>
+                <a:spcPts val="0"/>
+              </a:spcAft>
+              <a:buFont typeface="+mj-lt"/>
+              <a:buAutoNum type="arabicPeriod"/>
+            </a:pPr>
+            <a:r>
+              <a:rPr lang="en-GB" sz="1800" b="1" dirty="0">
+                <a:effectLst/>
+                <a:latin typeface="Times New Roman" panose="02020603050405020304" pitchFamily="18" charset="0"/>
+                <a:ea typeface="Times New Roman" panose="02020603050405020304" pitchFamily="18" charset="0"/>
+                <a:cs typeface="Microsoft Himalaya" pitchFamily="2" charset="0"/>
+              </a:rPr>
+              <a:t>JOSE Library (JWT Authentication)</a:t>
+            </a:r>
+            <a:endParaRPr lang="en-GB" sz="1800" dirty="0">
+              <a:effectLst/>
+              <a:latin typeface="Calibri" panose="020F0502020204030204" pitchFamily="34" charset="0"/>
+              <a:ea typeface="Calibri" panose="020F0502020204030204" pitchFamily="34" charset="0"/>
+              <a:cs typeface="Microsoft Himalaya" pitchFamily="2" charset="0"/>
+            </a:endParaRPr>
+          </a:p>
+          <a:p>
+            <a:pPr marL="873252" lvl="1" indent="-342900">
+              <a:lnSpc>
+                <a:spcPct val="115000"/>
+              </a:lnSpc>
+              <a:spcBef>
+                <a:spcPts val="0"/>
+              </a:spcBef>
+              <a:spcAft>
+                <a:spcPts val="0"/>
+              </a:spcAft>
+              <a:buSzPts val="1000"/>
+              <a:buFont typeface="Symbol" pitchFamily="2" charset="2"/>
+              <a:buChar char=""/>
+              <a:tabLst>
+                <a:tab pos="457200" algn="l"/>
+              </a:tabLst>
+            </a:pPr>
+            <a:r>
+              <a:rPr lang="en-GB" sz="1800" dirty="0">
+                <a:effectLst/>
+                <a:latin typeface="Times New Roman" panose="02020603050405020304" pitchFamily="18" charset="0"/>
+                <a:ea typeface="Times New Roman" panose="02020603050405020304" pitchFamily="18" charset="0"/>
+                <a:cs typeface="Microsoft Himalaya" pitchFamily="2" charset="0"/>
+              </a:rPr>
+              <a:t>Official Docs: </a:t>
+            </a:r>
+            <a:r>
+              <a:rPr lang="en-GB" sz="1800" dirty="0">
+                <a:solidFill>
+                  <a:srgbClr val="0000FF"/>
+                </a:solidFill>
+                <a:effectLst/>
+                <a:latin typeface="Times New Roman" panose="02020603050405020304" pitchFamily="18" charset="0"/>
+                <a:ea typeface="Times New Roman" panose="02020603050405020304" pitchFamily="18" charset="0"/>
+                <a:cs typeface="Microsoft Himalaya" pitchFamily="2" charset="0"/>
+                <a:hlinkClick r:id="rId3"/>
+              </a:rPr>
+              <a:t>https://jose.dev/</a:t>
+            </a:r>
+            <a:endParaRPr lang="en-GB" sz="1800" dirty="0">
+              <a:effectLst/>
+              <a:latin typeface="Calibri" panose="020F0502020204030204" pitchFamily="34" charset="0"/>
+              <a:ea typeface="Calibri" panose="020F0502020204030204" pitchFamily="34" charset="0"/>
+              <a:cs typeface="Microsoft Himalaya" pitchFamily="2" charset="0"/>
+            </a:endParaRPr>
+          </a:p>
+          <a:p>
+            <a:pPr marL="873252" lvl="1" indent="-342900">
+              <a:lnSpc>
+                <a:spcPct val="115000"/>
+              </a:lnSpc>
+              <a:spcBef>
+                <a:spcPts val="0"/>
+              </a:spcBef>
+              <a:spcAft>
+                <a:spcPts val="0"/>
+              </a:spcAft>
+              <a:buSzPts val="1000"/>
+              <a:buFont typeface="Symbol" pitchFamily="2" charset="2"/>
+              <a:buChar char=""/>
+              <a:tabLst>
+                <a:tab pos="457200" algn="l"/>
+              </a:tabLst>
+            </a:pPr>
+            <a:r>
+              <a:rPr lang="en-GB" sz="1800" dirty="0">
+                <a:effectLst/>
+                <a:latin typeface="Times New Roman" panose="02020603050405020304" pitchFamily="18" charset="0"/>
+                <a:ea typeface="Times New Roman" panose="02020603050405020304" pitchFamily="18" charset="0"/>
+                <a:cs typeface="Microsoft Himalaya" pitchFamily="2" charset="0"/>
+              </a:rPr>
+              <a:t>GitHub Repository: </a:t>
+            </a:r>
+            <a:r>
+              <a:rPr lang="en-GB" sz="1800" dirty="0">
+                <a:solidFill>
+                  <a:srgbClr val="0000FF"/>
+                </a:solidFill>
+                <a:effectLst/>
+                <a:latin typeface="Times New Roman" panose="02020603050405020304" pitchFamily="18" charset="0"/>
+                <a:ea typeface="Times New Roman" panose="02020603050405020304" pitchFamily="18" charset="0"/>
+                <a:cs typeface="Microsoft Himalaya" pitchFamily="2" charset="0"/>
+                <a:hlinkClick r:id="rId4"/>
+              </a:rPr>
+              <a:t>https://github.com/panva/jose</a:t>
+            </a:r>
+            <a:endParaRPr lang="en-GB" sz="1800" dirty="0">
+              <a:effectLst/>
+              <a:latin typeface="Calibri" panose="020F0502020204030204" pitchFamily="34" charset="0"/>
+              <a:ea typeface="Calibri" panose="020F0502020204030204" pitchFamily="34" charset="0"/>
+              <a:cs typeface="Microsoft Himalaya" pitchFamily="2" charset="0"/>
+            </a:endParaRPr>
+          </a:p>
+          <a:p>
+            <a:pPr marL="342900" lvl="0" indent="-342900">
+              <a:lnSpc>
+                <a:spcPct val="115000"/>
+              </a:lnSpc>
+              <a:spcBef>
+                <a:spcPts val="0"/>
+              </a:spcBef>
+              <a:spcAft>
+                <a:spcPts val="0"/>
+              </a:spcAft>
+              <a:buFont typeface="+mj-lt"/>
+              <a:buAutoNum type="arabicPeriod"/>
+            </a:pPr>
+            <a:r>
+              <a:rPr lang="en-GB" sz="1800" b="1" dirty="0">
+                <a:effectLst/>
+                <a:latin typeface="Times New Roman" panose="02020603050405020304" pitchFamily="18" charset="0"/>
+                <a:ea typeface="Times New Roman" panose="02020603050405020304" pitchFamily="18" charset="0"/>
+                <a:cs typeface="Microsoft Himalaya" pitchFamily="2" charset="0"/>
+              </a:rPr>
+              <a:t>Drizzle ORM</a:t>
+            </a:r>
+            <a:endParaRPr lang="en-GB" sz="1800" dirty="0">
+              <a:effectLst/>
+              <a:latin typeface="Calibri" panose="020F0502020204030204" pitchFamily="34" charset="0"/>
+              <a:ea typeface="Calibri" panose="020F0502020204030204" pitchFamily="34" charset="0"/>
+              <a:cs typeface="Microsoft Himalaya" pitchFamily="2" charset="0"/>
+            </a:endParaRPr>
+          </a:p>
+          <a:p>
+            <a:pPr marL="873252" lvl="1" indent="-342900">
+              <a:lnSpc>
+                <a:spcPct val="115000"/>
+              </a:lnSpc>
+              <a:spcBef>
+                <a:spcPts val="0"/>
+              </a:spcBef>
+              <a:spcAft>
+                <a:spcPts val="0"/>
+              </a:spcAft>
+              <a:buSzPts val="1000"/>
+              <a:buFont typeface="Symbol" pitchFamily="2" charset="2"/>
+              <a:buChar char=""/>
+              <a:tabLst>
+                <a:tab pos="457200" algn="l"/>
+              </a:tabLst>
+            </a:pPr>
+            <a:r>
+              <a:rPr lang="en-GB" sz="1800" dirty="0">
+                <a:effectLst/>
+                <a:latin typeface="Times New Roman" panose="02020603050405020304" pitchFamily="18" charset="0"/>
+                <a:ea typeface="Times New Roman" panose="02020603050405020304" pitchFamily="18" charset="0"/>
+                <a:cs typeface="Microsoft Himalaya" pitchFamily="2" charset="0"/>
+              </a:rPr>
+              <a:t>Official Docs: https://</a:t>
+            </a:r>
+            <a:r>
+              <a:rPr lang="en-GB" sz="1800" dirty="0" err="1">
+                <a:effectLst/>
+                <a:latin typeface="Times New Roman" panose="02020603050405020304" pitchFamily="18" charset="0"/>
+                <a:ea typeface="Times New Roman" panose="02020603050405020304" pitchFamily="18" charset="0"/>
+                <a:cs typeface="Microsoft Himalaya" pitchFamily="2" charset="0"/>
+              </a:rPr>
+              <a:t>orm.drizzle.team</a:t>
+            </a:r>
+            <a:endParaRPr lang="en-GB" sz="1800" dirty="0">
+              <a:effectLst/>
+              <a:latin typeface="Calibri" panose="020F0502020204030204" pitchFamily="34" charset="0"/>
+              <a:ea typeface="Calibri" panose="020F0502020204030204" pitchFamily="34" charset="0"/>
+              <a:cs typeface="Microsoft Himalaya" pitchFamily="2" charset="0"/>
+            </a:endParaRPr>
+          </a:p>
+          <a:p>
+            <a:pPr marL="873252" lvl="1" indent="-342900">
+              <a:lnSpc>
+                <a:spcPct val="115000"/>
+              </a:lnSpc>
+              <a:spcBef>
+                <a:spcPts val="0"/>
+              </a:spcBef>
+              <a:spcAft>
+                <a:spcPts val="0"/>
+              </a:spcAft>
+              <a:buSzPts val="1000"/>
+              <a:buFont typeface="Symbol" pitchFamily="2" charset="2"/>
+              <a:buChar char=""/>
+              <a:tabLst>
+                <a:tab pos="457200" algn="l"/>
+              </a:tabLst>
+            </a:pPr>
+            <a:r>
+              <a:rPr lang="en-GB" sz="1800" dirty="0">
+                <a:effectLst/>
+                <a:latin typeface="Times New Roman" panose="02020603050405020304" pitchFamily="18" charset="0"/>
+                <a:ea typeface="Times New Roman" panose="02020603050405020304" pitchFamily="18" charset="0"/>
+                <a:cs typeface="Microsoft Himalaya" pitchFamily="2" charset="0"/>
+              </a:rPr>
+              <a:t>GitHub: </a:t>
+            </a:r>
+            <a:r>
+              <a:rPr lang="en-GB" sz="1800" dirty="0">
+                <a:solidFill>
+                  <a:srgbClr val="0000FF"/>
+                </a:solidFill>
+                <a:effectLst/>
+                <a:latin typeface="Times New Roman" panose="02020603050405020304" pitchFamily="18" charset="0"/>
+                <a:ea typeface="Times New Roman" panose="02020603050405020304" pitchFamily="18" charset="0"/>
+                <a:cs typeface="Microsoft Himalaya" pitchFamily="2" charset="0"/>
+                <a:hlinkClick r:id="rId5"/>
+              </a:rPr>
+              <a:t>https://github.com/drizzle-team/drizzle-orm</a:t>
+            </a:r>
+            <a:endParaRPr lang="en-GB" sz="1800" dirty="0">
+              <a:effectLst/>
+              <a:latin typeface="Calibri" panose="020F0502020204030204" pitchFamily="34" charset="0"/>
+              <a:ea typeface="Calibri" panose="020F0502020204030204" pitchFamily="34" charset="0"/>
+              <a:cs typeface="Microsoft Himalaya" pitchFamily="2" charset="0"/>
+            </a:endParaRPr>
+          </a:p>
+          <a:p>
+            <a:pPr marL="342900" lvl="0" indent="-342900">
+              <a:lnSpc>
+                <a:spcPct val="115000"/>
+              </a:lnSpc>
+              <a:spcBef>
+                <a:spcPts val="0"/>
+              </a:spcBef>
+              <a:spcAft>
+                <a:spcPts val="0"/>
+              </a:spcAft>
+              <a:buFont typeface="+mj-lt"/>
+              <a:buAutoNum type="arabicPeriod"/>
+            </a:pPr>
+            <a:r>
+              <a:rPr lang="en-GB" sz="1800" b="1" dirty="0">
+                <a:effectLst/>
+                <a:latin typeface="Times New Roman" panose="02020603050405020304" pitchFamily="18" charset="0"/>
+                <a:ea typeface="Times New Roman" panose="02020603050405020304" pitchFamily="18" charset="0"/>
+                <a:cs typeface="Microsoft Himalaya" pitchFamily="2" charset="0"/>
+              </a:rPr>
+              <a:t>MySQL</a:t>
+            </a:r>
+            <a:endParaRPr lang="en-GB" sz="1800" dirty="0">
+              <a:effectLst/>
+              <a:latin typeface="Calibri" panose="020F0502020204030204" pitchFamily="34" charset="0"/>
+              <a:ea typeface="Calibri" panose="020F0502020204030204" pitchFamily="34" charset="0"/>
+              <a:cs typeface="Microsoft Himalaya" pitchFamily="2" charset="0"/>
+            </a:endParaRPr>
+          </a:p>
+          <a:p>
+            <a:pPr marL="873252" lvl="1" indent="-342900">
+              <a:lnSpc>
+                <a:spcPct val="115000"/>
+              </a:lnSpc>
+              <a:spcBef>
+                <a:spcPts val="0"/>
+              </a:spcBef>
+              <a:spcAft>
+                <a:spcPts val="0"/>
+              </a:spcAft>
+              <a:buSzPts val="1000"/>
+              <a:buFont typeface="Symbol" pitchFamily="2" charset="2"/>
+              <a:buChar char=""/>
+              <a:tabLst>
+                <a:tab pos="457200" algn="l"/>
+              </a:tabLst>
+            </a:pPr>
+            <a:r>
+              <a:rPr lang="en-GB" sz="1800" dirty="0">
+                <a:effectLst/>
+                <a:latin typeface="Times New Roman" panose="02020603050405020304" pitchFamily="18" charset="0"/>
+                <a:ea typeface="Times New Roman" panose="02020603050405020304" pitchFamily="18" charset="0"/>
+                <a:cs typeface="Microsoft Himalaya" pitchFamily="2" charset="0"/>
+              </a:rPr>
+              <a:t>Official Site: </a:t>
+            </a:r>
+            <a:r>
+              <a:rPr lang="en-GB" sz="1800" dirty="0">
+                <a:solidFill>
+                  <a:srgbClr val="0000FF"/>
+                </a:solidFill>
+                <a:effectLst/>
+                <a:latin typeface="Times New Roman" panose="02020603050405020304" pitchFamily="18" charset="0"/>
+                <a:ea typeface="Times New Roman" panose="02020603050405020304" pitchFamily="18" charset="0"/>
+                <a:cs typeface="Microsoft Himalaya" pitchFamily="2" charset="0"/>
+                <a:hlinkClick r:id="rId6"/>
+              </a:rPr>
+              <a:t>https://www.mysql.com/</a:t>
+            </a:r>
+            <a:endParaRPr lang="en-GB" sz="1800" dirty="0">
+              <a:effectLst/>
+              <a:latin typeface="Calibri" panose="020F0502020204030204" pitchFamily="34" charset="0"/>
+              <a:ea typeface="Calibri" panose="020F0502020204030204" pitchFamily="34" charset="0"/>
+              <a:cs typeface="Microsoft Himalaya" pitchFamily="2" charset="0"/>
+            </a:endParaRPr>
+          </a:p>
+          <a:p>
+            <a:pPr marL="873252" lvl="1" indent="-342900">
+              <a:lnSpc>
+                <a:spcPct val="115000"/>
+              </a:lnSpc>
+              <a:spcBef>
+                <a:spcPts val="0"/>
+              </a:spcBef>
+              <a:spcAft>
+                <a:spcPts val="0"/>
+              </a:spcAft>
+              <a:buSzPts val="1000"/>
+              <a:buFont typeface="Symbol" pitchFamily="2" charset="2"/>
+              <a:buChar char=""/>
+              <a:tabLst>
+                <a:tab pos="457200" algn="l"/>
+              </a:tabLst>
+            </a:pPr>
+            <a:r>
+              <a:rPr lang="en-GB" sz="1800" dirty="0">
+                <a:effectLst/>
+                <a:latin typeface="Times New Roman" panose="02020603050405020304" pitchFamily="18" charset="0"/>
+                <a:ea typeface="Times New Roman" panose="02020603050405020304" pitchFamily="18" charset="0"/>
+                <a:cs typeface="Microsoft Himalaya" pitchFamily="2" charset="0"/>
+              </a:rPr>
+              <a:t>Developer Docs: </a:t>
+            </a:r>
+            <a:r>
+              <a:rPr lang="en-GB" sz="1800" dirty="0">
+                <a:solidFill>
+                  <a:srgbClr val="0000FF"/>
+                </a:solidFill>
+                <a:effectLst/>
+                <a:latin typeface="Times New Roman" panose="02020603050405020304" pitchFamily="18" charset="0"/>
+                <a:ea typeface="Times New Roman" panose="02020603050405020304" pitchFamily="18" charset="0"/>
+                <a:cs typeface="Microsoft Himalaya" pitchFamily="2" charset="0"/>
+                <a:hlinkClick r:id="rId7"/>
+              </a:rPr>
+              <a:t>https://dev.mysql.com/doc/</a:t>
+            </a:r>
+            <a:endParaRPr lang="en-GB" sz="1800" dirty="0">
+              <a:solidFill>
+                <a:srgbClr val="0000FF"/>
+              </a:solidFill>
+              <a:effectLst/>
+              <a:latin typeface="Times New Roman" panose="02020603050405020304" pitchFamily="18" charset="0"/>
+              <a:ea typeface="Times New Roman" panose="02020603050405020304" pitchFamily="18" charset="0"/>
+              <a:cs typeface="Microsoft Himalaya" pitchFamily="2" charset="0"/>
+            </a:endParaRPr>
+          </a:p>
+          <a:p>
+            <a:pPr marL="342900" indent="-342900">
+              <a:lnSpc>
+                <a:spcPct val="115000"/>
+              </a:lnSpc>
+              <a:spcBef>
+                <a:spcPts val="0"/>
+              </a:spcBef>
+              <a:spcAft>
+                <a:spcPts val="0"/>
+              </a:spcAft>
+              <a:buFont typeface="+mj-lt"/>
+              <a:buAutoNum type="arabicPeriod" startAt="6"/>
+            </a:pPr>
+            <a:r>
+              <a:rPr lang="en-GB" sz="1800" b="1" dirty="0">
+                <a:latin typeface="Times New Roman" panose="02020603050405020304" pitchFamily="18" charset="0"/>
+                <a:ea typeface="Times New Roman" panose="02020603050405020304" pitchFamily="18" charset="0"/>
+                <a:cs typeface="Microsoft Himalaya" pitchFamily="2" charset="0"/>
+              </a:rPr>
+              <a:t>Tailwind CSS</a:t>
+            </a:r>
+            <a:endParaRPr lang="en-GB" sz="1800" dirty="0">
+              <a:latin typeface="Calibri" panose="020F0502020204030204" pitchFamily="34" charset="0"/>
+              <a:ea typeface="Calibri" panose="020F0502020204030204" pitchFamily="34" charset="0"/>
+              <a:cs typeface="Microsoft Himalaya" pitchFamily="2" charset="0"/>
+            </a:endParaRPr>
+          </a:p>
+          <a:p>
+            <a:pPr marL="873252" lvl="1" indent="-342900">
+              <a:lnSpc>
+                <a:spcPct val="115000"/>
+              </a:lnSpc>
+              <a:spcBef>
+                <a:spcPts val="0"/>
+              </a:spcBef>
+              <a:spcAft>
+                <a:spcPts val="0"/>
+              </a:spcAft>
+              <a:buSzPts val="1000"/>
+              <a:buFont typeface="Symbol" pitchFamily="2" charset="2"/>
+              <a:buChar char=""/>
+              <a:tabLst>
+                <a:tab pos="457200" algn="l"/>
+              </a:tabLst>
+            </a:pPr>
+            <a:r>
+              <a:rPr lang="en-GB" sz="1800" dirty="0">
+                <a:latin typeface="Times New Roman" panose="02020603050405020304" pitchFamily="18" charset="0"/>
+                <a:ea typeface="Times New Roman" panose="02020603050405020304" pitchFamily="18" charset="0"/>
+                <a:cs typeface="Microsoft Himalaya" pitchFamily="2" charset="0"/>
+              </a:rPr>
+              <a:t>Official Docs: </a:t>
+            </a:r>
+            <a:r>
+              <a:rPr lang="en-GB" sz="1800" dirty="0">
+                <a:solidFill>
+                  <a:srgbClr val="0000FF"/>
+                </a:solidFill>
+                <a:latin typeface="Times New Roman" panose="02020603050405020304" pitchFamily="18" charset="0"/>
+                <a:ea typeface="Times New Roman" panose="02020603050405020304" pitchFamily="18" charset="0"/>
+                <a:cs typeface="Microsoft Himalaya" pitchFamily="2" charset="0"/>
+                <a:hlinkClick r:id="rId8"/>
+              </a:rPr>
+              <a:t>https://tailwindcss.com/docs</a:t>
+            </a:r>
+            <a:endParaRPr lang="en-GB" sz="1800" dirty="0">
+              <a:latin typeface="Calibri" panose="020F0502020204030204" pitchFamily="34" charset="0"/>
+              <a:ea typeface="Calibri" panose="020F0502020204030204" pitchFamily="34" charset="0"/>
+              <a:cs typeface="Microsoft Himalaya" pitchFamily="2" charset="0"/>
+            </a:endParaRPr>
+          </a:p>
+          <a:p>
+            <a:pPr marL="342900" indent="-342900">
+              <a:lnSpc>
+                <a:spcPct val="115000"/>
+              </a:lnSpc>
+              <a:spcBef>
+                <a:spcPts val="0"/>
+              </a:spcBef>
+              <a:spcAft>
+                <a:spcPts val="0"/>
+              </a:spcAft>
+              <a:buFont typeface="+mj-lt"/>
+              <a:buAutoNum type="arabicPeriod" startAt="7"/>
+            </a:pPr>
+            <a:r>
+              <a:rPr lang="en-GB" sz="1800" b="1" dirty="0" err="1">
+                <a:latin typeface="Times New Roman" panose="02020603050405020304" pitchFamily="18" charset="0"/>
+                <a:ea typeface="Times New Roman" panose="02020603050405020304" pitchFamily="18" charset="0"/>
+                <a:cs typeface="Microsoft Himalaya" pitchFamily="2" charset="0"/>
+              </a:rPr>
+              <a:t>ShadCN</a:t>
+            </a:r>
+            <a:r>
+              <a:rPr lang="en-GB" sz="1800" b="1" dirty="0">
+                <a:latin typeface="Times New Roman" panose="02020603050405020304" pitchFamily="18" charset="0"/>
+                <a:ea typeface="Times New Roman" panose="02020603050405020304" pitchFamily="18" charset="0"/>
+                <a:cs typeface="Microsoft Himalaya" pitchFamily="2" charset="0"/>
+              </a:rPr>
+              <a:t> UI</a:t>
+            </a:r>
+            <a:endParaRPr lang="en-GB" sz="1800" dirty="0">
+              <a:latin typeface="Calibri" panose="020F0502020204030204" pitchFamily="34" charset="0"/>
+              <a:ea typeface="Calibri" panose="020F0502020204030204" pitchFamily="34" charset="0"/>
+              <a:cs typeface="Microsoft Himalaya" pitchFamily="2" charset="0"/>
+            </a:endParaRPr>
+          </a:p>
+          <a:p>
+            <a:pPr marL="873252" lvl="1" indent="-342900">
+              <a:lnSpc>
+                <a:spcPct val="115000"/>
+              </a:lnSpc>
+              <a:spcBef>
+                <a:spcPts val="0"/>
+              </a:spcBef>
+              <a:spcAft>
+                <a:spcPts val="0"/>
+              </a:spcAft>
+              <a:buSzPts val="1000"/>
+              <a:buFont typeface="Symbol" pitchFamily="2" charset="2"/>
+              <a:buChar char=""/>
+              <a:tabLst>
+                <a:tab pos="457200" algn="l"/>
+              </a:tabLst>
+            </a:pPr>
+            <a:r>
+              <a:rPr lang="en-GB" sz="1800" dirty="0">
+                <a:latin typeface="Times New Roman" panose="02020603050405020304" pitchFamily="18" charset="0"/>
+                <a:ea typeface="Times New Roman" panose="02020603050405020304" pitchFamily="18" charset="0"/>
+                <a:cs typeface="Microsoft Himalaya" pitchFamily="2" charset="0"/>
+              </a:rPr>
+              <a:t>Component Library: https://</a:t>
+            </a:r>
+            <a:r>
+              <a:rPr lang="en-GB" sz="1800" dirty="0" err="1">
+                <a:latin typeface="Times New Roman" panose="02020603050405020304" pitchFamily="18" charset="0"/>
+                <a:ea typeface="Times New Roman" panose="02020603050405020304" pitchFamily="18" charset="0"/>
+                <a:cs typeface="Microsoft Himalaya" pitchFamily="2" charset="0"/>
+              </a:rPr>
+              <a:t>ui.shadcn.com</a:t>
+            </a:r>
+            <a:endParaRPr lang="en-GB" sz="1800" dirty="0">
+              <a:latin typeface="Calibri" panose="020F0502020204030204" pitchFamily="34" charset="0"/>
+              <a:ea typeface="Calibri" panose="020F0502020204030204" pitchFamily="34" charset="0"/>
+              <a:cs typeface="Microsoft Himalaya" pitchFamily="2" charset="0"/>
+            </a:endParaRPr>
+          </a:p>
+          <a:p>
+            <a:pPr marL="873252" lvl="1" indent="-342900">
+              <a:lnSpc>
+                <a:spcPct val="115000"/>
+              </a:lnSpc>
+              <a:spcBef>
+                <a:spcPts val="0"/>
+              </a:spcBef>
+              <a:spcAft>
+                <a:spcPts val="0"/>
+              </a:spcAft>
+              <a:buSzPts val="1000"/>
+              <a:buFont typeface="Symbol" pitchFamily="2" charset="2"/>
+              <a:buChar char=""/>
+              <a:tabLst>
+                <a:tab pos="457200" algn="l"/>
+              </a:tabLst>
+            </a:pPr>
+            <a:r>
+              <a:rPr lang="en-GB" sz="1800" dirty="0">
+                <a:latin typeface="Times New Roman" panose="02020603050405020304" pitchFamily="18" charset="0"/>
+                <a:ea typeface="Times New Roman" panose="02020603050405020304" pitchFamily="18" charset="0"/>
+                <a:cs typeface="Microsoft Himalaya" pitchFamily="2" charset="0"/>
+              </a:rPr>
+              <a:t>Based on Radix UI: </a:t>
+            </a:r>
+            <a:r>
+              <a:rPr lang="en-GB" sz="1800" dirty="0">
+                <a:solidFill>
+                  <a:srgbClr val="0000FF"/>
+                </a:solidFill>
+                <a:latin typeface="Times New Roman" panose="02020603050405020304" pitchFamily="18" charset="0"/>
+                <a:ea typeface="Times New Roman" panose="02020603050405020304" pitchFamily="18" charset="0"/>
+                <a:cs typeface="Microsoft Himalaya" pitchFamily="2" charset="0"/>
+                <a:hlinkClick r:id="rId9"/>
+              </a:rPr>
+              <a:t>https://www.radix-ui.com/</a:t>
+            </a:r>
+            <a:endParaRPr lang="en-GB" sz="1800" dirty="0">
+              <a:latin typeface="Calibri" panose="020F0502020204030204" pitchFamily="34" charset="0"/>
+              <a:ea typeface="Calibri" panose="020F0502020204030204" pitchFamily="34" charset="0"/>
+              <a:cs typeface="Microsoft Himalaya" pitchFamily="2" charset="0"/>
+            </a:endParaRPr>
+          </a:p>
+          <a:p>
+            <a:pPr marL="342900" indent="-342900">
+              <a:lnSpc>
+                <a:spcPct val="115000"/>
+              </a:lnSpc>
+              <a:spcBef>
+                <a:spcPts val="0"/>
+              </a:spcBef>
+              <a:spcAft>
+                <a:spcPts val="0"/>
+              </a:spcAft>
+              <a:buFont typeface="+mj-lt"/>
+              <a:buAutoNum type="arabicPeriod" startAt="8"/>
+            </a:pPr>
+            <a:r>
+              <a:rPr lang="en-GB" sz="1800" b="1" dirty="0">
+                <a:latin typeface="Times New Roman" panose="02020603050405020304" pitchFamily="18" charset="0"/>
+                <a:ea typeface="Times New Roman" panose="02020603050405020304" pitchFamily="18" charset="0"/>
+                <a:cs typeface="Microsoft Himalaya" pitchFamily="2" charset="0"/>
+              </a:rPr>
+              <a:t>MVC Architecture</a:t>
+            </a:r>
+            <a:endParaRPr lang="en-GB" sz="1800" dirty="0">
+              <a:latin typeface="Calibri" panose="020F0502020204030204" pitchFamily="34" charset="0"/>
+              <a:ea typeface="Calibri" panose="020F0502020204030204" pitchFamily="34" charset="0"/>
+              <a:cs typeface="Microsoft Himalaya" pitchFamily="2" charset="0"/>
+            </a:endParaRPr>
+          </a:p>
+          <a:p>
+            <a:pPr marL="873252" lvl="1" indent="-342900">
+              <a:lnSpc>
+                <a:spcPct val="115000"/>
+              </a:lnSpc>
+              <a:spcBef>
+                <a:spcPts val="0"/>
+              </a:spcBef>
+              <a:spcAft>
+                <a:spcPts val="0"/>
+              </a:spcAft>
+              <a:buSzPts val="1000"/>
+              <a:buFont typeface="Symbol" pitchFamily="2" charset="2"/>
+              <a:buChar char=""/>
+              <a:tabLst>
+                <a:tab pos="457200" algn="l"/>
+              </a:tabLst>
+            </a:pPr>
+            <a:r>
+              <a:rPr lang="en-GB" sz="1800" dirty="0">
+                <a:latin typeface="Times New Roman" panose="02020603050405020304" pitchFamily="18" charset="0"/>
+                <a:ea typeface="Times New Roman" panose="02020603050405020304" pitchFamily="18" charset="0"/>
+                <a:cs typeface="Microsoft Himalaya" pitchFamily="2" charset="0"/>
+              </a:rPr>
+              <a:t>MDN Glossary: </a:t>
+            </a:r>
+            <a:r>
+              <a:rPr lang="en-GB" sz="1800" dirty="0">
+                <a:solidFill>
+                  <a:srgbClr val="0000FF"/>
+                </a:solidFill>
+                <a:latin typeface="Times New Roman" panose="02020603050405020304" pitchFamily="18" charset="0"/>
+                <a:ea typeface="Times New Roman" panose="02020603050405020304" pitchFamily="18" charset="0"/>
+                <a:cs typeface="Microsoft Himalaya" pitchFamily="2" charset="0"/>
+                <a:hlinkClick r:id="rId10"/>
+              </a:rPr>
+              <a:t>https://developer.mozilla.org/en-US/docs/Glossary/MVC</a:t>
+            </a:r>
+            <a:endParaRPr lang="en-GB" sz="1800" dirty="0">
+              <a:latin typeface="Calibri" panose="020F0502020204030204" pitchFamily="34" charset="0"/>
+              <a:ea typeface="Calibri" panose="020F0502020204030204" pitchFamily="34" charset="0"/>
+              <a:cs typeface="Microsoft Himalaya" pitchFamily="2" charset="0"/>
+            </a:endParaRPr>
+          </a:p>
+          <a:p>
+            <a:pPr marL="342900" indent="-342900">
+              <a:lnSpc>
+                <a:spcPct val="115000"/>
+              </a:lnSpc>
+              <a:spcBef>
+                <a:spcPts val="0"/>
+              </a:spcBef>
+              <a:spcAft>
+                <a:spcPts val="0"/>
+              </a:spcAft>
+              <a:buFont typeface="+mj-lt"/>
+              <a:buAutoNum type="arabicPeriod" startAt="9"/>
+            </a:pPr>
+            <a:r>
+              <a:rPr lang="en-GB" sz="1800" b="1" dirty="0" err="1">
+                <a:latin typeface="Times New Roman" panose="02020603050405020304" pitchFamily="18" charset="0"/>
+                <a:ea typeface="Times New Roman" panose="02020603050405020304" pitchFamily="18" charset="0"/>
+                <a:cs typeface="Microsoft Himalaya" pitchFamily="2" charset="0"/>
+              </a:rPr>
+              <a:t>ChatGPT</a:t>
+            </a:r>
+            <a:r>
+              <a:rPr lang="en-GB" sz="1800" b="1" dirty="0">
+                <a:latin typeface="Times New Roman" panose="02020603050405020304" pitchFamily="18" charset="0"/>
+                <a:ea typeface="Times New Roman" panose="02020603050405020304" pitchFamily="18" charset="0"/>
+                <a:cs typeface="Microsoft Himalaya" pitchFamily="2" charset="0"/>
+              </a:rPr>
+              <a:t> (</a:t>
+            </a:r>
+            <a:r>
+              <a:rPr lang="en-GB" sz="1800" b="1" dirty="0" err="1">
+                <a:latin typeface="Times New Roman" panose="02020603050405020304" pitchFamily="18" charset="0"/>
+                <a:ea typeface="Times New Roman" panose="02020603050405020304" pitchFamily="18" charset="0"/>
+                <a:cs typeface="Microsoft Himalaya" pitchFamily="2" charset="0"/>
+              </a:rPr>
+              <a:t>OpenAI</a:t>
+            </a:r>
+            <a:r>
+              <a:rPr lang="en-GB" sz="1800" b="1" dirty="0">
+                <a:latin typeface="Times New Roman" panose="02020603050405020304" pitchFamily="18" charset="0"/>
+                <a:ea typeface="Times New Roman" panose="02020603050405020304" pitchFamily="18" charset="0"/>
+                <a:cs typeface="Microsoft Himalaya" pitchFamily="2" charset="0"/>
+              </a:rPr>
+              <a:t>)</a:t>
+            </a:r>
+            <a:endParaRPr lang="en-GB" sz="1800" dirty="0">
+              <a:latin typeface="Calibri" panose="020F0502020204030204" pitchFamily="34" charset="0"/>
+              <a:ea typeface="Calibri" panose="020F0502020204030204" pitchFamily="34" charset="0"/>
+              <a:cs typeface="Microsoft Himalaya" pitchFamily="2" charset="0"/>
+            </a:endParaRPr>
+          </a:p>
+          <a:p>
+            <a:pPr marL="873252" lvl="1" indent="-342900">
+              <a:lnSpc>
+                <a:spcPct val="115000"/>
+              </a:lnSpc>
+              <a:spcBef>
+                <a:spcPts val="0"/>
+              </a:spcBef>
+              <a:spcAft>
+                <a:spcPts val="0"/>
+              </a:spcAft>
+              <a:buSzPts val="1000"/>
+              <a:buFont typeface="Symbol" pitchFamily="2" charset="2"/>
+              <a:buChar char=""/>
+              <a:tabLst>
+                <a:tab pos="457200" algn="l"/>
+              </a:tabLst>
+            </a:pPr>
+            <a:r>
+              <a:rPr lang="en-GB" sz="1800" dirty="0">
+                <a:latin typeface="Times New Roman" panose="02020603050405020304" pitchFamily="18" charset="0"/>
+                <a:ea typeface="Times New Roman" panose="02020603050405020304" pitchFamily="18" charset="0"/>
+                <a:cs typeface="Microsoft Himalaya" pitchFamily="2" charset="0"/>
+              </a:rPr>
+              <a:t>Assisted in </a:t>
+            </a:r>
+            <a:r>
+              <a:rPr lang="en-GB" sz="1800" b="1" dirty="0">
+                <a:latin typeface="Times New Roman" panose="02020603050405020304" pitchFamily="18" charset="0"/>
+                <a:ea typeface="Times New Roman" panose="02020603050405020304" pitchFamily="18" charset="0"/>
+                <a:cs typeface="Microsoft Himalaya" pitchFamily="2" charset="0"/>
+              </a:rPr>
+              <a:t>code suggestions</a:t>
+            </a:r>
+            <a:r>
+              <a:rPr lang="en-GB" sz="1800" dirty="0">
+                <a:latin typeface="Times New Roman" panose="02020603050405020304" pitchFamily="18" charset="0"/>
+                <a:ea typeface="Times New Roman" panose="02020603050405020304" pitchFamily="18" charset="0"/>
+                <a:cs typeface="Microsoft Himalaya" pitchFamily="2" charset="0"/>
+              </a:rPr>
+              <a:t>,</a:t>
+            </a:r>
+            <a:endParaRPr lang="en-GB" sz="1800" dirty="0">
+              <a:latin typeface="Calibri" panose="020F0502020204030204" pitchFamily="34" charset="0"/>
+              <a:ea typeface="Calibri" panose="020F0502020204030204" pitchFamily="34" charset="0"/>
+              <a:cs typeface="Microsoft Himalaya" pitchFamily="2" charset="0"/>
+            </a:endParaRPr>
+          </a:p>
+          <a:p>
+            <a:pPr marL="873252" lvl="1" indent="-342900">
+              <a:lnSpc>
+                <a:spcPct val="115000"/>
+              </a:lnSpc>
+              <a:spcBef>
+                <a:spcPts val="0"/>
+              </a:spcBef>
+              <a:spcAft>
+                <a:spcPts val="0"/>
+              </a:spcAft>
+              <a:buSzPts val="1000"/>
+              <a:buFont typeface="Symbol" pitchFamily="2" charset="2"/>
+              <a:buChar char=""/>
+              <a:tabLst>
+                <a:tab pos="457200" algn="l"/>
+              </a:tabLst>
+            </a:pPr>
+            <a:r>
+              <a:rPr lang="en-GB" sz="1800" dirty="0">
+                <a:latin typeface="Times New Roman" panose="02020603050405020304" pitchFamily="18" charset="0"/>
+                <a:ea typeface="Times New Roman" panose="02020603050405020304" pitchFamily="18" charset="0"/>
+                <a:cs typeface="Microsoft Himalaya" pitchFamily="2" charset="0"/>
+              </a:rPr>
+              <a:t>Helped with </a:t>
+            </a:r>
+            <a:r>
+              <a:rPr lang="en-GB" sz="1800" b="1" dirty="0">
+                <a:latin typeface="Times New Roman" panose="02020603050405020304" pitchFamily="18" charset="0"/>
+                <a:ea typeface="Times New Roman" panose="02020603050405020304" pitchFamily="18" charset="0"/>
+                <a:cs typeface="Microsoft Himalaya" pitchFamily="2" charset="0"/>
+              </a:rPr>
+              <a:t>clarifying MVC pattern for </a:t>
+            </a:r>
+            <a:r>
+              <a:rPr lang="en-GB" sz="1800" b="1" dirty="0" err="1">
+                <a:latin typeface="Times New Roman" panose="02020603050405020304" pitchFamily="18" charset="0"/>
+                <a:ea typeface="Times New Roman" panose="02020603050405020304" pitchFamily="18" charset="0"/>
+                <a:cs typeface="Microsoft Himalaya" pitchFamily="2" charset="0"/>
+              </a:rPr>
+              <a:t>NextJS</a:t>
+            </a:r>
+            <a:r>
+              <a:rPr lang="en-GB" sz="1800" dirty="0">
+                <a:latin typeface="Times New Roman" panose="02020603050405020304" pitchFamily="18" charset="0"/>
+                <a:ea typeface="Times New Roman" panose="02020603050405020304" pitchFamily="18" charset="0"/>
+                <a:cs typeface="Microsoft Himalaya" pitchFamily="2" charset="0"/>
+              </a:rPr>
+              <a:t>, and</a:t>
+            </a:r>
+            <a:endParaRPr lang="en-GB" sz="1800" dirty="0">
+              <a:latin typeface="Calibri" panose="020F0502020204030204" pitchFamily="34" charset="0"/>
+              <a:ea typeface="Calibri" panose="020F0502020204030204" pitchFamily="34" charset="0"/>
+              <a:cs typeface="Microsoft Himalaya" pitchFamily="2" charset="0"/>
+            </a:endParaRPr>
+          </a:p>
+          <a:p>
+            <a:pPr marL="873252" lvl="1" indent="-342900">
+              <a:lnSpc>
+                <a:spcPct val="115000"/>
+              </a:lnSpc>
+              <a:spcBef>
+                <a:spcPts val="0"/>
+              </a:spcBef>
+              <a:spcAft>
+                <a:spcPts val="0"/>
+              </a:spcAft>
+              <a:buSzPts val="1000"/>
+              <a:buFont typeface="Symbol" pitchFamily="2" charset="2"/>
+              <a:buChar char=""/>
+              <a:tabLst>
+                <a:tab pos="457200" algn="l"/>
+              </a:tabLst>
+            </a:pPr>
+            <a:r>
+              <a:rPr lang="en-GB" sz="1800" dirty="0">
+                <a:latin typeface="Times New Roman" panose="02020603050405020304" pitchFamily="18" charset="0"/>
+                <a:ea typeface="Times New Roman" panose="02020603050405020304" pitchFamily="18" charset="0"/>
+                <a:cs typeface="Microsoft Himalaya" pitchFamily="2" charset="0"/>
+              </a:rPr>
+              <a:t>Learn more: </a:t>
+            </a:r>
+            <a:r>
+              <a:rPr lang="en-GB" sz="1800" dirty="0">
+                <a:solidFill>
+                  <a:srgbClr val="0000FF"/>
+                </a:solidFill>
+                <a:latin typeface="Times New Roman" panose="02020603050405020304" pitchFamily="18" charset="0"/>
+                <a:ea typeface="Times New Roman" panose="02020603050405020304" pitchFamily="18" charset="0"/>
+                <a:cs typeface="Microsoft Himalaya" pitchFamily="2" charset="0"/>
+                <a:hlinkClick r:id="rId11"/>
+              </a:rPr>
+              <a:t>https://openai.com/chatgpt</a:t>
+            </a:r>
+            <a:endParaRPr lang="en-GB" sz="1800" dirty="0">
+              <a:latin typeface="Calibri" panose="020F0502020204030204" pitchFamily="34" charset="0"/>
+              <a:ea typeface="Calibri" panose="020F0502020204030204" pitchFamily="34" charset="0"/>
+              <a:cs typeface="Microsoft Himalaya" pitchFamily="2" charset="0"/>
+            </a:endParaRPr>
+          </a:p>
+          <a:p>
+            <a:pPr marL="530352" lvl="1" indent="0">
+              <a:lnSpc>
+                <a:spcPct val="115000"/>
+              </a:lnSpc>
+              <a:spcBef>
+                <a:spcPts val="0"/>
+              </a:spcBef>
+              <a:spcAft>
+                <a:spcPts val="0"/>
+              </a:spcAft>
+              <a:buSzPts val="1000"/>
+              <a:buNone/>
+              <a:tabLst>
+                <a:tab pos="457200" algn="l"/>
+              </a:tabLst>
+            </a:pPr>
+            <a:endParaRPr lang="en-GB" sz="1800" dirty="0">
+              <a:effectLst/>
+              <a:latin typeface="Calibri" panose="020F0502020204030204" pitchFamily="34" charset="0"/>
+              <a:ea typeface="Calibri" panose="020F0502020204030204" pitchFamily="34" charset="0"/>
+              <a:cs typeface="Microsoft Himalaya" pitchFamily="2" charset="0"/>
+            </a:endParaRPr>
+          </a:p>
+          <a:p>
+            <a:pPr marL="342900" lvl="0" indent="-342900">
+              <a:lnSpc>
+                <a:spcPct val="100000"/>
+              </a:lnSpc>
+              <a:spcBef>
+                <a:spcPts val="0"/>
+              </a:spcBef>
+              <a:spcAft>
+                <a:spcPts val="0"/>
+              </a:spcAft>
+              <a:buSzPts val="1000"/>
+              <a:buFont typeface="Symbol" pitchFamily="2" charset="2"/>
+              <a:buChar char=""/>
+              <a:tabLst>
+                <a:tab pos="457200" algn="l"/>
+              </a:tabLst>
+            </a:pPr>
+            <a:endParaRPr lang="en-GB" sz="1800" dirty="0">
+              <a:effectLst/>
+              <a:latin typeface="Calibri" panose="020F0502020204030204" pitchFamily="34" charset="0"/>
+              <a:ea typeface="Calibri" panose="020F0502020204030204" pitchFamily="34" charset="0"/>
+              <a:cs typeface="Microsoft Himalaya" pitchFamily="2" charset="0"/>
+            </a:endParaRPr>
           </a:p>
         </p:txBody>
       </p:sp>
     </p:spTree>
     <p:extLst>
       <p:ext uri="{BB962C8B-B14F-4D97-AF65-F5344CB8AC3E}">
-        <p14:creationId xmlns:p14="http://schemas.microsoft.com/office/powerpoint/2010/main" val="1319191928"/>
+        <p14:creationId xmlns:p14="http://schemas.microsoft.com/office/powerpoint/2010/main" val="92383171"/>
+      </p:ext>
+    </p:extLst>
+  </p:cSld>
+  <p:clrMapOvr>
+    <a:masterClrMapping/>
+  </p:clrMapOvr>
+</p:sld>
+</file>
+
+<file path=ppt/slides/slide16.xml><?xml version="1.0" encoding="utf-8"?>
+<p:sld xmlns:a="http://schemas.openxmlformats.org/drawingml/2006/main" xmlns:r="http://schemas.openxmlformats.org/officeDocument/2006/relationships" xmlns:p="http://schemas.openxmlformats.org/presentationml/2006/main">
+  <p:cSld>
+    <p:spTree>
+      <p:nvGrpSpPr>
+        <p:cNvPr id="1" name=""/>
+        <p:cNvGrpSpPr/>
+        <p:nvPr/>
+      </p:nvGrpSpPr>
+      <p:grpSpPr>
+        <a:xfrm>
+          <a:off x="0" y="0"/>
+          <a:ext cx="0" cy="0"/>
+          <a:chOff x="0" y="0"/>
+          <a:chExt cx="0" cy="0"/>
+        </a:xfrm>
+      </p:grpSpPr>
+      <p:sp>
+        <p:nvSpPr>
+          <p:cNvPr id="3" name="Content Placeholder 2">
+            <a:extLst>
+              <a:ext uri="{FF2B5EF4-FFF2-40B4-BE49-F238E27FC236}">
+                <a16:creationId xmlns:a16="http://schemas.microsoft.com/office/drawing/2014/main" id="{DA41C2C6-E968-7248-09D4-F26594E8CB3A}"/>
+              </a:ext>
+            </a:extLst>
+          </p:cNvPr>
+          <p:cNvSpPr>
+            <a:spLocks noGrp="1"/>
+          </p:cNvSpPr>
+          <p:nvPr>
+            <p:ph idx="1"/>
+          </p:nvPr>
+        </p:nvSpPr>
+        <p:spPr/>
+        <p:txBody>
+          <a:bodyPr/>
+          <a:lstStyle/>
+          <a:p>
+            <a:endParaRPr lang="en-US" dirty="0"/>
+          </a:p>
+        </p:txBody>
+      </p:sp>
+      <p:sp>
+        <p:nvSpPr>
+          <p:cNvPr id="4" name="Title 1">
+            <a:extLst>
+              <a:ext uri="{FF2B5EF4-FFF2-40B4-BE49-F238E27FC236}">
+                <a16:creationId xmlns:a16="http://schemas.microsoft.com/office/drawing/2014/main" id="{5201A06D-0D27-0348-0128-29D908A96FD0}"/>
+              </a:ext>
+            </a:extLst>
+          </p:cNvPr>
+          <p:cNvSpPr>
+            <a:spLocks noGrp="1"/>
+          </p:cNvSpPr>
+          <p:nvPr>
+            <p:ph type="title"/>
+          </p:nvPr>
+        </p:nvSpPr>
+        <p:spPr/>
+        <p:txBody>
+          <a:bodyPr/>
+          <a:lstStyle/>
+          <a:p>
+            <a:pPr algn="ctr"/>
+            <a:r>
+              <a:rPr lang="en-US" dirty="0"/>
+              <a:t>Questions ?</a:t>
+            </a:r>
+          </a:p>
+        </p:txBody>
+      </p:sp>
+    </p:spTree>
+    <p:extLst>
+      <p:ext uri="{BB962C8B-B14F-4D97-AF65-F5344CB8AC3E}">
+        <p14:creationId xmlns:p14="http://schemas.microsoft.com/office/powerpoint/2010/main" val="981280285"/>
       </p:ext>
     </p:extLst>
   </p:cSld>
@@ -8827,7 +6498,7 @@
           <p:cNvPr id="2" name="Title 1">
             <a:extLst>
               <a:ext uri="{FF2B5EF4-FFF2-40B4-BE49-F238E27FC236}">
-                <a16:creationId xmlns:a16="http://schemas.microsoft.com/office/drawing/2014/main" id="{39BABA84-F268-91FD-BF1F-C2A32448B59F}"/>
+                <a16:creationId xmlns:a16="http://schemas.microsoft.com/office/drawing/2014/main" id="{6F592F9B-7539-D318-649E-8DFBE73585EE}"/>
               </a:ext>
             </a:extLst>
           </p:cNvPr>
@@ -8838,14 +6509,19 @@
             <p:ph type="title"/>
           </p:nvPr>
         </p:nvSpPr>
-        <p:spPr/>
+        <p:spPr>
+          <a:xfrm>
+            <a:off x="1371600" y="685800"/>
+            <a:ext cx="9601200" cy="890081"/>
+          </a:xfrm>
+        </p:spPr>
         <p:txBody>
           <a:bodyPr/>
           <a:lstStyle/>
           <a:p>
             <a:r>
               <a:rPr lang="en-GB" dirty="0"/>
-              <a:t>Project Overview</a:t>
+              <a:t>Business Objectives</a:t>
             </a:r>
             <a:endParaRPr lang="en-US" dirty="0"/>
           </a:p>
@@ -8856,7 +6532,7 @@
           <p:cNvPr id="3" name="Content Placeholder 2">
             <a:extLst>
               <a:ext uri="{FF2B5EF4-FFF2-40B4-BE49-F238E27FC236}">
-                <a16:creationId xmlns:a16="http://schemas.microsoft.com/office/drawing/2014/main" id="{A0C737F3-73D1-3E28-B92C-FAA70D693A78}"/>
+                <a16:creationId xmlns:a16="http://schemas.microsoft.com/office/drawing/2014/main" id="{FBBD26E4-E1A9-8CF3-F48D-7DDA3B069416}"/>
               </a:ext>
             </a:extLst>
           </p:cNvPr>
@@ -8867,71 +6543,81 @@
             <p:ph idx="1"/>
           </p:nvPr>
         </p:nvSpPr>
-        <p:spPr/>
-        <p:txBody>
-          <a:bodyPr/>
+        <p:spPr>
+          <a:xfrm>
+            <a:off x="1371600" y="1809344"/>
+            <a:ext cx="9601200" cy="3715967"/>
+          </a:xfrm>
+        </p:spPr>
+        <p:txBody>
+          <a:bodyPr>
+            <a:normAutofit/>
+          </a:bodyPr>
           <a:lstStyle/>
           <a:p>
             <a:pPr>
               <a:spcBef>
-                <a:spcPts val="600"/>
+                <a:spcPts val="1200"/>
               </a:spcBef>
               <a:spcAft>
-                <a:spcPts val="600"/>
+                <a:spcPts val="1200"/>
               </a:spcAft>
             </a:pPr>
             <a:r>
-              <a:rPr lang="en-GB" sz="2800" b="1" dirty="0"/>
-              <a:t>What is Project Task Manager?</a:t>
-            </a:r>
-          </a:p>
-          <a:p>
-            <a:pPr lvl="1">
+              <a:rPr lang="en-GB" b="1" dirty="0"/>
+              <a:t>Facilitate Communication and Collaboration</a:t>
+            </a:r>
+            <a:br>
+              <a:rPr lang="en-GB" dirty="0"/>
+            </a:br>
+            <a:r>
+              <a:rPr lang="en-GB" dirty="0"/>
+              <a:t>→ Centralized updates, better team alignment</a:t>
+            </a:r>
+          </a:p>
+          <a:p>
+            <a:pPr>
               <a:spcBef>
-                <a:spcPts val="600"/>
+                <a:spcPts val="1200"/>
               </a:spcBef>
               <a:spcAft>
-                <a:spcPts val="600"/>
+                <a:spcPts val="1200"/>
               </a:spcAft>
-              <a:buFont typeface="Wingdings" pitchFamily="2" charset="2"/>
-              <a:buChar char="v"/>
             </a:pPr>
             <a:r>
-              <a:rPr lang="en-GB" i="0" dirty="0"/>
-              <a:t>A web-based application for creating, assigning, and tracking project activities.</a:t>
-            </a:r>
-          </a:p>
-          <a:p>
-            <a:pPr lvl="1">
+              <a:rPr lang="en-GB" b="1" dirty="0"/>
+              <a:t>Ensure Accountability and Ownership</a:t>
+            </a:r>
+            <a:br>
+              <a:rPr lang="en-GB" dirty="0"/>
+            </a:br>
+            <a:r>
+              <a:rPr lang="en-GB" dirty="0"/>
+              <a:t>→ Clear roles, deadlines, and responsibilities</a:t>
+            </a:r>
+          </a:p>
+          <a:p>
+            <a:pPr>
               <a:spcBef>
-                <a:spcPts val="600"/>
+                <a:spcPts val="1200"/>
               </a:spcBef>
               <a:spcAft>
-                <a:spcPts val="600"/>
+                <a:spcPts val="1200"/>
               </a:spcAft>
-              <a:buFont typeface="Wingdings" pitchFamily="2" charset="2"/>
-              <a:buChar char="v"/>
             </a:pPr>
             <a:r>
-              <a:rPr lang="en-GB" i="0" dirty="0"/>
-              <a:t>Designed to streamline workflow and improve productivity for project teams.</a:t>
-            </a:r>
-          </a:p>
-          <a:p>
-            <a:pPr lvl="1">
-              <a:spcBef>
-                <a:spcPts val="600"/>
-              </a:spcBef>
-              <a:spcAft>
-                <a:spcPts val="600"/>
-              </a:spcAft>
-              <a:buFont typeface="Wingdings" pitchFamily="2" charset="2"/>
-              <a:buChar char="v"/>
-            </a:pPr>
-            <a:r>
-              <a:rPr lang="en-GB" i="0" dirty="0"/>
-              <a:t>Developed using a hybrid Agile-Waterfall model, blending iterative development with structured phase-based planning and delivery</a:t>
-            </a:r>
+              <a:rPr lang="en-GB" b="1" dirty="0"/>
+              <a:t>Reduce Project Failures and Cost Overruns</a:t>
+            </a:r>
+            <a:br>
+              <a:rPr lang="en-GB" dirty="0"/>
+            </a:br>
+            <a:r>
+              <a:rPr lang="en-GB" dirty="0"/>
+              <a:t>→ Early risk detection, improved project delivery</a:t>
+            </a:r>
+          </a:p>
+          <a:p>
             <a:endParaRPr lang="en-US" dirty="0"/>
           </a:p>
         </p:txBody>
@@ -8939,7 +6625,7 @@
     </p:spTree>
     <p:extLst>
       <p:ext uri="{BB962C8B-B14F-4D97-AF65-F5344CB8AC3E}">
-        <p14:creationId xmlns:p14="http://schemas.microsoft.com/office/powerpoint/2010/main" val="277293961"/>
+        <p14:creationId xmlns:p14="http://schemas.microsoft.com/office/powerpoint/2010/main" val="707281863"/>
       </p:ext>
     </p:extLst>
   </p:cSld>
@@ -8971,7 +6657,7 @@
           <p:cNvPr id="2" name="Title 1">
             <a:extLst>
               <a:ext uri="{FF2B5EF4-FFF2-40B4-BE49-F238E27FC236}">
-                <a16:creationId xmlns:a16="http://schemas.microsoft.com/office/drawing/2014/main" id="{6F592F9B-7539-D318-649E-8DFBE73585EE}"/>
+                <a16:creationId xmlns:a16="http://schemas.microsoft.com/office/drawing/2014/main" id="{38DDF76B-2E17-79B2-7ABC-C2D0D39E1019}"/>
               </a:ext>
             </a:extLst>
           </p:cNvPr>
@@ -8982,14 +6668,19 @@
             <p:ph type="title"/>
           </p:nvPr>
         </p:nvSpPr>
-        <p:spPr/>
+        <p:spPr>
+          <a:xfrm>
+            <a:off x="1371600" y="685800"/>
+            <a:ext cx="9601200" cy="919264"/>
+          </a:xfrm>
+        </p:spPr>
         <p:txBody>
           <a:bodyPr/>
           <a:lstStyle/>
           <a:p>
             <a:r>
               <a:rPr lang="en-GB" dirty="0"/>
-              <a:t>Business Objectives</a:t>
+              <a:t>Project Scope</a:t>
             </a:r>
             <a:endParaRPr lang="en-US" dirty="0"/>
           </a:p>
@@ -9000,7 +6691,7 @@
           <p:cNvPr id="3" name="Content Placeholder 2">
             <a:extLst>
               <a:ext uri="{FF2B5EF4-FFF2-40B4-BE49-F238E27FC236}">
-                <a16:creationId xmlns:a16="http://schemas.microsoft.com/office/drawing/2014/main" id="{FBBD26E4-E1A9-8CF3-F48D-7DDA3B069416}"/>
+                <a16:creationId xmlns:a16="http://schemas.microsoft.com/office/drawing/2014/main" id="{F8744A31-FFAD-6CDB-1886-99C4BA10998B}"/>
               </a:ext>
             </a:extLst>
           </p:cNvPr>
@@ -9013,36 +6704,74 @@
         </p:nvSpPr>
         <p:spPr>
           <a:xfrm>
-            <a:off x="1371600" y="1809345"/>
-            <a:ext cx="9601200" cy="3229583"/>
+            <a:off x="1371600" y="1960123"/>
+            <a:ext cx="9601200" cy="2937753"/>
           </a:xfrm>
         </p:spPr>
         <p:txBody>
-          <a:bodyPr/>
+          <a:bodyPr>
+            <a:normAutofit/>
+          </a:bodyPr>
           <a:lstStyle/>
           <a:p>
             <a:r>
               <a:rPr lang="en-GB" dirty="0"/>
-              <a:t>Improve task visibility and accountability.</a:t>
+              <a:t>Responsive web application for task planning and collaboration</a:t>
             </a:r>
           </a:p>
           <a:p>
             <a:r>
               <a:rPr lang="en-GB" dirty="0"/>
-              <a:t>Centralize task assignment and progress tracking.</a:t>
+              <a:t>Accessible across desktop, tablet, and mobile devices</a:t>
             </a:r>
           </a:p>
           <a:p>
             <a:r>
               <a:rPr lang="en-GB" dirty="0"/>
-              <a:t>Enable real-time monitoring and evaluation of project performance by organizations.</a:t>
-            </a:r>
-          </a:p>
-          <a:p>
+              <a:t>Key features:</a:t>
+            </a:r>
+          </a:p>
+          <a:p>
+            <a:pPr lvl="1">
+              <a:buFont typeface="Arial" panose="020B0604020202020204" pitchFamily="34" charset="0"/>
+              <a:buChar char="•"/>
+            </a:pPr>
             <a:r>
               <a:rPr lang="en-GB" dirty="0"/>
-              <a:t>Ensure on-time project delivery aligned with strategic organizational goals.</a:t>
-            </a:r>
+              <a:t>User management</a:t>
+            </a:r>
+          </a:p>
+          <a:p>
+            <a:pPr lvl="1">
+              <a:buFont typeface="Arial" panose="020B0604020202020204" pitchFamily="34" charset="0"/>
+              <a:buChar char="•"/>
+            </a:pPr>
+            <a:r>
+              <a:rPr lang="en-GB" dirty="0"/>
+              <a:t>Project creation</a:t>
+            </a:r>
+          </a:p>
+          <a:p>
+            <a:pPr lvl="1">
+              <a:buFont typeface="Arial" panose="020B0604020202020204" pitchFamily="34" charset="0"/>
+              <a:buChar char="•"/>
+            </a:pPr>
+            <a:r>
+              <a:rPr lang="en-GB" dirty="0"/>
+              <a:t>Task creation and assignment</a:t>
+            </a:r>
+          </a:p>
+          <a:p>
+            <a:pPr lvl="1">
+              <a:buFont typeface="Arial" panose="020B0604020202020204" pitchFamily="34" charset="0"/>
+              <a:buChar char="•"/>
+            </a:pPr>
+            <a:r>
+              <a:rPr lang="en-GB" dirty="0"/>
+              <a:t>Status updates and deadlines</a:t>
+            </a:r>
+          </a:p>
+          <a:p>
             <a:endParaRPr lang="en-US" dirty="0"/>
           </a:p>
         </p:txBody>
@@ -9050,7 +6779,7 @@
     </p:spTree>
     <p:extLst>
       <p:ext uri="{BB962C8B-B14F-4D97-AF65-F5344CB8AC3E}">
-        <p14:creationId xmlns:p14="http://schemas.microsoft.com/office/powerpoint/2010/main" val="707281863"/>
+        <p14:creationId xmlns:p14="http://schemas.microsoft.com/office/powerpoint/2010/main" val="800079400"/>
       </p:ext>
     </p:extLst>
   </p:cSld>
@@ -9082,7 +6811,7 @@
           <p:cNvPr id="2" name="Title 1">
             <a:extLst>
               <a:ext uri="{FF2B5EF4-FFF2-40B4-BE49-F238E27FC236}">
-                <a16:creationId xmlns:a16="http://schemas.microsoft.com/office/drawing/2014/main" id="{38DDF76B-2E17-79B2-7ABC-C2D0D39E1019}"/>
+                <a16:creationId xmlns:a16="http://schemas.microsoft.com/office/drawing/2014/main" id="{1113C17D-66F6-878A-C305-F147993AE1E5}"/>
               </a:ext>
             </a:extLst>
           </p:cNvPr>
@@ -9093,14 +6822,19 @@
             <p:ph type="title"/>
           </p:nvPr>
         </p:nvSpPr>
-        <p:spPr/>
+        <p:spPr>
+          <a:xfrm>
+            <a:off x="1371600" y="685800"/>
+            <a:ext cx="9601200" cy="938719"/>
+          </a:xfrm>
+        </p:spPr>
         <p:txBody>
           <a:bodyPr/>
           <a:lstStyle/>
           <a:p>
             <a:r>
               <a:rPr lang="en-GB" dirty="0"/>
-              <a:t>Project Scope</a:t>
+              <a:t>Technology Stack</a:t>
             </a:r>
             <a:endParaRPr lang="en-US" dirty="0"/>
           </a:p>
@@ -9111,7 +6845,7 @@
           <p:cNvPr id="3" name="Content Placeholder 2">
             <a:extLst>
               <a:ext uri="{FF2B5EF4-FFF2-40B4-BE49-F238E27FC236}">
-                <a16:creationId xmlns:a16="http://schemas.microsoft.com/office/drawing/2014/main" id="{F8744A31-FFAD-6CDB-1886-99C4BA10998B}"/>
+                <a16:creationId xmlns:a16="http://schemas.microsoft.com/office/drawing/2014/main" id="{960DA8EA-2390-2A10-679B-4E7C448C34A9}"/>
               </a:ext>
             </a:extLst>
           </p:cNvPr>
@@ -9124,74 +6858,88 @@
         </p:nvSpPr>
         <p:spPr>
           <a:xfrm>
-            <a:off x="1371600" y="1960123"/>
-            <a:ext cx="9601200" cy="2937753"/>
+            <a:off x="1371600" y="1926076"/>
+            <a:ext cx="9601200" cy="4114801"/>
           </a:xfrm>
         </p:spPr>
         <p:txBody>
-          <a:bodyPr>
-            <a:normAutofit/>
-          </a:bodyPr>
+          <a:bodyPr/>
           <a:lstStyle/>
           <a:p>
             <a:r>
               <a:rPr lang="en-GB" dirty="0"/>
-              <a:t>Responsive web application for task planning and collaboration</a:t>
-            </a:r>
-          </a:p>
-          <a:p>
+              <a:t>Full-Stack Framework (</a:t>
+            </a:r>
+            <a:r>
+              <a:rPr lang="en-GB" dirty="0" err="1"/>
+              <a:t>Next.js</a:t>
+            </a:r>
             <a:r>
               <a:rPr lang="en-GB" dirty="0"/>
-              <a:t>Accessible across desktop, tablet, and mobile</a:t>
-            </a:r>
-          </a:p>
-          <a:p>
+              <a:t> 15+)</a:t>
+            </a:r>
+          </a:p>
+          <a:p>
+            <a:pPr lvl="1"/>
             <a:r>
               <a:rPr lang="en-GB" dirty="0"/>
-              <a:t>Key features:</a:t>
-            </a:r>
-          </a:p>
-          <a:p>
-            <a:pPr lvl="1">
-              <a:buFont typeface="Arial" panose="020B0604020202020204" pitchFamily="34" charset="0"/>
-              <a:buChar char="•"/>
-            </a:pPr>
+              <a:t>Handles both </a:t>
+            </a:r>
+            <a:r>
+              <a:rPr lang="en-GB" b="1" dirty="0"/>
+              <a:t>Frontend</a:t>
+            </a:r>
             <a:r>
               <a:rPr lang="en-GB" dirty="0"/>
-              <a:t>Project creation and deadlines</a:t>
-            </a:r>
-          </a:p>
-          <a:p>
-            <a:pPr lvl="1">
-              <a:buFont typeface="Arial" panose="020B0604020202020204" pitchFamily="34" charset="0"/>
-              <a:buChar char="•"/>
-            </a:pPr>
+              <a:t> and </a:t>
+            </a:r>
+            <a:r>
+              <a:rPr lang="en-GB" b="1" dirty="0"/>
+              <a:t>Backend</a:t>
+            </a:r>
+            <a:endParaRPr lang="en-GB" dirty="0"/>
+          </a:p>
+          <a:p>
             <a:r>
               <a:rPr lang="en-GB" dirty="0"/>
-              <a:t>Task creation and assignment</a:t>
-            </a:r>
-          </a:p>
-          <a:p>
-            <a:pPr lvl="1">
-              <a:buFont typeface="Arial" panose="020B0604020202020204" pitchFamily="34" charset="0"/>
-              <a:buChar char="•"/>
-            </a:pPr>
+              <a:t>ORM (Drizzle)</a:t>
+            </a:r>
+          </a:p>
+          <a:p>
+            <a:pPr lvl="1"/>
             <a:r>
               <a:rPr lang="en-GB" dirty="0"/>
-              <a:t>Status updates and deadlines</a:t>
-            </a:r>
-          </a:p>
-          <a:p>
-            <a:pPr lvl="1">
-              <a:buFont typeface="Arial" panose="020B0604020202020204" pitchFamily="34" charset="0"/>
-              <a:buChar char="•"/>
-            </a:pPr>
+              <a:t>Type-safe, schema-first ORM for SQL databases</a:t>
+            </a:r>
+          </a:p>
+          <a:p>
             <a:r>
               <a:rPr lang="en-GB" dirty="0"/>
-              <a:t>User/member management</a:t>
-            </a:r>
-          </a:p>
-          <a:p>
+              <a:t>Database (MySQL)</a:t>
+            </a:r>
+          </a:p>
+          <a:p>
+            <a:r>
+              <a:rPr lang="en-GB" dirty="0"/>
+              <a:t>Styling (Tailwind CSS) </a:t>
+            </a:r>
+          </a:p>
+          <a:p>
+            <a:pPr lvl="1"/>
+            <a:r>
+              <a:rPr lang="en-GB" dirty="0" err="1"/>
+              <a:t>ShadCN</a:t>
+            </a:r>
+            <a:endParaRPr lang="en-GB" dirty="0"/>
+          </a:p>
+          <a:p>
+            <a:r>
+              <a:rPr lang="en-GB" dirty="0"/>
+              <a:t>GitHub - Version Control &amp; Collaboration</a:t>
+            </a:r>
+          </a:p>
+          <a:p>
+            <a:pPr lvl="1"/>
             <a:endParaRPr lang="en-US" dirty="0"/>
           </a:p>
         </p:txBody>
@@ -9199,7 +6947,7 @@
     </p:spTree>
     <p:extLst>
       <p:ext uri="{BB962C8B-B14F-4D97-AF65-F5344CB8AC3E}">
-        <p14:creationId xmlns:p14="http://schemas.microsoft.com/office/powerpoint/2010/main" val="800079400"/>
+        <p14:creationId xmlns:p14="http://schemas.microsoft.com/office/powerpoint/2010/main" val="151554280"/>
       </p:ext>
     </p:extLst>
   </p:cSld>
@@ -9231,7 +6979,7 @@
           <p:cNvPr id="2" name="Title 1">
             <a:extLst>
               <a:ext uri="{FF2B5EF4-FFF2-40B4-BE49-F238E27FC236}">
-                <a16:creationId xmlns:a16="http://schemas.microsoft.com/office/drawing/2014/main" id="{1113C17D-66F6-878A-C305-F147993AE1E5}"/>
+                <a16:creationId xmlns:a16="http://schemas.microsoft.com/office/drawing/2014/main" id="{6E0C1CCE-2F11-1D54-D4E4-6865EFAC1B26}"/>
               </a:ext>
             </a:extLst>
           </p:cNvPr>
@@ -9242,54 +6990,116 @@
             <p:ph type="title"/>
           </p:nvPr>
         </p:nvSpPr>
-        <p:spPr/>
-        <p:txBody>
-          <a:bodyPr/>
+        <p:spPr>
+          <a:xfrm>
+            <a:off x="1371600" y="685800"/>
+            <a:ext cx="9601200" cy="997085"/>
+          </a:xfrm>
+        </p:spPr>
+        <p:txBody>
+          <a:bodyPr>
+            <a:normAutofit/>
+          </a:bodyPr>
           <a:lstStyle/>
           <a:p>
             <a:r>
               <a:rPr lang="en-GB" dirty="0"/>
-              <a:t>Product Perspective</a:t>
-            </a:r>
-            <a:endParaRPr lang="en-US" dirty="0"/>
-          </a:p>
-        </p:txBody>
-      </p:sp>
-      <p:graphicFrame>
-        <p:nvGraphicFramePr>
-          <p:cNvPr id="4" name="Content Placeholder 3">
+              <a:t>Development Process</a:t>
+            </a:r>
+            <a:endParaRPr lang="en-US" sz="2700" dirty="0"/>
+          </a:p>
+        </p:txBody>
+      </p:sp>
+      <p:sp>
+        <p:nvSpPr>
+          <p:cNvPr id="3" name="Content Placeholder 2">
             <a:extLst>
               <a:ext uri="{FF2B5EF4-FFF2-40B4-BE49-F238E27FC236}">
-                <a16:creationId xmlns:a16="http://schemas.microsoft.com/office/drawing/2014/main" id="{76366933-7A61-034B-0FA6-0F2E38F2D29C}"/>
+                <a16:creationId xmlns:a16="http://schemas.microsoft.com/office/drawing/2014/main" id="{24AC823E-DAFD-6585-4E1F-56AE333A56FA}"/>
               </a:ext>
             </a:extLst>
           </p:cNvPr>
-          <p:cNvGraphicFramePr>
-            <a:graphicFrameLocks noGrp="1"/>
-          </p:cNvGraphicFramePr>
+          <p:cNvSpPr>
+            <a:spLocks noGrp="1"/>
+          </p:cNvSpPr>
           <p:nvPr>
             <p:ph idx="1"/>
-            <p:extLst>
-              <p:ext uri="{D42A27DB-BD31-4B8C-83A1-F6EECF244321}">
-                <p14:modId xmlns:p14="http://schemas.microsoft.com/office/powerpoint/2010/main" val="3040863212"/>
-              </p:ext>
-            </p:extLst>
-          </p:nvPr>
-        </p:nvGraphicFramePr>
-        <p:xfrm>
-          <a:off x="1581665" y="1564159"/>
-          <a:ext cx="9601200" cy="4243517"/>
-        </p:xfrm>
-        <a:graphic>
-          <a:graphicData uri="http://schemas.openxmlformats.org/drawingml/2006/diagram">
-            <dgm:relIds xmlns:dgm="http://schemas.openxmlformats.org/drawingml/2006/diagram" xmlns:r="http://schemas.openxmlformats.org/officeDocument/2006/relationships" r:dm="rId2" r:lo="rId3" r:qs="rId4" r:cs="rId5"/>
-          </a:graphicData>
-        </a:graphic>
-      </p:graphicFrame>
+          </p:nvPr>
+        </p:nvSpPr>
+        <p:spPr>
+          <a:xfrm>
+            <a:off x="1371600" y="1819071"/>
+            <a:ext cx="9601200" cy="4834648"/>
+          </a:xfrm>
+        </p:spPr>
+        <p:txBody>
+          <a:bodyPr>
+            <a:normAutofit/>
+          </a:bodyPr>
+          <a:lstStyle/>
+          <a:p>
+            <a:pPr>
+              <a:lnSpc>
+                <a:spcPct val="100000"/>
+              </a:lnSpc>
+            </a:pPr>
+            <a:r>
+              <a:rPr lang="en-GB" b="1" dirty="0"/>
+              <a:t>Requirements Gathering </a:t>
+            </a:r>
+            <a:br>
+              <a:rPr lang="en-GB" dirty="0"/>
+            </a:br>
+            <a:r>
+              <a:rPr lang="en-GB" dirty="0"/>
+              <a:t>– Defined scope and business needs (SRS)</a:t>
+            </a:r>
+          </a:p>
+          <a:p>
+            <a:r>
+              <a:rPr lang="en-GB" b="1" dirty="0"/>
+              <a:t>System Design</a:t>
+            </a:r>
+            <a:br>
+              <a:rPr lang="en-GB" dirty="0"/>
+            </a:br>
+            <a:r>
+              <a:rPr lang="en-GB" dirty="0"/>
+              <a:t>– Architecture, database schema (drizzle), UI mock-ups (Figma)</a:t>
+            </a:r>
+          </a:p>
+          <a:p>
+            <a:r>
+              <a:rPr lang="en-GB" b="1" dirty="0"/>
+              <a:t>Development</a:t>
+            </a:r>
+            <a:br>
+              <a:rPr lang="en-GB" dirty="0"/>
+            </a:br>
+            <a:r>
+              <a:rPr lang="en-GB" dirty="0"/>
+              <a:t>– Feature development in small cycles</a:t>
+            </a:r>
+          </a:p>
+          <a:p>
+            <a:r>
+              <a:rPr lang="en-GB" b="1" dirty="0"/>
+              <a:t>Testing &amp; QA</a:t>
+            </a:r>
+          </a:p>
+          <a:p>
+            <a:pPr lvl="1"/>
+            <a:r>
+              <a:rPr lang="en-GB" i="0" dirty="0"/>
+              <a:t>Unit Testing</a:t>
+            </a:r>
+          </a:p>
+        </p:txBody>
+      </p:sp>
     </p:spTree>
     <p:extLst>
       <p:ext uri="{BB962C8B-B14F-4D97-AF65-F5344CB8AC3E}">
-        <p14:creationId xmlns:p14="http://schemas.microsoft.com/office/powerpoint/2010/main" val="186605315"/>
+        <p14:creationId xmlns:p14="http://schemas.microsoft.com/office/powerpoint/2010/main" val="641289365"/>
       </p:ext>
     </p:extLst>
   </p:cSld>
@@ -9332,103 +7142,59 @@
             <p:ph type="title"/>
           </p:nvPr>
         </p:nvSpPr>
-        <p:spPr/>
-        <p:txBody>
-          <a:bodyPr/>
+        <p:spPr>
+          <a:xfrm>
+            <a:off x="2158514" y="671209"/>
+            <a:ext cx="7131401" cy="850078"/>
+          </a:xfrm>
+        </p:spPr>
+        <p:txBody>
+          <a:bodyPr>
+            <a:normAutofit fontScale="90000"/>
+          </a:bodyPr>
           <a:lstStyle/>
           <a:p>
             <a:r>
               <a:rPr lang="en-GB" dirty="0"/>
-              <a:t>Product Perspective</a:t>
+              <a:t>Application Architecture (MVC)</a:t>
             </a:r>
             <a:endParaRPr lang="en-US" dirty="0"/>
           </a:p>
         </p:txBody>
       </p:sp>
-      <p:sp>
-        <p:nvSpPr>
-          <p:cNvPr id="3" name="Content Placeholder 2">
+      <p:pic>
+        <p:nvPicPr>
+          <p:cNvPr id="9" name="Content Placeholder 8">
             <a:extLst>
               <a:ext uri="{FF2B5EF4-FFF2-40B4-BE49-F238E27FC236}">
-                <a16:creationId xmlns:a16="http://schemas.microsoft.com/office/drawing/2014/main" id="{960DA8EA-2390-2A10-679B-4E7C448C34A9}"/>
+                <a16:creationId xmlns:a16="http://schemas.microsoft.com/office/drawing/2014/main" id="{3D2FD795-C876-D58A-09B2-B66B61354FAA}"/>
               </a:ext>
             </a:extLst>
           </p:cNvPr>
-          <p:cNvSpPr>
-            <a:spLocks noGrp="1"/>
-          </p:cNvSpPr>
+          <p:cNvPicPr>
+            <a:picLocks noGrp="1" noChangeAspect="1"/>
+          </p:cNvPicPr>
           <p:nvPr>
             <p:ph idx="1"/>
           </p:nvPr>
-        </p:nvSpPr>
+        </p:nvPicPr>
+        <p:blipFill>
+          <a:blip r:embed="rId2"/>
+          <a:stretch>
+            <a:fillRect/>
+          </a:stretch>
+        </p:blipFill>
         <p:spPr>
           <a:xfrm>
-            <a:off x="1371600" y="1926076"/>
-            <a:ext cx="9601200" cy="2966937"/>
+            <a:off x="2265519" y="1521287"/>
+            <a:ext cx="6499102" cy="4238545"/>
           </a:xfrm>
         </p:spPr>
-        <p:txBody>
-          <a:bodyPr/>
-          <a:lstStyle/>
-          <a:p>
-            <a:r>
-              <a:rPr lang="en-GB" b="1" dirty="0"/>
-              <a:t>Type:</a:t>
-            </a:r>
-            <a:r>
-              <a:rPr lang="en-GB" dirty="0"/>
-              <a:t> SaaS, cloud-hosted</a:t>
-            </a:r>
-          </a:p>
-          <a:p>
-            <a:r>
-              <a:rPr lang="en-GB" b="1" dirty="0"/>
-              <a:t>Architecture:</a:t>
-            </a:r>
-            <a:r>
-              <a:rPr lang="en-GB" dirty="0"/>
-              <a:t> Multi-tenant</a:t>
-            </a:r>
-          </a:p>
-          <a:p>
-            <a:r>
-              <a:rPr lang="en-GB" b="1" dirty="0"/>
-              <a:t>Interface:</a:t>
-            </a:r>
-            <a:r>
-              <a:rPr lang="en-GB" dirty="0"/>
-              <a:t> Responsive web design</a:t>
-            </a:r>
-          </a:p>
-          <a:p>
-            <a:r>
-              <a:rPr lang="en-GB" b="1" dirty="0"/>
-              <a:t>Integration:</a:t>
-            </a:r>
-            <a:r>
-              <a:rPr lang="en-GB" dirty="0"/>
-              <a:t> API-first approach (optional)</a:t>
-            </a:r>
-          </a:p>
-          <a:p>
-            <a:r>
-              <a:rPr lang="en-GB" b="1" dirty="0"/>
-              <a:t>Security:</a:t>
-            </a:r>
-            <a:r>
-              <a:rPr lang="en-GB" dirty="0"/>
-              <a:t> GDPR-compliant, secure data isolation</a:t>
-            </a:r>
-          </a:p>
-          <a:p>
-            <a:endParaRPr lang="en-US" dirty="0"/>
-          </a:p>
-        </p:txBody>
-      </p:sp>
+      </p:pic>
     </p:spTree>
     <p:extLst>
       <p:ext uri="{BB962C8B-B14F-4D97-AF65-F5344CB8AC3E}">
-        <p14:creationId xmlns:p14="http://schemas.microsoft.com/office/powerpoint/2010/main" val="82084185"/>
+        <p14:creationId xmlns:p14="http://schemas.microsoft.com/office/powerpoint/2010/main" val="1069943244"/>
       </p:ext>
     </p:extLst>
   </p:cSld>
@@ -9471,53 +7237,369 @@
             <p:ph type="title"/>
           </p:nvPr>
         </p:nvSpPr>
-        <p:spPr/>
-        <p:txBody>
-          <a:bodyPr/>
+        <p:spPr>
+          <a:xfrm>
+            <a:off x="1371601" y="671209"/>
+            <a:ext cx="6128426" cy="632297"/>
+          </a:xfrm>
+        </p:spPr>
+        <p:txBody>
+          <a:bodyPr>
+            <a:normAutofit fontScale="90000"/>
+          </a:bodyPr>
           <a:lstStyle/>
           <a:p>
             <a:r>
               <a:rPr lang="en-GB" dirty="0"/>
-              <a:t>Deployment Architecture</a:t>
+              <a:t>Database Schema</a:t>
             </a:r>
             <a:endParaRPr lang="en-US" dirty="0"/>
           </a:p>
         </p:txBody>
       </p:sp>
-      <p:sp>
-        <p:nvSpPr>
-          <p:cNvPr id="3" name="Content Placeholder 2">
+      <p:pic>
+        <p:nvPicPr>
+          <p:cNvPr id="6" name="Content Placeholder 5">
             <a:extLst>
               <a:ext uri="{FF2B5EF4-FFF2-40B4-BE49-F238E27FC236}">
-                <a16:creationId xmlns:a16="http://schemas.microsoft.com/office/drawing/2014/main" id="{960DA8EA-2390-2A10-679B-4E7C448C34A9}"/>
+                <a16:creationId xmlns:a16="http://schemas.microsoft.com/office/drawing/2014/main" id="{B0548817-D846-67D5-949D-043C265ABE6A}"/>
               </a:ext>
             </a:extLst>
           </p:cNvPr>
-          <p:cNvSpPr>
-            <a:spLocks noGrp="1"/>
-          </p:cNvSpPr>
+          <p:cNvPicPr>
+            <a:picLocks noGrp="1" noChangeAspect="1"/>
+          </p:cNvPicPr>
           <p:nvPr>
             <p:ph idx="1"/>
           </p:nvPr>
-        </p:nvSpPr>
+        </p:nvPicPr>
+        <p:blipFill>
+          <a:blip r:embed="rId2"/>
+          <a:stretch>
+            <a:fillRect/>
+          </a:stretch>
+        </p:blipFill>
         <p:spPr>
           <a:xfrm>
-            <a:off x="1371600" y="1926076"/>
-            <a:ext cx="9601200" cy="2966937"/>
+            <a:off x="1581592" y="1643974"/>
+            <a:ext cx="4713138" cy="2008762"/>
           </a:xfrm>
         </p:spPr>
-        <p:txBody>
-          <a:bodyPr/>
-          <a:lstStyle/>
-          <a:p>
-            <a:endParaRPr lang="en-US" dirty="0"/>
+      </p:pic>
+      <p:pic>
+        <p:nvPicPr>
+          <p:cNvPr id="8" name="Picture 7">
+            <a:extLst>
+              <a:ext uri="{FF2B5EF4-FFF2-40B4-BE49-F238E27FC236}">
+                <a16:creationId xmlns:a16="http://schemas.microsoft.com/office/drawing/2014/main" id="{F4899B7D-FAC2-9A84-7C3B-57AB47EF45AF}"/>
+              </a:ext>
+            </a:extLst>
+          </p:cNvPr>
+          <p:cNvPicPr>
+            <a:picLocks noChangeAspect="1"/>
+          </p:cNvPicPr>
+          <p:nvPr/>
+        </p:nvPicPr>
+        <p:blipFill>
+          <a:blip r:embed="rId3"/>
+          <a:stretch>
+            <a:fillRect/>
+          </a:stretch>
+        </p:blipFill>
+        <p:spPr>
+          <a:xfrm>
+            <a:off x="1596697" y="4029427"/>
+            <a:ext cx="4682928" cy="2364452"/>
+          </a:xfrm>
+          <a:prstGeom prst="rect">
+            <a:avLst/>
+          </a:prstGeom>
+        </p:spPr>
+      </p:pic>
+      <p:pic>
+        <p:nvPicPr>
+          <p:cNvPr id="11" name="Picture 10">
+            <a:extLst>
+              <a:ext uri="{FF2B5EF4-FFF2-40B4-BE49-F238E27FC236}">
+                <a16:creationId xmlns:a16="http://schemas.microsoft.com/office/drawing/2014/main" id="{454172A8-0FC8-C5A6-E0EC-D386930DDF1A}"/>
+              </a:ext>
+            </a:extLst>
+          </p:cNvPr>
+          <p:cNvPicPr>
+            <a:picLocks noChangeAspect="1"/>
+          </p:cNvPicPr>
+          <p:nvPr/>
+        </p:nvPicPr>
+        <p:blipFill>
+          <a:blip r:embed="rId4"/>
+          <a:stretch>
+            <a:fillRect/>
+          </a:stretch>
+        </p:blipFill>
+        <p:spPr>
+          <a:xfrm>
+            <a:off x="7000444" y="1680035"/>
+            <a:ext cx="3936612" cy="2454406"/>
+          </a:xfrm>
+          <a:prstGeom prst="rect">
+            <a:avLst/>
+          </a:prstGeom>
+        </p:spPr>
+      </p:pic>
+      <p:pic>
+        <p:nvPicPr>
+          <p:cNvPr id="13" name="Picture 12">
+            <a:extLst>
+              <a:ext uri="{FF2B5EF4-FFF2-40B4-BE49-F238E27FC236}">
+                <a16:creationId xmlns:a16="http://schemas.microsoft.com/office/drawing/2014/main" id="{883FE6A0-197E-0726-A4C4-F597D6BFE280}"/>
+              </a:ext>
+            </a:extLst>
+          </p:cNvPr>
+          <p:cNvPicPr>
+            <a:picLocks noChangeAspect="1"/>
+          </p:cNvPicPr>
+          <p:nvPr/>
+        </p:nvPicPr>
+        <p:blipFill>
+          <a:blip r:embed="rId5"/>
+          <a:stretch>
+            <a:fillRect/>
+          </a:stretch>
+        </p:blipFill>
+        <p:spPr>
+          <a:xfrm>
+            <a:off x="6894557" y="4785424"/>
+            <a:ext cx="4493098" cy="1401367"/>
+          </a:xfrm>
+          <a:prstGeom prst="rect">
+            <a:avLst/>
+          </a:prstGeom>
+        </p:spPr>
+      </p:pic>
+      <p:sp>
+        <p:nvSpPr>
+          <p:cNvPr id="14" name="Title 1">
+            <a:extLst>
+              <a:ext uri="{FF2B5EF4-FFF2-40B4-BE49-F238E27FC236}">
+                <a16:creationId xmlns:a16="http://schemas.microsoft.com/office/drawing/2014/main" id="{E6CA91C2-4078-799B-958F-575BBC2B5D2D}"/>
+              </a:ext>
+            </a:extLst>
+          </p:cNvPr>
+          <p:cNvSpPr txBox="1">
+            <a:spLocks/>
+          </p:cNvSpPr>
+          <p:nvPr/>
+        </p:nvSpPr>
+        <p:spPr>
+          <a:xfrm>
+            <a:off x="1596697" y="1327033"/>
+            <a:ext cx="1477243" cy="353002"/>
+          </a:xfrm>
+          <a:prstGeom prst="rect">
+            <a:avLst/>
+          </a:prstGeom>
+        </p:spPr>
+        <p:txBody>
+          <a:bodyPr vert="horz" lIns="91440" tIns="45720" rIns="91440" bIns="45720" rtlCol="0" anchor="t">
+            <a:normAutofit fontScale="97500" lnSpcReduction="10000"/>
+          </a:bodyPr>
+          <a:lstStyle>
+            <a:lvl1pPr algn="l" defTabSz="914400" rtl="0" eaLnBrk="1" latinLnBrk="0" hangingPunct="1">
+              <a:lnSpc>
+                <a:spcPct val="89000"/>
+              </a:lnSpc>
+              <a:spcBef>
+                <a:spcPct val="0"/>
+              </a:spcBef>
+              <a:buNone/>
+              <a:defRPr sz="4400" kern="1200" baseline="0">
+                <a:solidFill>
+                  <a:schemeClr val="tx2"/>
+                </a:solidFill>
+                <a:latin typeface="+mj-lt"/>
+                <a:ea typeface="+mj-ea"/>
+                <a:cs typeface="+mj-cs"/>
+              </a:defRPr>
+            </a:lvl1pPr>
+          </a:lstStyle>
+          <a:p>
+            <a:r>
+              <a:rPr lang="en-GB" sz="2000" dirty="0"/>
+              <a:t>Users Table</a:t>
+            </a:r>
+            <a:endParaRPr lang="en-US" sz="2000" dirty="0"/>
+          </a:p>
+        </p:txBody>
+      </p:sp>
+      <p:sp>
+        <p:nvSpPr>
+          <p:cNvPr id="15" name="Title 1">
+            <a:extLst>
+              <a:ext uri="{FF2B5EF4-FFF2-40B4-BE49-F238E27FC236}">
+                <a16:creationId xmlns:a16="http://schemas.microsoft.com/office/drawing/2014/main" id="{73F3FBCD-75A5-EFB3-6659-C3B8F6A60418}"/>
+              </a:ext>
+            </a:extLst>
+          </p:cNvPr>
+          <p:cNvSpPr txBox="1">
+            <a:spLocks/>
+          </p:cNvSpPr>
+          <p:nvPr/>
+        </p:nvSpPr>
+        <p:spPr>
+          <a:xfrm>
+            <a:off x="1582619" y="3743357"/>
+            <a:ext cx="1477243" cy="353002"/>
+          </a:xfrm>
+          <a:prstGeom prst="rect">
+            <a:avLst/>
+          </a:prstGeom>
+        </p:spPr>
+        <p:txBody>
+          <a:bodyPr vert="horz" lIns="91440" tIns="45720" rIns="91440" bIns="45720" rtlCol="0" anchor="t">
+            <a:normAutofit fontScale="97500" lnSpcReduction="10000"/>
+          </a:bodyPr>
+          <a:lstStyle>
+            <a:lvl1pPr algn="l" defTabSz="914400" rtl="0" eaLnBrk="1" latinLnBrk="0" hangingPunct="1">
+              <a:lnSpc>
+                <a:spcPct val="89000"/>
+              </a:lnSpc>
+              <a:spcBef>
+                <a:spcPct val="0"/>
+              </a:spcBef>
+              <a:buNone/>
+              <a:defRPr sz="4400" kern="1200" baseline="0">
+                <a:solidFill>
+                  <a:schemeClr val="tx2"/>
+                </a:solidFill>
+                <a:latin typeface="+mj-lt"/>
+                <a:ea typeface="+mj-ea"/>
+                <a:cs typeface="+mj-cs"/>
+              </a:defRPr>
+            </a:lvl1pPr>
+          </a:lstStyle>
+          <a:p>
+            <a:r>
+              <a:rPr lang="en-GB" sz="2000" dirty="0"/>
+              <a:t>Projects</a:t>
+            </a:r>
+            <a:endParaRPr lang="en-US" sz="2000" dirty="0"/>
+          </a:p>
+        </p:txBody>
+      </p:sp>
+      <p:sp>
+        <p:nvSpPr>
+          <p:cNvPr id="16" name="Title 1">
+            <a:extLst>
+              <a:ext uri="{FF2B5EF4-FFF2-40B4-BE49-F238E27FC236}">
+                <a16:creationId xmlns:a16="http://schemas.microsoft.com/office/drawing/2014/main" id="{CA613D6B-55FF-B47C-81E0-A7EEED7FF6AE}"/>
+              </a:ext>
+            </a:extLst>
+          </p:cNvPr>
+          <p:cNvSpPr txBox="1">
+            <a:spLocks/>
+          </p:cNvSpPr>
+          <p:nvPr/>
+        </p:nvSpPr>
+        <p:spPr>
+          <a:xfrm>
+            <a:off x="6894557" y="1220650"/>
+            <a:ext cx="1477243" cy="353002"/>
+          </a:xfrm>
+          <a:prstGeom prst="rect">
+            <a:avLst/>
+          </a:prstGeom>
+        </p:spPr>
+        <p:txBody>
+          <a:bodyPr vert="horz" lIns="91440" tIns="45720" rIns="91440" bIns="45720" rtlCol="0" anchor="t">
+            <a:normAutofit fontScale="97500" lnSpcReduction="10000"/>
+          </a:bodyPr>
+          <a:lstStyle>
+            <a:lvl1pPr algn="l" defTabSz="914400" rtl="0" eaLnBrk="1" latinLnBrk="0" hangingPunct="1">
+              <a:lnSpc>
+                <a:spcPct val="89000"/>
+              </a:lnSpc>
+              <a:spcBef>
+                <a:spcPct val="0"/>
+              </a:spcBef>
+              <a:buNone/>
+              <a:defRPr sz="4400" kern="1200" baseline="0">
+                <a:solidFill>
+                  <a:schemeClr val="tx2"/>
+                </a:solidFill>
+                <a:latin typeface="+mj-lt"/>
+                <a:ea typeface="+mj-ea"/>
+                <a:cs typeface="+mj-cs"/>
+              </a:defRPr>
+            </a:lvl1pPr>
+          </a:lstStyle>
+          <a:p>
+            <a:r>
+              <a:rPr lang="en-GB" sz="2000" dirty="0"/>
+              <a:t>Tasks</a:t>
+            </a:r>
+            <a:endParaRPr lang="en-US" sz="2000" dirty="0"/>
+          </a:p>
+        </p:txBody>
+      </p:sp>
+      <p:sp>
+        <p:nvSpPr>
+          <p:cNvPr id="17" name="Title 1">
+            <a:extLst>
+              <a:ext uri="{FF2B5EF4-FFF2-40B4-BE49-F238E27FC236}">
+                <a16:creationId xmlns:a16="http://schemas.microsoft.com/office/drawing/2014/main" id="{452006E1-DEE7-0C9F-E1FF-15519A7EBFFE}"/>
+              </a:ext>
+            </a:extLst>
+          </p:cNvPr>
+          <p:cNvSpPr txBox="1">
+            <a:spLocks/>
+          </p:cNvSpPr>
+          <p:nvPr/>
+        </p:nvSpPr>
+        <p:spPr>
+          <a:xfrm>
+            <a:off x="6761405" y="4432422"/>
+            <a:ext cx="1477243" cy="353002"/>
+          </a:xfrm>
+          <a:prstGeom prst="rect">
+            <a:avLst/>
+          </a:prstGeom>
+        </p:spPr>
+        <p:txBody>
+          <a:bodyPr vert="horz" lIns="91440" tIns="45720" rIns="91440" bIns="45720" rtlCol="0" anchor="t">
+            <a:normAutofit fontScale="82500" lnSpcReduction="10000"/>
+          </a:bodyPr>
+          <a:lstStyle>
+            <a:lvl1pPr algn="l" defTabSz="914400" rtl="0" eaLnBrk="1" latinLnBrk="0" hangingPunct="1">
+              <a:lnSpc>
+                <a:spcPct val="89000"/>
+              </a:lnSpc>
+              <a:spcBef>
+                <a:spcPct val="0"/>
+              </a:spcBef>
+              <a:buNone/>
+              <a:defRPr sz="4400" kern="1200" baseline="0">
+                <a:solidFill>
+                  <a:schemeClr val="tx2"/>
+                </a:solidFill>
+                <a:latin typeface="+mj-lt"/>
+                <a:ea typeface="+mj-ea"/>
+                <a:cs typeface="+mj-cs"/>
+              </a:defRPr>
+            </a:lvl1pPr>
+          </a:lstStyle>
+          <a:p>
+            <a:r>
+              <a:rPr lang="en-GB" sz="2000" dirty="0"/>
+              <a:t>Relationships</a:t>
+            </a:r>
+            <a:endParaRPr lang="en-US" sz="2000" dirty="0"/>
           </a:p>
         </p:txBody>
       </p:sp>
     </p:spTree>
     <p:extLst>
       <p:ext uri="{BB962C8B-B14F-4D97-AF65-F5344CB8AC3E}">
-        <p14:creationId xmlns:p14="http://schemas.microsoft.com/office/powerpoint/2010/main" val="151554280"/>
+        <p14:creationId xmlns:p14="http://schemas.microsoft.com/office/powerpoint/2010/main" val="2777102538"/>
       </p:ext>
     </p:extLst>
   </p:cSld>
@@ -9549,7 +7631,7 @@
           <p:cNvPr id="2" name="Title 1">
             <a:extLst>
               <a:ext uri="{FF2B5EF4-FFF2-40B4-BE49-F238E27FC236}">
-                <a16:creationId xmlns:a16="http://schemas.microsoft.com/office/drawing/2014/main" id="{CFB1B0CE-8492-C821-65E6-F6F227CF8AFA}"/>
+                <a16:creationId xmlns:a16="http://schemas.microsoft.com/office/drawing/2014/main" id="{1113C17D-66F6-878A-C305-F147993AE1E5}"/>
               </a:ext>
             </a:extLst>
           </p:cNvPr>
@@ -9560,93 +7642,66 @@
             <p:ph type="title"/>
           </p:nvPr>
         </p:nvSpPr>
-        <p:spPr/>
-        <p:txBody>
-          <a:bodyPr/>
+        <p:spPr>
+          <a:xfrm>
+            <a:off x="1371601" y="671209"/>
+            <a:ext cx="6128426" cy="632297"/>
+          </a:xfrm>
+        </p:spPr>
+        <p:txBody>
+          <a:bodyPr>
+            <a:normAutofit fontScale="90000"/>
+          </a:bodyPr>
           <a:lstStyle/>
           <a:p>
             <a:r>
               <a:rPr lang="en-GB" dirty="0"/>
-              <a:t>Product Features</a:t>
+              <a:t>Figma Designs </a:t>
+            </a:r>
+            <a:br>
+              <a:rPr lang="en-GB" dirty="0"/>
+            </a:br>
+            <a:r>
+              <a:rPr lang="en-GB" dirty="0"/>
+              <a:t>(Desktop)</a:t>
             </a:r>
             <a:endParaRPr lang="en-US" dirty="0"/>
           </a:p>
         </p:txBody>
       </p:sp>
-      <p:sp>
-        <p:nvSpPr>
-          <p:cNvPr id="3" name="Content Placeholder 2">
+      <p:pic>
+        <p:nvPicPr>
+          <p:cNvPr id="7" name="Content Placeholder 6">
             <a:extLst>
               <a:ext uri="{FF2B5EF4-FFF2-40B4-BE49-F238E27FC236}">
-                <a16:creationId xmlns:a16="http://schemas.microsoft.com/office/drawing/2014/main" id="{70683850-6558-CF39-2A71-90DB08FE6388}"/>
+                <a16:creationId xmlns:a16="http://schemas.microsoft.com/office/drawing/2014/main" id="{9AE1802E-6DAC-CDB9-5BD4-C4D0BB189B8A}"/>
               </a:ext>
             </a:extLst>
           </p:cNvPr>
-          <p:cNvSpPr>
-            <a:spLocks noGrp="1"/>
-          </p:cNvSpPr>
+          <p:cNvPicPr>
+            <a:picLocks noGrp="1" noChangeAspect="1"/>
+          </p:cNvPicPr>
           <p:nvPr>
             <p:ph idx="1"/>
           </p:nvPr>
-        </p:nvSpPr>
+        </p:nvPicPr>
+        <p:blipFill>
+          <a:blip r:embed="rId2"/>
+          <a:stretch>
+            <a:fillRect/>
+          </a:stretch>
+        </p:blipFill>
         <p:spPr>
           <a:xfrm>
-            <a:off x="1371600" y="1877439"/>
-            <a:ext cx="9601200" cy="3581400"/>
+            <a:off x="4753879" y="522927"/>
+            <a:ext cx="6972474" cy="4852261"/>
           </a:xfrm>
         </p:spPr>
-        <p:txBody>
-          <a:bodyPr/>
-          <a:lstStyle/>
-          <a:p>
-            <a:r>
-              <a:rPr lang="en-GB" b="1" dirty="0"/>
-              <a:t>Project Management:</a:t>
-            </a:r>
-            <a:r>
-              <a:rPr lang="en-GB" dirty="0"/>
-              <a:t> Create/edit/archive projects, assign owners, set timelines</a:t>
-            </a:r>
-          </a:p>
-          <a:p>
-            <a:r>
-              <a:rPr lang="en-GB" b="1" dirty="0"/>
-              <a:t>Task Management:</a:t>
-            </a:r>
-            <a:r>
-              <a:rPr lang="en-GB" dirty="0"/>
-              <a:t> Add/update/assign tasks, comments, attachments</a:t>
-            </a:r>
-          </a:p>
-          <a:p>
-            <a:r>
-              <a:rPr lang="en-GB" b="1" dirty="0"/>
-              <a:t>Team Management:</a:t>
-            </a:r>
-            <a:r>
-              <a:rPr lang="en-GB" dirty="0"/>
-              <a:t> Invite users, assign roles, manage memberships</a:t>
-            </a:r>
-          </a:p>
-          <a:p>
-            <a:r>
-              <a:rPr lang="en-GB" b="1" dirty="0"/>
-              <a:t>Responsive Interface:</a:t>
-            </a:r>
-            <a:r>
-              <a:rPr lang="en-GB" dirty="0"/>
-              <a:t> Consistent UX across devices</a:t>
-            </a:r>
-          </a:p>
-          <a:p>
-            <a:endParaRPr lang="en-US" dirty="0"/>
-          </a:p>
-        </p:txBody>
-      </p:sp>
+      </p:pic>
     </p:spTree>
     <p:extLst>
       <p:ext uri="{BB962C8B-B14F-4D97-AF65-F5344CB8AC3E}">
-        <p14:creationId xmlns:p14="http://schemas.microsoft.com/office/powerpoint/2010/main" val="886948779"/>
+        <p14:creationId xmlns:p14="http://schemas.microsoft.com/office/powerpoint/2010/main" val="2934515149"/>
       </p:ext>
     </p:extLst>
   </p:cSld>

--- a/Presentation.pptx
+++ b/Presentation.pptx
@@ -8,19 +8,20 @@
     <p:sldId id="256" r:id="rId2"/>
     <p:sldId id="257" r:id="rId3"/>
     <p:sldId id="259" r:id="rId4"/>
-    <p:sldId id="260" r:id="rId5"/>
-    <p:sldId id="269" r:id="rId6"/>
-    <p:sldId id="268" r:id="rId7"/>
-    <p:sldId id="271" r:id="rId8"/>
-    <p:sldId id="273" r:id="rId9"/>
-    <p:sldId id="274" r:id="rId10"/>
-    <p:sldId id="275" r:id="rId11"/>
-    <p:sldId id="263" r:id="rId12"/>
-    <p:sldId id="264" r:id="rId13"/>
-    <p:sldId id="276" r:id="rId14"/>
+    <p:sldId id="277" r:id="rId5"/>
+    <p:sldId id="260" r:id="rId6"/>
+    <p:sldId id="269" r:id="rId7"/>
+    <p:sldId id="268" r:id="rId8"/>
+    <p:sldId id="271" r:id="rId9"/>
+    <p:sldId id="273" r:id="rId10"/>
+    <p:sldId id="274" r:id="rId11"/>
+    <p:sldId id="275" r:id="rId12"/>
+    <p:sldId id="263" r:id="rId13"/>
+    <p:sldId id="264" r:id="rId14"/>
     <p:sldId id="265" r:id="rId15"/>
-    <p:sldId id="267" r:id="rId16"/>
-    <p:sldId id="272" r:id="rId17"/>
+    <p:sldId id="276" r:id="rId16"/>
+    <p:sldId id="267" r:id="rId17"/>
+    <p:sldId id="272" r:id="rId18"/>
   </p:sldIdLst>
   <p:sldSz cx="12192000" cy="6858000"/>
   <p:notesSz cx="6858000" cy="9144000"/>
@@ -3916,6 +3917,108 @@
         <p:spPr>
           <a:xfrm>
             <a:off x="1371601" y="671209"/>
+            <a:ext cx="6128426" cy="632297"/>
+          </a:xfrm>
+        </p:spPr>
+        <p:txBody>
+          <a:bodyPr>
+            <a:normAutofit fontScale="90000"/>
+          </a:bodyPr>
+          <a:lstStyle/>
+          <a:p>
+            <a:r>
+              <a:rPr lang="en-GB" dirty="0"/>
+              <a:t>Figma Designs </a:t>
+            </a:r>
+            <a:br>
+              <a:rPr lang="en-GB" dirty="0"/>
+            </a:br>
+            <a:r>
+              <a:rPr lang="en-GB" dirty="0"/>
+              <a:t>(Desktop)</a:t>
+            </a:r>
+            <a:endParaRPr lang="en-US" dirty="0"/>
+          </a:p>
+        </p:txBody>
+      </p:sp>
+      <p:pic>
+        <p:nvPicPr>
+          <p:cNvPr id="7" name="Content Placeholder 6">
+            <a:extLst>
+              <a:ext uri="{FF2B5EF4-FFF2-40B4-BE49-F238E27FC236}">
+                <a16:creationId xmlns:a16="http://schemas.microsoft.com/office/drawing/2014/main" id="{9AE1802E-6DAC-CDB9-5BD4-C4D0BB189B8A}"/>
+              </a:ext>
+            </a:extLst>
+          </p:cNvPr>
+          <p:cNvPicPr>
+            <a:picLocks noGrp="1" noChangeAspect="1"/>
+          </p:cNvPicPr>
+          <p:nvPr>
+            <p:ph idx="1"/>
+          </p:nvPr>
+        </p:nvPicPr>
+        <p:blipFill>
+          <a:blip r:embed="rId2"/>
+          <a:stretch>
+            <a:fillRect/>
+          </a:stretch>
+        </p:blipFill>
+        <p:spPr>
+          <a:xfrm>
+            <a:off x="3576832" y="1303506"/>
+            <a:ext cx="6972474" cy="4852261"/>
+          </a:xfrm>
+        </p:spPr>
+      </p:pic>
+    </p:spTree>
+    <p:extLst>
+      <p:ext uri="{BB962C8B-B14F-4D97-AF65-F5344CB8AC3E}">
+        <p14:creationId xmlns:p14="http://schemas.microsoft.com/office/powerpoint/2010/main" val="2934515149"/>
+      </p:ext>
+    </p:extLst>
+  </p:cSld>
+  <p:clrMapOvr>
+    <a:masterClrMapping/>
+  </p:clrMapOvr>
+</p:sld>
+</file>
+
+<file path=ppt/slides/slide11.xml><?xml version="1.0" encoding="utf-8"?>
+<p:sld xmlns:a="http://schemas.openxmlformats.org/drawingml/2006/main" xmlns:r="http://schemas.openxmlformats.org/officeDocument/2006/relationships" xmlns:p="http://schemas.openxmlformats.org/presentationml/2006/main">
+  <p:cSld>
+    <p:spTree>
+      <p:nvGrpSpPr>
+        <p:cNvPr id="1" name=""/>
+        <p:cNvGrpSpPr/>
+        <p:nvPr/>
+      </p:nvGrpSpPr>
+      <p:grpSpPr>
+        <a:xfrm>
+          <a:off x="0" y="0"/>
+          <a:ext cx="0" cy="0"/>
+          <a:chOff x="0" y="0"/>
+          <a:chExt cx="0" cy="0"/>
+        </a:xfrm>
+      </p:grpSpPr>
+      <p:sp>
+        <p:nvSpPr>
+          <p:cNvPr id="2" name="Title 1">
+            <a:extLst>
+              <a:ext uri="{FF2B5EF4-FFF2-40B4-BE49-F238E27FC236}">
+                <a16:creationId xmlns:a16="http://schemas.microsoft.com/office/drawing/2014/main" id="{1113C17D-66F6-878A-C305-F147993AE1E5}"/>
+              </a:ext>
+            </a:extLst>
+          </p:cNvPr>
+          <p:cNvSpPr>
+            <a:spLocks noGrp="1"/>
+          </p:cNvSpPr>
+          <p:nvPr>
+            <p:ph type="title"/>
+          </p:nvPr>
+        </p:nvSpPr>
+        <p:spPr>
+          <a:xfrm>
+            <a:off x="1371601" y="671209"/>
             <a:ext cx="3615926" cy="1256445"/>
           </a:xfrm>
         </p:spPr>
@@ -3991,7 +4094,7 @@
 </p:sld>
 </file>
 
-<file path=ppt/slides/slide11.xml><?xml version="1.0" encoding="utf-8"?>
+<file path=ppt/slides/slide12.xml><?xml version="1.0" encoding="utf-8"?>
 <p:sld xmlns:a="http://schemas.openxmlformats.org/drawingml/2006/main" xmlns:r="http://schemas.openxmlformats.org/officeDocument/2006/relationships" xmlns:p="http://schemas.openxmlformats.org/presentationml/2006/main">
   <p:cSld>
     <p:spTree>
@@ -4364,7 +4467,7 @@
 </p:sld>
 </file>
 
-<file path=ppt/slides/slide12.xml><?xml version="1.0" encoding="utf-8"?>
+<file path=ppt/slides/slide13.xml><?xml version="1.0" encoding="utf-8"?>
 <p:sld xmlns:a="http://schemas.openxmlformats.org/drawingml/2006/main" xmlns:r="http://schemas.openxmlformats.org/officeDocument/2006/relationships" xmlns:p="http://schemas.openxmlformats.org/presentationml/2006/main">
   <p:cSld>
     <p:spTree>
@@ -4863,95 +4966,6 @@
 </p:sld>
 </file>
 
-<file path=ppt/slides/slide13.xml><?xml version="1.0" encoding="utf-8"?>
-<p:sld xmlns:a="http://schemas.openxmlformats.org/drawingml/2006/main" xmlns:r="http://schemas.openxmlformats.org/officeDocument/2006/relationships" xmlns:p="http://schemas.openxmlformats.org/presentationml/2006/main">
-  <p:cSld>
-    <p:spTree>
-      <p:nvGrpSpPr>
-        <p:cNvPr id="1" name=""/>
-        <p:cNvGrpSpPr/>
-        <p:nvPr/>
-      </p:nvGrpSpPr>
-      <p:grpSpPr>
-        <a:xfrm>
-          <a:off x="0" y="0"/>
-          <a:ext cx="0" cy="0"/>
-          <a:chOff x="0" y="0"/>
-          <a:chExt cx="0" cy="0"/>
-        </a:xfrm>
-      </p:grpSpPr>
-      <p:sp>
-        <p:nvSpPr>
-          <p:cNvPr id="2" name="Title 1">
-            <a:extLst>
-              <a:ext uri="{FF2B5EF4-FFF2-40B4-BE49-F238E27FC236}">
-                <a16:creationId xmlns:a16="http://schemas.microsoft.com/office/drawing/2014/main" id="{B7619D37-CDF2-0683-5B57-50166F429F04}"/>
-              </a:ext>
-            </a:extLst>
-          </p:cNvPr>
-          <p:cNvSpPr>
-            <a:spLocks noGrp="1"/>
-          </p:cNvSpPr>
-          <p:nvPr>
-            <p:ph type="title"/>
-          </p:nvPr>
-        </p:nvSpPr>
-        <p:spPr>
-          <a:xfrm>
-            <a:off x="1371600" y="895864"/>
-            <a:ext cx="9601200" cy="967902"/>
-          </a:xfrm>
-        </p:spPr>
-        <p:txBody>
-          <a:bodyPr/>
-          <a:lstStyle/>
-          <a:p>
-            <a:r>
-              <a:rPr lang="en-GB" dirty="0"/>
-              <a:t>System Demo</a:t>
-            </a:r>
-            <a:endParaRPr lang="en-US" dirty="0"/>
-          </a:p>
-        </p:txBody>
-      </p:sp>
-      <p:sp>
-        <p:nvSpPr>
-          <p:cNvPr id="5" name="Content Placeholder 4">
-            <a:extLst>
-              <a:ext uri="{FF2B5EF4-FFF2-40B4-BE49-F238E27FC236}">
-                <a16:creationId xmlns:a16="http://schemas.microsoft.com/office/drawing/2014/main" id="{90D43E63-39D0-9358-6CB0-5F7EB3E8AE32}"/>
-              </a:ext>
-            </a:extLst>
-          </p:cNvPr>
-          <p:cNvSpPr>
-            <a:spLocks noGrp="1"/>
-          </p:cNvSpPr>
-          <p:nvPr>
-            <p:ph idx="1"/>
-          </p:nvPr>
-        </p:nvSpPr>
-        <p:spPr/>
-        <p:txBody>
-          <a:bodyPr/>
-          <a:lstStyle/>
-          <a:p>
-            <a:endParaRPr lang="en-US"/>
-          </a:p>
-        </p:txBody>
-      </p:sp>
-    </p:spTree>
-    <p:extLst>
-      <p:ext uri="{BB962C8B-B14F-4D97-AF65-F5344CB8AC3E}">
-        <p14:creationId xmlns:p14="http://schemas.microsoft.com/office/powerpoint/2010/main" val="4283185781"/>
-      </p:ext>
-    </p:extLst>
-  </p:cSld>
-  <p:clrMapOvr>
-    <a:masterClrMapping/>
-  </p:clrMapOvr>
-</p:sld>
-</file>
-
 <file path=ppt/slides/slide14.xml><?xml version="1.0" encoding="utf-8"?>
 <p:sld xmlns:a="http://schemas.openxmlformats.org/drawingml/2006/main" xmlns:r="http://schemas.openxmlformats.org/officeDocument/2006/relationships" xmlns:p="http://schemas.openxmlformats.org/presentationml/2006/main">
   <p:cSld>
@@ -5099,6 +5113,95 @@
           <p:cNvPr id="2" name="Title 1">
             <a:extLst>
               <a:ext uri="{FF2B5EF4-FFF2-40B4-BE49-F238E27FC236}">
+                <a16:creationId xmlns:a16="http://schemas.microsoft.com/office/drawing/2014/main" id="{B7619D37-CDF2-0683-5B57-50166F429F04}"/>
+              </a:ext>
+            </a:extLst>
+          </p:cNvPr>
+          <p:cNvSpPr>
+            <a:spLocks noGrp="1"/>
+          </p:cNvSpPr>
+          <p:nvPr>
+            <p:ph type="title"/>
+          </p:nvPr>
+        </p:nvSpPr>
+        <p:spPr>
+          <a:xfrm>
+            <a:off x="1371600" y="895864"/>
+            <a:ext cx="9601200" cy="967902"/>
+          </a:xfrm>
+        </p:spPr>
+        <p:txBody>
+          <a:bodyPr/>
+          <a:lstStyle/>
+          <a:p>
+            <a:r>
+              <a:rPr lang="en-GB" dirty="0"/>
+              <a:t>System Demo</a:t>
+            </a:r>
+            <a:endParaRPr lang="en-US" dirty="0"/>
+          </a:p>
+        </p:txBody>
+      </p:sp>
+      <p:sp>
+        <p:nvSpPr>
+          <p:cNvPr id="5" name="Content Placeholder 4">
+            <a:extLst>
+              <a:ext uri="{FF2B5EF4-FFF2-40B4-BE49-F238E27FC236}">
+                <a16:creationId xmlns:a16="http://schemas.microsoft.com/office/drawing/2014/main" id="{90D43E63-39D0-9358-6CB0-5F7EB3E8AE32}"/>
+              </a:ext>
+            </a:extLst>
+          </p:cNvPr>
+          <p:cNvSpPr>
+            <a:spLocks noGrp="1"/>
+          </p:cNvSpPr>
+          <p:nvPr>
+            <p:ph idx="1"/>
+          </p:nvPr>
+        </p:nvSpPr>
+        <p:spPr/>
+        <p:txBody>
+          <a:bodyPr/>
+          <a:lstStyle/>
+          <a:p>
+            <a:endParaRPr lang="en-US"/>
+          </a:p>
+        </p:txBody>
+      </p:sp>
+    </p:spTree>
+    <p:extLst>
+      <p:ext uri="{BB962C8B-B14F-4D97-AF65-F5344CB8AC3E}">
+        <p14:creationId xmlns:p14="http://schemas.microsoft.com/office/powerpoint/2010/main" val="4283185781"/>
+      </p:ext>
+    </p:extLst>
+  </p:cSld>
+  <p:clrMapOvr>
+    <a:masterClrMapping/>
+  </p:clrMapOvr>
+</p:sld>
+</file>
+
+<file path=ppt/slides/slide16.xml><?xml version="1.0" encoding="utf-8"?>
+<p:sld xmlns:a="http://schemas.openxmlformats.org/drawingml/2006/main" xmlns:r="http://schemas.openxmlformats.org/officeDocument/2006/relationships" xmlns:p="http://schemas.openxmlformats.org/presentationml/2006/main">
+  <p:cSld>
+    <p:spTree>
+      <p:nvGrpSpPr>
+        <p:cNvPr id="1" name=""/>
+        <p:cNvGrpSpPr/>
+        <p:nvPr/>
+      </p:nvGrpSpPr>
+      <p:grpSpPr>
+        <a:xfrm>
+          <a:off x="0" y="0"/>
+          <a:ext cx="0" cy="0"/>
+          <a:chOff x="0" y="0"/>
+          <a:chExt cx="0" cy="0"/>
+        </a:xfrm>
+      </p:grpSpPr>
+      <p:sp>
+        <p:nvSpPr>
+          <p:cNvPr id="2" name="Title 1">
+            <a:extLst>
+              <a:ext uri="{FF2B5EF4-FFF2-40B4-BE49-F238E27FC236}">
                 <a16:creationId xmlns:a16="http://schemas.microsoft.com/office/drawing/2014/main" id="{BC61B4A5-164F-8645-3034-FC26DA5B3402}"/>
               </a:ext>
             </a:extLst>
@@ -6268,7 +6371,7 @@
 </p:sld>
 </file>
 
-<file path=ppt/slides/slide16.xml><?xml version="1.0" encoding="utf-8"?>
+<file path=ppt/slides/slide17.xml><?xml version="1.0" encoding="utf-8"?>
 <p:sld xmlns:a="http://schemas.openxmlformats.org/drawingml/2006/main" xmlns:r="http://schemas.openxmlformats.org/officeDocument/2006/relationships" xmlns:p="http://schemas.openxmlformats.org/presentationml/2006/main">
   <p:cSld>
     <p:spTree>
@@ -6516,7 +6619,9 @@
           </a:xfrm>
         </p:spPr>
         <p:txBody>
-          <a:bodyPr/>
+          <a:bodyPr>
+            <a:normAutofit/>
+          </a:bodyPr>
           <a:lstStyle/>
           <a:p>
             <a:r>
@@ -6657,7 +6762,7 @@
           <p:cNvPr id="2" name="Title 1">
             <a:extLst>
               <a:ext uri="{FF2B5EF4-FFF2-40B4-BE49-F238E27FC236}">
-                <a16:creationId xmlns:a16="http://schemas.microsoft.com/office/drawing/2014/main" id="{38DDF76B-2E17-79B2-7ABC-C2D0D39E1019}"/>
+                <a16:creationId xmlns:a16="http://schemas.microsoft.com/office/drawing/2014/main" id="{ADBE3110-8248-86C4-353C-C6287A9663BE}"/>
               </a:ext>
             </a:extLst>
           </p:cNvPr>
@@ -6671,7 +6776,7 @@
         <p:spPr>
           <a:xfrm>
             <a:off x="1371600" y="685800"/>
-            <a:ext cx="9601200" cy="919264"/>
+            <a:ext cx="9601200" cy="909536"/>
           </a:xfrm>
         </p:spPr>
         <p:txBody>
@@ -6680,7 +6785,7 @@
           <a:p>
             <a:r>
               <a:rPr lang="en-GB" dirty="0"/>
-              <a:t>Project Scope</a:t>
+              <a:t>Target Market : Small Businesses</a:t>
             </a:r>
             <a:endParaRPr lang="en-US" dirty="0"/>
           </a:p>
@@ -6691,7 +6796,7 @@
           <p:cNvPr id="3" name="Content Placeholder 2">
             <a:extLst>
               <a:ext uri="{FF2B5EF4-FFF2-40B4-BE49-F238E27FC236}">
-                <a16:creationId xmlns:a16="http://schemas.microsoft.com/office/drawing/2014/main" id="{F8744A31-FFAD-6CDB-1886-99C4BA10998B}"/>
+                <a16:creationId xmlns:a16="http://schemas.microsoft.com/office/drawing/2014/main" id="{86525869-01C4-B3C6-C43A-D2A5AA154D95}"/>
               </a:ext>
             </a:extLst>
           </p:cNvPr>
@@ -6704,74 +6809,39 @@
         </p:nvSpPr>
         <p:spPr>
           <a:xfrm>
-            <a:off x="1371600" y="1960123"/>
-            <a:ext cx="9601200" cy="2937753"/>
+            <a:off x="1371600" y="1964987"/>
+            <a:ext cx="9601200" cy="3112851"/>
           </a:xfrm>
         </p:spPr>
         <p:txBody>
-          <a:bodyPr>
-            <a:normAutofit/>
-          </a:bodyPr>
+          <a:bodyPr/>
           <a:lstStyle/>
           <a:p>
             <a:r>
               <a:rPr lang="en-GB" dirty="0"/>
-              <a:t>Responsive web application for task planning and collaboration</a:t>
-            </a:r>
-          </a:p>
-          <a:p>
+              <a:t>This lightweight project management tool to be tailored for small businesses — helping teams stay organized, hit deadlines, and collaborate, without enterprise-level costs.</a:t>
+            </a:r>
+          </a:p>
+          <a:p>
+            <a:pPr lvl="1"/>
             <a:r>
               <a:rPr lang="en-GB" dirty="0"/>
-              <a:t>Accessible across desktop, tablet, and mobile devices</a:t>
-            </a:r>
-          </a:p>
-          <a:p>
+              <a:t>Small businesses with 5–50 people</a:t>
+            </a:r>
+          </a:p>
+          <a:p>
+            <a:pPr lvl="1"/>
             <a:r>
               <a:rPr lang="en-GB" dirty="0"/>
-              <a:t>Key features:</a:t>
-            </a:r>
-          </a:p>
-          <a:p>
-            <a:pPr lvl="1">
-              <a:buFont typeface="Arial" panose="020B0604020202020204" pitchFamily="34" charset="0"/>
-              <a:buChar char="•"/>
-            </a:pPr>
+              <a:t>Limited software budgets</a:t>
+            </a:r>
+          </a:p>
+          <a:p>
+            <a:pPr lvl="1"/>
             <a:r>
               <a:rPr lang="en-GB" dirty="0"/>
-              <a:t>User management</a:t>
-            </a:r>
-          </a:p>
-          <a:p>
-            <a:pPr lvl="1">
-              <a:buFont typeface="Arial" panose="020B0604020202020204" pitchFamily="34" charset="0"/>
-              <a:buChar char="•"/>
-            </a:pPr>
-            <a:r>
-              <a:rPr lang="en-GB" dirty="0"/>
-              <a:t>Project creation</a:t>
-            </a:r>
-          </a:p>
-          <a:p>
-            <a:pPr lvl="1">
-              <a:buFont typeface="Arial" panose="020B0604020202020204" pitchFamily="34" charset="0"/>
-              <a:buChar char="•"/>
-            </a:pPr>
-            <a:r>
-              <a:rPr lang="en-GB" dirty="0"/>
-              <a:t>Task creation and assignment</a:t>
-            </a:r>
-          </a:p>
-          <a:p>
-            <a:pPr lvl="1">
-              <a:buFont typeface="Arial" panose="020B0604020202020204" pitchFamily="34" charset="0"/>
-              <a:buChar char="•"/>
-            </a:pPr>
-            <a:r>
-              <a:rPr lang="en-GB" dirty="0"/>
-              <a:t>Status updates and deadlines</a:t>
-            </a:r>
-          </a:p>
-          <a:p>
+              <a:t>Rely on spreadsheets, emails, or other free tools</a:t>
+            </a:r>
             <a:endParaRPr lang="en-US" dirty="0"/>
           </a:p>
         </p:txBody>
@@ -6779,7 +6849,7 @@
     </p:spTree>
     <p:extLst>
       <p:ext uri="{BB962C8B-B14F-4D97-AF65-F5344CB8AC3E}">
-        <p14:creationId xmlns:p14="http://schemas.microsoft.com/office/powerpoint/2010/main" val="800079400"/>
+        <p14:creationId xmlns:p14="http://schemas.microsoft.com/office/powerpoint/2010/main" val="1698543107"/>
       </p:ext>
     </p:extLst>
   </p:cSld>
@@ -6811,7 +6881,7 @@
           <p:cNvPr id="2" name="Title 1">
             <a:extLst>
               <a:ext uri="{FF2B5EF4-FFF2-40B4-BE49-F238E27FC236}">
-                <a16:creationId xmlns:a16="http://schemas.microsoft.com/office/drawing/2014/main" id="{1113C17D-66F6-878A-C305-F147993AE1E5}"/>
+                <a16:creationId xmlns:a16="http://schemas.microsoft.com/office/drawing/2014/main" id="{38DDF76B-2E17-79B2-7ABC-C2D0D39E1019}"/>
               </a:ext>
             </a:extLst>
           </p:cNvPr>
@@ -6825,7 +6895,7 @@
         <p:spPr>
           <a:xfrm>
             <a:off x="1371600" y="685800"/>
-            <a:ext cx="9601200" cy="938719"/>
+            <a:ext cx="9601200" cy="919264"/>
           </a:xfrm>
         </p:spPr>
         <p:txBody>
@@ -6834,7 +6904,7 @@
           <a:p>
             <a:r>
               <a:rPr lang="en-GB" dirty="0"/>
-              <a:t>Technology Stack</a:t>
+              <a:t>Project Scope</a:t>
             </a:r>
             <a:endParaRPr lang="en-US" dirty="0"/>
           </a:p>
@@ -6845,7 +6915,7 @@
           <p:cNvPr id="3" name="Content Placeholder 2">
             <a:extLst>
               <a:ext uri="{FF2B5EF4-FFF2-40B4-BE49-F238E27FC236}">
-                <a16:creationId xmlns:a16="http://schemas.microsoft.com/office/drawing/2014/main" id="{960DA8EA-2390-2A10-679B-4E7C448C34A9}"/>
+                <a16:creationId xmlns:a16="http://schemas.microsoft.com/office/drawing/2014/main" id="{F8744A31-FFAD-6CDB-1886-99C4BA10998B}"/>
               </a:ext>
             </a:extLst>
           </p:cNvPr>
@@ -6858,88 +6928,74 @@
         </p:nvSpPr>
         <p:spPr>
           <a:xfrm>
-            <a:off x="1371600" y="1926076"/>
-            <a:ext cx="9601200" cy="4114801"/>
+            <a:off x="1371600" y="1960123"/>
+            <a:ext cx="9601200" cy="2937753"/>
           </a:xfrm>
         </p:spPr>
         <p:txBody>
-          <a:bodyPr/>
+          <a:bodyPr>
+            <a:normAutofit/>
+          </a:bodyPr>
           <a:lstStyle/>
           <a:p>
             <a:r>
               <a:rPr lang="en-GB" dirty="0"/>
-              <a:t>Full-Stack Framework (</a:t>
-            </a:r>
-            <a:r>
-              <a:rPr lang="en-GB" dirty="0" err="1"/>
-              <a:t>Next.js</a:t>
-            </a:r>
+              <a:t>Responsive web application for task planning and collaboration</a:t>
+            </a:r>
+          </a:p>
+          <a:p>
             <a:r>
               <a:rPr lang="en-GB" dirty="0"/>
-              <a:t> 15+)</a:t>
-            </a:r>
-          </a:p>
-          <a:p>
-            <a:pPr lvl="1"/>
+              <a:t>Accessible across desktop, tablet, and mobile devices</a:t>
+            </a:r>
+          </a:p>
+          <a:p>
             <a:r>
               <a:rPr lang="en-GB" dirty="0"/>
-              <a:t>Handles both </a:t>
-            </a:r>
-            <a:r>
-              <a:rPr lang="en-GB" b="1" dirty="0"/>
-              <a:t>Frontend</a:t>
-            </a:r>
+              <a:t>Key features:</a:t>
+            </a:r>
+          </a:p>
+          <a:p>
+            <a:pPr lvl="1">
+              <a:buFont typeface="Arial" panose="020B0604020202020204" pitchFamily="34" charset="0"/>
+              <a:buChar char="•"/>
+            </a:pPr>
             <a:r>
               <a:rPr lang="en-GB" dirty="0"/>
-              <a:t> and </a:t>
-            </a:r>
-            <a:r>
-              <a:rPr lang="en-GB" b="1" dirty="0"/>
-              <a:t>Backend</a:t>
-            </a:r>
-            <a:endParaRPr lang="en-GB" dirty="0"/>
-          </a:p>
-          <a:p>
+              <a:t>User management</a:t>
+            </a:r>
+          </a:p>
+          <a:p>
+            <a:pPr lvl="1">
+              <a:buFont typeface="Arial" panose="020B0604020202020204" pitchFamily="34" charset="0"/>
+              <a:buChar char="•"/>
+            </a:pPr>
             <a:r>
               <a:rPr lang="en-GB" dirty="0"/>
-              <a:t>ORM (Drizzle)</a:t>
-            </a:r>
-          </a:p>
-          <a:p>
-            <a:pPr lvl="1"/>
+              <a:t>Project creation</a:t>
+            </a:r>
+          </a:p>
+          <a:p>
+            <a:pPr lvl="1">
+              <a:buFont typeface="Arial" panose="020B0604020202020204" pitchFamily="34" charset="0"/>
+              <a:buChar char="•"/>
+            </a:pPr>
             <a:r>
               <a:rPr lang="en-GB" dirty="0"/>
-              <a:t>Type-safe, schema-first ORM for SQL databases</a:t>
-            </a:r>
-          </a:p>
-          <a:p>
+              <a:t>Task creation and assignment</a:t>
+            </a:r>
+          </a:p>
+          <a:p>
+            <a:pPr lvl="2">
+              <a:buFont typeface="Arial" panose="020B0604020202020204" pitchFamily="34" charset="0"/>
+              <a:buChar char="•"/>
+            </a:pPr>
             <a:r>
               <a:rPr lang="en-GB" dirty="0"/>
-              <a:t>Database (MySQL)</a:t>
-            </a:r>
-          </a:p>
-          <a:p>
-            <a:r>
-              <a:rPr lang="en-GB" dirty="0"/>
-              <a:t>Styling (Tailwind CSS) </a:t>
-            </a:r>
-          </a:p>
-          <a:p>
-            <a:pPr lvl="1"/>
-            <a:r>
-              <a:rPr lang="en-GB" dirty="0" err="1"/>
-              <a:t>ShadCN</a:t>
-            </a:r>
-            <a:endParaRPr lang="en-GB" dirty="0"/>
-          </a:p>
-          <a:p>
-            <a:r>
-              <a:rPr lang="en-GB" dirty="0"/>
-              <a:t>GitHub - Version Control &amp; Collaboration</a:t>
-            </a:r>
-          </a:p>
-          <a:p>
-            <a:pPr lvl="1"/>
+              <a:t>Status updates and deadlines</a:t>
+            </a:r>
+          </a:p>
+          <a:p>
             <a:endParaRPr lang="en-US" dirty="0"/>
           </a:p>
         </p:txBody>
@@ -6947,7 +7003,7 @@
     </p:spTree>
     <p:extLst>
       <p:ext uri="{BB962C8B-B14F-4D97-AF65-F5344CB8AC3E}">
-        <p14:creationId xmlns:p14="http://schemas.microsoft.com/office/powerpoint/2010/main" val="151554280"/>
+        <p14:creationId xmlns:p14="http://schemas.microsoft.com/office/powerpoint/2010/main" val="800079400"/>
       </p:ext>
     </p:extLst>
   </p:cSld>
@@ -6979,6 +7035,174 @@
           <p:cNvPr id="2" name="Title 1">
             <a:extLst>
               <a:ext uri="{FF2B5EF4-FFF2-40B4-BE49-F238E27FC236}">
+                <a16:creationId xmlns:a16="http://schemas.microsoft.com/office/drawing/2014/main" id="{1113C17D-66F6-878A-C305-F147993AE1E5}"/>
+              </a:ext>
+            </a:extLst>
+          </p:cNvPr>
+          <p:cNvSpPr>
+            <a:spLocks noGrp="1"/>
+          </p:cNvSpPr>
+          <p:nvPr>
+            <p:ph type="title"/>
+          </p:nvPr>
+        </p:nvSpPr>
+        <p:spPr>
+          <a:xfrm>
+            <a:off x="1371600" y="685800"/>
+            <a:ext cx="9601200" cy="938719"/>
+          </a:xfrm>
+        </p:spPr>
+        <p:txBody>
+          <a:bodyPr/>
+          <a:lstStyle/>
+          <a:p>
+            <a:r>
+              <a:rPr lang="en-GB" dirty="0"/>
+              <a:t>Technology Stack</a:t>
+            </a:r>
+            <a:endParaRPr lang="en-US" dirty="0"/>
+          </a:p>
+        </p:txBody>
+      </p:sp>
+      <p:sp>
+        <p:nvSpPr>
+          <p:cNvPr id="3" name="Content Placeholder 2">
+            <a:extLst>
+              <a:ext uri="{FF2B5EF4-FFF2-40B4-BE49-F238E27FC236}">
+                <a16:creationId xmlns:a16="http://schemas.microsoft.com/office/drawing/2014/main" id="{960DA8EA-2390-2A10-679B-4E7C448C34A9}"/>
+              </a:ext>
+            </a:extLst>
+          </p:cNvPr>
+          <p:cNvSpPr>
+            <a:spLocks noGrp="1"/>
+          </p:cNvSpPr>
+          <p:nvPr>
+            <p:ph idx="1"/>
+          </p:nvPr>
+        </p:nvSpPr>
+        <p:spPr>
+          <a:xfrm>
+            <a:off x="1371600" y="1926076"/>
+            <a:ext cx="9601200" cy="4114801"/>
+          </a:xfrm>
+        </p:spPr>
+        <p:txBody>
+          <a:bodyPr/>
+          <a:lstStyle/>
+          <a:p>
+            <a:r>
+              <a:rPr lang="en-GB" dirty="0"/>
+              <a:t>Full-Stack Framework (</a:t>
+            </a:r>
+            <a:r>
+              <a:rPr lang="en-GB" dirty="0" err="1"/>
+              <a:t>Next.js</a:t>
+            </a:r>
+            <a:r>
+              <a:rPr lang="en-GB" dirty="0"/>
+              <a:t> 15+)</a:t>
+            </a:r>
+          </a:p>
+          <a:p>
+            <a:pPr lvl="1"/>
+            <a:r>
+              <a:rPr lang="en-GB" dirty="0"/>
+              <a:t>Handles both </a:t>
+            </a:r>
+            <a:r>
+              <a:rPr lang="en-GB" b="1" dirty="0"/>
+              <a:t>Frontend</a:t>
+            </a:r>
+            <a:r>
+              <a:rPr lang="en-GB" dirty="0"/>
+              <a:t> and </a:t>
+            </a:r>
+            <a:r>
+              <a:rPr lang="en-GB" b="1" dirty="0"/>
+              <a:t>Backend</a:t>
+            </a:r>
+            <a:endParaRPr lang="en-GB" dirty="0"/>
+          </a:p>
+          <a:p>
+            <a:r>
+              <a:rPr lang="en-GB" dirty="0"/>
+              <a:t>ORM (Drizzle)</a:t>
+            </a:r>
+          </a:p>
+          <a:p>
+            <a:pPr lvl="1"/>
+            <a:r>
+              <a:rPr lang="en-GB" dirty="0"/>
+              <a:t>Type-safe, schema-first ORM for SQL databases</a:t>
+            </a:r>
+          </a:p>
+          <a:p>
+            <a:r>
+              <a:rPr lang="en-GB" dirty="0"/>
+              <a:t>Database (MySQL)</a:t>
+            </a:r>
+          </a:p>
+          <a:p>
+            <a:r>
+              <a:rPr lang="en-GB" dirty="0"/>
+              <a:t>Styling (Tailwind CSS) </a:t>
+            </a:r>
+          </a:p>
+          <a:p>
+            <a:pPr lvl="1"/>
+            <a:r>
+              <a:rPr lang="en-GB" dirty="0" err="1"/>
+              <a:t>ShadCN</a:t>
+            </a:r>
+            <a:endParaRPr lang="en-GB" dirty="0"/>
+          </a:p>
+          <a:p>
+            <a:r>
+              <a:rPr lang="en-GB" dirty="0"/>
+              <a:t>GitHub - Version Control &amp; Collaboration</a:t>
+            </a:r>
+          </a:p>
+          <a:p>
+            <a:pPr lvl="1"/>
+            <a:endParaRPr lang="en-US" dirty="0"/>
+          </a:p>
+        </p:txBody>
+      </p:sp>
+    </p:spTree>
+    <p:extLst>
+      <p:ext uri="{BB962C8B-B14F-4D97-AF65-F5344CB8AC3E}">
+        <p14:creationId xmlns:p14="http://schemas.microsoft.com/office/powerpoint/2010/main" val="151554280"/>
+      </p:ext>
+    </p:extLst>
+  </p:cSld>
+  <p:clrMapOvr>
+    <a:masterClrMapping/>
+  </p:clrMapOvr>
+</p:sld>
+</file>
+
+<file path=ppt/slides/slide7.xml><?xml version="1.0" encoding="utf-8"?>
+<p:sld xmlns:a="http://schemas.openxmlformats.org/drawingml/2006/main" xmlns:r="http://schemas.openxmlformats.org/officeDocument/2006/relationships" xmlns:p="http://schemas.openxmlformats.org/presentationml/2006/main">
+  <p:cSld>
+    <p:spTree>
+      <p:nvGrpSpPr>
+        <p:cNvPr id="1" name=""/>
+        <p:cNvGrpSpPr/>
+        <p:nvPr/>
+      </p:nvGrpSpPr>
+      <p:grpSpPr>
+        <a:xfrm>
+          <a:off x="0" y="0"/>
+          <a:ext cx="0" cy="0"/>
+          <a:chOff x="0" y="0"/>
+          <a:chExt cx="0" cy="0"/>
+        </a:xfrm>
+      </p:grpSpPr>
+      <p:sp>
+        <p:nvSpPr>
+          <p:cNvPr id="2" name="Title 1">
+            <a:extLst>
+              <a:ext uri="{FF2B5EF4-FFF2-40B4-BE49-F238E27FC236}">
                 <a16:creationId xmlns:a16="http://schemas.microsoft.com/office/drawing/2014/main" id="{6E0C1CCE-2F11-1D54-D4E4-6865EFAC1B26}"/>
               </a:ext>
             </a:extLst>
@@ -7109,7 +7333,7 @@
 </p:sld>
 </file>
 
-<file path=ppt/slides/slide7.xml><?xml version="1.0" encoding="utf-8"?>
+<file path=ppt/slides/slide8.xml><?xml version="1.0" encoding="utf-8"?>
 <p:sld xmlns:a="http://schemas.openxmlformats.org/drawingml/2006/main" xmlns:r="http://schemas.openxmlformats.org/officeDocument/2006/relationships" xmlns:p="http://schemas.openxmlformats.org/presentationml/2006/main">
   <p:cSld>
     <p:spTree>
@@ -7204,7 +7428,7 @@
 </p:sld>
 </file>
 
-<file path=ppt/slides/slide8.xml><?xml version="1.0" encoding="utf-8"?>
+<file path=ppt/slides/slide9.xml><?xml version="1.0" encoding="utf-8"?>
 <p:sld xmlns:a="http://schemas.openxmlformats.org/drawingml/2006/main" xmlns:r="http://schemas.openxmlformats.org/officeDocument/2006/relationships" xmlns:p="http://schemas.openxmlformats.org/presentationml/2006/main">
   <p:cSld>
     <p:spTree>
@@ -7239,8 +7463,8 @@
         </p:nvSpPr>
         <p:spPr>
           <a:xfrm>
-            <a:off x="1371601" y="671209"/>
-            <a:ext cx="6128426" cy="632297"/>
+            <a:off x="1371600" y="671209"/>
+            <a:ext cx="9893029" cy="632297"/>
           </a:xfrm>
         </p:spPr>
         <p:txBody>
@@ -7251,7 +7475,7 @@
           <a:p>
             <a:r>
               <a:rPr lang="en-GB" dirty="0"/>
-              <a:t>Database Schema</a:t>
+              <a:t>Database Schema – Drizzle ORM</a:t>
             </a:r>
             <a:endParaRPr lang="en-US" dirty="0"/>
           </a:p>
@@ -7600,108 +7824,6 @@
     <p:extLst>
       <p:ext uri="{BB962C8B-B14F-4D97-AF65-F5344CB8AC3E}">
         <p14:creationId xmlns:p14="http://schemas.microsoft.com/office/powerpoint/2010/main" val="2777102538"/>
-      </p:ext>
-    </p:extLst>
-  </p:cSld>
-  <p:clrMapOvr>
-    <a:masterClrMapping/>
-  </p:clrMapOvr>
-</p:sld>
-</file>
-
-<file path=ppt/slides/slide9.xml><?xml version="1.0" encoding="utf-8"?>
-<p:sld xmlns:a="http://schemas.openxmlformats.org/drawingml/2006/main" xmlns:r="http://schemas.openxmlformats.org/officeDocument/2006/relationships" xmlns:p="http://schemas.openxmlformats.org/presentationml/2006/main">
-  <p:cSld>
-    <p:spTree>
-      <p:nvGrpSpPr>
-        <p:cNvPr id="1" name=""/>
-        <p:cNvGrpSpPr/>
-        <p:nvPr/>
-      </p:nvGrpSpPr>
-      <p:grpSpPr>
-        <a:xfrm>
-          <a:off x="0" y="0"/>
-          <a:ext cx="0" cy="0"/>
-          <a:chOff x="0" y="0"/>
-          <a:chExt cx="0" cy="0"/>
-        </a:xfrm>
-      </p:grpSpPr>
-      <p:sp>
-        <p:nvSpPr>
-          <p:cNvPr id="2" name="Title 1">
-            <a:extLst>
-              <a:ext uri="{FF2B5EF4-FFF2-40B4-BE49-F238E27FC236}">
-                <a16:creationId xmlns:a16="http://schemas.microsoft.com/office/drawing/2014/main" id="{1113C17D-66F6-878A-C305-F147993AE1E5}"/>
-              </a:ext>
-            </a:extLst>
-          </p:cNvPr>
-          <p:cNvSpPr>
-            <a:spLocks noGrp="1"/>
-          </p:cNvSpPr>
-          <p:nvPr>
-            <p:ph type="title"/>
-          </p:nvPr>
-        </p:nvSpPr>
-        <p:spPr>
-          <a:xfrm>
-            <a:off x="1371601" y="671209"/>
-            <a:ext cx="6128426" cy="632297"/>
-          </a:xfrm>
-        </p:spPr>
-        <p:txBody>
-          <a:bodyPr>
-            <a:normAutofit fontScale="90000"/>
-          </a:bodyPr>
-          <a:lstStyle/>
-          <a:p>
-            <a:r>
-              <a:rPr lang="en-GB" dirty="0"/>
-              <a:t>Figma Designs </a:t>
-            </a:r>
-            <a:br>
-              <a:rPr lang="en-GB" dirty="0"/>
-            </a:br>
-            <a:r>
-              <a:rPr lang="en-GB" dirty="0"/>
-              <a:t>(Desktop)</a:t>
-            </a:r>
-            <a:endParaRPr lang="en-US" dirty="0"/>
-          </a:p>
-        </p:txBody>
-      </p:sp>
-      <p:pic>
-        <p:nvPicPr>
-          <p:cNvPr id="7" name="Content Placeholder 6">
-            <a:extLst>
-              <a:ext uri="{FF2B5EF4-FFF2-40B4-BE49-F238E27FC236}">
-                <a16:creationId xmlns:a16="http://schemas.microsoft.com/office/drawing/2014/main" id="{9AE1802E-6DAC-CDB9-5BD4-C4D0BB189B8A}"/>
-              </a:ext>
-            </a:extLst>
-          </p:cNvPr>
-          <p:cNvPicPr>
-            <a:picLocks noGrp="1" noChangeAspect="1"/>
-          </p:cNvPicPr>
-          <p:nvPr>
-            <p:ph idx="1"/>
-          </p:nvPr>
-        </p:nvPicPr>
-        <p:blipFill>
-          <a:blip r:embed="rId2"/>
-          <a:stretch>
-            <a:fillRect/>
-          </a:stretch>
-        </p:blipFill>
-        <p:spPr>
-          <a:xfrm>
-            <a:off x="4753879" y="522927"/>
-            <a:ext cx="6972474" cy="4852261"/>
-          </a:xfrm>
-        </p:spPr>
-      </p:pic>
-    </p:spTree>
-    <p:extLst>
-      <p:ext uri="{BB962C8B-B14F-4D97-AF65-F5344CB8AC3E}">
-        <p14:creationId xmlns:p14="http://schemas.microsoft.com/office/powerpoint/2010/main" val="2934515149"/>
       </p:ext>
     </p:extLst>
   </p:cSld>

--- a/Presentation.pptx
+++ b/Presentation.pptx
@@ -6,22 +6,21 @@
   </p:sldMasterIdLst>
   <p:sldIdLst>
     <p:sldId id="256" r:id="rId2"/>
-    <p:sldId id="257" r:id="rId3"/>
-    <p:sldId id="259" r:id="rId4"/>
-    <p:sldId id="277" r:id="rId5"/>
-    <p:sldId id="260" r:id="rId6"/>
-    <p:sldId id="269" r:id="rId7"/>
-    <p:sldId id="268" r:id="rId8"/>
-    <p:sldId id="271" r:id="rId9"/>
-    <p:sldId id="273" r:id="rId10"/>
-    <p:sldId id="274" r:id="rId11"/>
-    <p:sldId id="275" r:id="rId12"/>
-    <p:sldId id="263" r:id="rId13"/>
-    <p:sldId id="264" r:id="rId14"/>
-    <p:sldId id="265" r:id="rId15"/>
-    <p:sldId id="276" r:id="rId16"/>
-    <p:sldId id="267" r:id="rId17"/>
-    <p:sldId id="272" r:id="rId18"/>
+    <p:sldId id="259" r:id="rId3"/>
+    <p:sldId id="277" r:id="rId4"/>
+    <p:sldId id="260" r:id="rId5"/>
+    <p:sldId id="269" r:id="rId6"/>
+    <p:sldId id="268" r:id="rId7"/>
+    <p:sldId id="271" r:id="rId8"/>
+    <p:sldId id="273" r:id="rId9"/>
+    <p:sldId id="274" r:id="rId10"/>
+    <p:sldId id="275" r:id="rId11"/>
+    <p:sldId id="263" r:id="rId12"/>
+    <p:sldId id="264" r:id="rId13"/>
+    <p:sldId id="265" r:id="rId14"/>
+    <p:sldId id="276" r:id="rId15"/>
+    <p:sldId id="267" r:id="rId16"/>
+    <p:sldId id="272" r:id="rId17"/>
   </p:sldIdLst>
   <p:sldSz cx="12192000" cy="6858000"/>
   <p:notesSz cx="6858000" cy="9144000"/>
@@ -3917,108 +3916,6 @@
         <p:spPr>
           <a:xfrm>
             <a:off x="1371601" y="671209"/>
-            <a:ext cx="6128426" cy="632297"/>
-          </a:xfrm>
-        </p:spPr>
-        <p:txBody>
-          <a:bodyPr>
-            <a:normAutofit fontScale="90000"/>
-          </a:bodyPr>
-          <a:lstStyle/>
-          <a:p>
-            <a:r>
-              <a:rPr lang="en-GB" dirty="0"/>
-              <a:t>Figma Designs </a:t>
-            </a:r>
-            <a:br>
-              <a:rPr lang="en-GB" dirty="0"/>
-            </a:br>
-            <a:r>
-              <a:rPr lang="en-GB" dirty="0"/>
-              <a:t>(Desktop)</a:t>
-            </a:r>
-            <a:endParaRPr lang="en-US" dirty="0"/>
-          </a:p>
-        </p:txBody>
-      </p:sp>
-      <p:pic>
-        <p:nvPicPr>
-          <p:cNvPr id="7" name="Content Placeholder 6">
-            <a:extLst>
-              <a:ext uri="{FF2B5EF4-FFF2-40B4-BE49-F238E27FC236}">
-                <a16:creationId xmlns:a16="http://schemas.microsoft.com/office/drawing/2014/main" id="{9AE1802E-6DAC-CDB9-5BD4-C4D0BB189B8A}"/>
-              </a:ext>
-            </a:extLst>
-          </p:cNvPr>
-          <p:cNvPicPr>
-            <a:picLocks noGrp="1" noChangeAspect="1"/>
-          </p:cNvPicPr>
-          <p:nvPr>
-            <p:ph idx="1"/>
-          </p:nvPr>
-        </p:nvPicPr>
-        <p:blipFill>
-          <a:blip r:embed="rId2"/>
-          <a:stretch>
-            <a:fillRect/>
-          </a:stretch>
-        </p:blipFill>
-        <p:spPr>
-          <a:xfrm>
-            <a:off x="3576832" y="1303506"/>
-            <a:ext cx="6972474" cy="4852261"/>
-          </a:xfrm>
-        </p:spPr>
-      </p:pic>
-    </p:spTree>
-    <p:extLst>
-      <p:ext uri="{BB962C8B-B14F-4D97-AF65-F5344CB8AC3E}">
-        <p14:creationId xmlns:p14="http://schemas.microsoft.com/office/powerpoint/2010/main" val="2934515149"/>
-      </p:ext>
-    </p:extLst>
-  </p:cSld>
-  <p:clrMapOvr>
-    <a:masterClrMapping/>
-  </p:clrMapOvr>
-</p:sld>
-</file>
-
-<file path=ppt/slides/slide11.xml><?xml version="1.0" encoding="utf-8"?>
-<p:sld xmlns:a="http://schemas.openxmlformats.org/drawingml/2006/main" xmlns:r="http://schemas.openxmlformats.org/officeDocument/2006/relationships" xmlns:p="http://schemas.openxmlformats.org/presentationml/2006/main">
-  <p:cSld>
-    <p:spTree>
-      <p:nvGrpSpPr>
-        <p:cNvPr id="1" name=""/>
-        <p:cNvGrpSpPr/>
-        <p:nvPr/>
-      </p:nvGrpSpPr>
-      <p:grpSpPr>
-        <a:xfrm>
-          <a:off x="0" y="0"/>
-          <a:ext cx="0" cy="0"/>
-          <a:chOff x="0" y="0"/>
-          <a:chExt cx="0" cy="0"/>
-        </a:xfrm>
-      </p:grpSpPr>
-      <p:sp>
-        <p:nvSpPr>
-          <p:cNvPr id="2" name="Title 1">
-            <a:extLst>
-              <a:ext uri="{FF2B5EF4-FFF2-40B4-BE49-F238E27FC236}">
-                <a16:creationId xmlns:a16="http://schemas.microsoft.com/office/drawing/2014/main" id="{1113C17D-66F6-878A-C305-F147993AE1E5}"/>
-              </a:ext>
-            </a:extLst>
-          </p:cNvPr>
-          <p:cNvSpPr>
-            <a:spLocks noGrp="1"/>
-          </p:cNvSpPr>
-          <p:nvPr>
-            <p:ph type="title"/>
-          </p:nvPr>
-        </p:nvSpPr>
-        <p:spPr>
-          <a:xfrm>
-            <a:off x="1371601" y="671209"/>
             <a:ext cx="3615926" cy="1256445"/>
           </a:xfrm>
         </p:spPr>
@@ -4094,7 +3991,7 @@
 </p:sld>
 </file>
 
-<file path=ppt/slides/slide12.xml><?xml version="1.0" encoding="utf-8"?>
+<file path=ppt/slides/slide11.xml><?xml version="1.0" encoding="utf-8"?>
 <p:sld xmlns:a="http://schemas.openxmlformats.org/drawingml/2006/main" xmlns:r="http://schemas.openxmlformats.org/officeDocument/2006/relationships" xmlns:p="http://schemas.openxmlformats.org/presentationml/2006/main">
   <p:cSld>
     <p:spTree>
@@ -4467,7 +4364,7 @@
 </p:sld>
 </file>
 
-<file path=ppt/slides/slide13.xml><?xml version="1.0" encoding="utf-8"?>
+<file path=ppt/slides/slide12.xml><?xml version="1.0" encoding="utf-8"?>
 <p:sld xmlns:a="http://schemas.openxmlformats.org/drawingml/2006/main" xmlns:r="http://schemas.openxmlformats.org/officeDocument/2006/relationships" xmlns:p="http://schemas.openxmlformats.org/presentationml/2006/main">
   <p:cSld>
     <p:spTree>
@@ -4966,6 +4863,131 @@
 </p:sld>
 </file>
 
+<file path=ppt/slides/slide13.xml><?xml version="1.0" encoding="utf-8"?>
+<p:sld xmlns:a="http://schemas.openxmlformats.org/drawingml/2006/main" xmlns:r="http://schemas.openxmlformats.org/officeDocument/2006/relationships" xmlns:p="http://schemas.openxmlformats.org/presentationml/2006/main">
+  <p:cSld>
+    <p:spTree>
+      <p:nvGrpSpPr>
+        <p:cNvPr id="1" name=""/>
+        <p:cNvGrpSpPr/>
+        <p:nvPr/>
+      </p:nvGrpSpPr>
+      <p:grpSpPr>
+        <a:xfrm>
+          <a:off x="0" y="0"/>
+          <a:ext cx="0" cy="0"/>
+          <a:chOff x="0" y="0"/>
+          <a:chExt cx="0" cy="0"/>
+        </a:xfrm>
+      </p:grpSpPr>
+      <p:sp>
+        <p:nvSpPr>
+          <p:cNvPr id="2" name="Title 1">
+            <a:extLst>
+              <a:ext uri="{FF2B5EF4-FFF2-40B4-BE49-F238E27FC236}">
+                <a16:creationId xmlns:a16="http://schemas.microsoft.com/office/drawing/2014/main" id="{2B18E6AD-B77D-D40E-6879-4BAEBCAAAC4C}"/>
+              </a:ext>
+            </a:extLst>
+          </p:cNvPr>
+          <p:cNvSpPr>
+            <a:spLocks noGrp="1"/>
+          </p:cNvSpPr>
+          <p:nvPr>
+            <p:ph type="title"/>
+          </p:nvPr>
+        </p:nvSpPr>
+        <p:spPr/>
+        <p:txBody>
+          <a:bodyPr/>
+          <a:lstStyle/>
+          <a:p>
+            <a:r>
+              <a:rPr lang="en-GB" dirty="0"/>
+              <a:t>Future Work</a:t>
+            </a:r>
+            <a:endParaRPr lang="en-US" dirty="0"/>
+          </a:p>
+        </p:txBody>
+      </p:sp>
+      <p:sp>
+        <p:nvSpPr>
+          <p:cNvPr id="3" name="Content Placeholder 2">
+            <a:extLst>
+              <a:ext uri="{FF2B5EF4-FFF2-40B4-BE49-F238E27FC236}">
+                <a16:creationId xmlns:a16="http://schemas.microsoft.com/office/drawing/2014/main" id="{5CB94C4D-088B-7CC7-8B2E-73DCE5096619}"/>
+              </a:ext>
+            </a:extLst>
+          </p:cNvPr>
+          <p:cNvSpPr>
+            <a:spLocks noGrp="1"/>
+          </p:cNvSpPr>
+          <p:nvPr>
+            <p:ph idx="1"/>
+          </p:nvPr>
+        </p:nvSpPr>
+        <p:spPr>
+          <a:xfrm>
+            <a:off x="1371600" y="1638300"/>
+            <a:ext cx="9601200" cy="3206074"/>
+          </a:xfrm>
+        </p:spPr>
+        <p:txBody>
+          <a:bodyPr/>
+          <a:lstStyle/>
+          <a:p>
+            <a:r>
+              <a:rPr lang="en-GB" dirty="0"/>
+              <a:t>Advanced Reporting &amp; Analytics</a:t>
+            </a:r>
+          </a:p>
+          <a:p>
+            <a:r>
+              <a:rPr lang="en-GB" dirty="0"/>
+              <a:t>Third-Party Integrations(Stripe Payment )</a:t>
+            </a:r>
+          </a:p>
+          <a:p>
+            <a:r>
+              <a:rPr lang="en-GB" dirty="0"/>
+              <a:t>Document Management </a:t>
+            </a:r>
+          </a:p>
+          <a:p>
+            <a:r>
+              <a:rPr lang="en-GB" dirty="0"/>
+              <a:t>Custom Workflows</a:t>
+            </a:r>
+          </a:p>
+          <a:p>
+            <a:r>
+              <a:rPr lang="en-GB" dirty="0"/>
+              <a:t>Role-Based Access Control (RBAC) - (Clerk – Authentication)</a:t>
+            </a:r>
+          </a:p>
+          <a:p>
+            <a:r>
+              <a:rPr lang="en-GB" dirty="0"/>
+              <a:t>Mobile App for iOS and Android</a:t>
+            </a:r>
+          </a:p>
+          <a:p>
+            <a:endParaRPr lang="en-US" dirty="0"/>
+          </a:p>
+        </p:txBody>
+      </p:sp>
+    </p:spTree>
+    <p:extLst>
+      <p:ext uri="{BB962C8B-B14F-4D97-AF65-F5344CB8AC3E}">
+        <p14:creationId xmlns:p14="http://schemas.microsoft.com/office/powerpoint/2010/main" val="894759520"/>
+      </p:ext>
+    </p:extLst>
+  </p:cSld>
+  <p:clrMapOvr>
+    <a:masterClrMapping/>
+  </p:clrMapOvr>
+</p:sld>
+</file>
+
 <file path=ppt/slides/slide14.xml><?xml version="1.0" encoding="utf-8"?>
 <p:sld xmlns:a="http://schemas.openxmlformats.org/drawingml/2006/main" xmlns:r="http://schemas.openxmlformats.org/officeDocument/2006/relationships" xmlns:p="http://schemas.openxmlformats.org/presentationml/2006/main">
   <p:cSld>
@@ -4988,7 +5010,7 @@
           <p:cNvPr id="2" name="Title 1">
             <a:extLst>
               <a:ext uri="{FF2B5EF4-FFF2-40B4-BE49-F238E27FC236}">
-                <a16:creationId xmlns:a16="http://schemas.microsoft.com/office/drawing/2014/main" id="{2B18E6AD-B77D-D40E-6879-4BAEBCAAAC4C}"/>
+                <a16:creationId xmlns:a16="http://schemas.microsoft.com/office/drawing/2014/main" id="{B7619D37-CDF2-0683-5B57-50166F429F04}"/>
               </a:ext>
             </a:extLst>
           </p:cNvPr>
@@ -4999,14 +5021,19 @@
             <p:ph type="title"/>
           </p:nvPr>
         </p:nvSpPr>
-        <p:spPr/>
+        <p:spPr>
+          <a:xfrm>
+            <a:off x="1371600" y="895864"/>
+            <a:ext cx="9601200" cy="967902"/>
+          </a:xfrm>
+        </p:spPr>
         <p:txBody>
           <a:bodyPr/>
           <a:lstStyle/>
           <a:p>
             <a:r>
               <a:rPr lang="en-GB" dirty="0"/>
-              <a:t>Future Work</a:t>
+              <a:t>System Demo</a:t>
             </a:r>
             <a:endParaRPr lang="en-US" dirty="0"/>
           </a:p>
@@ -5014,10 +5041,10 @@
       </p:sp>
       <p:sp>
         <p:nvSpPr>
-          <p:cNvPr id="3" name="Content Placeholder 2">
+          <p:cNvPr id="5" name="Content Placeholder 4">
             <a:extLst>
               <a:ext uri="{FF2B5EF4-FFF2-40B4-BE49-F238E27FC236}">
-                <a16:creationId xmlns:a16="http://schemas.microsoft.com/office/drawing/2014/main" id="{5CB94C4D-088B-7CC7-8B2E-73DCE5096619}"/>
+                <a16:creationId xmlns:a16="http://schemas.microsoft.com/office/drawing/2014/main" id="{90D43E63-39D0-9358-6CB0-5F7EB3E8AE32}"/>
               </a:ext>
             </a:extLst>
           </p:cNvPr>
@@ -5028,60 +5055,19 @@
             <p:ph idx="1"/>
           </p:nvPr>
         </p:nvSpPr>
-        <p:spPr>
-          <a:xfrm>
-            <a:off x="1371600" y="1638300"/>
-            <a:ext cx="9601200" cy="3206074"/>
-          </a:xfrm>
-        </p:spPr>
+        <p:spPr/>
         <p:txBody>
           <a:bodyPr/>
           <a:lstStyle/>
           <a:p>
-            <a:r>
-              <a:rPr lang="en-GB" dirty="0"/>
-              <a:t>Advanced Reporting &amp; Analytics</a:t>
-            </a:r>
-          </a:p>
-          <a:p>
-            <a:r>
-              <a:rPr lang="en-GB" dirty="0"/>
-              <a:t>Third-Party Integrations(Stripe Payment )</a:t>
-            </a:r>
-          </a:p>
-          <a:p>
-            <a:r>
-              <a:rPr lang="en-GB" dirty="0"/>
-              <a:t>Document Management </a:t>
-            </a:r>
-          </a:p>
-          <a:p>
-            <a:r>
-              <a:rPr lang="en-GB" dirty="0"/>
-              <a:t>Custom Workflows</a:t>
-            </a:r>
-          </a:p>
-          <a:p>
-            <a:r>
-              <a:rPr lang="en-GB" dirty="0"/>
-              <a:t>Role-Based Access Control (RBAC) - (Clerk – Authentication)</a:t>
-            </a:r>
-          </a:p>
-          <a:p>
-            <a:r>
-              <a:rPr lang="en-GB" dirty="0"/>
-              <a:t>Mobile App for iOS and Android</a:t>
-            </a:r>
-          </a:p>
-          <a:p>
-            <a:endParaRPr lang="en-US" dirty="0"/>
+            <a:endParaRPr lang="en-US"/>
           </a:p>
         </p:txBody>
       </p:sp>
     </p:spTree>
     <p:extLst>
       <p:ext uri="{BB962C8B-B14F-4D97-AF65-F5344CB8AC3E}">
-        <p14:creationId xmlns:p14="http://schemas.microsoft.com/office/powerpoint/2010/main" val="894759520"/>
+        <p14:creationId xmlns:p14="http://schemas.microsoft.com/office/powerpoint/2010/main" val="4283185781"/>
       </p:ext>
     </p:extLst>
   </p:cSld>
@@ -5113,95 +5099,6 @@
           <p:cNvPr id="2" name="Title 1">
             <a:extLst>
               <a:ext uri="{FF2B5EF4-FFF2-40B4-BE49-F238E27FC236}">
-                <a16:creationId xmlns:a16="http://schemas.microsoft.com/office/drawing/2014/main" id="{B7619D37-CDF2-0683-5B57-50166F429F04}"/>
-              </a:ext>
-            </a:extLst>
-          </p:cNvPr>
-          <p:cNvSpPr>
-            <a:spLocks noGrp="1"/>
-          </p:cNvSpPr>
-          <p:nvPr>
-            <p:ph type="title"/>
-          </p:nvPr>
-        </p:nvSpPr>
-        <p:spPr>
-          <a:xfrm>
-            <a:off x="1371600" y="895864"/>
-            <a:ext cx="9601200" cy="967902"/>
-          </a:xfrm>
-        </p:spPr>
-        <p:txBody>
-          <a:bodyPr/>
-          <a:lstStyle/>
-          <a:p>
-            <a:r>
-              <a:rPr lang="en-GB" dirty="0"/>
-              <a:t>System Demo</a:t>
-            </a:r>
-            <a:endParaRPr lang="en-US" dirty="0"/>
-          </a:p>
-        </p:txBody>
-      </p:sp>
-      <p:sp>
-        <p:nvSpPr>
-          <p:cNvPr id="5" name="Content Placeholder 4">
-            <a:extLst>
-              <a:ext uri="{FF2B5EF4-FFF2-40B4-BE49-F238E27FC236}">
-                <a16:creationId xmlns:a16="http://schemas.microsoft.com/office/drawing/2014/main" id="{90D43E63-39D0-9358-6CB0-5F7EB3E8AE32}"/>
-              </a:ext>
-            </a:extLst>
-          </p:cNvPr>
-          <p:cNvSpPr>
-            <a:spLocks noGrp="1"/>
-          </p:cNvSpPr>
-          <p:nvPr>
-            <p:ph idx="1"/>
-          </p:nvPr>
-        </p:nvSpPr>
-        <p:spPr/>
-        <p:txBody>
-          <a:bodyPr/>
-          <a:lstStyle/>
-          <a:p>
-            <a:endParaRPr lang="en-US"/>
-          </a:p>
-        </p:txBody>
-      </p:sp>
-    </p:spTree>
-    <p:extLst>
-      <p:ext uri="{BB962C8B-B14F-4D97-AF65-F5344CB8AC3E}">
-        <p14:creationId xmlns:p14="http://schemas.microsoft.com/office/powerpoint/2010/main" val="4283185781"/>
-      </p:ext>
-    </p:extLst>
-  </p:cSld>
-  <p:clrMapOvr>
-    <a:masterClrMapping/>
-  </p:clrMapOvr>
-</p:sld>
-</file>
-
-<file path=ppt/slides/slide16.xml><?xml version="1.0" encoding="utf-8"?>
-<p:sld xmlns:a="http://schemas.openxmlformats.org/drawingml/2006/main" xmlns:r="http://schemas.openxmlformats.org/officeDocument/2006/relationships" xmlns:p="http://schemas.openxmlformats.org/presentationml/2006/main">
-  <p:cSld>
-    <p:spTree>
-      <p:nvGrpSpPr>
-        <p:cNvPr id="1" name=""/>
-        <p:cNvGrpSpPr/>
-        <p:nvPr/>
-      </p:nvGrpSpPr>
-      <p:grpSpPr>
-        <a:xfrm>
-          <a:off x="0" y="0"/>
-          <a:ext cx="0" cy="0"/>
-          <a:chOff x="0" y="0"/>
-          <a:chExt cx="0" cy="0"/>
-        </a:xfrm>
-      </p:grpSpPr>
-      <p:sp>
-        <p:nvSpPr>
-          <p:cNvPr id="2" name="Title 1">
-            <a:extLst>
-              <a:ext uri="{FF2B5EF4-FFF2-40B4-BE49-F238E27FC236}">
                 <a16:creationId xmlns:a16="http://schemas.microsoft.com/office/drawing/2014/main" id="{BC61B4A5-164F-8645-3034-FC26DA5B3402}"/>
               </a:ext>
             </a:extLst>
@@ -6371,7 +6268,7 @@
 </p:sld>
 </file>
 
-<file path=ppt/slides/slide17.xml><?xml version="1.0" encoding="utf-8"?>
+<file path=ppt/slides/slide16.xml><?xml version="1.0" encoding="utf-8"?>
 <p:sld xmlns:a="http://schemas.openxmlformats.org/drawingml/2006/main" xmlns:r="http://schemas.openxmlformats.org/officeDocument/2006/relationships" xmlns:p="http://schemas.openxmlformats.org/presentationml/2006/main">
   <p:cSld>
     <p:spTree>
@@ -6477,7 +6374,7 @@
           <p:cNvPr id="2" name="Title 1">
             <a:extLst>
               <a:ext uri="{FF2B5EF4-FFF2-40B4-BE49-F238E27FC236}">
-                <a16:creationId xmlns:a16="http://schemas.microsoft.com/office/drawing/2014/main" id="{6E6BA555-C121-5C8A-D699-67A4B8877F13}"/>
+                <a16:creationId xmlns:a16="http://schemas.microsoft.com/office/drawing/2014/main" id="{6F592F9B-7539-D318-649E-8DFBE73585EE}"/>
               </a:ext>
             </a:extLst>
           </p:cNvPr>
@@ -6488,14 +6385,21 @@
             <p:ph type="title"/>
           </p:nvPr>
         </p:nvSpPr>
-        <p:spPr/>
-        <p:txBody>
-          <a:bodyPr/>
+        <p:spPr>
+          <a:xfrm>
+            <a:off x="1371600" y="685800"/>
+            <a:ext cx="9601200" cy="890081"/>
+          </a:xfrm>
+        </p:spPr>
+        <p:txBody>
+          <a:bodyPr>
+            <a:normAutofit/>
+          </a:bodyPr>
           <a:lstStyle/>
           <a:p>
             <a:r>
               <a:rPr lang="en-GB" dirty="0"/>
-              <a:t>Project Task Manager </a:t>
+              <a:t>Business Objectives</a:t>
             </a:r>
             <a:endParaRPr lang="en-US" dirty="0"/>
           </a:p>
@@ -6506,7 +6410,7 @@
           <p:cNvPr id="3" name="Content Placeholder 2">
             <a:extLst>
               <a:ext uri="{FF2B5EF4-FFF2-40B4-BE49-F238E27FC236}">
-                <a16:creationId xmlns:a16="http://schemas.microsoft.com/office/drawing/2014/main" id="{D86F6968-A4D9-0499-1DF3-BB4DC81B4D01}"/>
+                <a16:creationId xmlns:a16="http://schemas.microsoft.com/office/drawing/2014/main" id="{FBBD26E4-E1A9-8CF3-F48D-7DDA3B069416}"/>
               </a:ext>
             </a:extLst>
           </p:cNvPr>
@@ -6517,48 +6421,78 @@
             <p:ph idx="1"/>
           </p:nvPr>
         </p:nvSpPr>
-        <p:spPr/>
-        <p:txBody>
-          <a:bodyPr/>
+        <p:spPr>
+          <a:xfrm>
+            <a:off x="1371600" y="1809344"/>
+            <a:ext cx="9601200" cy="3715967"/>
+          </a:xfrm>
+        </p:spPr>
+        <p:txBody>
+          <a:bodyPr>
+            <a:normAutofit/>
+          </a:bodyPr>
           <a:lstStyle/>
           <a:p>
+            <a:pPr>
+              <a:spcBef>
+                <a:spcPts val="1200"/>
+              </a:spcBef>
+              <a:spcAft>
+                <a:spcPts val="1200"/>
+              </a:spcAft>
+            </a:pPr>
             <a:r>
               <a:rPr lang="en-GB" b="1" dirty="0"/>
-              <a:t>Title:</a:t>
-            </a:r>
-            <a:r>
+              <a:t>Facilitate Communication and Collaboration</a:t>
+            </a:r>
+            <a:br>
               <a:rPr lang="en-GB" dirty="0"/>
-              <a:t> Development Overview</a:t>
-            </a:r>
-          </a:p>
-          <a:p>
+            </a:br>
+            <a:r>
+              <a:rPr lang="en-GB" dirty="0"/>
+              <a:t>→ Centralized updates, better team alignment</a:t>
+            </a:r>
+          </a:p>
+          <a:p>
+            <a:pPr>
+              <a:spcBef>
+                <a:spcPts val="1200"/>
+              </a:spcBef>
+              <a:spcAft>
+                <a:spcPts val="1200"/>
+              </a:spcAft>
+            </a:pPr>
             <a:r>
               <a:rPr lang="en-GB" b="1" dirty="0"/>
-              <a:t>Prepared by:</a:t>
-            </a:r>
-            <a:r>
+              <a:t>Ensure Accountability and Ownership</a:t>
+            </a:r>
+            <a:br>
               <a:rPr lang="en-GB" dirty="0"/>
-              <a:t> Nima Tshering</a:t>
-            </a:r>
-          </a:p>
-          <a:p>
+            </a:br>
+            <a:r>
+              <a:rPr lang="en-GB" dirty="0"/>
+              <a:t>→ Clear roles, deadlines, and responsibilities</a:t>
+            </a:r>
+          </a:p>
+          <a:p>
+            <a:pPr>
+              <a:spcBef>
+                <a:spcPts val="1200"/>
+              </a:spcBef>
+              <a:spcAft>
+                <a:spcPts val="1200"/>
+              </a:spcAft>
+            </a:pPr>
             <a:r>
               <a:rPr lang="en-GB" b="1" dirty="0"/>
-              <a:t>Date:</a:t>
-            </a:r>
-            <a:r>
+              <a:t>Reduce Project Failures and Cost Overruns</a:t>
+            </a:r>
+            <a:br>
               <a:rPr lang="en-GB" dirty="0"/>
-              <a:t> 12-07-2025</a:t>
-            </a:r>
-          </a:p>
-          <a:p>
-            <a:r>
-              <a:rPr lang="en-GB" b="1" dirty="0"/>
-              <a:t>Version:</a:t>
-            </a:r>
+            </a:br>
             <a:r>
               <a:rPr lang="en-GB" dirty="0"/>
-              <a:t> 1.1</a:t>
+              <a:t>→ Early risk detection, improved project delivery</a:t>
             </a:r>
           </a:p>
           <a:p>
@@ -6569,7 +6503,7 @@
     </p:spTree>
     <p:extLst>
       <p:ext uri="{BB962C8B-B14F-4D97-AF65-F5344CB8AC3E}">
-        <p14:creationId xmlns:p14="http://schemas.microsoft.com/office/powerpoint/2010/main" val="2040675881"/>
+        <p14:creationId xmlns:p14="http://schemas.microsoft.com/office/powerpoint/2010/main" val="707281863"/>
       </p:ext>
     </p:extLst>
   </p:cSld>
@@ -6601,7 +6535,7 @@
           <p:cNvPr id="2" name="Title 1">
             <a:extLst>
               <a:ext uri="{FF2B5EF4-FFF2-40B4-BE49-F238E27FC236}">
-                <a16:creationId xmlns:a16="http://schemas.microsoft.com/office/drawing/2014/main" id="{6F592F9B-7539-D318-649E-8DFBE73585EE}"/>
+                <a16:creationId xmlns:a16="http://schemas.microsoft.com/office/drawing/2014/main" id="{ADBE3110-8248-86C4-353C-C6287A9663BE}"/>
               </a:ext>
             </a:extLst>
           </p:cNvPr>
@@ -6615,18 +6549,16 @@
         <p:spPr>
           <a:xfrm>
             <a:off x="1371600" y="685800"/>
-            <a:ext cx="9601200" cy="890081"/>
+            <a:ext cx="9601200" cy="909536"/>
           </a:xfrm>
         </p:spPr>
         <p:txBody>
-          <a:bodyPr>
-            <a:normAutofit/>
-          </a:bodyPr>
+          <a:bodyPr/>
           <a:lstStyle/>
           <a:p>
             <a:r>
               <a:rPr lang="en-GB" dirty="0"/>
-              <a:t>Business Objectives</a:t>
+              <a:t>Target Market : Small Businesses</a:t>
             </a:r>
             <a:endParaRPr lang="en-US" dirty="0"/>
           </a:p>
@@ -6637,7 +6569,7 @@
           <p:cNvPr id="3" name="Content Placeholder 2">
             <a:extLst>
               <a:ext uri="{FF2B5EF4-FFF2-40B4-BE49-F238E27FC236}">
-                <a16:creationId xmlns:a16="http://schemas.microsoft.com/office/drawing/2014/main" id="{FBBD26E4-E1A9-8CF3-F48D-7DDA3B069416}"/>
+                <a16:creationId xmlns:a16="http://schemas.microsoft.com/office/drawing/2014/main" id="{86525869-01C4-B3C6-C43A-D2A5AA154D95}"/>
               </a:ext>
             </a:extLst>
           </p:cNvPr>
@@ -6650,79 +6582,39 @@
         </p:nvSpPr>
         <p:spPr>
           <a:xfrm>
-            <a:off x="1371600" y="1809344"/>
-            <a:ext cx="9601200" cy="3715967"/>
+            <a:off x="1371600" y="1964987"/>
+            <a:ext cx="9601200" cy="3112851"/>
           </a:xfrm>
         </p:spPr>
         <p:txBody>
-          <a:bodyPr>
-            <a:normAutofit/>
-          </a:bodyPr>
+          <a:bodyPr/>
           <a:lstStyle/>
           <a:p>
-            <a:pPr>
-              <a:spcBef>
-                <a:spcPts val="1200"/>
-              </a:spcBef>
-              <a:spcAft>
-                <a:spcPts val="1200"/>
-              </a:spcAft>
-            </a:pPr>
-            <a:r>
-              <a:rPr lang="en-GB" b="1" dirty="0"/>
-              <a:t>Facilitate Communication and Collaboration</a:t>
-            </a:r>
-            <a:br>
+            <a:r>
               <a:rPr lang="en-GB" dirty="0"/>
-            </a:br>
+              <a:t>This lightweight project management tool to be tailored for small businesses — helping teams stay organized, hit deadlines, and collaborate, without enterprise-level costs.</a:t>
+            </a:r>
+          </a:p>
+          <a:p>
+            <a:pPr lvl="1"/>
             <a:r>
               <a:rPr lang="en-GB" dirty="0"/>
-              <a:t>→ Centralized updates, better team alignment</a:t>
-            </a:r>
-          </a:p>
-          <a:p>
-            <a:pPr>
-              <a:spcBef>
-                <a:spcPts val="1200"/>
-              </a:spcBef>
-              <a:spcAft>
-                <a:spcPts val="1200"/>
-              </a:spcAft>
-            </a:pPr>
-            <a:r>
-              <a:rPr lang="en-GB" b="1" dirty="0"/>
-              <a:t>Ensure Accountability and Ownership</a:t>
-            </a:r>
-            <a:br>
+              <a:t>Small businesses with 5–50 people</a:t>
+            </a:r>
+          </a:p>
+          <a:p>
+            <a:pPr lvl="1"/>
+            <a:r>
               <a:rPr lang="en-GB" dirty="0"/>
-            </a:br>
+              <a:t>Limited software budgets</a:t>
+            </a:r>
+          </a:p>
+          <a:p>
+            <a:pPr lvl="1"/>
             <a:r>
               <a:rPr lang="en-GB" dirty="0"/>
-              <a:t>→ Clear roles, deadlines, and responsibilities</a:t>
-            </a:r>
-          </a:p>
-          <a:p>
-            <a:pPr>
-              <a:spcBef>
-                <a:spcPts val="1200"/>
-              </a:spcBef>
-              <a:spcAft>
-                <a:spcPts val="1200"/>
-              </a:spcAft>
-            </a:pPr>
-            <a:r>
-              <a:rPr lang="en-GB" b="1" dirty="0"/>
-              <a:t>Reduce Project Failures and Cost Overruns</a:t>
-            </a:r>
-            <a:br>
-              <a:rPr lang="en-GB" dirty="0"/>
-            </a:br>
-            <a:r>
-              <a:rPr lang="en-GB" dirty="0"/>
-              <a:t>→ Early risk detection, improved project delivery</a:t>
-            </a:r>
-          </a:p>
-          <a:p>
+              <a:t>Rely on spreadsheets, emails, or other free tools</a:t>
+            </a:r>
             <a:endParaRPr lang="en-US" dirty="0"/>
           </a:p>
         </p:txBody>
@@ -6730,7 +6622,7 @@
     </p:spTree>
     <p:extLst>
       <p:ext uri="{BB962C8B-B14F-4D97-AF65-F5344CB8AC3E}">
-        <p14:creationId xmlns:p14="http://schemas.microsoft.com/office/powerpoint/2010/main" val="707281863"/>
+        <p14:creationId xmlns:p14="http://schemas.microsoft.com/office/powerpoint/2010/main" val="1698543107"/>
       </p:ext>
     </p:extLst>
   </p:cSld>
@@ -6762,7 +6654,7 @@
           <p:cNvPr id="2" name="Title 1">
             <a:extLst>
               <a:ext uri="{FF2B5EF4-FFF2-40B4-BE49-F238E27FC236}">
-                <a16:creationId xmlns:a16="http://schemas.microsoft.com/office/drawing/2014/main" id="{ADBE3110-8248-86C4-353C-C6287A9663BE}"/>
+                <a16:creationId xmlns:a16="http://schemas.microsoft.com/office/drawing/2014/main" id="{38DDF76B-2E17-79B2-7ABC-C2D0D39E1019}"/>
               </a:ext>
             </a:extLst>
           </p:cNvPr>
@@ -6776,7 +6668,7 @@
         <p:spPr>
           <a:xfrm>
             <a:off x="1371600" y="685800"/>
-            <a:ext cx="9601200" cy="909536"/>
+            <a:ext cx="9601200" cy="919264"/>
           </a:xfrm>
         </p:spPr>
         <p:txBody>
@@ -6785,7 +6677,7 @@
           <a:p>
             <a:r>
               <a:rPr lang="en-GB" dirty="0"/>
-              <a:t>Target Market : Small Businesses</a:t>
+              <a:t>Project Scope</a:t>
             </a:r>
             <a:endParaRPr lang="en-US" dirty="0"/>
           </a:p>
@@ -6796,7 +6688,7 @@
           <p:cNvPr id="3" name="Content Placeholder 2">
             <a:extLst>
               <a:ext uri="{FF2B5EF4-FFF2-40B4-BE49-F238E27FC236}">
-                <a16:creationId xmlns:a16="http://schemas.microsoft.com/office/drawing/2014/main" id="{86525869-01C4-B3C6-C43A-D2A5AA154D95}"/>
+                <a16:creationId xmlns:a16="http://schemas.microsoft.com/office/drawing/2014/main" id="{F8744A31-FFAD-6CDB-1886-99C4BA10998B}"/>
               </a:ext>
             </a:extLst>
           </p:cNvPr>
@@ -6809,39 +6701,74 @@
         </p:nvSpPr>
         <p:spPr>
           <a:xfrm>
-            <a:off x="1371600" y="1964987"/>
-            <a:ext cx="9601200" cy="3112851"/>
+            <a:off x="1371600" y="1960123"/>
+            <a:ext cx="9601200" cy="2937753"/>
           </a:xfrm>
         </p:spPr>
         <p:txBody>
-          <a:bodyPr/>
+          <a:bodyPr>
+            <a:normAutofit/>
+          </a:bodyPr>
           <a:lstStyle/>
           <a:p>
             <a:r>
               <a:rPr lang="en-GB" dirty="0"/>
-              <a:t>This lightweight project management tool to be tailored for small businesses — helping teams stay organized, hit deadlines, and collaborate, without enterprise-level costs.</a:t>
-            </a:r>
-          </a:p>
-          <a:p>
-            <a:pPr lvl="1"/>
+              <a:t>Responsive web application for task planning and collaboration</a:t>
+            </a:r>
+          </a:p>
+          <a:p>
             <a:r>
               <a:rPr lang="en-GB" dirty="0"/>
-              <a:t>Small businesses with 5–50 people</a:t>
-            </a:r>
-          </a:p>
-          <a:p>
-            <a:pPr lvl="1"/>
+              <a:t>Accessible across desktop, tablet, and mobile devices</a:t>
+            </a:r>
+          </a:p>
+          <a:p>
             <a:r>
               <a:rPr lang="en-GB" dirty="0"/>
-              <a:t>Limited software budgets</a:t>
-            </a:r>
-          </a:p>
-          <a:p>
-            <a:pPr lvl="1"/>
+              <a:t>Key features:</a:t>
+            </a:r>
+          </a:p>
+          <a:p>
+            <a:pPr lvl="1">
+              <a:buFont typeface="Arial" panose="020B0604020202020204" pitchFamily="34" charset="0"/>
+              <a:buChar char="•"/>
+            </a:pPr>
             <a:r>
               <a:rPr lang="en-GB" dirty="0"/>
-              <a:t>Rely on spreadsheets, emails, or other free tools</a:t>
-            </a:r>
+              <a:t>User management</a:t>
+            </a:r>
+          </a:p>
+          <a:p>
+            <a:pPr lvl="1">
+              <a:buFont typeface="Arial" panose="020B0604020202020204" pitchFamily="34" charset="0"/>
+              <a:buChar char="•"/>
+            </a:pPr>
+            <a:r>
+              <a:rPr lang="en-GB" dirty="0"/>
+              <a:t>Project creation</a:t>
+            </a:r>
+          </a:p>
+          <a:p>
+            <a:pPr lvl="1">
+              <a:buFont typeface="Arial" panose="020B0604020202020204" pitchFamily="34" charset="0"/>
+              <a:buChar char="•"/>
+            </a:pPr>
+            <a:r>
+              <a:rPr lang="en-GB" dirty="0"/>
+              <a:t>Task creation and assignment</a:t>
+            </a:r>
+          </a:p>
+          <a:p>
+            <a:pPr lvl="2">
+              <a:buFont typeface="Arial" panose="020B0604020202020204" pitchFamily="34" charset="0"/>
+              <a:buChar char="•"/>
+            </a:pPr>
+            <a:r>
+              <a:rPr lang="en-GB" dirty="0"/>
+              <a:t>Status updates and deadlines</a:t>
+            </a:r>
+          </a:p>
+          <a:p>
             <a:endParaRPr lang="en-US" dirty="0"/>
           </a:p>
         </p:txBody>
@@ -6849,7 +6776,7 @@
     </p:spTree>
     <p:extLst>
       <p:ext uri="{BB962C8B-B14F-4D97-AF65-F5344CB8AC3E}">
-        <p14:creationId xmlns:p14="http://schemas.microsoft.com/office/powerpoint/2010/main" val="1698543107"/>
+        <p14:creationId xmlns:p14="http://schemas.microsoft.com/office/powerpoint/2010/main" val="800079400"/>
       </p:ext>
     </p:extLst>
   </p:cSld>
@@ -6881,7 +6808,7 @@
           <p:cNvPr id="2" name="Title 1">
             <a:extLst>
               <a:ext uri="{FF2B5EF4-FFF2-40B4-BE49-F238E27FC236}">
-                <a16:creationId xmlns:a16="http://schemas.microsoft.com/office/drawing/2014/main" id="{38DDF76B-2E17-79B2-7ABC-C2D0D39E1019}"/>
+                <a16:creationId xmlns:a16="http://schemas.microsoft.com/office/drawing/2014/main" id="{1113C17D-66F6-878A-C305-F147993AE1E5}"/>
               </a:ext>
             </a:extLst>
           </p:cNvPr>
@@ -6895,7 +6822,7 @@
         <p:spPr>
           <a:xfrm>
             <a:off x="1371600" y="685800"/>
-            <a:ext cx="9601200" cy="919264"/>
+            <a:ext cx="9601200" cy="938719"/>
           </a:xfrm>
         </p:spPr>
         <p:txBody>
@@ -6904,7 +6831,7 @@
           <a:p>
             <a:r>
               <a:rPr lang="en-GB" dirty="0"/>
-              <a:t>Project Scope</a:t>
+              <a:t>Technology Stack</a:t>
             </a:r>
             <a:endParaRPr lang="en-US" dirty="0"/>
           </a:p>
@@ -6915,7 +6842,7 @@
           <p:cNvPr id="3" name="Content Placeholder 2">
             <a:extLst>
               <a:ext uri="{FF2B5EF4-FFF2-40B4-BE49-F238E27FC236}">
-                <a16:creationId xmlns:a16="http://schemas.microsoft.com/office/drawing/2014/main" id="{F8744A31-FFAD-6CDB-1886-99C4BA10998B}"/>
+                <a16:creationId xmlns:a16="http://schemas.microsoft.com/office/drawing/2014/main" id="{960DA8EA-2390-2A10-679B-4E7C448C34A9}"/>
               </a:ext>
             </a:extLst>
           </p:cNvPr>
@@ -6928,74 +6855,88 @@
         </p:nvSpPr>
         <p:spPr>
           <a:xfrm>
-            <a:off x="1371600" y="1960123"/>
-            <a:ext cx="9601200" cy="2937753"/>
+            <a:off x="1371600" y="1926076"/>
+            <a:ext cx="9601200" cy="4114801"/>
           </a:xfrm>
         </p:spPr>
         <p:txBody>
-          <a:bodyPr>
-            <a:normAutofit/>
-          </a:bodyPr>
+          <a:bodyPr/>
           <a:lstStyle/>
           <a:p>
             <a:r>
               <a:rPr lang="en-GB" dirty="0"/>
-              <a:t>Responsive web application for task planning and collaboration</a:t>
-            </a:r>
-          </a:p>
-          <a:p>
+              <a:t>Full-Stack Framework (</a:t>
+            </a:r>
+            <a:r>
+              <a:rPr lang="en-GB" dirty="0" err="1"/>
+              <a:t>Next.js</a:t>
+            </a:r>
             <a:r>
               <a:rPr lang="en-GB" dirty="0"/>
-              <a:t>Accessible across desktop, tablet, and mobile devices</a:t>
-            </a:r>
-          </a:p>
-          <a:p>
+              <a:t> 15+)</a:t>
+            </a:r>
+          </a:p>
+          <a:p>
+            <a:pPr lvl="1"/>
             <a:r>
               <a:rPr lang="en-GB" dirty="0"/>
-              <a:t>Key features:</a:t>
-            </a:r>
-          </a:p>
-          <a:p>
-            <a:pPr lvl="1">
-              <a:buFont typeface="Arial" panose="020B0604020202020204" pitchFamily="34" charset="0"/>
-              <a:buChar char="•"/>
-            </a:pPr>
+              <a:t>Handles both </a:t>
+            </a:r>
+            <a:r>
+              <a:rPr lang="en-GB" b="1" dirty="0"/>
+              <a:t>Frontend</a:t>
+            </a:r>
             <a:r>
               <a:rPr lang="en-GB" dirty="0"/>
-              <a:t>User management</a:t>
-            </a:r>
-          </a:p>
-          <a:p>
-            <a:pPr lvl="1">
-              <a:buFont typeface="Arial" panose="020B0604020202020204" pitchFamily="34" charset="0"/>
-              <a:buChar char="•"/>
-            </a:pPr>
+              <a:t> and </a:t>
+            </a:r>
+            <a:r>
+              <a:rPr lang="en-GB" b="1" dirty="0"/>
+              <a:t>Backend</a:t>
+            </a:r>
+            <a:endParaRPr lang="en-GB" dirty="0"/>
+          </a:p>
+          <a:p>
             <a:r>
               <a:rPr lang="en-GB" dirty="0"/>
-              <a:t>Project creation</a:t>
-            </a:r>
-          </a:p>
-          <a:p>
-            <a:pPr lvl="1">
-              <a:buFont typeface="Arial" panose="020B0604020202020204" pitchFamily="34" charset="0"/>
-              <a:buChar char="•"/>
-            </a:pPr>
+              <a:t>ORM (Drizzle)</a:t>
+            </a:r>
+          </a:p>
+          <a:p>
+            <a:pPr lvl="1"/>
             <a:r>
               <a:rPr lang="en-GB" dirty="0"/>
-              <a:t>Task creation and assignment</a:t>
-            </a:r>
-          </a:p>
-          <a:p>
-            <a:pPr lvl="2">
-              <a:buFont typeface="Arial" panose="020B0604020202020204" pitchFamily="34" charset="0"/>
-              <a:buChar char="•"/>
-            </a:pPr>
+              <a:t>Type-safe, schema-first ORM for SQL databases</a:t>
+            </a:r>
+          </a:p>
+          <a:p>
             <a:r>
               <a:rPr lang="en-GB" dirty="0"/>
-              <a:t>Status updates and deadlines</a:t>
-            </a:r>
-          </a:p>
-          <a:p>
+              <a:t>Database (MySQL)</a:t>
+            </a:r>
+          </a:p>
+          <a:p>
+            <a:r>
+              <a:rPr lang="en-GB" dirty="0"/>
+              <a:t>Styling (Tailwind CSS) </a:t>
+            </a:r>
+          </a:p>
+          <a:p>
+            <a:pPr lvl="1"/>
+            <a:r>
+              <a:rPr lang="en-GB" dirty="0" err="1"/>
+              <a:t>ShadCN</a:t>
+            </a:r>
+            <a:endParaRPr lang="en-GB" dirty="0"/>
+          </a:p>
+          <a:p>
+            <a:r>
+              <a:rPr lang="en-GB" dirty="0"/>
+              <a:t>GitHub - Version Control &amp; Collaboration</a:t>
+            </a:r>
+          </a:p>
+          <a:p>
+            <a:pPr lvl="1"/>
             <a:endParaRPr lang="en-US" dirty="0"/>
           </a:p>
         </p:txBody>
@@ -7003,7 +6944,7 @@
     </p:spTree>
     <p:extLst>
       <p:ext uri="{BB962C8B-B14F-4D97-AF65-F5344CB8AC3E}">
-        <p14:creationId xmlns:p14="http://schemas.microsoft.com/office/powerpoint/2010/main" val="800079400"/>
+        <p14:creationId xmlns:p14="http://schemas.microsoft.com/office/powerpoint/2010/main" val="151554280"/>
       </p:ext>
     </p:extLst>
   </p:cSld>
@@ -7035,174 +6976,6 @@
           <p:cNvPr id="2" name="Title 1">
             <a:extLst>
               <a:ext uri="{FF2B5EF4-FFF2-40B4-BE49-F238E27FC236}">
-                <a16:creationId xmlns:a16="http://schemas.microsoft.com/office/drawing/2014/main" id="{1113C17D-66F6-878A-C305-F147993AE1E5}"/>
-              </a:ext>
-            </a:extLst>
-          </p:cNvPr>
-          <p:cNvSpPr>
-            <a:spLocks noGrp="1"/>
-          </p:cNvSpPr>
-          <p:nvPr>
-            <p:ph type="title"/>
-          </p:nvPr>
-        </p:nvSpPr>
-        <p:spPr>
-          <a:xfrm>
-            <a:off x="1371600" y="685800"/>
-            <a:ext cx="9601200" cy="938719"/>
-          </a:xfrm>
-        </p:spPr>
-        <p:txBody>
-          <a:bodyPr/>
-          <a:lstStyle/>
-          <a:p>
-            <a:r>
-              <a:rPr lang="en-GB" dirty="0"/>
-              <a:t>Technology Stack</a:t>
-            </a:r>
-            <a:endParaRPr lang="en-US" dirty="0"/>
-          </a:p>
-        </p:txBody>
-      </p:sp>
-      <p:sp>
-        <p:nvSpPr>
-          <p:cNvPr id="3" name="Content Placeholder 2">
-            <a:extLst>
-              <a:ext uri="{FF2B5EF4-FFF2-40B4-BE49-F238E27FC236}">
-                <a16:creationId xmlns:a16="http://schemas.microsoft.com/office/drawing/2014/main" id="{960DA8EA-2390-2A10-679B-4E7C448C34A9}"/>
-              </a:ext>
-            </a:extLst>
-          </p:cNvPr>
-          <p:cNvSpPr>
-            <a:spLocks noGrp="1"/>
-          </p:cNvSpPr>
-          <p:nvPr>
-            <p:ph idx="1"/>
-          </p:nvPr>
-        </p:nvSpPr>
-        <p:spPr>
-          <a:xfrm>
-            <a:off x="1371600" y="1926076"/>
-            <a:ext cx="9601200" cy="4114801"/>
-          </a:xfrm>
-        </p:spPr>
-        <p:txBody>
-          <a:bodyPr/>
-          <a:lstStyle/>
-          <a:p>
-            <a:r>
-              <a:rPr lang="en-GB" dirty="0"/>
-              <a:t>Full-Stack Framework (</a:t>
-            </a:r>
-            <a:r>
-              <a:rPr lang="en-GB" dirty="0" err="1"/>
-              <a:t>Next.js</a:t>
-            </a:r>
-            <a:r>
-              <a:rPr lang="en-GB" dirty="0"/>
-              <a:t> 15+)</a:t>
-            </a:r>
-          </a:p>
-          <a:p>
-            <a:pPr lvl="1"/>
-            <a:r>
-              <a:rPr lang="en-GB" dirty="0"/>
-              <a:t>Handles both </a:t>
-            </a:r>
-            <a:r>
-              <a:rPr lang="en-GB" b="1" dirty="0"/>
-              <a:t>Frontend</a:t>
-            </a:r>
-            <a:r>
-              <a:rPr lang="en-GB" dirty="0"/>
-              <a:t> and </a:t>
-            </a:r>
-            <a:r>
-              <a:rPr lang="en-GB" b="1" dirty="0"/>
-              <a:t>Backend</a:t>
-            </a:r>
-            <a:endParaRPr lang="en-GB" dirty="0"/>
-          </a:p>
-          <a:p>
-            <a:r>
-              <a:rPr lang="en-GB" dirty="0"/>
-              <a:t>ORM (Drizzle)</a:t>
-            </a:r>
-          </a:p>
-          <a:p>
-            <a:pPr lvl="1"/>
-            <a:r>
-              <a:rPr lang="en-GB" dirty="0"/>
-              <a:t>Type-safe, schema-first ORM for SQL databases</a:t>
-            </a:r>
-          </a:p>
-          <a:p>
-            <a:r>
-              <a:rPr lang="en-GB" dirty="0"/>
-              <a:t>Database (MySQL)</a:t>
-            </a:r>
-          </a:p>
-          <a:p>
-            <a:r>
-              <a:rPr lang="en-GB" dirty="0"/>
-              <a:t>Styling (Tailwind CSS) </a:t>
-            </a:r>
-          </a:p>
-          <a:p>
-            <a:pPr lvl="1"/>
-            <a:r>
-              <a:rPr lang="en-GB" dirty="0" err="1"/>
-              <a:t>ShadCN</a:t>
-            </a:r>
-            <a:endParaRPr lang="en-GB" dirty="0"/>
-          </a:p>
-          <a:p>
-            <a:r>
-              <a:rPr lang="en-GB" dirty="0"/>
-              <a:t>GitHub - Version Control &amp; Collaboration</a:t>
-            </a:r>
-          </a:p>
-          <a:p>
-            <a:pPr lvl="1"/>
-            <a:endParaRPr lang="en-US" dirty="0"/>
-          </a:p>
-        </p:txBody>
-      </p:sp>
-    </p:spTree>
-    <p:extLst>
-      <p:ext uri="{BB962C8B-B14F-4D97-AF65-F5344CB8AC3E}">
-        <p14:creationId xmlns:p14="http://schemas.microsoft.com/office/powerpoint/2010/main" val="151554280"/>
-      </p:ext>
-    </p:extLst>
-  </p:cSld>
-  <p:clrMapOvr>
-    <a:masterClrMapping/>
-  </p:clrMapOvr>
-</p:sld>
-</file>
-
-<file path=ppt/slides/slide7.xml><?xml version="1.0" encoding="utf-8"?>
-<p:sld xmlns:a="http://schemas.openxmlformats.org/drawingml/2006/main" xmlns:r="http://schemas.openxmlformats.org/officeDocument/2006/relationships" xmlns:p="http://schemas.openxmlformats.org/presentationml/2006/main">
-  <p:cSld>
-    <p:spTree>
-      <p:nvGrpSpPr>
-        <p:cNvPr id="1" name=""/>
-        <p:cNvGrpSpPr/>
-        <p:nvPr/>
-      </p:nvGrpSpPr>
-      <p:grpSpPr>
-        <a:xfrm>
-          <a:off x="0" y="0"/>
-          <a:ext cx="0" cy="0"/>
-          <a:chOff x="0" y="0"/>
-          <a:chExt cx="0" cy="0"/>
-        </a:xfrm>
-      </p:grpSpPr>
-      <p:sp>
-        <p:nvSpPr>
-          <p:cNvPr id="2" name="Title 1">
-            <a:extLst>
-              <a:ext uri="{FF2B5EF4-FFF2-40B4-BE49-F238E27FC236}">
                 <a16:creationId xmlns:a16="http://schemas.microsoft.com/office/drawing/2014/main" id="{6E0C1CCE-2F11-1D54-D4E4-6865EFAC1B26}"/>
               </a:ext>
             </a:extLst>
@@ -7333,7 +7106,7 @@
 </p:sld>
 </file>
 
-<file path=ppt/slides/slide8.xml><?xml version="1.0" encoding="utf-8"?>
+<file path=ppt/slides/slide7.xml><?xml version="1.0" encoding="utf-8"?>
 <p:sld xmlns:a="http://schemas.openxmlformats.org/drawingml/2006/main" xmlns:r="http://schemas.openxmlformats.org/officeDocument/2006/relationships" xmlns:p="http://schemas.openxmlformats.org/presentationml/2006/main">
   <p:cSld>
     <p:spTree>
@@ -7428,7 +7201,7 @@
 </p:sld>
 </file>
 
-<file path=ppt/slides/slide9.xml><?xml version="1.0" encoding="utf-8"?>
+<file path=ppt/slides/slide8.xml><?xml version="1.0" encoding="utf-8"?>
 <p:sld xmlns:a="http://schemas.openxmlformats.org/drawingml/2006/main" xmlns:r="http://schemas.openxmlformats.org/officeDocument/2006/relationships" xmlns:p="http://schemas.openxmlformats.org/presentationml/2006/main">
   <p:cSld>
     <p:spTree>
@@ -7824,6 +7597,108 @@
     <p:extLst>
       <p:ext uri="{BB962C8B-B14F-4D97-AF65-F5344CB8AC3E}">
         <p14:creationId xmlns:p14="http://schemas.microsoft.com/office/powerpoint/2010/main" val="2777102538"/>
+      </p:ext>
+    </p:extLst>
+  </p:cSld>
+  <p:clrMapOvr>
+    <a:masterClrMapping/>
+  </p:clrMapOvr>
+</p:sld>
+</file>
+
+<file path=ppt/slides/slide9.xml><?xml version="1.0" encoding="utf-8"?>
+<p:sld xmlns:a="http://schemas.openxmlformats.org/drawingml/2006/main" xmlns:r="http://schemas.openxmlformats.org/officeDocument/2006/relationships" xmlns:p="http://schemas.openxmlformats.org/presentationml/2006/main">
+  <p:cSld>
+    <p:spTree>
+      <p:nvGrpSpPr>
+        <p:cNvPr id="1" name=""/>
+        <p:cNvGrpSpPr/>
+        <p:nvPr/>
+      </p:nvGrpSpPr>
+      <p:grpSpPr>
+        <a:xfrm>
+          <a:off x="0" y="0"/>
+          <a:ext cx="0" cy="0"/>
+          <a:chOff x="0" y="0"/>
+          <a:chExt cx="0" cy="0"/>
+        </a:xfrm>
+      </p:grpSpPr>
+      <p:sp>
+        <p:nvSpPr>
+          <p:cNvPr id="2" name="Title 1">
+            <a:extLst>
+              <a:ext uri="{FF2B5EF4-FFF2-40B4-BE49-F238E27FC236}">
+                <a16:creationId xmlns:a16="http://schemas.microsoft.com/office/drawing/2014/main" id="{1113C17D-66F6-878A-C305-F147993AE1E5}"/>
+              </a:ext>
+            </a:extLst>
+          </p:cNvPr>
+          <p:cNvSpPr>
+            <a:spLocks noGrp="1"/>
+          </p:cNvSpPr>
+          <p:nvPr>
+            <p:ph type="title"/>
+          </p:nvPr>
+        </p:nvSpPr>
+        <p:spPr>
+          <a:xfrm>
+            <a:off x="1371601" y="671209"/>
+            <a:ext cx="6128426" cy="632297"/>
+          </a:xfrm>
+        </p:spPr>
+        <p:txBody>
+          <a:bodyPr>
+            <a:normAutofit fontScale="90000"/>
+          </a:bodyPr>
+          <a:lstStyle/>
+          <a:p>
+            <a:r>
+              <a:rPr lang="en-GB" dirty="0"/>
+              <a:t>Figma Designs </a:t>
+            </a:r>
+            <a:br>
+              <a:rPr lang="en-GB" dirty="0"/>
+            </a:br>
+            <a:r>
+              <a:rPr lang="en-GB" dirty="0"/>
+              <a:t>(Desktop)</a:t>
+            </a:r>
+            <a:endParaRPr lang="en-US" dirty="0"/>
+          </a:p>
+        </p:txBody>
+      </p:sp>
+      <p:pic>
+        <p:nvPicPr>
+          <p:cNvPr id="7" name="Content Placeholder 6">
+            <a:extLst>
+              <a:ext uri="{FF2B5EF4-FFF2-40B4-BE49-F238E27FC236}">
+                <a16:creationId xmlns:a16="http://schemas.microsoft.com/office/drawing/2014/main" id="{9AE1802E-6DAC-CDB9-5BD4-C4D0BB189B8A}"/>
+              </a:ext>
+            </a:extLst>
+          </p:cNvPr>
+          <p:cNvPicPr>
+            <a:picLocks noGrp="1" noChangeAspect="1"/>
+          </p:cNvPicPr>
+          <p:nvPr>
+            <p:ph idx="1"/>
+          </p:nvPr>
+        </p:nvPicPr>
+        <p:blipFill>
+          <a:blip r:embed="rId2"/>
+          <a:stretch>
+            <a:fillRect/>
+          </a:stretch>
+        </p:blipFill>
+        <p:spPr>
+          <a:xfrm>
+            <a:off x="3576832" y="1303506"/>
+            <a:ext cx="6972474" cy="4852261"/>
+          </a:xfrm>
+        </p:spPr>
+      </p:pic>
+    </p:spTree>
+    <p:extLst>
+      <p:ext uri="{BB962C8B-B14F-4D97-AF65-F5344CB8AC3E}">
+        <p14:creationId xmlns:p14="http://schemas.microsoft.com/office/powerpoint/2010/main" val="2934515149"/>
       </p:ext>
     </p:extLst>
   </p:cSld>

--- a/Presentation.pptx
+++ b/Presentation.pptx
@@ -6855,8 +6855,8 @@
         </p:nvSpPr>
         <p:spPr>
           <a:xfrm>
-            <a:off x="1371600" y="1926076"/>
-            <a:ext cx="9601200" cy="4114801"/>
+            <a:off x="1371600" y="1624520"/>
+            <a:ext cx="9601200" cy="3540868"/>
           </a:xfrm>
         </p:spPr>
         <p:txBody>
@@ -6869,7 +6869,7 @@
             </a:r>
             <a:r>
               <a:rPr lang="en-GB" dirty="0" err="1"/>
-              <a:t>Next.js</a:t>
+              <a:t>Next.JS</a:t>
             </a:r>
             <a:r>
               <a:rPr lang="en-GB" dirty="0"/>
@@ -7236,7 +7236,7 @@
         </p:nvSpPr>
         <p:spPr>
           <a:xfrm>
-            <a:off x="1371600" y="671209"/>
+            <a:off x="1489693" y="483088"/>
             <a:ext cx="9893029" cy="632297"/>
           </a:xfrm>
         </p:spPr>
@@ -7305,7 +7305,7 @@
         </p:blipFill>
         <p:spPr>
           <a:xfrm>
-            <a:off x="1596697" y="4029427"/>
+            <a:off x="1581592" y="4131049"/>
             <a:ext cx="4682928" cy="2364452"/>
           </a:xfrm>
           <a:prstGeom prst="rect">
@@ -7335,8 +7335,8 @@
         </p:blipFill>
         <p:spPr>
           <a:xfrm>
-            <a:off x="7000444" y="1680035"/>
-            <a:ext cx="3936612" cy="2454406"/>
+            <a:off x="6894556" y="1680033"/>
+            <a:ext cx="4488165" cy="2798289"/>
           </a:xfrm>
           <a:prstGeom prst="rect">
             <a:avLst/>
@@ -7365,7 +7365,7 @@
         </p:blipFill>
         <p:spPr>
           <a:xfrm>
-            <a:off x="6894557" y="4785424"/>
+            <a:off x="6894556" y="4973545"/>
             <a:ext cx="4493098" cy="1401367"/>
           </a:xfrm>
           <a:prstGeom prst="rect">
@@ -7389,7 +7389,7 @@
         </p:nvSpPr>
         <p:spPr>
           <a:xfrm>
-            <a:off x="1596697" y="1327033"/>
+            <a:off x="1489693" y="1315269"/>
             <a:ext cx="1477243" cy="353002"/>
           </a:xfrm>
           <a:prstGeom prst="rect">
@@ -7444,7 +7444,7 @@
         </p:nvSpPr>
         <p:spPr>
           <a:xfrm>
-            <a:off x="1582619" y="3743357"/>
+            <a:off x="1489693" y="3781438"/>
             <a:ext cx="1477243" cy="353002"/>
           </a:xfrm>
           <a:prstGeom prst="rect">
@@ -7499,7 +7499,7 @@
         </p:nvSpPr>
         <p:spPr>
           <a:xfrm>
-            <a:off x="6894557" y="1220650"/>
+            <a:off x="6761405" y="1354542"/>
             <a:ext cx="1477243" cy="353002"/>
           </a:xfrm>
           <a:prstGeom prst="rect">
@@ -7554,7 +7554,7 @@
         </p:nvSpPr>
         <p:spPr>
           <a:xfrm>
-            <a:off x="6761405" y="4432422"/>
+            <a:off x="6819773" y="4701965"/>
             <a:ext cx="1477243" cy="353002"/>
           </a:xfrm>
           <a:prstGeom prst="rect">
